--- a/02_Funkcije/JavaScript_02_Funkcije.pptx
+++ b/02_Funkcije/JavaScript_02_Funkcije.pptx
@@ -3099,8 +3099,8 @@
               <a:rPr lang="sr-Latn-RS" dirty="0" smtClean="0"/>
             </a:br>
             <a:r>
-              <a:rPr lang="sr-Latn-RS" dirty="0" smtClean="0"/>
-              <a:t>Objekti</a:t>
+              <a:rPr lang="en-GB" smtClean="0"/>
+              <a:t>Funkcije</a:t>
             </a:r>
             <a:endParaRPr lang="en-GB" dirty="0"/>
           </a:p>

--- a/02_Funkcije/JavaScript_02_Funkcije.pptx
+++ b/02_Funkcije/JavaScript_02_Funkcije.pptx
@@ -9,16 +9,36 @@
     <p:sldId id="257" r:id="rId3"/>
     <p:sldId id="258" r:id="rId4"/>
     <p:sldId id="259" r:id="rId5"/>
-    <p:sldId id="260" r:id="rId6"/>
-    <p:sldId id="261" r:id="rId7"/>
-    <p:sldId id="262" r:id="rId8"/>
-    <p:sldId id="263" r:id="rId9"/>
-    <p:sldId id="264" r:id="rId10"/>
-    <p:sldId id="265" r:id="rId11"/>
-    <p:sldId id="266" r:id="rId12"/>
-    <p:sldId id="267" r:id="rId13"/>
-    <p:sldId id="268" r:id="rId14"/>
-    <p:sldId id="269" r:id="rId15"/>
+    <p:sldId id="270" r:id="rId6"/>
+    <p:sldId id="260" r:id="rId7"/>
+    <p:sldId id="261" r:id="rId8"/>
+    <p:sldId id="262" r:id="rId9"/>
+    <p:sldId id="271" r:id="rId10"/>
+    <p:sldId id="272" r:id="rId11"/>
+    <p:sldId id="274" r:id="rId12"/>
+    <p:sldId id="275" r:id="rId13"/>
+    <p:sldId id="276" r:id="rId14"/>
+    <p:sldId id="277" r:id="rId15"/>
+    <p:sldId id="278" r:id="rId16"/>
+    <p:sldId id="279" r:id="rId17"/>
+    <p:sldId id="281" r:id="rId18"/>
+    <p:sldId id="280" r:id="rId19"/>
+    <p:sldId id="282" r:id="rId20"/>
+    <p:sldId id="283" r:id="rId21"/>
+    <p:sldId id="284" r:id="rId22"/>
+    <p:sldId id="285" r:id="rId23"/>
+    <p:sldId id="287" r:id="rId24"/>
+    <p:sldId id="286" r:id="rId25"/>
+    <p:sldId id="288" r:id="rId26"/>
+    <p:sldId id="290" r:id="rId27"/>
+    <p:sldId id="289" r:id="rId28"/>
+    <p:sldId id="291" r:id="rId29"/>
+    <p:sldId id="292" r:id="rId30"/>
+    <p:sldId id="293" r:id="rId31"/>
+    <p:sldId id="294" r:id="rId32"/>
+    <p:sldId id="295" r:id="rId33"/>
+    <p:sldId id="296" r:id="rId34"/>
+    <p:sldId id="297" r:id="rId35"/>
   </p:sldIdLst>
   <p:sldSz cx="9144000" cy="6858000" type="screen4x3"/>
   <p:notesSz cx="6858000" cy="9144000"/>
@@ -302,7 +322,7 @@
             <a:fld id="{1D8BD707-D9CF-40AE-B4C6-C98DA3205C09}" type="datetimeFigureOut">
               <a:rPr lang="en-US" smtClean="0"/>
               <a:pPr/>
-              <a:t>2/3/2016</a:t>
+              <a:t>2/12/2016</a:t>
             </a:fld>
             <a:endParaRPr lang="en-US"/>
           </a:p>
@@ -469,7 +489,7 @@
             <a:fld id="{1D8BD707-D9CF-40AE-B4C6-C98DA3205C09}" type="datetimeFigureOut">
               <a:rPr lang="en-US" smtClean="0"/>
               <a:pPr/>
-              <a:t>2/3/2016</a:t>
+              <a:t>2/12/2016</a:t>
             </a:fld>
             <a:endParaRPr lang="en-US"/>
           </a:p>
@@ -646,7 +666,7 @@
             <a:fld id="{1D8BD707-D9CF-40AE-B4C6-C98DA3205C09}" type="datetimeFigureOut">
               <a:rPr lang="en-US" smtClean="0"/>
               <a:pPr/>
-              <a:t>2/3/2016</a:t>
+              <a:t>2/12/2016</a:t>
             </a:fld>
             <a:endParaRPr lang="en-US"/>
           </a:p>
@@ -813,7 +833,7 @@
             <a:fld id="{1D8BD707-D9CF-40AE-B4C6-C98DA3205C09}" type="datetimeFigureOut">
               <a:rPr lang="en-US" smtClean="0"/>
               <a:pPr/>
-              <a:t>2/3/2016</a:t>
+              <a:t>2/12/2016</a:t>
             </a:fld>
             <a:endParaRPr lang="en-US"/>
           </a:p>
@@ -1056,7 +1076,7 @@
             <a:fld id="{1D8BD707-D9CF-40AE-B4C6-C98DA3205C09}" type="datetimeFigureOut">
               <a:rPr lang="en-US" smtClean="0"/>
               <a:pPr/>
-              <a:t>2/3/2016</a:t>
+              <a:t>2/12/2016</a:t>
             </a:fld>
             <a:endParaRPr lang="en-US"/>
           </a:p>
@@ -1341,7 +1361,7 @@
             <a:fld id="{1D8BD707-D9CF-40AE-B4C6-C98DA3205C09}" type="datetimeFigureOut">
               <a:rPr lang="en-US" smtClean="0"/>
               <a:pPr/>
-              <a:t>2/3/2016</a:t>
+              <a:t>2/12/2016</a:t>
             </a:fld>
             <a:endParaRPr lang="en-US"/>
           </a:p>
@@ -1760,7 +1780,7 @@
             <a:fld id="{1D8BD707-D9CF-40AE-B4C6-C98DA3205C09}" type="datetimeFigureOut">
               <a:rPr lang="en-US" smtClean="0"/>
               <a:pPr/>
-              <a:t>2/3/2016</a:t>
+              <a:t>2/12/2016</a:t>
             </a:fld>
             <a:endParaRPr lang="en-US"/>
           </a:p>
@@ -1875,7 +1895,7 @@
             <a:fld id="{1D8BD707-D9CF-40AE-B4C6-C98DA3205C09}" type="datetimeFigureOut">
               <a:rPr lang="en-US" smtClean="0"/>
               <a:pPr/>
-              <a:t>2/3/2016</a:t>
+              <a:t>2/12/2016</a:t>
             </a:fld>
             <a:endParaRPr lang="en-US"/>
           </a:p>
@@ -1967,7 +1987,7 @@
             <a:fld id="{1D8BD707-D9CF-40AE-B4C6-C98DA3205C09}" type="datetimeFigureOut">
               <a:rPr lang="en-US" smtClean="0"/>
               <a:pPr/>
-              <a:t>2/3/2016</a:t>
+              <a:t>2/12/2016</a:t>
             </a:fld>
             <a:endParaRPr lang="en-US"/>
           </a:p>
@@ -2241,7 +2261,7 @@
             <a:fld id="{1D8BD707-D9CF-40AE-B4C6-C98DA3205C09}" type="datetimeFigureOut">
               <a:rPr lang="en-US" smtClean="0"/>
               <a:pPr/>
-              <a:t>2/3/2016</a:t>
+              <a:t>2/12/2016</a:t>
             </a:fld>
             <a:endParaRPr lang="en-US"/>
           </a:p>
@@ -2491,7 +2511,7 @@
             <a:fld id="{1D8BD707-D9CF-40AE-B4C6-C98DA3205C09}" type="datetimeFigureOut">
               <a:rPr lang="en-US" smtClean="0"/>
               <a:pPr/>
-              <a:t>2/3/2016</a:t>
+              <a:t>2/12/2016</a:t>
             </a:fld>
             <a:endParaRPr lang="en-US"/>
           </a:p>
@@ -2701,7 +2721,7 @@
             <a:fld id="{1D8BD707-D9CF-40AE-B4C6-C98DA3205C09}" type="datetimeFigureOut">
               <a:rPr lang="en-US" smtClean="0"/>
               <a:pPr/>
-              <a:t>2/3/2016</a:t>
+              <a:t>2/12/2016</a:t>
             </a:fld>
             <a:endParaRPr lang="en-US"/>
           </a:p>
@@ -3178,8 +3198,8 @@
           <a:lstStyle/>
           <a:p>
             <a:r>
-              <a:rPr lang="sr-Latn-RS" dirty="0" smtClean="0"/>
-              <a:t>Prototip</a:t>
+              <a:rPr lang="en-GB" dirty="0" err="1" smtClean="0"/>
+              <a:t>Konstruktor</a:t>
             </a:r>
             <a:endParaRPr lang="en-GB" dirty="0"/>
           </a:p>
@@ -3198,621 +3218,133 @@
         <p:spPr/>
         <p:txBody>
           <a:bodyPr>
-            <a:normAutofit fontScale="40000" lnSpcReduction="20000"/>
+            <a:normAutofit fontScale="85000" lnSpcReduction="10000"/>
           </a:bodyPr>
           <a:lstStyle/>
           <a:p>
-            <a:pPr marL="0" indent="0">
-              <a:buNone/>
-            </a:pPr>
-            <a:r>
-              <a:rPr lang="en-GB" dirty="0" err="1">
-                <a:latin typeface="Courier New" panose="02070309020205020404" pitchFamily="49" charset="0"/>
-                <a:cs typeface="Courier New" panose="02070309020205020404" pitchFamily="49" charset="0"/>
-              </a:rPr>
-              <a:t>var</a:t>
-            </a:r>
-            <a:r>
-              <a:rPr lang="en-GB" dirty="0">
+            <a:r>
+              <a:rPr lang="sr-Latn-RS" dirty="0" smtClean="0">
+                <a:cs typeface="Courier New" panose="02070309020205020404" pitchFamily="49" charset="0"/>
+              </a:rPr>
+              <a:t>Pozivu funkcije prethodi ključna reč </a:t>
+            </a:r>
+            <a:r>
+              <a:rPr lang="sr-Latn-RS" dirty="0" smtClean="0">
+                <a:latin typeface="Courier New" panose="02070309020205020404" pitchFamily="49" charset="0"/>
+                <a:cs typeface="Courier New" panose="02070309020205020404" pitchFamily="49" charset="0"/>
+              </a:rPr>
+              <a:t>new</a:t>
+            </a:r>
+          </a:p>
+          <a:p>
+            <a:r>
+              <a:rPr lang="sr-Latn-RS" dirty="0" smtClean="0">
+                <a:cs typeface="Courier New" panose="02070309020205020404" pitchFamily="49" charset="0"/>
+              </a:rPr>
+              <a:t>Kreira se novi objekat koji je vrednost varijable this</a:t>
+            </a:r>
+          </a:p>
+          <a:p>
+            <a:r>
+              <a:rPr lang="sr-Latn-RS" dirty="0" smtClean="0">
+                <a:cs typeface="Courier New" panose="02070309020205020404" pitchFamily="49" charset="0"/>
+              </a:rPr>
+              <a:t>Skriveni atribut </a:t>
+            </a:r>
+            <a:r>
+              <a:rPr lang="sr-Latn-RS" dirty="0" smtClean="0">
+                <a:latin typeface="Courier New" panose="02070309020205020404" pitchFamily="49" charset="0"/>
+                <a:cs typeface="Courier New" panose="02070309020205020404" pitchFamily="49" charset="0"/>
+              </a:rPr>
+              <a:t>proto</a:t>
+            </a:r>
+            <a:r>
+              <a:rPr lang="sr-Latn-RS" dirty="0" smtClean="0">
+                <a:cs typeface="Courier New" panose="02070309020205020404" pitchFamily="49" charset="0"/>
+              </a:rPr>
+              <a:t> novog objekta dobje vrednost </a:t>
+            </a:r>
+            <a:r>
+              <a:rPr lang="sr-Latn-RS" dirty="0" smtClean="0">
+                <a:latin typeface="Courier New" panose="02070309020205020404" pitchFamily="49" charset="0"/>
+                <a:cs typeface="Courier New" panose="02070309020205020404" pitchFamily="49" charset="0"/>
+              </a:rPr>
+              <a:t>prototype</a:t>
+            </a:r>
+            <a:r>
+              <a:rPr lang="sr-Latn-RS" dirty="0" smtClean="0">
+                <a:cs typeface="Courier New" panose="02070309020205020404" pitchFamily="49" charset="0"/>
+              </a:rPr>
+              <a:t> konstruktora</a:t>
+            </a:r>
+            <a:r>
+              <a:rPr lang="sr-Latn-RS" dirty="0" smtClean="0">
                 <a:latin typeface="Courier New" panose="02070309020205020404" pitchFamily="49" charset="0"/>
                 <a:cs typeface="Courier New" panose="02070309020205020404" pitchFamily="49" charset="0"/>
               </a:rPr>
               <a:t> </a:t>
             </a:r>
-            <a:r>
-              <a:rPr lang="en-GB" dirty="0" err="1">
-                <a:latin typeface="Courier New" panose="02070309020205020404" pitchFamily="49" charset="0"/>
-                <a:cs typeface="Courier New" panose="02070309020205020404" pitchFamily="49" charset="0"/>
-              </a:rPr>
-              <a:t>peraPeric</a:t>
-            </a:r>
-            <a:r>
-              <a:rPr lang="en-GB" dirty="0">
-                <a:latin typeface="Courier New" panose="02070309020205020404" pitchFamily="49" charset="0"/>
-                <a:cs typeface="Courier New" panose="02070309020205020404" pitchFamily="49" charset="0"/>
-              </a:rPr>
-              <a:t> = {</a:t>
-            </a:r>
-          </a:p>
-          <a:p>
-            <a:pPr marL="0" indent="0">
-              <a:buNone/>
-            </a:pPr>
-            <a:r>
-              <a:rPr lang="en-GB" dirty="0">
-                <a:latin typeface="Courier New" panose="02070309020205020404" pitchFamily="49" charset="0"/>
-                <a:cs typeface="Courier New" panose="02070309020205020404" pitchFamily="49" charset="0"/>
-              </a:rPr>
-              <a:t>  "</a:t>
-            </a:r>
-            <a:r>
-              <a:rPr lang="en-GB" dirty="0" err="1">
-                <a:latin typeface="Courier New" panose="02070309020205020404" pitchFamily="49" charset="0"/>
-                <a:cs typeface="Courier New" panose="02070309020205020404" pitchFamily="49" charset="0"/>
-              </a:rPr>
-              <a:t>ime</a:t>
-            </a:r>
-            <a:r>
-              <a:rPr lang="en-GB" dirty="0">
-                <a:latin typeface="Courier New" panose="02070309020205020404" pitchFamily="49" charset="0"/>
-                <a:cs typeface="Courier New" panose="02070309020205020404" pitchFamily="49" charset="0"/>
-              </a:rPr>
-              <a:t>": "</a:t>
-            </a:r>
-            <a:r>
-              <a:rPr lang="en-GB" dirty="0" err="1">
-                <a:latin typeface="Courier New" panose="02070309020205020404" pitchFamily="49" charset="0"/>
-                <a:cs typeface="Courier New" panose="02070309020205020404" pitchFamily="49" charset="0"/>
-              </a:rPr>
-              <a:t>Pera</a:t>
-            </a:r>
-            <a:r>
-              <a:rPr lang="en-GB" dirty="0">
-                <a:latin typeface="Courier New" panose="02070309020205020404" pitchFamily="49" charset="0"/>
-                <a:cs typeface="Courier New" panose="02070309020205020404" pitchFamily="49" charset="0"/>
-              </a:rPr>
-              <a:t>",</a:t>
-            </a:r>
-          </a:p>
-          <a:p>
-            <a:pPr marL="0" indent="0">
-              <a:buNone/>
-            </a:pPr>
-            <a:r>
-              <a:rPr lang="en-GB" dirty="0">
-                <a:latin typeface="Courier New" panose="02070309020205020404" pitchFamily="49" charset="0"/>
-                <a:cs typeface="Courier New" panose="02070309020205020404" pitchFamily="49" charset="0"/>
-              </a:rPr>
-              <a:t>  "</a:t>
-            </a:r>
-            <a:r>
-              <a:rPr lang="en-GB" dirty="0" err="1">
-                <a:latin typeface="Courier New" panose="02070309020205020404" pitchFamily="49" charset="0"/>
-                <a:cs typeface="Courier New" panose="02070309020205020404" pitchFamily="49" charset="0"/>
-              </a:rPr>
-              <a:t>prezime</a:t>
-            </a:r>
-            <a:r>
-              <a:rPr lang="en-GB" dirty="0">
-                <a:latin typeface="Courier New" panose="02070309020205020404" pitchFamily="49" charset="0"/>
-                <a:cs typeface="Courier New" panose="02070309020205020404" pitchFamily="49" charset="0"/>
-              </a:rPr>
-              <a:t>": "</a:t>
-            </a:r>
-            <a:r>
-              <a:rPr lang="en-GB" dirty="0" err="1">
-                <a:latin typeface="Courier New" panose="02070309020205020404" pitchFamily="49" charset="0"/>
-                <a:cs typeface="Courier New" panose="02070309020205020404" pitchFamily="49" charset="0"/>
-              </a:rPr>
-              <a:t>Peric</a:t>
-            </a:r>
-            <a:r>
-              <a:rPr lang="en-GB" dirty="0">
-                <a:latin typeface="Courier New" panose="02070309020205020404" pitchFamily="49" charset="0"/>
-                <a:cs typeface="Courier New" panose="02070309020205020404" pitchFamily="49" charset="0"/>
-              </a:rPr>
-              <a:t>",</a:t>
-            </a:r>
-          </a:p>
-          <a:p>
-            <a:pPr marL="0" indent="0">
-              <a:buNone/>
-            </a:pPr>
-            <a:r>
-              <a:rPr lang="en-GB" dirty="0">
-                <a:latin typeface="Courier New" panose="02070309020205020404" pitchFamily="49" charset="0"/>
-                <a:cs typeface="Courier New" panose="02070309020205020404" pitchFamily="49" charset="0"/>
-              </a:rPr>
-              <a:t>  "lk":"00123321"</a:t>
-            </a:r>
-          </a:p>
-          <a:p>
-            <a:pPr marL="0" indent="0">
-              <a:buNone/>
-            </a:pPr>
-            <a:r>
-              <a:rPr lang="en-GB" dirty="0">
-                <a:latin typeface="Courier New" panose="02070309020205020404" pitchFamily="49" charset="0"/>
-                <a:cs typeface="Courier New" panose="02070309020205020404" pitchFamily="49" charset="0"/>
-              </a:rPr>
-              <a:t>};</a:t>
-            </a:r>
-          </a:p>
-          <a:p>
-            <a:pPr marL="0" indent="0">
-              <a:buNone/>
-            </a:pPr>
-            <a:endParaRPr lang="en-GB" dirty="0">
+            <a:endParaRPr lang="en-GB" dirty="0" smtClean="0">
               <a:latin typeface="Courier New" panose="02070309020205020404" pitchFamily="49" charset="0"/>
               <a:cs typeface="Courier New" panose="02070309020205020404" pitchFamily="49" charset="0"/>
             </a:endParaRPr>
           </a:p>
           <a:p>
-            <a:pPr marL="0" indent="0">
-              <a:buNone/>
-            </a:pPr>
-            <a:r>
-              <a:rPr lang="en-GB" dirty="0" err="1" smtClean="0">
-                <a:latin typeface="Courier New" panose="02070309020205020404" pitchFamily="49" charset="0"/>
-                <a:cs typeface="Courier New" panose="02070309020205020404" pitchFamily="49" charset="0"/>
-              </a:rPr>
-              <a:t>var</a:t>
-            </a:r>
-            <a:r>
-              <a:rPr lang="en-GB" dirty="0" smtClean="0">
-                <a:latin typeface="Courier New" panose="02070309020205020404" pitchFamily="49" charset="0"/>
-                <a:cs typeface="Courier New" panose="02070309020205020404" pitchFamily="49" charset="0"/>
-              </a:rPr>
-              <a:t> </a:t>
-            </a:r>
-            <a:r>
-              <a:rPr lang="en-GB" dirty="0" err="1">
-                <a:latin typeface="Courier New" panose="02070309020205020404" pitchFamily="49" charset="0"/>
-                <a:cs typeface="Courier New" panose="02070309020205020404" pitchFamily="49" charset="0"/>
-              </a:rPr>
-              <a:t>studentPeraPeric</a:t>
-            </a:r>
-            <a:r>
-              <a:rPr lang="en-GB" dirty="0">
-                <a:latin typeface="Courier New" panose="02070309020205020404" pitchFamily="49" charset="0"/>
-                <a:cs typeface="Courier New" panose="02070309020205020404" pitchFamily="49" charset="0"/>
-              </a:rPr>
-              <a:t> = </a:t>
-            </a:r>
-            <a:r>
-              <a:rPr lang="en-GB" dirty="0" err="1">
-                <a:latin typeface="Courier New" panose="02070309020205020404" pitchFamily="49" charset="0"/>
-                <a:cs typeface="Courier New" panose="02070309020205020404" pitchFamily="49" charset="0"/>
-              </a:rPr>
-              <a:t>Object.create</a:t>
-            </a:r>
-            <a:r>
-              <a:rPr lang="en-GB" dirty="0">
-                <a:latin typeface="Courier New" panose="02070309020205020404" pitchFamily="49" charset="0"/>
-                <a:cs typeface="Courier New" panose="02070309020205020404" pitchFamily="49" charset="0"/>
-              </a:rPr>
-              <a:t>(</a:t>
-            </a:r>
-            <a:r>
-              <a:rPr lang="en-GB" dirty="0" err="1">
-                <a:latin typeface="Courier New" panose="02070309020205020404" pitchFamily="49" charset="0"/>
-                <a:cs typeface="Courier New" panose="02070309020205020404" pitchFamily="49" charset="0"/>
-              </a:rPr>
-              <a:t>peraPeric</a:t>
-            </a:r>
-            <a:r>
-              <a:rPr lang="en-GB" dirty="0">
-                <a:latin typeface="Courier New" panose="02070309020205020404" pitchFamily="49" charset="0"/>
-                <a:cs typeface="Courier New" panose="02070309020205020404" pitchFamily="49" charset="0"/>
-              </a:rPr>
-              <a:t>);</a:t>
-            </a:r>
-          </a:p>
-          <a:p>
-            <a:pPr marL="0" indent="0">
-              <a:buNone/>
-            </a:pPr>
-            <a:r>
-              <a:rPr lang="en-GB" dirty="0" err="1">
-                <a:latin typeface="Courier New" panose="02070309020205020404" pitchFamily="49" charset="0"/>
-                <a:cs typeface="Courier New" panose="02070309020205020404" pitchFamily="49" charset="0"/>
-              </a:rPr>
-              <a:t>studentPeraPeric</a:t>
-            </a:r>
-            <a:r>
-              <a:rPr lang="en-GB" dirty="0">
-                <a:latin typeface="Courier New" panose="02070309020205020404" pitchFamily="49" charset="0"/>
-                <a:cs typeface="Courier New" panose="02070309020205020404" pitchFamily="49" charset="0"/>
-              </a:rPr>
-              <a:t>["</a:t>
-            </a:r>
-            <a:r>
-              <a:rPr lang="en-GB" dirty="0" err="1">
-                <a:latin typeface="Courier New" panose="02070309020205020404" pitchFamily="49" charset="0"/>
-                <a:cs typeface="Courier New" panose="02070309020205020404" pitchFamily="49" charset="0"/>
-              </a:rPr>
-              <a:t>godina</a:t>
-            </a:r>
-            <a:r>
-              <a:rPr lang="en-GB" dirty="0">
-                <a:latin typeface="Courier New" panose="02070309020205020404" pitchFamily="49" charset="0"/>
-                <a:cs typeface="Courier New" panose="02070309020205020404" pitchFamily="49" charset="0"/>
-              </a:rPr>
-              <a:t> </a:t>
-            </a:r>
-            <a:r>
-              <a:rPr lang="en-GB" dirty="0" err="1">
-                <a:latin typeface="Courier New" panose="02070309020205020404" pitchFamily="49" charset="0"/>
-                <a:cs typeface="Courier New" panose="02070309020205020404" pitchFamily="49" charset="0"/>
-              </a:rPr>
-              <a:t>studija</a:t>
-            </a:r>
-            <a:r>
-              <a:rPr lang="en-GB" dirty="0">
-                <a:latin typeface="Courier New" panose="02070309020205020404" pitchFamily="49" charset="0"/>
-                <a:cs typeface="Courier New" panose="02070309020205020404" pitchFamily="49" charset="0"/>
-              </a:rPr>
-              <a:t>"] = 3;</a:t>
-            </a:r>
-          </a:p>
-          <a:p>
-            <a:pPr marL="0" indent="0">
-              <a:buNone/>
-            </a:pPr>
-            <a:r>
-              <a:rPr lang="en-GB" dirty="0" err="1">
-                <a:latin typeface="Courier New" panose="02070309020205020404" pitchFamily="49" charset="0"/>
-                <a:cs typeface="Courier New" panose="02070309020205020404" pitchFamily="49" charset="0"/>
-              </a:rPr>
-              <a:t>studentPeraPeric</a:t>
-            </a:r>
-            <a:r>
-              <a:rPr lang="en-GB" dirty="0">
-                <a:latin typeface="Courier New" panose="02070309020205020404" pitchFamily="49" charset="0"/>
-                <a:cs typeface="Courier New" panose="02070309020205020404" pitchFamily="49" charset="0"/>
-              </a:rPr>
-              <a:t>["</a:t>
-            </a:r>
-            <a:r>
-              <a:rPr lang="en-GB" dirty="0" err="1">
-                <a:latin typeface="Courier New" panose="02070309020205020404" pitchFamily="49" charset="0"/>
-                <a:cs typeface="Courier New" panose="02070309020205020404" pitchFamily="49" charset="0"/>
-              </a:rPr>
-              <a:t>polozeni</a:t>
-            </a:r>
-            <a:r>
-              <a:rPr lang="en-GB" dirty="0">
-                <a:latin typeface="Courier New" panose="02070309020205020404" pitchFamily="49" charset="0"/>
-                <a:cs typeface="Courier New" panose="02070309020205020404" pitchFamily="49" charset="0"/>
-              </a:rPr>
-              <a:t> </a:t>
-            </a:r>
-            <a:r>
-              <a:rPr lang="en-GB" dirty="0" err="1">
-                <a:latin typeface="Courier New" panose="02070309020205020404" pitchFamily="49" charset="0"/>
-                <a:cs typeface="Courier New" panose="02070309020205020404" pitchFamily="49" charset="0"/>
-              </a:rPr>
-              <a:t>ispiti</a:t>
-            </a:r>
-            <a:r>
-              <a:rPr lang="en-GB" dirty="0">
-                <a:latin typeface="Courier New" panose="02070309020205020404" pitchFamily="49" charset="0"/>
-                <a:cs typeface="Courier New" panose="02070309020205020404" pitchFamily="49" charset="0"/>
-              </a:rPr>
-              <a:t>"] = [{</a:t>
-            </a:r>
-          </a:p>
-          <a:p>
-            <a:pPr marL="0" indent="0">
-              <a:buNone/>
-            </a:pPr>
-            <a:r>
-              <a:rPr lang="en-GB" dirty="0">
-                <a:latin typeface="Courier New" panose="02070309020205020404" pitchFamily="49" charset="0"/>
-                <a:cs typeface="Courier New" panose="02070309020205020404" pitchFamily="49" charset="0"/>
-              </a:rPr>
-              <a:t>  "</a:t>
-            </a:r>
-            <a:r>
-              <a:rPr lang="en-GB" dirty="0" err="1">
-                <a:latin typeface="Courier New" panose="02070309020205020404" pitchFamily="49" charset="0"/>
-                <a:cs typeface="Courier New" panose="02070309020205020404" pitchFamily="49" charset="0"/>
-              </a:rPr>
-              <a:t>naziv</a:t>
-            </a:r>
-            <a:r>
-              <a:rPr lang="en-GB" dirty="0">
-                <a:latin typeface="Courier New" panose="02070309020205020404" pitchFamily="49" charset="0"/>
-                <a:cs typeface="Courier New" panose="02070309020205020404" pitchFamily="49" charset="0"/>
-              </a:rPr>
-              <a:t>": "Web </a:t>
-            </a:r>
-            <a:r>
-              <a:rPr lang="en-GB" dirty="0" err="1">
-                <a:latin typeface="Courier New" panose="02070309020205020404" pitchFamily="49" charset="0"/>
-                <a:cs typeface="Courier New" panose="02070309020205020404" pitchFamily="49" charset="0"/>
-              </a:rPr>
-              <a:t>programiranje</a:t>
-            </a:r>
-            <a:r>
-              <a:rPr lang="en-GB" dirty="0">
-                <a:latin typeface="Courier New" panose="02070309020205020404" pitchFamily="49" charset="0"/>
-                <a:cs typeface="Courier New" panose="02070309020205020404" pitchFamily="49" charset="0"/>
-              </a:rPr>
-              <a:t>",</a:t>
-            </a:r>
-          </a:p>
-          <a:p>
-            <a:pPr marL="0" indent="0">
-              <a:buNone/>
-            </a:pPr>
-            <a:r>
-              <a:rPr lang="en-GB" dirty="0">
-                <a:latin typeface="Courier New" panose="02070309020205020404" pitchFamily="49" charset="0"/>
-                <a:cs typeface="Courier New" panose="02070309020205020404" pitchFamily="49" charset="0"/>
-              </a:rPr>
-              <a:t>  "</a:t>
-            </a:r>
-            <a:r>
-              <a:rPr lang="en-GB" dirty="0" err="1">
-                <a:latin typeface="Courier New" panose="02070309020205020404" pitchFamily="49" charset="0"/>
-                <a:cs typeface="Courier New" panose="02070309020205020404" pitchFamily="49" charset="0"/>
-              </a:rPr>
-              <a:t>ocena</a:t>
-            </a:r>
-            <a:r>
-              <a:rPr lang="en-GB" dirty="0">
-                <a:latin typeface="Courier New" panose="02070309020205020404" pitchFamily="49" charset="0"/>
-                <a:cs typeface="Courier New" panose="02070309020205020404" pitchFamily="49" charset="0"/>
-              </a:rPr>
-              <a:t>": 9</a:t>
-            </a:r>
-          </a:p>
-          <a:p>
-            <a:pPr marL="0" indent="0">
-              <a:buNone/>
-            </a:pPr>
-            <a:r>
-              <a:rPr lang="en-GB" dirty="0">
-                <a:latin typeface="Courier New" panose="02070309020205020404" pitchFamily="49" charset="0"/>
-                <a:cs typeface="Courier New" panose="02070309020205020404" pitchFamily="49" charset="0"/>
-              </a:rPr>
-              <a:t>}, {</a:t>
-            </a:r>
-          </a:p>
-          <a:p>
-            <a:pPr marL="0" indent="0">
-              <a:buNone/>
-            </a:pPr>
-            <a:r>
-              <a:rPr lang="en-GB" dirty="0">
-                <a:latin typeface="Courier New" panose="02070309020205020404" pitchFamily="49" charset="0"/>
-                <a:cs typeface="Courier New" panose="02070309020205020404" pitchFamily="49" charset="0"/>
-              </a:rPr>
-              <a:t>  "</a:t>
-            </a:r>
-            <a:r>
-              <a:rPr lang="en-GB" dirty="0" err="1">
-                <a:latin typeface="Courier New" panose="02070309020205020404" pitchFamily="49" charset="0"/>
-                <a:cs typeface="Courier New" panose="02070309020205020404" pitchFamily="49" charset="0"/>
-              </a:rPr>
-              <a:t>naziv</a:t>
-            </a:r>
-            <a:r>
-              <a:rPr lang="en-GB" dirty="0">
-                <a:latin typeface="Courier New" panose="02070309020205020404" pitchFamily="49" charset="0"/>
-                <a:cs typeface="Courier New" panose="02070309020205020404" pitchFamily="49" charset="0"/>
-              </a:rPr>
-              <a:t>": "</a:t>
-            </a:r>
-            <a:r>
-              <a:rPr lang="en-GB" dirty="0" err="1">
-                <a:latin typeface="Courier New" panose="02070309020205020404" pitchFamily="49" charset="0"/>
-                <a:cs typeface="Courier New" panose="02070309020205020404" pitchFamily="49" charset="0"/>
-              </a:rPr>
-              <a:t>Arhitektura</a:t>
-            </a:r>
-            <a:r>
-              <a:rPr lang="en-GB" dirty="0">
-                <a:latin typeface="Courier New" panose="02070309020205020404" pitchFamily="49" charset="0"/>
-                <a:cs typeface="Courier New" panose="02070309020205020404" pitchFamily="49" charset="0"/>
-              </a:rPr>
-              <a:t> </a:t>
-            </a:r>
-            <a:r>
-              <a:rPr lang="en-GB" dirty="0" err="1">
-                <a:latin typeface="Courier New" panose="02070309020205020404" pitchFamily="49" charset="0"/>
-                <a:cs typeface="Courier New" panose="02070309020205020404" pitchFamily="49" charset="0"/>
-              </a:rPr>
-              <a:t>racunara</a:t>
-            </a:r>
-            <a:r>
-              <a:rPr lang="en-GB" dirty="0">
-                <a:latin typeface="Courier New" panose="02070309020205020404" pitchFamily="49" charset="0"/>
-                <a:cs typeface="Courier New" panose="02070309020205020404" pitchFamily="49" charset="0"/>
-              </a:rPr>
-              <a:t>",</a:t>
-            </a:r>
-          </a:p>
-          <a:p>
-            <a:pPr marL="0" indent="0">
-              <a:buNone/>
-            </a:pPr>
-            <a:r>
-              <a:rPr lang="en-GB" dirty="0">
-                <a:latin typeface="Courier New" panose="02070309020205020404" pitchFamily="49" charset="0"/>
-                <a:cs typeface="Courier New" panose="02070309020205020404" pitchFamily="49" charset="0"/>
-              </a:rPr>
-              <a:t>  "</a:t>
-            </a:r>
-            <a:r>
-              <a:rPr lang="en-GB" dirty="0" err="1">
-                <a:latin typeface="Courier New" panose="02070309020205020404" pitchFamily="49" charset="0"/>
-                <a:cs typeface="Courier New" panose="02070309020205020404" pitchFamily="49" charset="0"/>
-              </a:rPr>
-              <a:t>ocena</a:t>
-            </a:r>
-            <a:r>
-              <a:rPr lang="en-GB" dirty="0">
-                <a:latin typeface="Courier New" panose="02070309020205020404" pitchFamily="49" charset="0"/>
-                <a:cs typeface="Courier New" panose="02070309020205020404" pitchFamily="49" charset="0"/>
-              </a:rPr>
-              <a:t>": 10</a:t>
-            </a:r>
-          </a:p>
-          <a:p>
-            <a:pPr marL="0" indent="0">
-              <a:buNone/>
-            </a:pPr>
-            <a:r>
-              <a:rPr lang="en-GB" dirty="0" smtClean="0">
-                <a:latin typeface="Courier New" panose="02070309020205020404" pitchFamily="49" charset="0"/>
-                <a:cs typeface="Courier New" panose="02070309020205020404" pitchFamily="49" charset="0"/>
-              </a:rPr>
-              <a:t>}];</a:t>
+            <a:r>
+              <a:rPr lang="sr-Latn-RS" dirty="0" smtClean="0">
+                <a:cs typeface="Courier New" panose="02070309020205020404" pitchFamily="49" charset="0"/>
+              </a:rPr>
+              <a:t>Oprez! </a:t>
+            </a:r>
+          </a:p>
+          <a:p>
+            <a:pPr lvl="1"/>
+            <a:r>
+              <a:rPr lang="sr-Latn-RS" dirty="0" smtClean="0">
+                <a:cs typeface="Courier New" panose="02070309020205020404" pitchFamily="49" charset="0"/>
+              </a:rPr>
+              <a:t>Funkcijski literali kojim se definišu konstruktori ni po čemo se ne razlikuju od ostalih funkcija</a:t>
+            </a:r>
+          </a:p>
+          <a:p>
+            <a:pPr lvl="1"/>
+            <a:r>
+              <a:rPr lang="sr-Latn-RS" dirty="0" smtClean="0">
+                <a:cs typeface="Courier New" panose="02070309020205020404" pitchFamily="49" charset="0"/>
+              </a:rPr>
+              <a:t>Bilo koju funkciju možemo pozvati sa </a:t>
+            </a:r>
+            <a:r>
+              <a:rPr lang="sr-Latn-RS" dirty="0" smtClean="0">
+                <a:latin typeface="Courier New" panose="02070309020205020404" pitchFamily="49" charset="0"/>
+                <a:cs typeface="Courier New" panose="02070309020205020404" pitchFamily="49" charset="0"/>
+              </a:rPr>
+              <a:t>new</a:t>
+            </a:r>
+          </a:p>
+          <a:p>
+            <a:pPr lvl="1"/>
+            <a:r>
+              <a:rPr lang="sr-Latn-RS" dirty="0" smtClean="0">
+                <a:cs typeface="Courier New" panose="02070309020205020404" pitchFamily="49" charset="0"/>
+              </a:rPr>
+              <a:t>Konstruktor možemo pozvati kao i bilo koju drugu funkciju</a:t>
+            </a:r>
+          </a:p>
+          <a:p>
+            <a:pPr lvl="1"/>
+            <a:r>
+              <a:rPr lang="sr-Latn-RS" dirty="0" smtClean="0">
+                <a:cs typeface="Courier New" panose="02070309020205020404" pitchFamily="49" charset="0"/>
+              </a:rPr>
+              <a:t>Može da bude uzrok nezgodnih bagova</a:t>
             </a:r>
             <a:endParaRPr lang="sr-Latn-RS" dirty="0" smtClean="0">
-              <a:latin typeface="Courier New" panose="02070309020205020404" pitchFamily="49" charset="0"/>
               <a:cs typeface="Courier New" panose="02070309020205020404" pitchFamily="49" charset="0"/>
             </a:endParaRPr>
           </a:p>
           <a:p>
-            <a:pPr marL="0" indent="0">
-              <a:buNone/>
-            </a:pPr>
-            <a:endParaRPr lang="sr-Latn-RS" dirty="0">
-              <a:latin typeface="Courier New" panose="02070309020205020404" pitchFamily="49" charset="0"/>
-              <a:cs typeface="Courier New" panose="02070309020205020404" pitchFamily="49" charset="0"/>
-            </a:endParaRPr>
-          </a:p>
-          <a:p>
-            <a:pPr marL="0" indent="0">
-              <a:buNone/>
-            </a:pPr>
-            <a:r>
-              <a:rPr lang="sr-Latn-RS" dirty="0" smtClean="0">
-                <a:latin typeface="Courier New" panose="02070309020205020404" pitchFamily="49" charset="0"/>
-                <a:cs typeface="Courier New" panose="02070309020205020404" pitchFamily="49" charset="0"/>
-              </a:rPr>
-              <a:t>//izmena vrednosti u „nasledniku“</a:t>
-            </a:r>
-          </a:p>
-          <a:p>
-            <a:pPr marL="0" indent="0">
-              <a:buNone/>
-            </a:pPr>
-            <a:r>
-              <a:rPr lang="en-GB" dirty="0" smtClean="0">
-                <a:latin typeface="Courier New" panose="02070309020205020404" pitchFamily="49" charset="0"/>
-                <a:cs typeface="Courier New" panose="02070309020205020404" pitchFamily="49" charset="0"/>
-              </a:rPr>
-              <a:t>studentPeraPeric.lk </a:t>
-            </a:r>
-            <a:r>
-              <a:rPr lang="en-GB" dirty="0">
-                <a:latin typeface="Courier New" panose="02070309020205020404" pitchFamily="49" charset="0"/>
-                <a:cs typeface="Courier New" panose="02070309020205020404" pitchFamily="49" charset="0"/>
-              </a:rPr>
-              <a:t>= "00321123";</a:t>
-            </a:r>
-          </a:p>
-          <a:p>
-            <a:pPr marL="0" indent="0">
-              <a:buNone/>
-            </a:pPr>
             <a:endParaRPr lang="sr-Latn-RS" dirty="0" smtClean="0">
-              <a:latin typeface="Courier New" panose="02070309020205020404" pitchFamily="49" charset="0"/>
-              <a:cs typeface="Courier New" panose="02070309020205020404" pitchFamily="49" charset="0"/>
-            </a:endParaRPr>
-          </a:p>
-          <a:p>
-            <a:pPr marL="0" indent="0">
-              <a:buNone/>
-            </a:pPr>
-            <a:r>
-              <a:rPr lang="sr-Latn-RS" dirty="0" smtClean="0">
-                <a:latin typeface="Courier New" panose="02070309020205020404" pitchFamily="49" charset="0"/>
-                <a:cs typeface="Courier New" panose="02070309020205020404" pitchFamily="49" charset="0"/>
-              </a:rPr>
-              <a:t>//izmena vrednosti u prototipu</a:t>
-            </a:r>
-          </a:p>
-          <a:p>
-            <a:pPr marL="0" indent="0">
-              <a:buNone/>
-            </a:pPr>
-            <a:r>
-              <a:rPr lang="en-GB" dirty="0" err="1">
-                <a:latin typeface="Courier New" panose="02070309020205020404" pitchFamily="49" charset="0"/>
-                <a:cs typeface="Courier New" panose="02070309020205020404" pitchFamily="49" charset="0"/>
-              </a:rPr>
-              <a:t>Object.getPrototypeOf</a:t>
-            </a:r>
-            <a:r>
-              <a:rPr lang="en-GB" dirty="0">
-                <a:latin typeface="Courier New" panose="02070309020205020404" pitchFamily="49" charset="0"/>
-                <a:cs typeface="Courier New" panose="02070309020205020404" pitchFamily="49" charset="0"/>
-              </a:rPr>
-              <a:t>(</a:t>
-            </a:r>
-            <a:r>
-              <a:rPr lang="en-GB" dirty="0" err="1">
-                <a:latin typeface="Courier New" panose="02070309020205020404" pitchFamily="49" charset="0"/>
-                <a:cs typeface="Courier New" panose="02070309020205020404" pitchFamily="49" charset="0"/>
-              </a:rPr>
-              <a:t>studentPeraPeric</a:t>
-            </a:r>
-            <a:r>
-              <a:rPr lang="en-GB" dirty="0">
-                <a:latin typeface="Courier New" panose="02070309020205020404" pitchFamily="49" charset="0"/>
-                <a:cs typeface="Courier New" panose="02070309020205020404" pitchFamily="49" charset="0"/>
-              </a:rPr>
-              <a:t>).</a:t>
-            </a:r>
-            <a:r>
-              <a:rPr lang="en-GB" dirty="0" err="1">
-                <a:latin typeface="Courier New" panose="02070309020205020404" pitchFamily="49" charset="0"/>
-                <a:cs typeface="Courier New" panose="02070309020205020404" pitchFamily="49" charset="0"/>
-              </a:rPr>
-              <a:t>lk</a:t>
-            </a:r>
-            <a:r>
-              <a:rPr lang="en-GB" dirty="0">
-                <a:latin typeface="Courier New" panose="02070309020205020404" pitchFamily="49" charset="0"/>
-                <a:cs typeface="Courier New" panose="02070309020205020404" pitchFamily="49" charset="0"/>
-              </a:rPr>
-              <a:t>="nova </a:t>
-            </a:r>
-            <a:r>
-              <a:rPr lang="en-GB" dirty="0" err="1">
-                <a:latin typeface="Courier New" panose="02070309020205020404" pitchFamily="49" charset="0"/>
-                <a:cs typeface="Courier New" panose="02070309020205020404" pitchFamily="49" charset="0"/>
-              </a:rPr>
-              <a:t>vrednost</a:t>
-            </a:r>
-            <a:r>
-              <a:rPr lang="en-GB" dirty="0">
-                <a:latin typeface="Courier New" panose="02070309020205020404" pitchFamily="49" charset="0"/>
-                <a:cs typeface="Courier New" panose="02070309020205020404" pitchFamily="49" charset="0"/>
-              </a:rPr>
-              <a:t>";</a:t>
-            </a:r>
-          </a:p>
-          <a:p>
-            <a:pPr marL="0" indent="0">
-              <a:buNone/>
-            </a:pPr>
-            <a:endParaRPr lang="en-GB" dirty="0">
-              <a:latin typeface="Courier New" panose="02070309020205020404" pitchFamily="49" charset="0"/>
-              <a:cs typeface="Courier New" panose="02070309020205020404" pitchFamily="49" charset="0"/>
-            </a:endParaRPr>
-          </a:p>
-          <a:p>
-            <a:pPr marL="0" indent="0">
-              <a:buNone/>
-            </a:pPr>
-            <a:endParaRPr lang="en-GB" dirty="0">
-              <a:latin typeface="Courier New" panose="02070309020205020404" pitchFamily="49" charset="0"/>
               <a:cs typeface="Courier New" panose="02070309020205020404" pitchFamily="49" charset="0"/>
             </a:endParaRPr>
           </a:p>
@@ -3821,7 +3353,7 @@
     </p:spTree>
     <p:extLst>
       <p:ext uri="{BB962C8B-B14F-4D97-AF65-F5344CB8AC3E}">
-        <p14:creationId xmlns:p14="http://schemas.microsoft.com/office/powerpoint/2010/main" val="3487746720"/>
+        <p14:creationId xmlns:p14="http://schemas.microsoft.com/office/powerpoint/2010/main" val="1259670778"/>
       </p:ext>
     </p:extLst>
   </p:cSld>
@@ -3872,7 +3404,7 @@
           <a:p>
             <a:r>
               <a:rPr lang="sr-Latn-RS" dirty="0" smtClean="0"/>
-              <a:t>Prototip</a:t>
+              <a:t>Konstruktor</a:t>
             </a:r>
             <a:endParaRPr lang="en-GB" dirty="0"/>
           </a:p>
@@ -3888,82 +3420,382 @@
             <p:ph idx="1"/>
           </p:nvPr>
         </p:nvSpPr>
-        <p:spPr/>
+        <p:spPr>
+          <a:xfrm>
+            <a:off x="0" y="1600200"/>
+            <a:ext cx="8229600" cy="4525963"/>
+          </a:xfrm>
+        </p:spPr>
         <p:txBody>
           <a:bodyPr>
-            <a:normAutofit fontScale="85000" lnSpcReduction="10000"/>
+            <a:normAutofit fontScale="55000" lnSpcReduction="20000"/>
           </a:bodyPr>
           <a:lstStyle/>
           <a:p>
-            <a:r>
-              <a:rPr lang="sr-Latn-RS" dirty="0" smtClean="0"/>
-              <a:t>Delegacija prototipa:</a:t>
-            </a:r>
-          </a:p>
-          <a:p>
-            <a:pPr lvl="1"/>
-            <a:r>
-              <a:rPr lang="sr-Latn-RS" dirty="0" smtClean="0"/>
-              <a:t>Ako svojstvo postoji u objektu, vrati se njegova vrednost</a:t>
-            </a:r>
-          </a:p>
-          <a:p>
-            <a:pPr lvl="1"/>
-            <a:r>
-              <a:rPr lang="sr-Latn-RS" dirty="0" smtClean="0"/>
-              <a:t>Ako ne postoji, traži se u prototipu</a:t>
-            </a:r>
-          </a:p>
-          <a:p>
-            <a:pPr lvl="1"/>
-            <a:r>
-              <a:rPr lang="sr-Latn-RS" dirty="0" smtClean="0"/>
-              <a:t>Ako ne postoji u prototipu, traži se u prototipu prototipa</a:t>
-            </a:r>
-          </a:p>
-          <a:p>
-            <a:pPr lvl="1"/>
-            <a:r>
-              <a:rPr lang="sr-Latn-RS" dirty="0" smtClean="0"/>
-              <a:t>...</a:t>
-            </a:r>
-          </a:p>
-          <a:p>
-            <a:pPr lvl="1"/>
-            <a:r>
-              <a:rPr lang="sr-Latn-RS" dirty="0" smtClean="0"/>
-              <a:t>Ako se ne pronađe do kraja lanca, vrati se </a:t>
-            </a:r>
-            <a:r>
-              <a:rPr lang="sr-Latn-RS" dirty="0" smtClean="0">
-                <a:latin typeface="Courier New" panose="02070309020205020404" pitchFamily="49" charset="0"/>
-                <a:cs typeface="Courier New" panose="02070309020205020404" pitchFamily="49" charset="0"/>
-              </a:rPr>
-              <a:t>undefined</a:t>
-            </a:r>
-          </a:p>
-          <a:p>
-            <a:r>
-              <a:rPr lang="sr-Latn-RS" dirty="0" smtClean="0">
-                <a:cs typeface="Courier New" panose="02070309020205020404" pitchFamily="49" charset="0"/>
-              </a:rPr>
-              <a:t>Ako se izmeni bilo koji prototip u lancu, izmena će se odraziti na sve „naslednike“</a:t>
-            </a:r>
-          </a:p>
-          <a:p>
-            <a:r>
-              <a:rPr lang="sr-Latn-RS" dirty="0" smtClean="0">
-                <a:cs typeface="Courier New" panose="02070309020205020404" pitchFamily="49" charset="0"/>
-              </a:rPr>
-              <a:t>Oprez! Objekat može da pristupi svom prototipu i da ga izmeni i time izmeni i ponašanje drugih objekata.</a:t>
-            </a:r>
-          </a:p>
-        </p:txBody>
-      </p:sp>
+            <a:pPr marL="0" indent="0">
+              <a:buNone/>
+            </a:pPr>
+            <a:r>
+              <a:rPr lang="en-GB" dirty="0" err="1">
+                <a:latin typeface="Courier New" panose="02070309020205020404" pitchFamily="49" charset="0"/>
+                <a:cs typeface="Courier New" panose="02070309020205020404" pitchFamily="49" charset="0"/>
+              </a:rPr>
+              <a:t>var</a:t>
+            </a:r>
+            <a:r>
+              <a:rPr lang="en-GB" dirty="0">
+                <a:latin typeface="Courier New" panose="02070309020205020404" pitchFamily="49" charset="0"/>
+                <a:cs typeface="Courier New" panose="02070309020205020404" pitchFamily="49" charset="0"/>
+              </a:rPr>
+              <a:t> Counter = function (count) {</a:t>
+            </a:r>
+          </a:p>
+          <a:p>
+            <a:pPr marL="0" indent="0">
+              <a:buNone/>
+            </a:pPr>
+            <a:r>
+              <a:rPr lang="en-GB" dirty="0">
+                <a:latin typeface="Courier New" panose="02070309020205020404" pitchFamily="49" charset="0"/>
+                <a:cs typeface="Courier New" panose="02070309020205020404" pitchFamily="49" charset="0"/>
+              </a:rPr>
+              <a:t>  </a:t>
+            </a:r>
+            <a:r>
+              <a:rPr lang="en-GB" dirty="0" err="1">
+                <a:latin typeface="Courier New" panose="02070309020205020404" pitchFamily="49" charset="0"/>
+                <a:cs typeface="Courier New" panose="02070309020205020404" pitchFamily="49" charset="0"/>
+              </a:rPr>
+              <a:t>this.count</a:t>
+            </a:r>
+            <a:r>
+              <a:rPr lang="en-GB" dirty="0">
+                <a:latin typeface="Courier New" panose="02070309020205020404" pitchFamily="49" charset="0"/>
+                <a:cs typeface="Courier New" panose="02070309020205020404" pitchFamily="49" charset="0"/>
+              </a:rPr>
+              <a:t> = count;</a:t>
+            </a:r>
+          </a:p>
+          <a:p>
+            <a:pPr marL="0" indent="0">
+              <a:buNone/>
+            </a:pPr>
+            <a:r>
+              <a:rPr lang="en-GB" dirty="0">
+                <a:latin typeface="Courier New" panose="02070309020205020404" pitchFamily="49" charset="0"/>
+                <a:cs typeface="Courier New" panose="02070309020205020404" pitchFamily="49" charset="0"/>
+              </a:rPr>
+              <a:t>};</a:t>
+            </a:r>
+          </a:p>
+          <a:p>
+            <a:pPr marL="0" indent="0">
+              <a:buNone/>
+            </a:pPr>
+            <a:r>
+              <a:rPr lang="en-GB" dirty="0" err="1">
+                <a:latin typeface="Courier New" panose="02070309020205020404" pitchFamily="49" charset="0"/>
+                <a:cs typeface="Courier New" panose="02070309020205020404" pitchFamily="49" charset="0"/>
+              </a:rPr>
+              <a:t>Counter.prototype.increment</a:t>
+            </a:r>
+            <a:r>
+              <a:rPr lang="en-GB" dirty="0">
+                <a:latin typeface="Courier New" panose="02070309020205020404" pitchFamily="49" charset="0"/>
+                <a:cs typeface="Courier New" panose="02070309020205020404" pitchFamily="49" charset="0"/>
+              </a:rPr>
+              <a:t> = </a:t>
+            </a:r>
+            <a:r>
+              <a:rPr lang="en-GB" dirty="0" smtClean="0">
+                <a:latin typeface="Courier New" panose="02070309020205020404" pitchFamily="49" charset="0"/>
+                <a:cs typeface="Courier New" panose="02070309020205020404" pitchFamily="49" charset="0"/>
+              </a:rPr>
+              <a:t>function</a:t>
+            </a:r>
+            <a:r>
+              <a:rPr lang="en-GB" dirty="0">
+                <a:latin typeface="Courier New" panose="02070309020205020404" pitchFamily="49" charset="0"/>
+                <a:cs typeface="Courier New" panose="02070309020205020404" pitchFamily="49" charset="0"/>
+              </a:rPr>
+              <a:t>(){</a:t>
+            </a:r>
+          </a:p>
+          <a:p>
+            <a:pPr marL="0" indent="0">
+              <a:buNone/>
+            </a:pPr>
+            <a:r>
+              <a:rPr lang="en-GB" dirty="0">
+                <a:latin typeface="Courier New" panose="02070309020205020404" pitchFamily="49" charset="0"/>
+                <a:cs typeface="Courier New" panose="02070309020205020404" pitchFamily="49" charset="0"/>
+              </a:rPr>
+              <a:t>  </a:t>
+            </a:r>
+            <a:r>
+              <a:rPr lang="en-GB" dirty="0" err="1">
+                <a:latin typeface="Courier New" panose="02070309020205020404" pitchFamily="49" charset="0"/>
+                <a:cs typeface="Courier New" panose="02070309020205020404" pitchFamily="49" charset="0"/>
+              </a:rPr>
+              <a:t>this.count</a:t>
+            </a:r>
+            <a:r>
+              <a:rPr lang="en-GB" dirty="0">
+                <a:latin typeface="Courier New" panose="02070309020205020404" pitchFamily="49" charset="0"/>
+                <a:cs typeface="Courier New" panose="02070309020205020404" pitchFamily="49" charset="0"/>
+              </a:rPr>
+              <a:t> += 1;</a:t>
+            </a:r>
+          </a:p>
+          <a:p>
+            <a:pPr marL="0" indent="0">
+              <a:buNone/>
+            </a:pPr>
+            <a:r>
+              <a:rPr lang="en-GB" dirty="0">
+                <a:latin typeface="Courier New" panose="02070309020205020404" pitchFamily="49" charset="0"/>
+                <a:cs typeface="Courier New" panose="02070309020205020404" pitchFamily="49" charset="0"/>
+              </a:rPr>
+              <a:t>};</a:t>
+            </a:r>
+          </a:p>
+          <a:p>
+            <a:pPr marL="0" indent="0">
+              <a:buNone/>
+            </a:pPr>
+            <a:r>
+              <a:rPr lang="en-GB" dirty="0" err="1">
+                <a:latin typeface="Courier New" panose="02070309020205020404" pitchFamily="49" charset="0"/>
+                <a:cs typeface="Courier New" panose="02070309020205020404" pitchFamily="49" charset="0"/>
+              </a:rPr>
+              <a:t>Counter.prototype.getCounter</a:t>
+            </a:r>
+            <a:r>
+              <a:rPr lang="en-GB" dirty="0">
+                <a:latin typeface="Courier New" panose="02070309020205020404" pitchFamily="49" charset="0"/>
+                <a:cs typeface="Courier New" panose="02070309020205020404" pitchFamily="49" charset="0"/>
+              </a:rPr>
+              <a:t> = function () {</a:t>
+            </a:r>
+          </a:p>
+          <a:p>
+            <a:pPr marL="0" indent="0">
+              <a:buNone/>
+            </a:pPr>
+            <a:r>
+              <a:rPr lang="en-GB" dirty="0">
+                <a:latin typeface="Courier New" panose="02070309020205020404" pitchFamily="49" charset="0"/>
+                <a:cs typeface="Courier New" panose="02070309020205020404" pitchFamily="49" charset="0"/>
+              </a:rPr>
+              <a:t>  return </a:t>
+            </a:r>
+            <a:r>
+              <a:rPr lang="en-GB" dirty="0" err="1">
+                <a:latin typeface="Courier New" panose="02070309020205020404" pitchFamily="49" charset="0"/>
+                <a:cs typeface="Courier New" panose="02070309020205020404" pitchFamily="49" charset="0"/>
+              </a:rPr>
+              <a:t>this.count</a:t>
+            </a:r>
+            <a:r>
+              <a:rPr lang="en-GB" dirty="0">
+                <a:latin typeface="Courier New" panose="02070309020205020404" pitchFamily="49" charset="0"/>
+                <a:cs typeface="Courier New" panose="02070309020205020404" pitchFamily="49" charset="0"/>
+              </a:rPr>
+              <a:t>;</a:t>
+            </a:r>
+          </a:p>
+          <a:p>
+            <a:pPr marL="0" indent="0">
+              <a:buNone/>
+            </a:pPr>
+            <a:r>
+              <a:rPr lang="en-GB" dirty="0">
+                <a:latin typeface="Courier New" panose="02070309020205020404" pitchFamily="49" charset="0"/>
+                <a:cs typeface="Courier New" panose="02070309020205020404" pitchFamily="49" charset="0"/>
+              </a:rPr>
+              <a:t>};</a:t>
+            </a:r>
+          </a:p>
+          <a:p>
+            <a:pPr marL="0" indent="0">
+              <a:buNone/>
+            </a:pPr>
+            <a:endParaRPr lang="en-GB" dirty="0">
+              <a:latin typeface="Courier New" panose="02070309020205020404" pitchFamily="49" charset="0"/>
+              <a:cs typeface="Courier New" panose="02070309020205020404" pitchFamily="49" charset="0"/>
+            </a:endParaRPr>
+          </a:p>
+          <a:p>
+            <a:pPr marL="0" indent="0">
+              <a:buNone/>
+            </a:pPr>
+            <a:r>
+              <a:rPr lang="en-GB" dirty="0" err="1">
+                <a:latin typeface="Courier New" panose="02070309020205020404" pitchFamily="49" charset="0"/>
+                <a:cs typeface="Courier New" panose="02070309020205020404" pitchFamily="49" charset="0"/>
+              </a:rPr>
+              <a:t>var</a:t>
+            </a:r>
+            <a:r>
+              <a:rPr lang="en-GB" dirty="0">
+                <a:latin typeface="Courier New" panose="02070309020205020404" pitchFamily="49" charset="0"/>
+                <a:cs typeface="Courier New" panose="02070309020205020404" pitchFamily="49" charset="0"/>
+              </a:rPr>
+              <a:t> c1 = new Counter(5);</a:t>
+            </a:r>
+          </a:p>
+          <a:p>
+            <a:pPr marL="0" indent="0">
+              <a:buNone/>
+            </a:pPr>
+            <a:r>
+              <a:rPr lang="en-GB" dirty="0" err="1">
+                <a:latin typeface="Courier New" panose="02070309020205020404" pitchFamily="49" charset="0"/>
+                <a:cs typeface="Courier New" panose="02070309020205020404" pitchFamily="49" charset="0"/>
+              </a:rPr>
+              <a:t>var</a:t>
+            </a:r>
+            <a:r>
+              <a:rPr lang="en-GB" dirty="0">
+                <a:latin typeface="Courier New" panose="02070309020205020404" pitchFamily="49" charset="0"/>
+                <a:cs typeface="Courier New" panose="02070309020205020404" pitchFamily="49" charset="0"/>
+              </a:rPr>
+              <a:t> c2 = new Counter(10);</a:t>
+            </a:r>
+          </a:p>
+          <a:p>
+            <a:pPr marL="0" indent="0">
+              <a:buNone/>
+            </a:pPr>
+            <a:r>
+              <a:rPr lang="en-GB" dirty="0">
+                <a:latin typeface="Courier New" panose="02070309020205020404" pitchFamily="49" charset="0"/>
+                <a:cs typeface="Courier New" panose="02070309020205020404" pitchFamily="49" charset="0"/>
+              </a:rPr>
+              <a:t>c1.increment();</a:t>
+            </a:r>
+          </a:p>
+          <a:p>
+            <a:pPr marL="0" indent="0">
+              <a:buNone/>
+            </a:pPr>
+            <a:r>
+              <a:rPr lang="en-GB" dirty="0">
+                <a:latin typeface="Courier New" panose="02070309020205020404" pitchFamily="49" charset="0"/>
+                <a:cs typeface="Courier New" panose="02070309020205020404" pitchFamily="49" charset="0"/>
+              </a:rPr>
+              <a:t>c2.increment();</a:t>
+            </a:r>
+          </a:p>
+          <a:p>
+            <a:pPr marL="0" indent="0">
+              <a:buNone/>
+            </a:pPr>
+            <a:r>
+              <a:rPr lang="en-GB" dirty="0">
+                <a:latin typeface="Courier New" panose="02070309020205020404" pitchFamily="49" charset="0"/>
+                <a:cs typeface="Courier New" panose="02070309020205020404" pitchFamily="49" charset="0"/>
+              </a:rPr>
+              <a:t>console.log('c1.getCounter(): '+c1.getCounter</a:t>
+            </a:r>
+            <a:r>
+              <a:rPr lang="en-GB" dirty="0" smtClean="0">
+                <a:latin typeface="Courier New" panose="02070309020205020404" pitchFamily="49" charset="0"/>
+                <a:cs typeface="Courier New" panose="02070309020205020404" pitchFamily="49" charset="0"/>
+              </a:rPr>
+              <a:t>());//6</a:t>
+            </a:r>
+            <a:endParaRPr lang="en-GB" dirty="0">
+              <a:latin typeface="Courier New" panose="02070309020205020404" pitchFamily="49" charset="0"/>
+              <a:cs typeface="Courier New" panose="02070309020205020404" pitchFamily="49" charset="0"/>
+            </a:endParaRPr>
+          </a:p>
+          <a:p>
+            <a:pPr marL="0" indent="0">
+              <a:buNone/>
+            </a:pPr>
+            <a:r>
+              <a:rPr lang="en-GB" dirty="0">
+                <a:latin typeface="Courier New" panose="02070309020205020404" pitchFamily="49" charset="0"/>
+                <a:cs typeface="Courier New" panose="02070309020205020404" pitchFamily="49" charset="0"/>
+              </a:rPr>
+              <a:t>console.log('c2.getCounter(): '+c2.getCounter</a:t>
+            </a:r>
+            <a:r>
+              <a:rPr lang="en-GB" dirty="0" smtClean="0">
+                <a:latin typeface="Courier New" panose="02070309020205020404" pitchFamily="49" charset="0"/>
+                <a:cs typeface="Courier New" panose="02070309020205020404" pitchFamily="49" charset="0"/>
+              </a:rPr>
+              <a:t>());//11</a:t>
+            </a:r>
+            <a:endParaRPr lang="en-GB" dirty="0">
+              <a:latin typeface="Courier New" panose="02070309020205020404" pitchFamily="49" charset="0"/>
+              <a:cs typeface="Courier New" panose="02070309020205020404" pitchFamily="49" charset="0"/>
+            </a:endParaRPr>
+          </a:p>
+          <a:p>
+            <a:endParaRPr lang="en-GB" dirty="0"/>
+          </a:p>
+        </p:txBody>
+      </p:sp>
+      <p:pic>
+        <p:nvPicPr>
+          <p:cNvPr id="2050" name="Picture 2"/>
+          <p:cNvPicPr>
+            <a:picLocks noChangeAspect="1" noChangeArrowheads="1"/>
+          </p:cNvPicPr>
+          <p:nvPr/>
+        </p:nvPicPr>
+        <p:blipFill>
+          <a:blip r:embed="rId2">
+            <a:extLst>
+              <a:ext uri="{28A0092B-C50C-407E-A947-70E740481C1C}">
+                <a14:useLocalDpi xmlns:a14="http://schemas.microsoft.com/office/drawing/2010/main" val="0"/>
+              </a:ext>
+            </a:extLst>
+          </a:blip>
+          <a:srcRect/>
+          <a:stretch>
+            <a:fillRect/>
+          </a:stretch>
+        </p:blipFill>
+        <p:spPr bwMode="auto">
+          <a:xfrm>
+            <a:off x="6000750" y="1524000"/>
+            <a:ext cx="3143250" cy="3228975"/>
+          </a:xfrm>
+          <a:prstGeom prst="rect">
+            <a:avLst/>
+          </a:prstGeom>
+          <a:noFill/>
+          <a:ln>
+            <a:noFill/>
+          </a:ln>
+          <a:extLst>
+            <a:ext uri="{909E8E84-426E-40DD-AFC4-6F175D3DCCD1}">
+              <a14:hiddenFill xmlns:a14="http://schemas.microsoft.com/office/drawing/2010/main">
+                <a:solidFill>
+                  <a:schemeClr val="accent1"/>
+                </a:solidFill>
+              </a14:hiddenFill>
+            </a:ext>
+            <a:ext uri="{91240B29-F687-4F45-9708-019B960494DF}">
+              <a14:hiddenLine xmlns:a14="http://schemas.microsoft.com/office/drawing/2010/main" w="9525">
+                <a:solidFill>
+                  <a:schemeClr val="tx1"/>
+                </a:solidFill>
+                <a:miter lim="800000"/>
+                <a:headEnd/>
+                <a:tailEnd/>
+              </a14:hiddenLine>
+            </a:ext>
+          </a:extLst>
+        </p:spPr>
+      </p:pic>
     </p:spTree>
     <p:extLst>
       <p:ext uri="{BB962C8B-B14F-4D97-AF65-F5344CB8AC3E}">
-        <p14:creationId xmlns:p14="http://schemas.microsoft.com/office/powerpoint/2010/main" val="2444415161"/>
+        <p14:creationId xmlns:p14="http://schemas.microsoft.com/office/powerpoint/2010/main" val="1139465049"/>
       </p:ext>
     </p:extLst>
   </p:cSld>
@@ -4014,7 +3846,7 @@
           <a:p>
             <a:r>
               <a:rPr lang="sr-Latn-RS" dirty="0" smtClean="0"/>
-              <a:t>Enumeracija svojstava objekta</a:t>
+              <a:t>Apply</a:t>
             </a:r>
             <a:endParaRPr lang="en-GB" dirty="0"/>
           </a:p>
@@ -4033,111 +3865,175 @@
         <p:spPr/>
         <p:txBody>
           <a:bodyPr>
-            <a:normAutofit fontScale="85000" lnSpcReduction="20000"/>
+            <a:normAutofit fontScale="92500" lnSpcReduction="10000"/>
           </a:bodyPr>
           <a:lstStyle/>
           <a:p>
             <a:r>
-              <a:rPr lang="sr-Latn-RS" dirty="0" smtClean="0"/>
-              <a:t>Možemo da koristimo </a:t>
-            </a:r>
-            <a:r>
               <a:rPr lang="sr-Latn-RS" dirty="0" smtClean="0">
-                <a:latin typeface="Courier New" panose="02070309020205020404" pitchFamily="49" charset="0"/>
-                <a:cs typeface="Courier New" panose="02070309020205020404" pitchFamily="49" charset="0"/>
-              </a:rPr>
-              <a:t>for in</a:t>
-            </a:r>
-            <a:r>
-              <a:rPr lang="sr-Latn-RS" dirty="0" smtClean="0"/>
-              <a:t> petlju</a:t>
-            </a:r>
-          </a:p>
-          <a:p>
-            <a:pPr marL="0" indent="0">
-              <a:buNone/>
-            </a:pPr>
-            <a:r>
-              <a:rPr lang="sr-Latn-RS" sz="2400" dirty="0">
-                <a:latin typeface="Courier New" panose="02070309020205020404" pitchFamily="49" charset="0"/>
-                <a:cs typeface="Courier New" panose="02070309020205020404" pitchFamily="49" charset="0"/>
-              </a:rPr>
-              <a:t>var naziv;</a:t>
-            </a:r>
-          </a:p>
-          <a:p>
-            <a:pPr marL="0" indent="0">
-              <a:buNone/>
-            </a:pPr>
-            <a:r>
-              <a:rPr lang="sr-Latn-RS" sz="2400" dirty="0">
-                <a:latin typeface="Courier New" panose="02070309020205020404" pitchFamily="49" charset="0"/>
-                <a:cs typeface="Courier New" panose="02070309020205020404" pitchFamily="49" charset="0"/>
-              </a:rPr>
-              <a:t>for (naziv in studentPeraPeric) </a:t>
-            </a:r>
-            <a:r>
-              <a:rPr lang="sr-Latn-RS" sz="2400" dirty="0" smtClean="0">
-                <a:latin typeface="Courier New" panose="02070309020205020404" pitchFamily="49" charset="0"/>
-                <a:cs typeface="Courier New" panose="02070309020205020404" pitchFamily="49" charset="0"/>
-              </a:rPr>
-              <a:t>{  	console.log(studentPeraPeric[naziv</a:t>
-            </a:r>
-            <a:r>
-              <a:rPr lang="sr-Latn-RS" sz="2400" dirty="0">
-                <a:latin typeface="Courier New" panose="02070309020205020404" pitchFamily="49" charset="0"/>
-                <a:cs typeface="Courier New" panose="02070309020205020404" pitchFamily="49" charset="0"/>
-              </a:rPr>
-              <a:t>]);</a:t>
-            </a:r>
-          </a:p>
-          <a:p>
-            <a:pPr marL="0" indent="0">
-              <a:buNone/>
-            </a:pPr>
-            <a:r>
-              <a:rPr lang="sr-Latn-RS" sz="2400" dirty="0">
-                <a:latin typeface="Courier New" panose="02070309020205020404" pitchFamily="49" charset="0"/>
-                <a:cs typeface="Courier New" panose="02070309020205020404" pitchFamily="49" charset="0"/>
-              </a:rPr>
-              <a:t>}</a:t>
-            </a:r>
-          </a:p>
-          <a:p>
-            <a:endParaRPr lang="sr-Latn-RS" dirty="0" smtClean="0"/>
-          </a:p>
-          <a:p>
-            <a:r>
-              <a:rPr lang="sr-Latn-RS" dirty="0" smtClean="0"/>
-              <a:t>Pristupamo i svim svojstivma prototipa</a:t>
-            </a:r>
-          </a:p>
-          <a:p>
-            <a:r>
-              <a:rPr lang="sr-Latn-RS" dirty="0" smtClean="0"/>
-              <a:t>Ukoliko želimo da proverimo da li je svojstvo definisano u objektu, a ne prototipu, koristimo </a:t>
+                <a:cs typeface="Courier New" panose="02070309020205020404" pitchFamily="49" charset="0"/>
+              </a:rPr>
+              <a:t>Metoda funkcija koja omogućuje da se funkcija pozove sa proizvoljnim nizom argumenata i sa proizvoljnim argumentom </a:t>
             </a:r>
             <a:r>
               <a:rPr lang="sr-Latn-RS" dirty="0" smtClean="0">
                 <a:latin typeface="Courier New" panose="02070309020205020404" pitchFamily="49" charset="0"/>
                 <a:cs typeface="Courier New" panose="02070309020205020404" pitchFamily="49" charset="0"/>
               </a:rPr>
-              <a:t>hasOwnProperty</a:t>
-            </a:r>
-          </a:p>
-          <a:p>
-            <a:r>
-              <a:rPr lang="sr-Latn-RS" dirty="0"/>
-              <a:t>Ne postoji garancija da će svaki put svojstva biti u istom redosledu</a:t>
-            </a:r>
-            <a:endParaRPr lang="en-GB" dirty="0"/>
+              <a:t>this</a:t>
+            </a:r>
+          </a:p>
+          <a:p>
+            <a:pPr marL="0" indent="0">
+              <a:buNone/>
+            </a:pPr>
+            <a:endParaRPr lang="sr-Latn-RS" dirty="0" smtClean="0">
+              <a:latin typeface="Courier New" panose="02070309020205020404" pitchFamily="49" charset="0"/>
+              <a:cs typeface="Courier New" panose="02070309020205020404" pitchFamily="49" charset="0"/>
+            </a:endParaRPr>
+          </a:p>
+          <a:p>
+            <a:pPr marL="0" indent="0">
+              <a:buNone/>
+            </a:pPr>
+            <a:r>
+              <a:rPr lang="sr-Latn-RS" sz="2100" dirty="0" smtClean="0">
+                <a:latin typeface="Courier New" panose="02070309020205020404" pitchFamily="49" charset="0"/>
+                <a:cs typeface="Courier New" panose="02070309020205020404" pitchFamily="49" charset="0"/>
+              </a:rPr>
+              <a:t>var </a:t>
+            </a:r>
+            <a:r>
+              <a:rPr lang="sr-Latn-RS" sz="2100" dirty="0">
+                <a:latin typeface="Courier New" panose="02070309020205020404" pitchFamily="49" charset="0"/>
+                <a:cs typeface="Courier New" panose="02070309020205020404" pitchFamily="49" charset="0"/>
+              </a:rPr>
+              <a:t>counterHolder = {</a:t>
+            </a:r>
+          </a:p>
+          <a:p>
+            <a:pPr marL="0" indent="0">
+              <a:buNone/>
+            </a:pPr>
+            <a:r>
+              <a:rPr lang="sr-Latn-RS" sz="2100" dirty="0">
+                <a:latin typeface="Courier New" panose="02070309020205020404" pitchFamily="49" charset="0"/>
+                <a:cs typeface="Courier New" panose="02070309020205020404" pitchFamily="49" charset="0"/>
+              </a:rPr>
+              <a:t>  count: 15</a:t>
+            </a:r>
+          </a:p>
+          <a:p>
+            <a:pPr marL="0" indent="0">
+              <a:buNone/>
+            </a:pPr>
+            <a:r>
+              <a:rPr lang="sr-Latn-RS" sz="2100" dirty="0">
+                <a:latin typeface="Courier New" panose="02070309020205020404" pitchFamily="49" charset="0"/>
+                <a:cs typeface="Courier New" panose="02070309020205020404" pitchFamily="49" charset="0"/>
+              </a:rPr>
+              <a:t>};</a:t>
+            </a:r>
+          </a:p>
+          <a:p>
+            <a:pPr marL="0" indent="0">
+              <a:buNone/>
+            </a:pPr>
+            <a:endParaRPr lang="sr-Latn-RS" sz="2100" dirty="0" smtClean="0">
+              <a:latin typeface="Courier New" panose="02070309020205020404" pitchFamily="49" charset="0"/>
+              <a:cs typeface="Courier New" panose="02070309020205020404" pitchFamily="49" charset="0"/>
+            </a:endParaRPr>
+          </a:p>
+          <a:p>
+            <a:pPr marL="0" indent="0">
+              <a:buNone/>
+            </a:pPr>
+            <a:r>
+              <a:rPr lang="sr-Latn-RS" sz="2100" dirty="0" smtClean="0">
+                <a:latin typeface="Courier New" panose="02070309020205020404" pitchFamily="49" charset="0"/>
+                <a:cs typeface="Courier New" panose="02070309020205020404" pitchFamily="49" charset="0"/>
+              </a:rPr>
+              <a:t>Counter.prototype.increment.</a:t>
+            </a:r>
+            <a:r>
+              <a:rPr lang="sr-Latn-RS" sz="2100" b="1" dirty="0" smtClean="0">
+                <a:latin typeface="Courier New" panose="02070309020205020404" pitchFamily="49" charset="0"/>
+                <a:cs typeface="Courier New" panose="02070309020205020404" pitchFamily="49" charset="0"/>
+              </a:rPr>
+              <a:t>apply</a:t>
+            </a:r>
+            <a:r>
+              <a:rPr lang="sr-Latn-RS" sz="2100" dirty="0" smtClean="0">
+                <a:latin typeface="Courier New" panose="02070309020205020404" pitchFamily="49" charset="0"/>
+                <a:cs typeface="Courier New" panose="02070309020205020404" pitchFamily="49" charset="0"/>
+              </a:rPr>
+              <a:t>(counterHolder</a:t>
+            </a:r>
+            <a:r>
+              <a:rPr lang="sr-Latn-RS" sz="2100" dirty="0">
+                <a:latin typeface="Courier New" panose="02070309020205020404" pitchFamily="49" charset="0"/>
+                <a:cs typeface="Courier New" panose="02070309020205020404" pitchFamily="49" charset="0"/>
+              </a:rPr>
+              <a:t>,[5]);</a:t>
+            </a:r>
+          </a:p>
+          <a:p>
+            <a:pPr marL="0" indent="0">
+              <a:buNone/>
+            </a:pPr>
+            <a:endParaRPr lang="sr-Latn-RS" sz="2100" dirty="0" smtClean="0">
+              <a:latin typeface="Courier New" panose="02070309020205020404" pitchFamily="49" charset="0"/>
+              <a:cs typeface="Courier New" panose="02070309020205020404" pitchFamily="49" charset="0"/>
+            </a:endParaRPr>
+          </a:p>
+          <a:p>
+            <a:pPr marL="0" indent="0">
+              <a:buNone/>
+            </a:pPr>
+            <a:r>
+              <a:rPr lang="sr-Latn-RS" sz="2100" dirty="0" smtClean="0">
+                <a:latin typeface="Courier New" panose="02070309020205020404" pitchFamily="49" charset="0"/>
+                <a:cs typeface="Courier New" panose="02070309020205020404" pitchFamily="49" charset="0"/>
+              </a:rPr>
+              <a:t>console.log</a:t>
+            </a:r>
+            <a:r>
+              <a:rPr lang="sr-Latn-RS" sz="2100" dirty="0">
+                <a:latin typeface="Courier New" panose="02070309020205020404" pitchFamily="49" charset="0"/>
+                <a:cs typeface="Courier New" panose="02070309020205020404" pitchFamily="49" charset="0"/>
+              </a:rPr>
+              <a:t>('counterHolder.count: </a:t>
+            </a:r>
+            <a:r>
+              <a:rPr lang="sr-Latn-RS" sz="2100" dirty="0" smtClean="0">
+                <a:latin typeface="Courier New" panose="02070309020205020404" pitchFamily="49" charset="0"/>
+                <a:cs typeface="Courier New" panose="02070309020205020404" pitchFamily="49" charset="0"/>
+              </a:rPr>
+              <a:t>’ + 				counterHolder.count</a:t>
+            </a:r>
+            <a:r>
+              <a:rPr lang="sr-Latn-RS" sz="2100" dirty="0">
+                <a:latin typeface="Courier New" panose="02070309020205020404" pitchFamily="49" charset="0"/>
+                <a:cs typeface="Courier New" panose="02070309020205020404" pitchFamily="49" charset="0"/>
+              </a:rPr>
+              <a:t>);</a:t>
+            </a:r>
+          </a:p>
+          <a:p>
+            <a:pPr marL="0" indent="0">
+              <a:buNone/>
+            </a:pPr>
+            <a:endParaRPr lang="sr-Latn-RS" dirty="0" smtClean="0">
+              <a:latin typeface="Courier New" panose="02070309020205020404" pitchFamily="49" charset="0"/>
+              <a:cs typeface="Courier New" panose="02070309020205020404" pitchFamily="49" charset="0"/>
+            </a:endParaRPr>
           </a:p>
         </p:txBody>
       </p:sp>
     </p:spTree>
     <p:extLst>
       <p:ext uri="{BB962C8B-B14F-4D97-AF65-F5344CB8AC3E}">
-        <p14:creationId xmlns:p14="http://schemas.microsoft.com/office/powerpoint/2010/main" val="1341550038"/>
+        <p14:creationId xmlns:p14="http://schemas.microsoft.com/office/powerpoint/2010/main" val="3006715664"/>
       </p:ext>
     </p:extLst>
   </p:cSld>
@@ -4187,8 +4083,12 @@
           <a:lstStyle/>
           <a:p>
             <a:r>
+              <a:rPr lang="sr-Latn-RS" dirty="0"/>
+              <a:t>Apply i  monkey </a:t>
+            </a:r>
+            <a:r>
               <a:rPr lang="sr-Latn-RS" dirty="0" smtClean="0"/>
-              <a:t>Brisanje svojstva</a:t>
+              <a:t>patching</a:t>
             </a:r>
             <a:endParaRPr lang="en-GB" dirty="0"/>
           </a:p>
@@ -4209,98 +4109,34 @@
           <a:bodyPr/>
           <a:lstStyle/>
           <a:p>
-            <a:pPr marL="0" indent="0">
-              <a:buNone/>
-            </a:pPr>
-            <a:r>
-              <a:rPr lang="en-GB" sz="2400" dirty="0">
-                <a:latin typeface="Courier New" panose="02070309020205020404" pitchFamily="49" charset="0"/>
-                <a:cs typeface="Courier New" panose="02070309020205020404" pitchFamily="49" charset="0"/>
-              </a:rPr>
-              <a:t>delete </a:t>
-            </a:r>
-            <a:r>
-              <a:rPr lang="en-GB" sz="2400" dirty="0" err="1">
-                <a:latin typeface="Courier New" panose="02070309020205020404" pitchFamily="49" charset="0"/>
-                <a:cs typeface="Courier New" panose="02070309020205020404" pitchFamily="49" charset="0"/>
-              </a:rPr>
-              <a:t>studentPeraPeric</a:t>
-            </a:r>
-            <a:r>
-              <a:rPr lang="en-GB" sz="2400" dirty="0">
-                <a:latin typeface="Courier New" panose="02070309020205020404" pitchFamily="49" charset="0"/>
-                <a:cs typeface="Courier New" panose="02070309020205020404" pitchFamily="49" charset="0"/>
-              </a:rPr>
-              <a:t>["</a:t>
-            </a:r>
-            <a:r>
-              <a:rPr lang="en-GB" sz="2400" dirty="0" err="1">
-                <a:latin typeface="Courier New" panose="02070309020205020404" pitchFamily="49" charset="0"/>
-                <a:cs typeface="Courier New" panose="02070309020205020404" pitchFamily="49" charset="0"/>
-              </a:rPr>
-              <a:t>godina</a:t>
-            </a:r>
-            <a:r>
-              <a:rPr lang="en-GB" sz="2400" dirty="0">
-                <a:latin typeface="Courier New" panose="02070309020205020404" pitchFamily="49" charset="0"/>
-                <a:cs typeface="Courier New" panose="02070309020205020404" pitchFamily="49" charset="0"/>
-              </a:rPr>
-              <a:t> </a:t>
-            </a:r>
-            <a:r>
-              <a:rPr lang="en-GB" sz="2400" dirty="0" err="1">
-                <a:latin typeface="Courier New" panose="02070309020205020404" pitchFamily="49" charset="0"/>
-                <a:cs typeface="Courier New" panose="02070309020205020404" pitchFamily="49" charset="0"/>
-              </a:rPr>
-              <a:t>studija</a:t>
-            </a:r>
-            <a:r>
-              <a:rPr lang="en-GB" sz="2400" dirty="0" smtClean="0">
-                <a:latin typeface="Courier New" panose="02070309020205020404" pitchFamily="49" charset="0"/>
-                <a:cs typeface="Courier New" panose="02070309020205020404" pitchFamily="49" charset="0"/>
-              </a:rPr>
-              <a:t>"];</a:t>
-            </a:r>
-            <a:endParaRPr lang="sr-Latn-RS" sz="2400" dirty="0" smtClean="0">
-              <a:latin typeface="Courier New" panose="02070309020205020404" pitchFamily="49" charset="0"/>
-              <a:cs typeface="Courier New" panose="02070309020205020404" pitchFamily="49" charset="0"/>
-            </a:endParaRPr>
-          </a:p>
-          <a:p>
-            <a:pPr marL="0" indent="0">
-              <a:buNone/>
-            </a:pPr>
-            <a:endParaRPr lang="sr-Latn-RS" sz="2400" dirty="0">
-              <a:latin typeface="Courier New" panose="02070309020205020404" pitchFamily="49" charset="0"/>
-              <a:cs typeface="Courier New" panose="02070309020205020404" pitchFamily="49" charset="0"/>
-            </a:endParaRPr>
-          </a:p>
-          <a:p>
-            <a:pPr marL="0" indent="0">
-              <a:buNone/>
-            </a:pPr>
-            <a:r>
-              <a:rPr lang="sr-Latn-RS" sz="2700" dirty="0"/>
-              <a:t>Šta se dešava ako izbrišemo svojstvo u objektu koje je definisano u prototipu?</a:t>
-            </a:r>
-            <a:endParaRPr lang="en-GB" sz="2700" dirty="0"/>
-          </a:p>
-          <a:p>
-            <a:endParaRPr lang="sr-Latn-RS" dirty="0" smtClean="0"/>
-          </a:p>
-          <a:p>
-            <a:pPr marL="0" indent="0">
-              <a:buNone/>
-            </a:pPr>
-            <a:r>
-              <a:rPr lang="en-GB" sz="2400" dirty="0">
-                <a:latin typeface="Courier New" panose="02070309020205020404" pitchFamily="49" charset="0"/>
-                <a:cs typeface="Courier New" panose="02070309020205020404" pitchFamily="49" charset="0"/>
-              </a:rPr>
-              <a:t>delete studentPeraPeric.lk;</a:t>
-            </a:r>
-          </a:p>
-          <a:p>
+            <a:r>
+              <a:rPr lang="sr-Latn-RS" dirty="0" smtClean="0"/>
+              <a:t>M</a:t>
+            </a:r>
+            <a:r>
+              <a:rPr lang="en-GB" dirty="0" err="1" smtClean="0"/>
+              <a:t>onkey</a:t>
+            </a:r>
+            <a:r>
+              <a:rPr lang="en-GB" dirty="0" smtClean="0"/>
+              <a:t> patch</a:t>
+            </a:r>
+            <a:r>
+              <a:rPr lang="sr-Latn-RS" dirty="0" smtClean="0"/>
+              <a:t>ing – lokalna izmena programa u toku izvršavanja</a:t>
+            </a:r>
+          </a:p>
+          <a:p>
+            <a:r>
+              <a:rPr lang="sr-Latn-RS" dirty="0" smtClean="0"/>
+              <a:t>U JavaScriptu možemo da redefinišemo funkcije biblioteka koje koristimo u toku izvršavanja programa</a:t>
+            </a:r>
+          </a:p>
+          <a:p>
+            <a:r>
+              <a:rPr lang="sr-Latn-RS" dirty="0" smtClean="0"/>
+              <a:t>Moćno oružje, izvor nezgodnih bagova</a:t>
+            </a:r>
             <a:endParaRPr lang="en-GB" dirty="0"/>
           </a:p>
         </p:txBody>
@@ -4308,7 +4144,7 @@
     </p:spTree>
     <p:extLst>
       <p:ext uri="{BB962C8B-B14F-4D97-AF65-F5344CB8AC3E}">
-        <p14:creationId xmlns:p14="http://schemas.microsoft.com/office/powerpoint/2010/main" val="2085294804"/>
+        <p14:creationId xmlns:p14="http://schemas.microsoft.com/office/powerpoint/2010/main" val="965360665"/>
       </p:ext>
     </p:extLst>
   </p:cSld>
@@ -4358,8 +4194,8 @@
           <a:lstStyle/>
           <a:p>
             <a:r>
-              <a:rPr lang="sr-Latn-RS" dirty="0" smtClean="0"/>
-              <a:t>Globalne varijable</a:t>
+              <a:rPr lang="sr-Latn-RS" dirty="0"/>
+              <a:t>Apply i  monkey patching</a:t>
             </a:r>
             <a:endParaRPr lang="en-GB" dirty="0"/>
           </a:p>
@@ -4378,48 +4214,1510 @@
         <p:spPr/>
         <p:txBody>
           <a:bodyPr>
-            <a:normAutofit/>
+            <a:normAutofit fontScale="47500" lnSpcReduction="20000"/>
           </a:bodyPr>
           <a:lstStyle/>
           <a:p>
-            <a:r>
-              <a:rPr lang="sr-Latn-RS" dirty="0" smtClean="0"/>
-              <a:t>Jednostavno se definišu u JavaScriptu</a:t>
-            </a:r>
-          </a:p>
-          <a:p>
-            <a:pPr lvl="1"/>
-            <a:r>
-              <a:rPr lang="sr-Latn-RS" dirty="0" smtClean="0"/>
-              <a:t>Često i slučajno!</a:t>
-            </a:r>
-          </a:p>
-          <a:p>
-            <a:r>
-              <a:rPr lang="sr-Latn-RS" dirty="0" smtClean="0"/>
-              <a:t>Vidljive su u celoj aplikaciji</a:t>
-            </a:r>
-          </a:p>
-          <a:p>
-            <a:pPr lvl="1"/>
-            <a:r>
-              <a:rPr lang="sr-Latn-RS" dirty="0" smtClean="0"/>
-              <a:t>Pogodne kada je potrebno da se objektu pristupa iz više raznorodnih delova koda</a:t>
-            </a:r>
-          </a:p>
-          <a:p>
-            <a:pPr lvl="1"/>
-            <a:r>
-              <a:rPr lang="sr-Latn-RS" dirty="0" smtClean="0"/>
-              <a:t>Mogu da imaju katastrofalne posledice po aplikaciju i treba ih izbegavati kad god je to moguće</a:t>
-            </a:r>
+            <a:pPr marL="0" indent="0">
+              <a:buNone/>
+            </a:pPr>
+            <a:r>
+              <a:rPr lang="en-GB" dirty="0" err="1" smtClean="0">
+                <a:latin typeface="Courier New" panose="02070309020205020404" pitchFamily="49" charset="0"/>
+                <a:cs typeface="Courier New" panose="02070309020205020404" pitchFamily="49" charset="0"/>
+              </a:rPr>
+              <a:t>var</a:t>
+            </a:r>
+            <a:r>
+              <a:rPr lang="en-GB" dirty="0" smtClean="0">
+                <a:latin typeface="Courier New" panose="02070309020205020404" pitchFamily="49" charset="0"/>
+                <a:cs typeface="Courier New" panose="02070309020205020404" pitchFamily="49" charset="0"/>
+              </a:rPr>
+              <a:t> </a:t>
+            </a:r>
+            <a:r>
+              <a:rPr lang="en-GB" dirty="0">
+                <a:latin typeface="Courier New" panose="02070309020205020404" pitchFamily="49" charset="0"/>
+                <a:cs typeface="Courier New" panose="02070309020205020404" pitchFamily="49" charset="0"/>
+              </a:rPr>
+              <a:t>calculator = {</a:t>
+            </a:r>
+          </a:p>
+          <a:p>
+            <a:pPr marL="0" indent="0">
+              <a:buNone/>
+            </a:pPr>
+            <a:r>
+              <a:rPr lang="en-GB" dirty="0">
+                <a:latin typeface="Courier New" panose="02070309020205020404" pitchFamily="49" charset="0"/>
+                <a:cs typeface="Courier New" panose="02070309020205020404" pitchFamily="49" charset="0"/>
+              </a:rPr>
+              <a:t>  value: 0,</a:t>
+            </a:r>
+          </a:p>
+          <a:p>
+            <a:pPr marL="0" indent="0">
+              <a:buNone/>
+            </a:pPr>
+            <a:r>
+              <a:rPr lang="en-GB" dirty="0">
+                <a:latin typeface="Courier New" panose="02070309020205020404" pitchFamily="49" charset="0"/>
+                <a:cs typeface="Courier New" panose="02070309020205020404" pitchFamily="49" charset="0"/>
+              </a:rPr>
+              <a:t>  add: function(x){</a:t>
+            </a:r>
+          </a:p>
+          <a:p>
+            <a:pPr marL="0" indent="0">
+              <a:buNone/>
+            </a:pPr>
+            <a:r>
+              <a:rPr lang="en-GB" dirty="0">
+                <a:latin typeface="Courier New" panose="02070309020205020404" pitchFamily="49" charset="0"/>
+                <a:cs typeface="Courier New" panose="02070309020205020404" pitchFamily="49" charset="0"/>
+              </a:rPr>
+              <a:t>    </a:t>
+            </a:r>
+            <a:r>
+              <a:rPr lang="en-GB" dirty="0" err="1">
+                <a:latin typeface="Courier New" panose="02070309020205020404" pitchFamily="49" charset="0"/>
+                <a:cs typeface="Courier New" panose="02070309020205020404" pitchFamily="49" charset="0"/>
+              </a:rPr>
+              <a:t>this.value</a:t>
+            </a:r>
+            <a:r>
+              <a:rPr lang="en-GB" dirty="0">
+                <a:latin typeface="Courier New" panose="02070309020205020404" pitchFamily="49" charset="0"/>
+                <a:cs typeface="Courier New" panose="02070309020205020404" pitchFamily="49" charset="0"/>
+              </a:rPr>
+              <a:t>+=x;</a:t>
+            </a:r>
+          </a:p>
+          <a:p>
+            <a:pPr marL="0" indent="0">
+              <a:buNone/>
+            </a:pPr>
+            <a:r>
+              <a:rPr lang="en-GB" dirty="0">
+                <a:latin typeface="Courier New" panose="02070309020205020404" pitchFamily="49" charset="0"/>
+                <a:cs typeface="Courier New" panose="02070309020205020404" pitchFamily="49" charset="0"/>
+              </a:rPr>
+              <a:t>  },</a:t>
+            </a:r>
+          </a:p>
+          <a:p>
+            <a:pPr marL="0" indent="0">
+              <a:buNone/>
+            </a:pPr>
+            <a:r>
+              <a:rPr lang="en-GB" dirty="0">
+                <a:latin typeface="Courier New" panose="02070309020205020404" pitchFamily="49" charset="0"/>
+                <a:cs typeface="Courier New" panose="02070309020205020404" pitchFamily="49" charset="0"/>
+              </a:rPr>
+              <a:t>  subtract: function (x) {</a:t>
+            </a:r>
+          </a:p>
+          <a:p>
+            <a:pPr marL="0" indent="0">
+              <a:buNone/>
+            </a:pPr>
+            <a:r>
+              <a:rPr lang="en-GB" dirty="0">
+                <a:latin typeface="Courier New" panose="02070309020205020404" pitchFamily="49" charset="0"/>
+                <a:cs typeface="Courier New" panose="02070309020205020404" pitchFamily="49" charset="0"/>
+              </a:rPr>
+              <a:t>    </a:t>
+            </a:r>
+            <a:r>
+              <a:rPr lang="en-GB" dirty="0" err="1">
+                <a:latin typeface="Courier New" panose="02070309020205020404" pitchFamily="49" charset="0"/>
+                <a:cs typeface="Courier New" panose="02070309020205020404" pitchFamily="49" charset="0"/>
+              </a:rPr>
+              <a:t>this.value</a:t>
+            </a:r>
+            <a:r>
+              <a:rPr lang="en-GB" dirty="0">
+                <a:latin typeface="Courier New" panose="02070309020205020404" pitchFamily="49" charset="0"/>
+                <a:cs typeface="Courier New" panose="02070309020205020404" pitchFamily="49" charset="0"/>
+              </a:rPr>
+              <a:t>-=x;</a:t>
+            </a:r>
+          </a:p>
+          <a:p>
+            <a:pPr marL="0" indent="0">
+              <a:buNone/>
+            </a:pPr>
+            <a:r>
+              <a:rPr lang="en-GB" dirty="0">
+                <a:latin typeface="Courier New" panose="02070309020205020404" pitchFamily="49" charset="0"/>
+                <a:cs typeface="Courier New" panose="02070309020205020404" pitchFamily="49" charset="0"/>
+              </a:rPr>
+              <a:t>  }</a:t>
+            </a:r>
+          </a:p>
+          <a:p>
+            <a:pPr marL="0" indent="0">
+              <a:buNone/>
+            </a:pPr>
+            <a:r>
+              <a:rPr lang="en-GB" dirty="0">
+                <a:latin typeface="Courier New" panose="02070309020205020404" pitchFamily="49" charset="0"/>
+                <a:cs typeface="Courier New" panose="02070309020205020404" pitchFamily="49" charset="0"/>
+              </a:rPr>
+              <a:t>};</a:t>
+            </a:r>
+          </a:p>
+          <a:p>
+            <a:pPr marL="0" indent="0">
+              <a:buNone/>
+            </a:pPr>
+            <a:endParaRPr lang="en-GB" dirty="0">
+              <a:latin typeface="Courier New" panose="02070309020205020404" pitchFamily="49" charset="0"/>
+              <a:cs typeface="Courier New" panose="02070309020205020404" pitchFamily="49" charset="0"/>
+            </a:endParaRPr>
+          </a:p>
+          <a:p>
+            <a:pPr marL="0" indent="0">
+              <a:buNone/>
+            </a:pPr>
+            <a:r>
+              <a:rPr lang="en-GB" b="1" dirty="0" err="1" smtClean="0">
+                <a:latin typeface="Courier New" panose="02070309020205020404" pitchFamily="49" charset="0"/>
+                <a:cs typeface="Courier New" panose="02070309020205020404" pitchFamily="49" charset="0"/>
+              </a:rPr>
+              <a:t>var</a:t>
+            </a:r>
+            <a:r>
+              <a:rPr lang="en-GB" b="1" dirty="0" smtClean="0">
+                <a:latin typeface="Courier New" panose="02070309020205020404" pitchFamily="49" charset="0"/>
+                <a:cs typeface="Courier New" panose="02070309020205020404" pitchFamily="49" charset="0"/>
+              </a:rPr>
+              <a:t> </a:t>
+            </a:r>
+            <a:r>
+              <a:rPr lang="en-GB" b="1" dirty="0" err="1">
+                <a:latin typeface="Courier New" panose="02070309020205020404" pitchFamily="49" charset="0"/>
+                <a:cs typeface="Courier New" panose="02070309020205020404" pitchFamily="49" charset="0"/>
+              </a:rPr>
+              <a:t>originalAdd</a:t>
+            </a:r>
+            <a:r>
+              <a:rPr lang="en-GB" b="1" dirty="0">
+                <a:latin typeface="Courier New" panose="02070309020205020404" pitchFamily="49" charset="0"/>
+                <a:cs typeface="Courier New" panose="02070309020205020404" pitchFamily="49" charset="0"/>
+              </a:rPr>
+              <a:t> = </a:t>
+            </a:r>
+            <a:r>
+              <a:rPr lang="en-GB" b="1" dirty="0" err="1">
+                <a:latin typeface="Courier New" panose="02070309020205020404" pitchFamily="49" charset="0"/>
+                <a:cs typeface="Courier New" panose="02070309020205020404" pitchFamily="49" charset="0"/>
+              </a:rPr>
+              <a:t>calculator.add</a:t>
+            </a:r>
+            <a:r>
+              <a:rPr lang="en-GB" b="1" dirty="0">
+                <a:latin typeface="Courier New" panose="02070309020205020404" pitchFamily="49" charset="0"/>
+                <a:cs typeface="Courier New" panose="02070309020205020404" pitchFamily="49" charset="0"/>
+              </a:rPr>
+              <a:t>;</a:t>
+            </a:r>
+          </a:p>
+          <a:p>
+            <a:pPr marL="0" indent="0">
+              <a:buNone/>
+            </a:pPr>
+            <a:endParaRPr lang="en-GB" dirty="0">
+              <a:latin typeface="Courier New" panose="02070309020205020404" pitchFamily="49" charset="0"/>
+              <a:cs typeface="Courier New" panose="02070309020205020404" pitchFamily="49" charset="0"/>
+            </a:endParaRPr>
+          </a:p>
+          <a:p>
+            <a:pPr marL="0" indent="0">
+              <a:buNone/>
+            </a:pPr>
+            <a:r>
+              <a:rPr lang="en-GB" dirty="0" err="1" smtClean="0">
+                <a:latin typeface="Courier New" panose="02070309020205020404" pitchFamily="49" charset="0"/>
+                <a:cs typeface="Courier New" panose="02070309020205020404" pitchFamily="49" charset="0"/>
+              </a:rPr>
+              <a:t>calculator.add</a:t>
+            </a:r>
+            <a:r>
+              <a:rPr lang="en-GB" dirty="0" smtClean="0">
+                <a:latin typeface="Courier New" panose="02070309020205020404" pitchFamily="49" charset="0"/>
+                <a:cs typeface="Courier New" panose="02070309020205020404" pitchFamily="49" charset="0"/>
+              </a:rPr>
+              <a:t> </a:t>
+            </a:r>
+            <a:r>
+              <a:rPr lang="en-GB" dirty="0">
+                <a:latin typeface="Courier New" panose="02070309020205020404" pitchFamily="49" charset="0"/>
+                <a:cs typeface="Courier New" panose="02070309020205020404" pitchFamily="49" charset="0"/>
+              </a:rPr>
+              <a:t>= function (x) {</a:t>
+            </a:r>
+          </a:p>
+          <a:p>
+            <a:pPr marL="0" indent="0">
+              <a:buNone/>
+            </a:pPr>
+            <a:r>
+              <a:rPr lang="sr-Latn-RS" dirty="0" smtClean="0">
+                <a:latin typeface="Courier New" panose="02070309020205020404" pitchFamily="49" charset="0"/>
+                <a:cs typeface="Courier New" panose="02070309020205020404" pitchFamily="49" charset="0"/>
+              </a:rPr>
+              <a:t>  </a:t>
+            </a:r>
+            <a:r>
+              <a:rPr lang="en-GB" dirty="0" smtClean="0">
+                <a:latin typeface="Courier New" panose="02070309020205020404" pitchFamily="49" charset="0"/>
+                <a:cs typeface="Courier New" panose="02070309020205020404" pitchFamily="49" charset="0"/>
+              </a:rPr>
+              <a:t>console.log</a:t>
+            </a:r>
+            <a:r>
+              <a:rPr lang="en-GB" dirty="0">
+                <a:latin typeface="Courier New" panose="02070309020205020404" pitchFamily="49" charset="0"/>
+                <a:cs typeface="Courier New" panose="02070309020205020404" pitchFamily="49" charset="0"/>
+              </a:rPr>
+              <a:t>('preparing data');</a:t>
+            </a:r>
+          </a:p>
+          <a:p>
+            <a:pPr marL="0" indent="0">
+              <a:buNone/>
+            </a:pPr>
+            <a:r>
+              <a:rPr lang="sr-Latn-RS" dirty="0" smtClean="0">
+                <a:latin typeface="Courier New" panose="02070309020205020404" pitchFamily="49" charset="0"/>
+                <a:cs typeface="Courier New" panose="02070309020205020404" pitchFamily="49" charset="0"/>
+              </a:rPr>
+              <a:t>  </a:t>
+            </a:r>
+            <a:r>
+              <a:rPr lang="en-GB" b="1" dirty="0" err="1" smtClean="0">
+                <a:latin typeface="Courier New" panose="02070309020205020404" pitchFamily="49" charset="0"/>
+                <a:cs typeface="Courier New" panose="02070309020205020404" pitchFamily="49" charset="0"/>
+              </a:rPr>
+              <a:t>originalAdd.apply</a:t>
+            </a:r>
+            <a:r>
+              <a:rPr lang="en-GB" b="1" dirty="0" smtClean="0">
+                <a:latin typeface="Courier New" panose="02070309020205020404" pitchFamily="49" charset="0"/>
+                <a:cs typeface="Courier New" panose="02070309020205020404" pitchFamily="49" charset="0"/>
+              </a:rPr>
+              <a:t>(this</a:t>
+            </a:r>
+            <a:r>
+              <a:rPr lang="en-GB" b="1" dirty="0">
+                <a:latin typeface="Courier New" panose="02070309020205020404" pitchFamily="49" charset="0"/>
+                <a:cs typeface="Courier New" panose="02070309020205020404" pitchFamily="49" charset="0"/>
+              </a:rPr>
+              <a:t>,[2*x]);</a:t>
+            </a:r>
+          </a:p>
+          <a:p>
+            <a:pPr marL="0" indent="0">
+              <a:buNone/>
+            </a:pPr>
+            <a:r>
+              <a:rPr lang="sr-Latn-RS" dirty="0" smtClean="0">
+                <a:latin typeface="Courier New" panose="02070309020205020404" pitchFamily="49" charset="0"/>
+                <a:cs typeface="Courier New" panose="02070309020205020404" pitchFamily="49" charset="0"/>
+              </a:rPr>
+              <a:t>  </a:t>
+            </a:r>
+            <a:r>
+              <a:rPr lang="en-GB" dirty="0" smtClean="0">
+                <a:latin typeface="Courier New" panose="02070309020205020404" pitchFamily="49" charset="0"/>
+                <a:cs typeface="Courier New" panose="02070309020205020404" pitchFamily="49" charset="0"/>
+              </a:rPr>
+              <a:t>console.log</a:t>
+            </a:r>
+            <a:r>
+              <a:rPr lang="en-GB" dirty="0">
+                <a:latin typeface="Courier New" panose="02070309020205020404" pitchFamily="49" charset="0"/>
+                <a:cs typeface="Courier New" panose="02070309020205020404" pitchFamily="49" charset="0"/>
+              </a:rPr>
+              <a:t>('</a:t>
+            </a:r>
+            <a:r>
+              <a:rPr lang="en-GB" dirty="0" err="1">
+                <a:latin typeface="Courier New" panose="02070309020205020404" pitchFamily="49" charset="0"/>
+                <a:cs typeface="Courier New" panose="02070309020205020404" pitchFamily="49" charset="0"/>
+              </a:rPr>
+              <a:t>calculator.value</a:t>
+            </a:r>
+            <a:r>
+              <a:rPr lang="en-GB" dirty="0">
+                <a:latin typeface="Courier New" panose="02070309020205020404" pitchFamily="49" charset="0"/>
+                <a:cs typeface="Courier New" panose="02070309020205020404" pitchFamily="49" charset="0"/>
+              </a:rPr>
+              <a:t>: '+</a:t>
+            </a:r>
+            <a:r>
+              <a:rPr lang="en-GB" dirty="0" err="1">
+                <a:latin typeface="Courier New" panose="02070309020205020404" pitchFamily="49" charset="0"/>
+                <a:cs typeface="Courier New" panose="02070309020205020404" pitchFamily="49" charset="0"/>
+              </a:rPr>
+              <a:t>calculator.value</a:t>
+            </a:r>
+            <a:r>
+              <a:rPr lang="en-GB" dirty="0">
+                <a:latin typeface="Courier New" panose="02070309020205020404" pitchFamily="49" charset="0"/>
+                <a:cs typeface="Courier New" panose="02070309020205020404" pitchFamily="49" charset="0"/>
+              </a:rPr>
+              <a:t>);</a:t>
+            </a:r>
+          </a:p>
+          <a:p>
+            <a:pPr marL="0" indent="0">
+              <a:buNone/>
+            </a:pPr>
+            <a:r>
+              <a:rPr lang="en-GB" dirty="0">
+                <a:latin typeface="Courier New" panose="02070309020205020404" pitchFamily="49" charset="0"/>
+                <a:cs typeface="Courier New" panose="02070309020205020404" pitchFamily="49" charset="0"/>
+              </a:rPr>
+              <a:t>};</a:t>
+            </a:r>
+          </a:p>
+          <a:p>
+            <a:pPr marL="0" indent="0">
+              <a:buNone/>
+            </a:pPr>
+            <a:endParaRPr lang="en-GB" dirty="0">
+              <a:latin typeface="Courier New" panose="02070309020205020404" pitchFamily="49" charset="0"/>
+              <a:cs typeface="Courier New" panose="02070309020205020404" pitchFamily="49" charset="0"/>
+            </a:endParaRPr>
+          </a:p>
+          <a:p>
+            <a:pPr marL="0" indent="0">
+              <a:buNone/>
+            </a:pPr>
+            <a:r>
+              <a:rPr lang="en-GB" dirty="0" err="1">
+                <a:latin typeface="Courier New" panose="02070309020205020404" pitchFamily="49" charset="0"/>
+                <a:cs typeface="Courier New" panose="02070309020205020404" pitchFamily="49" charset="0"/>
+              </a:rPr>
+              <a:t>calculator.add</a:t>
+            </a:r>
+            <a:r>
+              <a:rPr lang="en-GB" dirty="0">
+                <a:latin typeface="Courier New" panose="02070309020205020404" pitchFamily="49" charset="0"/>
+                <a:cs typeface="Courier New" panose="02070309020205020404" pitchFamily="49" charset="0"/>
+              </a:rPr>
+              <a:t>(5);</a:t>
+            </a:r>
+          </a:p>
+          <a:p>
+            <a:pPr marL="0" indent="0">
+              <a:buNone/>
+            </a:pPr>
+            <a:endParaRPr lang="en-GB" dirty="0">
+              <a:latin typeface="Courier New" panose="02070309020205020404" pitchFamily="49" charset="0"/>
+              <a:cs typeface="Courier New" panose="02070309020205020404" pitchFamily="49" charset="0"/>
+            </a:endParaRPr>
           </a:p>
         </p:txBody>
       </p:sp>
     </p:spTree>
     <p:extLst>
       <p:ext uri="{BB962C8B-B14F-4D97-AF65-F5344CB8AC3E}">
-        <p14:creationId xmlns:p14="http://schemas.microsoft.com/office/powerpoint/2010/main" val="2334745252"/>
+        <p14:creationId xmlns:p14="http://schemas.microsoft.com/office/powerpoint/2010/main" val="4202691714"/>
+      </p:ext>
+    </p:extLst>
+  </p:cSld>
+  <p:clrMapOvr>
+    <a:masterClrMapping/>
+  </p:clrMapOvr>
+  <p:timing>
+    <p:tnLst>
+      <p:par>
+        <p:cTn id="1" dur="indefinite" restart="never" nodeType="tmRoot"/>
+      </p:par>
+    </p:tnLst>
+  </p:timing>
+</p:sld>
+</file>
+
+<file path=ppt/slides/slide15.xml><?xml version="1.0" encoding="utf-8"?>
+<p:sld xmlns:a="http://schemas.openxmlformats.org/drawingml/2006/main" xmlns:r="http://schemas.openxmlformats.org/officeDocument/2006/relationships" xmlns:p="http://schemas.openxmlformats.org/presentationml/2006/main">
+  <p:cSld>
+    <p:spTree>
+      <p:nvGrpSpPr>
+        <p:cNvPr id="1" name=""/>
+        <p:cNvGrpSpPr/>
+        <p:nvPr/>
+      </p:nvGrpSpPr>
+      <p:grpSpPr>
+        <a:xfrm>
+          <a:off x="0" y="0"/>
+          <a:ext cx="0" cy="0"/>
+          <a:chOff x="0" y="0"/>
+          <a:chExt cx="0" cy="0"/>
+        </a:xfrm>
+      </p:grpSpPr>
+      <p:sp>
+        <p:nvSpPr>
+          <p:cNvPr id="2" name="Title 1"/>
+          <p:cNvSpPr>
+            <a:spLocks noGrp="1"/>
+          </p:cNvSpPr>
+          <p:nvPr>
+            <p:ph type="title"/>
+          </p:nvPr>
+        </p:nvSpPr>
+        <p:spPr/>
+        <p:txBody>
+          <a:bodyPr/>
+          <a:lstStyle/>
+          <a:p>
+            <a:r>
+              <a:rPr lang="sr-Latn-RS" dirty="0" smtClean="0"/>
+              <a:t>Arguments parametar</a:t>
+            </a:r>
+            <a:endParaRPr lang="en-GB" dirty="0"/>
+          </a:p>
+        </p:txBody>
+      </p:sp>
+      <p:sp>
+        <p:nvSpPr>
+          <p:cNvPr id="3" name="Content Placeholder 2"/>
+          <p:cNvSpPr>
+            <a:spLocks noGrp="1"/>
+          </p:cNvSpPr>
+          <p:nvPr>
+            <p:ph idx="1"/>
+          </p:nvPr>
+        </p:nvSpPr>
+        <p:spPr/>
+        <p:txBody>
+          <a:bodyPr/>
+          <a:lstStyle/>
+          <a:p>
+            <a:r>
+              <a:rPr lang="sr-Latn-RS" dirty="0" smtClean="0"/>
+              <a:t>Prilikom poziva funkcije možemo da prosledimo više argumenata nego što smo specificirali listom parametara</a:t>
+            </a:r>
+          </a:p>
+          <a:p>
+            <a:r>
+              <a:rPr lang="sr-Latn-RS" dirty="0" smtClean="0"/>
+              <a:t>Nedodeljeni argumenti se ignorišu</a:t>
+            </a:r>
+          </a:p>
+          <a:p>
+            <a:r>
+              <a:rPr lang="sr-Latn-RS" dirty="0" smtClean="0"/>
+              <a:t>Ukupnoj listi argumenata možemo da pristupimo pomoću parametra </a:t>
+            </a:r>
+            <a:r>
+              <a:rPr lang="sr-Latn-RS" dirty="0" smtClean="0">
+                <a:latin typeface="Courier New" panose="02070309020205020404" pitchFamily="49" charset="0"/>
+                <a:cs typeface="Courier New" panose="02070309020205020404" pitchFamily="49" charset="0"/>
+              </a:rPr>
+              <a:t>arguments</a:t>
+            </a:r>
+          </a:p>
+          <a:p>
+            <a:r>
+              <a:rPr lang="sr-Latn-RS" dirty="0" smtClean="0"/>
+              <a:t>Možemo da pišemo funkcije sa promenljivim brojem parametara</a:t>
+            </a:r>
+            <a:endParaRPr lang="sr-Latn-RS" dirty="0"/>
+          </a:p>
+        </p:txBody>
+      </p:sp>
+    </p:spTree>
+    <p:extLst>
+      <p:ext uri="{BB962C8B-B14F-4D97-AF65-F5344CB8AC3E}">
+        <p14:creationId xmlns:p14="http://schemas.microsoft.com/office/powerpoint/2010/main" val="1994100968"/>
+      </p:ext>
+    </p:extLst>
+  </p:cSld>
+  <p:clrMapOvr>
+    <a:masterClrMapping/>
+  </p:clrMapOvr>
+  <p:timing>
+    <p:tnLst>
+      <p:par>
+        <p:cTn id="1" dur="indefinite" restart="never" nodeType="tmRoot"/>
+      </p:par>
+    </p:tnLst>
+  </p:timing>
+</p:sld>
+</file>
+
+<file path=ppt/slides/slide16.xml><?xml version="1.0" encoding="utf-8"?>
+<p:sld xmlns:a="http://schemas.openxmlformats.org/drawingml/2006/main" xmlns:r="http://schemas.openxmlformats.org/officeDocument/2006/relationships" xmlns:p="http://schemas.openxmlformats.org/presentationml/2006/main">
+  <p:cSld>
+    <p:spTree>
+      <p:nvGrpSpPr>
+        <p:cNvPr id="1" name=""/>
+        <p:cNvGrpSpPr/>
+        <p:nvPr/>
+      </p:nvGrpSpPr>
+      <p:grpSpPr>
+        <a:xfrm>
+          <a:off x="0" y="0"/>
+          <a:ext cx="0" cy="0"/>
+          <a:chOff x="0" y="0"/>
+          <a:chExt cx="0" cy="0"/>
+        </a:xfrm>
+      </p:grpSpPr>
+      <p:sp>
+        <p:nvSpPr>
+          <p:cNvPr id="2" name="Title 1"/>
+          <p:cNvSpPr>
+            <a:spLocks noGrp="1"/>
+          </p:cNvSpPr>
+          <p:nvPr>
+            <p:ph type="title"/>
+          </p:nvPr>
+        </p:nvSpPr>
+        <p:spPr/>
+        <p:txBody>
+          <a:bodyPr/>
+          <a:lstStyle/>
+          <a:p>
+            <a:r>
+              <a:rPr lang="sr-Latn-RS" dirty="0" smtClean="0"/>
+              <a:t>Arguments parametar</a:t>
+            </a:r>
+            <a:endParaRPr lang="en-GB" dirty="0"/>
+          </a:p>
+        </p:txBody>
+      </p:sp>
+      <p:sp>
+        <p:nvSpPr>
+          <p:cNvPr id="3" name="Content Placeholder 2"/>
+          <p:cNvSpPr>
+            <a:spLocks noGrp="1"/>
+          </p:cNvSpPr>
+          <p:nvPr>
+            <p:ph idx="1"/>
+          </p:nvPr>
+        </p:nvSpPr>
+        <p:spPr/>
+        <p:txBody>
+          <a:bodyPr>
+            <a:normAutofit fontScale="77500" lnSpcReduction="20000"/>
+          </a:bodyPr>
+          <a:lstStyle/>
+          <a:p>
+            <a:pPr marL="0" indent="0">
+              <a:buNone/>
+            </a:pPr>
+            <a:r>
+              <a:rPr lang="en-GB" dirty="0" err="1">
+                <a:latin typeface="Courier New" panose="02070309020205020404" pitchFamily="49" charset="0"/>
+                <a:cs typeface="Courier New" panose="02070309020205020404" pitchFamily="49" charset="0"/>
+              </a:rPr>
+              <a:t>var</a:t>
+            </a:r>
+            <a:r>
+              <a:rPr lang="en-GB" dirty="0">
+                <a:latin typeface="Courier New" panose="02070309020205020404" pitchFamily="49" charset="0"/>
+                <a:cs typeface="Courier New" panose="02070309020205020404" pitchFamily="49" charset="0"/>
+              </a:rPr>
+              <a:t> multiply = function </a:t>
+            </a:r>
+            <a:r>
+              <a:rPr lang="en-GB" b="1" dirty="0">
+                <a:latin typeface="Courier New" panose="02070309020205020404" pitchFamily="49" charset="0"/>
+                <a:cs typeface="Courier New" panose="02070309020205020404" pitchFamily="49" charset="0"/>
+              </a:rPr>
+              <a:t>()</a:t>
+            </a:r>
+            <a:r>
+              <a:rPr lang="en-GB" dirty="0">
+                <a:latin typeface="Courier New" panose="02070309020205020404" pitchFamily="49" charset="0"/>
+                <a:cs typeface="Courier New" panose="02070309020205020404" pitchFamily="49" charset="0"/>
+              </a:rPr>
+              <a:t> {</a:t>
+            </a:r>
+          </a:p>
+          <a:p>
+            <a:pPr marL="0" indent="0">
+              <a:buNone/>
+            </a:pPr>
+            <a:r>
+              <a:rPr lang="en-GB" dirty="0">
+                <a:latin typeface="Courier New" panose="02070309020205020404" pitchFamily="49" charset="0"/>
+                <a:cs typeface="Courier New" panose="02070309020205020404" pitchFamily="49" charset="0"/>
+              </a:rPr>
+              <a:t>  </a:t>
+            </a:r>
+            <a:r>
+              <a:rPr lang="en-GB" dirty="0" err="1">
+                <a:latin typeface="Courier New" panose="02070309020205020404" pitchFamily="49" charset="0"/>
+                <a:cs typeface="Courier New" panose="02070309020205020404" pitchFamily="49" charset="0"/>
+              </a:rPr>
+              <a:t>var</a:t>
+            </a:r>
+            <a:r>
+              <a:rPr lang="en-GB" dirty="0">
+                <a:latin typeface="Courier New" panose="02070309020205020404" pitchFamily="49" charset="0"/>
+                <a:cs typeface="Courier New" panose="02070309020205020404" pitchFamily="49" charset="0"/>
+              </a:rPr>
+              <a:t> </a:t>
+            </a:r>
+            <a:r>
+              <a:rPr lang="en-GB" dirty="0" err="1">
+                <a:latin typeface="Courier New" panose="02070309020205020404" pitchFamily="49" charset="0"/>
+                <a:cs typeface="Courier New" panose="02070309020205020404" pitchFamily="49" charset="0"/>
+              </a:rPr>
+              <a:t>i</a:t>
+            </a:r>
+            <a:r>
+              <a:rPr lang="en-GB" dirty="0">
+                <a:latin typeface="Courier New" panose="02070309020205020404" pitchFamily="49" charset="0"/>
+                <a:cs typeface="Courier New" panose="02070309020205020404" pitchFamily="49" charset="0"/>
+              </a:rPr>
+              <a:t>;</a:t>
+            </a:r>
+          </a:p>
+          <a:p>
+            <a:pPr marL="0" indent="0">
+              <a:buNone/>
+            </a:pPr>
+            <a:r>
+              <a:rPr lang="en-GB" dirty="0">
+                <a:latin typeface="Courier New" panose="02070309020205020404" pitchFamily="49" charset="0"/>
+                <a:cs typeface="Courier New" panose="02070309020205020404" pitchFamily="49" charset="0"/>
+              </a:rPr>
+              <a:t>  </a:t>
+            </a:r>
+            <a:r>
+              <a:rPr lang="en-GB" dirty="0" err="1">
+                <a:latin typeface="Courier New" panose="02070309020205020404" pitchFamily="49" charset="0"/>
+                <a:cs typeface="Courier New" panose="02070309020205020404" pitchFamily="49" charset="0"/>
+              </a:rPr>
+              <a:t>var</a:t>
+            </a:r>
+            <a:r>
+              <a:rPr lang="en-GB" dirty="0">
+                <a:latin typeface="Courier New" panose="02070309020205020404" pitchFamily="49" charset="0"/>
+                <a:cs typeface="Courier New" panose="02070309020205020404" pitchFamily="49" charset="0"/>
+              </a:rPr>
+              <a:t> result = 1;</a:t>
+            </a:r>
+          </a:p>
+          <a:p>
+            <a:pPr marL="0" indent="0">
+              <a:buNone/>
+            </a:pPr>
+            <a:r>
+              <a:rPr lang="en-GB" dirty="0">
+                <a:latin typeface="Courier New" panose="02070309020205020404" pitchFamily="49" charset="0"/>
+                <a:cs typeface="Courier New" panose="02070309020205020404" pitchFamily="49" charset="0"/>
+              </a:rPr>
+              <a:t>  for(</a:t>
+            </a:r>
+            <a:r>
+              <a:rPr lang="en-GB" dirty="0" err="1">
+                <a:latin typeface="Courier New" panose="02070309020205020404" pitchFamily="49" charset="0"/>
+                <a:cs typeface="Courier New" panose="02070309020205020404" pitchFamily="49" charset="0"/>
+              </a:rPr>
+              <a:t>i</a:t>
+            </a:r>
+            <a:r>
+              <a:rPr lang="en-GB" dirty="0">
+                <a:latin typeface="Courier New" panose="02070309020205020404" pitchFamily="49" charset="0"/>
+                <a:cs typeface="Courier New" panose="02070309020205020404" pitchFamily="49" charset="0"/>
+              </a:rPr>
+              <a:t>=0;</a:t>
+            </a:r>
+            <a:r>
+              <a:rPr lang="en-GB" b="1" dirty="0">
+                <a:latin typeface="Courier New" panose="02070309020205020404" pitchFamily="49" charset="0"/>
+                <a:cs typeface="Courier New" panose="02070309020205020404" pitchFamily="49" charset="0"/>
+              </a:rPr>
+              <a:t>i&lt;</a:t>
+            </a:r>
+            <a:r>
+              <a:rPr lang="en-GB" b="1" dirty="0" err="1">
+                <a:latin typeface="Courier New" panose="02070309020205020404" pitchFamily="49" charset="0"/>
+                <a:cs typeface="Courier New" panose="02070309020205020404" pitchFamily="49" charset="0"/>
+              </a:rPr>
+              <a:t>arguments.length</a:t>
+            </a:r>
+            <a:r>
+              <a:rPr lang="en-GB" dirty="0" err="1">
+                <a:latin typeface="Courier New" panose="02070309020205020404" pitchFamily="49" charset="0"/>
+                <a:cs typeface="Courier New" panose="02070309020205020404" pitchFamily="49" charset="0"/>
+              </a:rPr>
+              <a:t>;i</a:t>
+            </a:r>
+            <a:r>
+              <a:rPr lang="en-GB" dirty="0">
+                <a:latin typeface="Courier New" panose="02070309020205020404" pitchFamily="49" charset="0"/>
+                <a:cs typeface="Courier New" panose="02070309020205020404" pitchFamily="49" charset="0"/>
+              </a:rPr>
+              <a:t>++){</a:t>
+            </a:r>
+          </a:p>
+          <a:p>
+            <a:pPr marL="0" indent="0">
+              <a:buNone/>
+            </a:pPr>
+            <a:r>
+              <a:rPr lang="en-GB" dirty="0">
+                <a:latin typeface="Courier New" panose="02070309020205020404" pitchFamily="49" charset="0"/>
+                <a:cs typeface="Courier New" panose="02070309020205020404" pitchFamily="49" charset="0"/>
+              </a:rPr>
+              <a:t>    </a:t>
+            </a:r>
+            <a:r>
+              <a:rPr lang="en-GB" b="1" dirty="0">
+                <a:latin typeface="Courier New" panose="02070309020205020404" pitchFamily="49" charset="0"/>
+                <a:cs typeface="Courier New" panose="02070309020205020404" pitchFamily="49" charset="0"/>
+              </a:rPr>
+              <a:t>result *= arguments[</a:t>
+            </a:r>
+            <a:r>
+              <a:rPr lang="en-GB" b="1" dirty="0" err="1">
+                <a:latin typeface="Courier New" panose="02070309020205020404" pitchFamily="49" charset="0"/>
+                <a:cs typeface="Courier New" panose="02070309020205020404" pitchFamily="49" charset="0"/>
+              </a:rPr>
+              <a:t>i</a:t>
+            </a:r>
+            <a:r>
+              <a:rPr lang="en-GB" b="1" dirty="0">
+                <a:latin typeface="Courier New" panose="02070309020205020404" pitchFamily="49" charset="0"/>
+                <a:cs typeface="Courier New" panose="02070309020205020404" pitchFamily="49" charset="0"/>
+              </a:rPr>
+              <a:t>];</a:t>
+            </a:r>
+          </a:p>
+          <a:p>
+            <a:pPr marL="0" indent="0">
+              <a:buNone/>
+            </a:pPr>
+            <a:r>
+              <a:rPr lang="en-GB" dirty="0">
+                <a:latin typeface="Courier New" panose="02070309020205020404" pitchFamily="49" charset="0"/>
+                <a:cs typeface="Courier New" panose="02070309020205020404" pitchFamily="49" charset="0"/>
+              </a:rPr>
+              <a:t>  }</a:t>
+            </a:r>
+          </a:p>
+          <a:p>
+            <a:pPr marL="0" indent="0">
+              <a:buNone/>
+            </a:pPr>
+            <a:r>
+              <a:rPr lang="en-GB" dirty="0">
+                <a:latin typeface="Courier New" panose="02070309020205020404" pitchFamily="49" charset="0"/>
+                <a:cs typeface="Courier New" panose="02070309020205020404" pitchFamily="49" charset="0"/>
+              </a:rPr>
+              <a:t>  return result;</a:t>
+            </a:r>
+          </a:p>
+          <a:p>
+            <a:pPr marL="0" indent="0">
+              <a:buNone/>
+            </a:pPr>
+            <a:r>
+              <a:rPr lang="en-GB" dirty="0">
+                <a:latin typeface="Courier New" panose="02070309020205020404" pitchFamily="49" charset="0"/>
+                <a:cs typeface="Courier New" panose="02070309020205020404" pitchFamily="49" charset="0"/>
+              </a:rPr>
+              <a:t>};</a:t>
+            </a:r>
+          </a:p>
+          <a:p>
+            <a:pPr marL="0" indent="0">
+              <a:buNone/>
+            </a:pPr>
+            <a:endParaRPr lang="en-GB" dirty="0">
+              <a:latin typeface="Courier New" panose="02070309020205020404" pitchFamily="49" charset="0"/>
+              <a:cs typeface="Courier New" panose="02070309020205020404" pitchFamily="49" charset="0"/>
+            </a:endParaRPr>
+          </a:p>
+          <a:p>
+            <a:pPr marL="0" indent="0">
+              <a:buNone/>
+            </a:pPr>
+            <a:r>
+              <a:rPr lang="en-GB" dirty="0" err="1">
+                <a:latin typeface="Courier New" panose="02070309020205020404" pitchFamily="49" charset="0"/>
+                <a:cs typeface="Courier New" panose="02070309020205020404" pitchFamily="49" charset="0"/>
+              </a:rPr>
+              <a:t>var</a:t>
+            </a:r>
+            <a:r>
+              <a:rPr lang="en-GB" dirty="0">
+                <a:latin typeface="Courier New" panose="02070309020205020404" pitchFamily="49" charset="0"/>
+                <a:cs typeface="Courier New" panose="02070309020205020404" pitchFamily="49" charset="0"/>
+              </a:rPr>
+              <a:t> factorial5=multiply(</a:t>
+            </a:r>
+            <a:r>
+              <a:rPr lang="en-GB" b="1" dirty="0">
+                <a:latin typeface="Courier New" panose="02070309020205020404" pitchFamily="49" charset="0"/>
+                <a:cs typeface="Courier New" panose="02070309020205020404" pitchFamily="49" charset="0"/>
+              </a:rPr>
+              <a:t>5,4,3,2</a:t>
+            </a:r>
+            <a:r>
+              <a:rPr lang="en-GB" dirty="0">
+                <a:latin typeface="Courier New" panose="02070309020205020404" pitchFamily="49" charset="0"/>
+                <a:cs typeface="Courier New" panose="02070309020205020404" pitchFamily="49" charset="0"/>
+              </a:rPr>
+              <a:t>);</a:t>
+            </a:r>
+          </a:p>
+          <a:p>
+            <a:pPr marL="0" indent="0">
+              <a:buNone/>
+            </a:pPr>
+            <a:r>
+              <a:rPr lang="en-GB" dirty="0">
+                <a:latin typeface="Courier New" panose="02070309020205020404" pitchFamily="49" charset="0"/>
+                <a:cs typeface="Courier New" panose="02070309020205020404" pitchFamily="49" charset="0"/>
+              </a:rPr>
+              <a:t>console.log(factorial5);</a:t>
+            </a:r>
+          </a:p>
+          <a:p>
+            <a:pPr marL="0" indent="0">
+              <a:buNone/>
+            </a:pPr>
+            <a:endParaRPr lang="en-GB" dirty="0">
+              <a:latin typeface="Courier New" panose="02070309020205020404" pitchFamily="49" charset="0"/>
+              <a:cs typeface="Courier New" panose="02070309020205020404" pitchFamily="49" charset="0"/>
+            </a:endParaRPr>
+          </a:p>
+        </p:txBody>
+      </p:sp>
+    </p:spTree>
+    <p:extLst>
+      <p:ext uri="{BB962C8B-B14F-4D97-AF65-F5344CB8AC3E}">
+        <p14:creationId xmlns:p14="http://schemas.microsoft.com/office/powerpoint/2010/main" val="2537622380"/>
+      </p:ext>
+    </p:extLst>
+  </p:cSld>
+  <p:clrMapOvr>
+    <a:masterClrMapping/>
+  </p:clrMapOvr>
+  <p:timing>
+    <p:tnLst>
+      <p:par>
+        <p:cTn id="1" dur="indefinite" restart="never" nodeType="tmRoot"/>
+      </p:par>
+    </p:tnLst>
+  </p:timing>
+</p:sld>
+</file>
+
+<file path=ppt/slides/slide17.xml><?xml version="1.0" encoding="utf-8"?>
+<p:sld xmlns:a="http://schemas.openxmlformats.org/drawingml/2006/main" xmlns:r="http://schemas.openxmlformats.org/officeDocument/2006/relationships" xmlns:p="http://schemas.openxmlformats.org/presentationml/2006/main">
+  <p:cSld>
+    <p:spTree>
+      <p:nvGrpSpPr>
+        <p:cNvPr id="1" name=""/>
+        <p:cNvGrpSpPr/>
+        <p:nvPr/>
+      </p:nvGrpSpPr>
+      <p:grpSpPr>
+        <a:xfrm>
+          <a:off x="0" y="0"/>
+          <a:ext cx="0" cy="0"/>
+          <a:chOff x="0" y="0"/>
+          <a:chExt cx="0" cy="0"/>
+        </a:xfrm>
+      </p:grpSpPr>
+      <p:sp>
+        <p:nvSpPr>
+          <p:cNvPr id="2" name="Title 1"/>
+          <p:cNvSpPr>
+            <a:spLocks noGrp="1"/>
+          </p:cNvSpPr>
+          <p:nvPr>
+            <p:ph type="title"/>
+          </p:nvPr>
+        </p:nvSpPr>
+        <p:spPr/>
+        <p:txBody>
+          <a:bodyPr/>
+          <a:lstStyle/>
+          <a:p>
+            <a:r>
+              <a:rPr lang="sr-Latn-RS" dirty="0" smtClean="0"/>
+              <a:t>Izuzeci</a:t>
+            </a:r>
+            <a:endParaRPr lang="en-GB" dirty="0"/>
+          </a:p>
+        </p:txBody>
+      </p:sp>
+      <p:sp>
+        <p:nvSpPr>
+          <p:cNvPr id="3" name="Content Placeholder 2"/>
+          <p:cNvSpPr>
+            <a:spLocks noGrp="1"/>
+          </p:cNvSpPr>
+          <p:nvPr>
+            <p:ph idx="1"/>
+          </p:nvPr>
+        </p:nvSpPr>
+        <p:spPr/>
+        <p:txBody>
+          <a:bodyPr>
+            <a:normAutofit lnSpcReduction="10000"/>
+          </a:bodyPr>
+          <a:lstStyle/>
+          <a:p>
+            <a:r>
+              <a:rPr lang="sr-Latn-RS" dirty="0" smtClean="0"/>
+              <a:t>Neuobičajeni događaju u izvršavanju programa</a:t>
+            </a:r>
+          </a:p>
+          <a:p>
+            <a:r>
+              <a:rPr lang="sr-Latn-RS" dirty="0" smtClean="0"/>
+              <a:t>Izuzetak je objekat koji ima </a:t>
+            </a:r>
+            <a:r>
+              <a:rPr lang="sr-Latn-RS" dirty="0" smtClean="0">
+                <a:latin typeface="Courier New" panose="02070309020205020404" pitchFamily="49" charset="0"/>
+                <a:cs typeface="Courier New" panose="02070309020205020404" pitchFamily="49" charset="0"/>
+              </a:rPr>
+              <a:t>name</a:t>
+            </a:r>
+            <a:r>
+              <a:rPr lang="sr-Latn-RS" dirty="0" smtClean="0"/>
+              <a:t> i </a:t>
+            </a:r>
+            <a:r>
+              <a:rPr lang="sr-Latn-RS" dirty="0">
+                <a:latin typeface="Courier New" panose="02070309020205020404" pitchFamily="49" charset="0"/>
+                <a:cs typeface="Courier New" panose="02070309020205020404" pitchFamily="49" charset="0"/>
+              </a:rPr>
+              <a:t>message </a:t>
+            </a:r>
+            <a:r>
+              <a:rPr lang="sr-Latn-RS" dirty="0" smtClean="0"/>
+              <a:t>i može da ima još proizvoljnih svojstava</a:t>
+            </a:r>
+          </a:p>
+          <a:p>
+            <a:r>
+              <a:rPr lang="sr-Latn-RS" dirty="0">
+                <a:latin typeface="Courier New" panose="02070309020205020404" pitchFamily="49" charset="0"/>
+                <a:cs typeface="Courier New" panose="02070309020205020404" pitchFamily="49" charset="0"/>
+              </a:rPr>
+              <a:t>Throw</a:t>
+            </a:r>
+            <a:r>
+              <a:rPr lang="sr-Latn-RS" dirty="0" smtClean="0"/>
+              <a:t> prekida izvršavanje funkcije i prebacuje izvršavanje na </a:t>
+            </a:r>
+            <a:r>
+              <a:rPr lang="sr-Latn-RS" dirty="0">
+                <a:latin typeface="Courier New" panose="02070309020205020404" pitchFamily="49" charset="0"/>
+                <a:cs typeface="Courier New" panose="02070309020205020404" pitchFamily="49" charset="0"/>
+              </a:rPr>
+              <a:t>catch</a:t>
+            </a:r>
+            <a:r>
+              <a:rPr lang="sr-Latn-RS" dirty="0" smtClean="0"/>
+              <a:t> blok</a:t>
+            </a:r>
+          </a:p>
+          <a:p>
+            <a:r>
+              <a:rPr lang="sr-Latn-RS" dirty="0" smtClean="0"/>
+              <a:t>Za </a:t>
+            </a:r>
+            <a:r>
+              <a:rPr lang="sr-Latn-RS" dirty="0">
+                <a:latin typeface="Courier New" panose="02070309020205020404" pitchFamily="49" charset="0"/>
+                <a:cs typeface="Courier New" panose="02070309020205020404" pitchFamily="49" charset="0"/>
+              </a:rPr>
+              <a:t>try </a:t>
+            </a:r>
+            <a:r>
+              <a:rPr lang="sr-Latn-RS" dirty="0" smtClean="0"/>
+              <a:t>postoji jedan </a:t>
+            </a:r>
+            <a:r>
+              <a:rPr lang="sr-Latn-RS" dirty="0">
+                <a:latin typeface="Courier New" panose="02070309020205020404" pitchFamily="49" charset="0"/>
+                <a:cs typeface="Courier New" panose="02070309020205020404" pitchFamily="49" charset="0"/>
+              </a:rPr>
+              <a:t>catch</a:t>
+            </a:r>
+            <a:r>
+              <a:rPr lang="sr-Latn-RS" dirty="0" smtClean="0"/>
+              <a:t> blok</a:t>
+            </a:r>
+          </a:p>
+          <a:p>
+            <a:pPr lvl="1"/>
+            <a:r>
+              <a:rPr lang="sr-Latn-RS" dirty="0" smtClean="0"/>
+              <a:t>Ukoliko se može desiti više različitih izuzetaka, treba proveriti </a:t>
+            </a:r>
+            <a:r>
+              <a:rPr lang="sr-Latn-RS" dirty="0" smtClean="0">
+                <a:latin typeface="Courier New" panose="02070309020205020404" pitchFamily="49" charset="0"/>
+                <a:cs typeface="Courier New" panose="02070309020205020404" pitchFamily="49" charset="0"/>
+              </a:rPr>
+              <a:t>name </a:t>
+            </a:r>
+            <a:r>
+              <a:rPr lang="sr-Latn-RS" dirty="0" smtClean="0"/>
+              <a:t>izuzetka u </a:t>
+            </a:r>
+            <a:r>
+              <a:rPr lang="sr-Latn-RS" dirty="0" smtClean="0">
+                <a:latin typeface="Courier New" panose="02070309020205020404" pitchFamily="49" charset="0"/>
+                <a:cs typeface="Courier New" panose="02070309020205020404" pitchFamily="49" charset="0"/>
+              </a:rPr>
+              <a:t>catch</a:t>
+            </a:r>
+            <a:r>
+              <a:rPr lang="sr-Latn-RS" dirty="0" smtClean="0"/>
+              <a:t> bloku </a:t>
+            </a:r>
+          </a:p>
+          <a:p>
+            <a:endParaRPr lang="sr-Latn-RS" dirty="0" smtClean="0"/>
+          </a:p>
+        </p:txBody>
+      </p:sp>
+    </p:spTree>
+    <p:extLst>
+      <p:ext uri="{BB962C8B-B14F-4D97-AF65-F5344CB8AC3E}">
+        <p14:creationId xmlns:p14="http://schemas.microsoft.com/office/powerpoint/2010/main" val="2456162014"/>
+      </p:ext>
+    </p:extLst>
+  </p:cSld>
+  <p:clrMapOvr>
+    <a:masterClrMapping/>
+  </p:clrMapOvr>
+  <p:timing>
+    <p:tnLst>
+      <p:par>
+        <p:cTn id="1" dur="indefinite" restart="never" nodeType="tmRoot"/>
+      </p:par>
+    </p:tnLst>
+  </p:timing>
+</p:sld>
+</file>
+
+<file path=ppt/slides/slide18.xml><?xml version="1.0" encoding="utf-8"?>
+<p:sld xmlns:a="http://schemas.openxmlformats.org/drawingml/2006/main" xmlns:r="http://schemas.openxmlformats.org/officeDocument/2006/relationships" xmlns:p="http://schemas.openxmlformats.org/presentationml/2006/main">
+  <p:cSld>
+    <p:spTree>
+      <p:nvGrpSpPr>
+        <p:cNvPr id="1" name=""/>
+        <p:cNvGrpSpPr/>
+        <p:nvPr/>
+      </p:nvGrpSpPr>
+      <p:grpSpPr>
+        <a:xfrm>
+          <a:off x="0" y="0"/>
+          <a:ext cx="0" cy="0"/>
+          <a:chOff x="0" y="0"/>
+          <a:chExt cx="0" cy="0"/>
+        </a:xfrm>
+      </p:grpSpPr>
+      <p:sp>
+        <p:nvSpPr>
+          <p:cNvPr id="2" name="Title 1"/>
+          <p:cNvSpPr>
+            <a:spLocks noGrp="1"/>
+          </p:cNvSpPr>
+          <p:nvPr>
+            <p:ph type="title"/>
+          </p:nvPr>
+        </p:nvSpPr>
+        <p:spPr/>
+        <p:txBody>
+          <a:bodyPr/>
+          <a:lstStyle/>
+          <a:p>
+            <a:r>
+              <a:rPr lang="sr-Latn-RS" dirty="0" smtClean="0"/>
+              <a:t>Izuzeci</a:t>
+            </a:r>
+            <a:endParaRPr lang="en-GB" dirty="0"/>
+          </a:p>
+        </p:txBody>
+      </p:sp>
+      <p:sp>
+        <p:nvSpPr>
+          <p:cNvPr id="3" name="Content Placeholder 2"/>
+          <p:cNvSpPr>
+            <a:spLocks noGrp="1"/>
+          </p:cNvSpPr>
+          <p:nvPr>
+            <p:ph idx="1"/>
+          </p:nvPr>
+        </p:nvSpPr>
+        <p:spPr/>
+        <p:txBody>
+          <a:bodyPr>
+            <a:normAutofit fontScale="62500" lnSpcReduction="20000"/>
+          </a:bodyPr>
+          <a:lstStyle/>
+          <a:p>
+            <a:pPr marL="0" indent="0">
+              <a:buNone/>
+            </a:pPr>
+            <a:r>
+              <a:rPr lang="sr-Latn-RS" dirty="0" smtClean="0"/>
+              <a:t>...</a:t>
+            </a:r>
+          </a:p>
+          <a:p>
+            <a:pPr marL="0" indent="0">
+              <a:buNone/>
+            </a:pPr>
+            <a:r>
+              <a:rPr lang="en-GB" dirty="0" smtClean="0"/>
+              <a:t> </a:t>
+            </a:r>
+            <a:r>
+              <a:rPr lang="en-GB" dirty="0">
+                <a:latin typeface="Courier New" panose="02070309020205020404" pitchFamily="49" charset="0"/>
+                <a:cs typeface="Courier New" panose="02070309020205020404" pitchFamily="49" charset="0"/>
+              </a:rPr>
+              <a:t>if (</a:t>
+            </a:r>
+            <a:r>
+              <a:rPr lang="en-GB" dirty="0" err="1">
+                <a:latin typeface="Courier New" panose="02070309020205020404" pitchFamily="49" charset="0"/>
+                <a:cs typeface="Courier New" panose="02070309020205020404" pitchFamily="49" charset="0"/>
+              </a:rPr>
+              <a:t>typeof</a:t>
+            </a:r>
+            <a:r>
+              <a:rPr lang="en-GB" dirty="0">
+                <a:latin typeface="Courier New" panose="02070309020205020404" pitchFamily="49" charset="0"/>
+                <a:cs typeface="Courier New" panose="02070309020205020404" pitchFamily="49" charset="0"/>
+              </a:rPr>
+              <a:t> arguments[</a:t>
+            </a:r>
+            <a:r>
+              <a:rPr lang="en-GB" dirty="0" err="1">
+                <a:latin typeface="Courier New" panose="02070309020205020404" pitchFamily="49" charset="0"/>
+                <a:cs typeface="Courier New" panose="02070309020205020404" pitchFamily="49" charset="0"/>
+              </a:rPr>
+              <a:t>i</a:t>
+            </a:r>
+            <a:r>
+              <a:rPr lang="en-GB" dirty="0">
+                <a:latin typeface="Courier New" panose="02070309020205020404" pitchFamily="49" charset="0"/>
+                <a:cs typeface="Courier New" panose="02070309020205020404" pitchFamily="49" charset="0"/>
+              </a:rPr>
+              <a:t>] !== 'number') {</a:t>
+            </a:r>
+          </a:p>
+          <a:p>
+            <a:pPr marL="0" indent="0">
+              <a:buNone/>
+            </a:pPr>
+            <a:r>
+              <a:rPr lang="en-GB" dirty="0">
+                <a:latin typeface="Courier New" panose="02070309020205020404" pitchFamily="49" charset="0"/>
+                <a:cs typeface="Courier New" panose="02070309020205020404" pitchFamily="49" charset="0"/>
+              </a:rPr>
+              <a:t>      </a:t>
+            </a:r>
+            <a:r>
+              <a:rPr lang="en-GB" b="1" dirty="0">
+                <a:latin typeface="Courier New" panose="02070309020205020404" pitchFamily="49" charset="0"/>
+                <a:cs typeface="Courier New" panose="02070309020205020404" pitchFamily="49" charset="0"/>
+              </a:rPr>
+              <a:t>throw {</a:t>
+            </a:r>
+          </a:p>
+          <a:p>
+            <a:pPr marL="0" indent="0">
+              <a:buNone/>
+            </a:pPr>
+            <a:r>
+              <a:rPr lang="en-GB" b="1" dirty="0">
+                <a:latin typeface="Courier New" panose="02070309020205020404" pitchFamily="49" charset="0"/>
+                <a:cs typeface="Courier New" panose="02070309020205020404" pitchFamily="49" charset="0"/>
+              </a:rPr>
+              <a:t>        name: '</a:t>
+            </a:r>
+            <a:r>
+              <a:rPr lang="en-GB" b="1" dirty="0" err="1">
+                <a:latin typeface="Courier New" panose="02070309020205020404" pitchFamily="49" charset="0"/>
+                <a:cs typeface="Courier New" panose="02070309020205020404" pitchFamily="49" charset="0"/>
+              </a:rPr>
+              <a:t>TypeError</a:t>
+            </a:r>
+            <a:r>
+              <a:rPr lang="en-GB" b="1" dirty="0">
+                <a:latin typeface="Courier New" panose="02070309020205020404" pitchFamily="49" charset="0"/>
+                <a:cs typeface="Courier New" panose="02070309020205020404" pitchFamily="49" charset="0"/>
+              </a:rPr>
+              <a:t>',</a:t>
+            </a:r>
+          </a:p>
+          <a:p>
+            <a:pPr marL="0" indent="0">
+              <a:buNone/>
+            </a:pPr>
+            <a:r>
+              <a:rPr lang="en-GB" b="1" dirty="0">
+                <a:latin typeface="Courier New" panose="02070309020205020404" pitchFamily="49" charset="0"/>
+                <a:cs typeface="Courier New" panose="02070309020205020404" pitchFamily="49" charset="0"/>
+              </a:rPr>
+              <a:t>        message: 'add needs numbers'</a:t>
+            </a:r>
+          </a:p>
+          <a:p>
+            <a:pPr marL="0" indent="0">
+              <a:buNone/>
+            </a:pPr>
+            <a:r>
+              <a:rPr lang="en-GB" b="1" dirty="0">
+                <a:latin typeface="Courier New" panose="02070309020205020404" pitchFamily="49" charset="0"/>
+                <a:cs typeface="Courier New" panose="02070309020205020404" pitchFamily="49" charset="0"/>
+              </a:rPr>
+              <a:t>      };</a:t>
+            </a:r>
+          </a:p>
+          <a:p>
+            <a:pPr marL="0" indent="0">
+              <a:buNone/>
+            </a:pPr>
+            <a:r>
+              <a:rPr lang="en-GB" dirty="0">
+                <a:latin typeface="Courier New" panose="02070309020205020404" pitchFamily="49" charset="0"/>
+                <a:cs typeface="Courier New" panose="02070309020205020404" pitchFamily="49" charset="0"/>
+              </a:rPr>
+              <a:t>    </a:t>
+            </a:r>
+            <a:r>
+              <a:rPr lang="en-GB" dirty="0" smtClean="0">
+                <a:latin typeface="Courier New" panose="02070309020205020404" pitchFamily="49" charset="0"/>
+                <a:cs typeface="Courier New" panose="02070309020205020404" pitchFamily="49" charset="0"/>
+              </a:rPr>
+              <a:t>}</a:t>
+            </a:r>
+            <a:endParaRPr lang="sr-Latn-RS" dirty="0" smtClean="0">
+              <a:latin typeface="Courier New" panose="02070309020205020404" pitchFamily="49" charset="0"/>
+              <a:cs typeface="Courier New" panose="02070309020205020404" pitchFamily="49" charset="0"/>
+            </a:endParaRPr>
+          </a:p>
+          <a:p>
+            <a:pPr marL="0" indent="0">
+              <a:buNone/>
+            </a:pPr>
+            <a:r>
+              <a:rPr lang="sr-Latn-RS" dirty="0" smtClean="0">
+                <a:latin typeface="Courier New" panose="02070309020205020404" pitchFamily="49" charset="0"/>
+                <a:cs typeface="Courier New" panose="02070309020205020404" pitchFamily="49" charset="0"/>
+              </a:rPr>
+              <a:t>...</a:t>
+            </a:r>
+          </a:p>
+          <a:p>
+            <a:pPr marL="0" indent="0">
+              <a:buNone/>
+            </a:pPr>
+            <a:r>
+              <a:rPr lang="en-GB" b="1" dirty="0" smtClean="0">
+                <a:latin typeface="Courier New" panose="02070309020205020404" pitchFamily="49" charset="0"/>
+                <a:cs typeface="Courier New" panose="02070309020205020404" pitchFamily="49" charset="0"/>
+              </a:rPr>
+              <a:t>try</a:t>
+            </a:r>
+            <a:r>
+              <a:rPr lang="en-GB" b="1" dirty="0">
+                <a:latin typeface="Courier New" panose="02070309020205020404" pitchFamily="49" charset="0"/>
+                <a:cs typeface="Courier New" panose="02070309020205020404" pitchFamily="49" charset="0"/>
+              </a:rPr>
+              <a:t>{</a:t>
+            </a:r>
+          </a:p>
+          <a:p>
+            <a:pPr marL="0" indent="0">
+              <a:buNone/>
+            </a:pPr>
+            <a:r>
+              <a:rPr lang="en-GB" dirty="0">
+                <a:latin typeface="Courier New" panose="02070309020205020404" pitchFamily="49" charset="0"/>
+                <a:cs typeface="Courier New" panose="02070309020205020404" pitchFamily="49" charset="0"/>
+              </a:rPr>
+              <a:t>  factorial5 = multiply(5,4,'3',2);</a:t>
+            </a:r>
+          </a:p>
+          <a:p>
+            <a:pPr marL="0" indent="0">
+              <a:buNone/>
+            </a:pPr>
+            <a:r>
+              <a:rPr lang="en-GB" dirty="0">
+                <a:latin typeface="Courier New" panose="02070309020205020404" pitchFamily="49" charset="0"/>
+                <a:cs typeface="Courier New" panose="02070309020205020404" pitchFamily="49" charset="0"/>
+              </a:rPr>
+              <a:t>  console.log(factorial5);</a:t>
+            </a:r>
+          </a:p>
+          <a:p>
+            <a:pPr marL="0" indent="0">
+              <a:buNone/>
+            </a:pPr>
+            <a:r>
+              <a:rPr lang="en-GB" b="1" dirty="0">
+                <a:latin typeface="Courier New" panose="02070309020205020404" pitchFamily="49" charset="0"/>
+                <a:cs typeface="Courier New" panose="02070309020205020404" pitchFamily="49" charset="0"/>
+              </a:rPr>
+              <a:t>}catch(e){</a:t>
+            </a:r>
+          </a:p>
+          <a:p>
+            <a:pPr marL="0" indent="0">
+              <a:buNone/>
+            </a:pPr>
+            <a:r>
+              <a:rPr lang="en-GB" dirty="0">
+                <a:latin typeface="Courier New" panose="02070309020205020404" pitchFamily="49" charset="0"/>
+                <a:cs typeface="Courier New" panose="02070309020205020404" pitchFamily="49" charset="0"/>
+              </a:rPr>
+              <a:t>  console.log(</a:t>
+            </a:r>
+            <a:r>
+              <a:rPr lang="en-GB" dirty="0" err="1">
+                <a:latin typeface="Courier New" panose="02070309020205020404" pitchFamily="49" charset="0"/>
+                <a:cs typeface="Courier New" panose="02070309020205020404" pitchFamily="49" charset="0"/>
+              </a:rPr>
+              <a:t>JSON.stringify</a:t>
+            </a:r>
+            <a:r>
+              <a:rPr lang="en-GB" dirty="0">
+                <a:latin typeface="Courier New" panose="02070309020205020404" pitchFamily="49" charset="0"/>
+                <a:cs typeface="Courier New" panose="02070309020205020404" pitchFamily="49" charset="0"/>
+              </a:rPr>
+              <a:t>(e));</a:t>
+            </a:r>
+          </a:p>
+          <a:p>
+            <a:pPr marL="0" indent="0">
+              <a:buNone/>
+            </a:pPr>
+            <a:r>
+              <a:rPr lang="en-GB" b="1" dirty="0">
+                <a:latin typeface="Courier New" panose="02070309020205020404" pitchFamily="49" charset="0"/>
+                <a:cs typeface="Courier New" panose="02070309020205020404" pitchFamily="49" charset="0"/>
+              </a:rPr>
+              <a:t>}</a:t>
+            </a:r>
+          </a:p>
+        </p:txBody>
+      </p:sp>
+    </p:spTree>
+    <p:extLst>
+      <p:ext uri="{BB962C8B-B14F-4D97-AF65-F5344CB8AC3E}">
+        <p14:creationId xmlns:p14="http://schemas.microsoft.com/office/powerpoint/2010/main" val="1361238799"/>
+      </p:ext>
+    </p:extLst>
+  </p:cSld>
+  <p:clrMapOvr>
+    <a:masterClrMapping/>
+  </p:clrMapOvr>
+  <p:timing>
+    <p:tnLst>
+      <p:par>
+        <p:cTn id="1" dur="indefinite" restart="never" nodeType="tmRoot"/>
+      </p:par>
+    </p:tnLst>
+  </p:timing>
+</p:sld>
+</file>
+
+<file path=ppt/slides/slide19.xml><?xml version="1.0" encoding="utf-8"?>
+<p:sld xmlns:a="http://schemas.openxmlformats.org/drawingml/2006/main" xmlns:r="http://schemas.openxmlformats.org/officeDocument/2006/relationships" xmlns:p="http://schemas.openxmlformats.org/presentationml/2006/main">
+  <p:cSld>
+    <p:spTree>
+      <p:nvGrpSpPr>
+        <p:cNvPr id="1" name=""/>
+        <p:cNvGrpSpPr/>
+        <p:nvPr/>
+      </p:nvGrpSpPr>
+      <p:grpSpPr>
+        <a:xfrm>
+          <a:off x="0" y="0"/>
+          <a:ext cx="0" cy="0"/>
+          <a:chOff x="0" y="0"/>
+          <a:chExt cx="0" cy="0"/>
+        </a:xfrm>
+      </p:grpSpPr>
+      <p:sp>
+        <p:nvSpPr>
+          <p:cNvPr id="2" name="Title 1"/>
+          <p:cNvSpPr>
+            <a:spLocks noGrp="1"/>
+          </p:cNvSpPr>
+          <p:nvPr>
+            <p:ph type="title"/>
+          </p:nvPr>
+        </p:nvSpPr>
+        <p:spPr/>
+        <p:txBody>
+          <a:bodyPr/>
+          <a:lstStyle/>
+          <a:p>
+            <a:r>
+              <a:rPr lang="sr-Latn-RS" dirty="0" smtClean="0"/>
+              <a:t>Izmena tipova</a:t>
+            </a:r>
+            <a:endParaRPr lang="en-GB" dirty="0"/>
+          </a:p>
+        </p:txBody>
+      </p:sp>
+      <p:sp>
+        <p:nvSpPr>
+          <p:cNvPr id="3" name="Content Placeholder 2"/>
+          <p:cNvSpPr>
+            <a:spLocks noGrp="1"/>
+          </p:cNvSpPr>
+          <p:nvPr>
+            <p:ph idx="1"/>
+          </p:nvPr>
+        </p:nvSpPr>
+        <p:spPr/>
+        <p:txBody>
+          <a:bodyPr/>
+          <a:lstStyle/>
+          <a:p>
+            <a:r>
+              <a:rPr lang="sr-Latn-RS" dirty="0" smtClean="0"/>
+              <a:t>U JavaScriptu je moguće izmeniti postojeće tipove, uključujući i osnovne tipove</a:t>
+            </a:r>
+          </a:p>
+          <a:p>
+            <a:r>
+              <a:rPr lang="sr-Latn-RS" dirty="0" smtClean="0"/>
+              <a:t>Izmena se odmah odražava na čitav niz „naslednika“, kroz prototipove</a:t>
+            </a:r>
+          </a:p>
+          <a:p>
+            <a:r>
+              <a:rPr lang="sr-Latn-RS" dirty="0" smtClean="0"/>
+              <a:t>Potencijalan uzrok nezgodnih bagova</a:t>
+            </a:r>
+          </a:p>
+          <a:p>
+            <a:endParaRPr lang="en-GB" dirty="0"/>
+          </a:p>
+        </p:txBody>
+      </p:sp>
+    </p:spTree>
+    <p:extLst>
+      <p:ext uri="{BB962C8B-B14F-4D97-AF65-F5344CB8AC3E}">
+        <p14:creationId xmlns:p14="http://schemas.microsoft.com/office/powerpoint/2010/main" val="4256738307"/>
       </p:ext>
     </p:extLst>
   </p:cSld>
@@ -4469,8 +5767,12 @@
           <a:lstStyle/>
           <a:p>
             <a:r>
+              <a:rPr lang="en-GB" dirty="0" smtClean="0"/>
+              <a:t>First class </a:t>
+            </a:r>
+            <a:r>
               <a:rPr lang="en-GB" dirty="0" err="1" smtClean="0"/>
-              <a:t>Tipovi</a:t>
+              <a:t>funkicje</a:t>
             </a:r>
             <a:endParaRPr lang="en-GB" dirty="0"/>
           </a:p>
@@ -4488,82 +5790,22 @@
         </p:nvSpPr>
         <p:spPr/>
         <p:txBody>
-          <a:bodyPr/>
+          <a:bodyPr>
+            <a:normAutofit fontScale="77500" lnSpcReduction="20000"/>
+          </a:bodyPr>
           <a:lstStyle/>
           <a:p>
             <a:r>
-              <a:rPr lang="en-GB" b="1" dirty="0" err="1" smtClean="0"/>
-              <a:t>Primitivni</a:t>
-            </a:r>
-            <a:r>
-              <a:rPr lang="en-GB" b="1" dirty="0" smtClean="0"/>
-              <a:t> </a:t>
-            </a:r>
-            <a:r>
-              <a:rPr lang="en-GB" b="1" dirty="0" err="1" smtClean="0"/>
-              <a:t>tipovi</a:t>
-            </a:r>
-            <a:r>
-              <a:rPr lang="en-GB" b="1" dirty="0" smtClean="0"/>
-              <a:t> </a:t>
+              <a:rPr lang="en-GB" dirty="0" err="1" smtClean="0"/>
+              <a:t>Funkcije</a:t>
             </a:r>
             <a:r>
               <a:rPr lang="en-GB" dirty="0" smtClean="0"/>
-              <a:t>(</a:t>
+              <a:t> u JavaScript-u </a:t>
             </a:r>
             <a:r>
               <a:rPr lang="en-GB" dirty="0" err="1" smtClean="0"/>
-              <a:t>imutabilni</a:t>
-            </a:r>
-            <a:r>
-              <a:rPr lang="en-GB" dirty="0" smtClean="0"/>
-              <a:t>):</a:t>
-            </a:r>
-          </a:p>
-          <a:p>
-            <a:pPr lvl="1"/>
-            <a:r>
-              <a:rPr lang="en-GB" dirty="0"/>
-              <a:t>n</a:t>
-            </a:r>
-            <a:r>
-              <a:rPr lang="en-GB" dirty="0" smtClean="0"/>
-              <a:t>umber</a:t>
-            </a:r>
-          </a:p>
-          <a:p>
-            <a:pPr lvl="1"/>
-            <a:r>
-              <a:rPr lang="en-GB" dirty="0" smtClean="0"/>
-              <a:t>string</a:t>
-            </a:r>
-          </a:p>
-          <a:p>
-            <a:pPr lvl="1"/>
-            <a:r>
-              <a:rPr lang="en-GB" dirty="0" err="1" smtClean="0"/>
-              <a:t>boolean</a:t>
-            </a:r>
-            <a:endParaRPr lang="en-GB" dirty="0" smtClean="0"/>
-          </a:p>
-          <a:p>
-            <a:pPr lvl="1"/>
-            <a:r>
-              <a:rPr lang="en-GB" dirty="0" smtClean="0"/>
-              <a:t>null</a:t>
-            </a:r>
-          </a:p>
-          <a:p>
-            <a:pPr lvl="1"/>
-            <a:r>
-              <a:rPr lang="en-GB" dirty="0" smtClean="0"/>
-              <a:t>undefined</a:t>
-            </a:r>
-          </a:p>
-          <a:p>
-            <a:r>
-              <a:rPr lang="en-GB" b="1" dirty="0" err="1" smtClean="0"/>
-              <a:t>Sve</a:t>
+              <a:t>su</a:t>
             </a:r>
             <a:r>
               <a:rPr lang="en-GB" dirty="0" smtClean="0"/>
@@ -4571,37 +5813,121 @@
             </a:r>
             <a:r>
               <a:rPr lang="en-GB" dirty="0" err="1" smtClean="0"/>
-              <a:t>ostale</a:t>
-            </a:r>
-            <a:r>
-              <a:rPr lang="en-GB" dirty="0" smtClean="0"/>
+              <a:t>objekti</a:t>
+            </a:r>
+            <a:endParaRPr lang="en-GB" dirty="0" smtClean="0"/>
+          </a:p>
+          <a:p>
+            <a:pPr lvl="1"/>
+            <a:r>
+              <a:rPr lang="en-GB" i="1" dirty="0" err="1" smtClean="0"/>
+              <a:t>Mutabilne</a:t>
+            </a:r>
+            <a:r>
+              <a:rPr lang="en-GB" i="1" dirty="0" smtClean="0"/>
               <a:t> </a:t>
             </a:r>
             <a:r>
-              <a:rPr lang="en-GB" dirty="0" err="1" smtClean="0"/>
-              <a:t>vrednosti</a:t>
-            </a:r>
-            <a:r>
-              <a:rPr lang="en-GB" dirty="0" smtClean="0"/>
+              <a:rPr lang="en-GB" i="1" dirty="0" err="1" smtClean="0"/>
+              <a:t>kolekcije</a:t>
+            </a:r>
+            <a:r>
+              <a:rPr lang="en-GB" i="1" dirty="0" smtClean="0"/>
               <a:t> </a:t>
             </a:r>
             <a:r>
-              <a:rPr lang="en-GB" dirty="0" err="1" smtClean="0"/>
-              <a:t>su</a:t>
-            </a:r>
-            <a:r>
-              <a:rPr lang="en-GB" dirty="0" smtClean="0"/>
+              <a:rPr lang="en-GB" i="1" dirty="0" err="1" smtClean="0"/>
+              <a:t>parova</a:t>
+            </a:r>
+            <a:r>
+              <a:rPr lang="en-GB" i="1" dirty="0" smtClean="0"/>
               <a:t> </a:t>
             </a:r>
             <a:r>
-              <a:rPr lang="en-GB" b="1" dirty="0" err="1" smtClean="0"/>
-              <a:t>objekti</a:t>
-            </a:r>
-            <a:r>
-              <a:rPr lang="en-GB" dirty="0" smtClean="0"/>
-              <a:t>.</a:t>
-            </a:r>
-            <a:endParaRPr lang="en-GB" dirty="0"/>
+              <a:rPr lang="sr-Latn-RS" i="1" dirty="0" smtClean="0"/>
+              <a:t>svojstvo-vrednost</a:t>
+            </a:r>
+          </a:p>
+          <a:p>
+            <a:pPr lvl="1"/>
+            <a:r>
+              <a:rPr lang="sr-Latn-RS" dirty="0" smtClean="0"/>
+              <a:t>Imaju prototip (</a:t>
+            </a:r>
+            <a:r>
+              <a:rPr lang="en-GB" dirty="0" err="1">
+                <a:latin typeface="Courier New" panose="02070309020205020404" pitchFamily="49" charset="0"/>
+                <a:cs typeface="Courier New" panose="02070309020205020404" pitchFamily="49" charset="0"/>
+              </a:rPr>
+              <a:t>Function.prototype</a:t>
+            </a:r>
+            <a:r>
+              <a:rPr lang="sr-Latn-RS" dirty="0" smtClean="0"/>
+              <a:t>)</a:t>
+            </a:r>
+          </a:p>
+          <a:p>
+            <a:pPr lvl="1"/>
+            <a:r>
+              <a:rPr lang="sr-Latn-RS" dirty="0" smtClean="0"/>
+              <a:t>Imaju svojstva za predstavljanje konteksta i koda funkcije</a:t>
+            </a:r>
+          </a:p>
+          <a:p>
+            <a:r>
+              <a:rPr lang="sr-Latn-RS" dirty="0" smtClean="0"/>
+              <a:t>Mogu da se tretiraju kao bilo koji drugi objekti</a:t>
+            </a:r>
+          </a:p>
+          <a:p>
+            <a:pPr lvl="1"/>
+            <a:r>
+              <a:rPr lang="sr-Latn-RS" dirty="0" smtClean="0"/>
+              <a:t>Varijabla može da primi funkciju kao vrednost</a:t>
+            </a:r>
+          </a:p>
+          <a:p>
+            <a:pPr lvl="1"/>
+            <a:r>
+              <a:rPr lang="sr-Latn-RS" dirty="0" smtClean="0"/>
+              <a:t>Funkcije mogu da se smeštaju u kolekcije i druge objekte</a:t>
+            </a:r>
+          </a:p>
+          <a:p>
+            <a:pPr lvl="1"/>
+            <a:r>
+              <a:rPr lang="sr-Latn-RS" dirty="0" smtClean="0"/>
+              <a:t>Mogu da se proslede drugim funkcijama kao parametri</a:t>
+            </a:r>
+          </a:p>
+          <a:p>
+            <a:pPr lvl="1"/>
+            <a:r>
+              <a:rPr lang="sr-Latn-RS" dirty="0" smtClean="0"/>
+              <a:t>Mogu da budu vraćene iz drugih funkcija kao povratna vrednost</a:t>
+            </a:r>
+          </a:p>
+          <a:p>
+            <a:pPr lvl="1"/>
+            <a:r>
+              <a:rPr lang="sr-Latn-RS" dirty="0" smtClean="0"/>
+              <a:t>Mogu da imaju svoje atribute sa vrednostima (koje opet mogu da budu i nove funkcije)</a:t>
+            </a:r>
+            <a:endParaRPr lang="sr-Latn-RS" dirty="0"/>
+          </a:p>
+          <a:p>
+            <a:r>
+              <a:rPr lang="sr-Latn-RS" dirty="0" smtClean="0"/>
+              <a:t>Razlikuju se od ostalih objekata jer mogu da se izvrše (</a:t>
+            </a:r>
+            <a:r>
+              <a:rPr lang="en-GB" b="1" dirty="0"/>
+              <a:t>can be invoked</a:t>
+            </a:r>
+            <a:r>
+              <a:rPr lang="sr-Latn-RS" dirty="0" smtClean="0"/>
+              <a:t>)</a:t>
+            </a:r>
           </a:p>
         </p:txBody>
       </p:sp>
@@ -4609,6 +5935,2472 @@
     <p:extLst>
       <p:ext uri="{BB962C8B-B14F-4D97-AF65-F5344CB8AC3E}">
         <p14:creationId xmlns:p14="http://schemas.microsoft.com/office/powerpoint/2010/main" val="51781529"/>
+      </p:ext>
+    </p:extLst>
+  </p:cSld>
+  <p:clrMapOvr>
+    <a:masterClrMapping/>
+  </p:clrMapOvr>
+  <p:timing>
+    <p:tnLst>
+      <p:par>
+        <p:cTn id="1" dur="indefinite" restart="never" nodeType="tmRoot"/>
+      </p:par>
+    </p:tnLst>
+  </p:timing>
+</p:sld>
+</file>
+
+<file path=ppt/slides/slide20.xml><?xml version="1.0" encoding="utf-8"?>
+<p:sld xmlns:a="http://schemas.openxmlformats.org/drawingml/2006/main" xmlns:r="http://schemas.openxmlformats.org/officeDocument/2006/relationships" xmlns:p="http://schemas.openxmlformats.org/presentationml/2006/main">
+  <p:cSld>
+    <p:spTree>
+      <p:nvGrpSpPr>
+        <p:cNvPr id="1" name=""/>
+        <p:cNvGrpSpPr/>
+        <p:nvPr/>
+      </p:nvGrpSpPr>
+      <p:grpSpPr>
+        <a:xfrm>
+          <a:off x="0" y="0"/>
+          <a:ext cx="0" cy="0"/>
+          <a:chOff x="0" y="0"/>
+          <a:chExt cx="0" cy="0"/>
+        </a:xfrm>
+      </p:grpSpPr>
+      <p:sp>
+        <p:nvSpPr>
+          <p:cNvPr id="2" name="Title 1"/>
+          <p:cNvSpPr>
+            <a:spLocks noGrp="1"/>
+          </p:cNvSpPr>
+          <p:nvPr>
+            <p:ph type="title"/>
+          </p:nvPr>
+        </p:nvSpPr>
+        <p:spPr/>
+        <p:txBody>
+          <a:bodyPr/>
+          <a:lstStyle/>
+          <a:p>
+            <a:r>
+              <a:rPr lang="sr-Latn-RS" dirty="0" smtClean="0"/>
+              <a:t>Izmena tipova</a:t>
+            </a:r>
+            <a:endParaRPr lang="en-GB" dirty="0"/>
+          </a:p>
+        </p:txBody>
+      </p:sp>
+      <p:sp>
+        <p:nvSpPr>
+          <p:cNvPr id="3" name="Content Placeholder 2"/>
+          <p:cNvSpPr>
+            <a:spLocks noGrp="1"/>
+          </p:cNvSpPr>
+          <p:nvPr>
+            <p:ph idx="1"/>
+          </p:nvPr>
+        </p:nvSpPr>
+        <p:spPr/>
+        <p:txBody>
+          <a:bodyPr>
+            <a:normAutofit fontScale="77500" lnSpcReduction="20000"/>
+          </a:bodyPr>
+          <a:lstStyle/>
+          <a:p>
+            <a:pPr marL="0" indent="0">
+              <a:buNone/>
+            </a:pPr>
+            <a:r>
+              <a:rPr lang="en-GB" dirty="0" err="1">
+                <a:latin typeface="Courier New" panose="02070309020205020404" pitchFamily="49" charset="0"/>
+                <a:cs typeface="Courier New" panose="02070309020205020404" pitchFamily="49" charset="0"/>
+              </a:rPr>
+              <a:t>var</a:t>
+            </a:r>
+            <a:r>
+              <a:rPr lang="en-GB" dirty="0">
+                <a:latin typeface="Courier New" panose="02070309020205020404" pitchFamily="49" charset="0"/>
+                <a:cs typeface="Courier New" panose="02070309020205020404" pitchFamily="49" charset="0"/>
+              </a:rPr>
+              <a:t> x = {</a:t>
+            </a:r>
+          </a:p>
+          <a:p>
+            <a:pPr marL="0" indent="0">
+              <a:buNone/>
+            </a:pPr>
+            <a:r>
+              <a:rPr lang="en-GB" dirty="0">
+                <a:latin typeface="Courier New" panose="02070309020205020404" pitchFamily="49" charset="0"/>
+                <a:cs typeface="Courier New" panose="02070309020205020404" pitchFamily="49" charset="0"/>
+              </a:rPr>
+              <a:t>  value:0</a:t>
+            </a:r>
+          </a:p>
+          <a:p>
+            <a:pPr marL="0" indent="0">
+              <a:buNone/>
+            </a:pPr>
+            <a:r>
+              <a:rPr lang="en-GB" dirty="0">
+                <a:latin typeface="Courier New" panose="02070309020205020404" pitchFamily="49" charset="0"/>
+                <a:cs typeface="Courier New" panose="02070309020205020404" pitchFamily="49" charset="0"/>
+              </a:rPr>
+              <a:t>};</a:t>
+            </a:r>
+          </a:p>
+          <a:p>
+            <a:pPr marL="0" indent="0">
+              <a:buNone/>
+            </a:pPr>
+            <a:endParaRPr lang="en-GB" dirty="0">
+              <a:latin typeface="Courier New" panose="02070309020205020404" pitchFamily="49" charset="0"/>
+              <a:cs typeface="Courier New" panose="02070309020205020404" pitchFamily="49" charset="0"/>
+            </a:endParaRPr>
+          </a:p>
+          <a:p>
+            <a:pPr marL="0" indent="0">
+              <a:buNone/>
+            </a:pPr>
+            <a:r>
+              <a:rPr lang="en-GB" dirty="0" smtClean="0">
+                <a:latin typeface="Courier New" panose="02070309020205020404" pitchFamily="49" charset="0"/>
+                <a:cs typeface="Courier New" panose="02070309020205020404" pitchFamily="49" charset="0"/>
+              </a:rPr>
+              <a:t>if </a:t>
+            </a:r>
+            <a:r>
+              <a:rPr lang="en-GB" dirty="0">
+                <a:latin typeface="Courier New" panose="02070309020205020404" pitchFamily="49" charset="0"/>
+                <a:cs typeface="Courier New" panose="02070309020205020404" pitchFamily="49" charset="0"/>
+              </a:rPr>
+              <a:t>(!</a:t>
+            </a:r>
+            <a:r>
+              <a:rPr lang="en-GB" dirty="0" err="1">
+                <a:latin typeface="Courier New" panose="02070309020205020404" pitchFamily="49" charset="0"/>
+                <a:cs typeface="Courier New" panose="02070309020205020404" pitchFamily="49" charset="0"/>
+              </a:rPr>
+              <a:t>Object.prototype.sayHello</a:t>
+            </a:r>
+            <a:r>
+              <a:rPr lang="en-GB" dirty="0">
+                <a:latin typeface="Courier New" panose="02070309020205020404" pitchFamily="49" charset="0"/>
+                <a:cs typeface="Courier New" panose="02070309020205020404" pitchFamily="49" charset="0"/>
+              </a:rPr>
+              <a:t>) {</a:t>
+            </a:r>
+          </a:p>
+          <a:p>
+            <a:pPr marL="0" indent="0">
+              <a:buNone/>
+            </a:pPr>
+            <a:r>
+              <a:rPr lang="en-GB" dirty="0" err="1" smtClean="0">
+                <a:latin typeface="Courier New" panose="02070309020205020404" pitchFamily="49" charset="0"/>
+                <a:cs typeface="Courier New" panose="02070309020205020404" pitchFamily="49" charset="0"/>
+              </a:rPr>
+              <a:t>Object.prototype.sayHello</a:t>
+            </a:r>
+            <a:r>
+              <a:rPr lang="en-GB" dirty="0" smtClean="0">
+                <a:latin typeface="Courier New" panose="02070309020205020404" pitchFamily="49" charset="0"/>
+                <a:cs typeface="Courier New" panose="02070309020205020404" pitchFamily="49" charset="0"/>
+              </a:rPr>
+              <a:t> </a:t>
+            </a:r>
+            <a:r>
+              <a:rPr lang="en-GB" dirty="0">
+                <a:latin typeface="Courier New" panose="02070309020205020404" pitchFamily="49" charset="0"/>
+                <a:cs typeface="Courier New" panose="02070309020205020404" pitchFamily="49" charset="0"/>
+              </a:rPr>
+              <a:t>= function() {</a:t>
+            </a:r>
+          </a:p>
+          <a:p>
+            <a:pPr marL="0" indent="0">
+              <a:buNone/>
+            </a:pPr>
+            <a:r>
+              <a:rPr lang="en-GB" dirty="0">
+                <a:latin typeface="Courier New" panose="02070309020205020404" pitchFamily="49" charset="0"/>
+                <a:cs typeface="Courier New" panose="02070309020205020404" pitchFamily="49" charset="0"/>
+              </a:rPr>
+              <a:t>    console.log('hallo world');</a:t>
+            </a:r>
+          </a:p>
+          <a:p>
+            <a:pPr marL="0" indent="0">
+              <a:buNone/>
+            </a:pPr>
+            <a:r>
+              <a:rPr lang="en-GB" dirty="0">
+                <a:latin typeface="Courier New" panose="02070309020205020404" pitchFamily="49" charset="0"/>
+                <a:cs typeface="Courier New" panose="02070309020205020404" pitchFamily="49" charset="0"/>
+              </a:rPr>
+              <a:t>  };</a:t>
+            </a:r>
+          </a:p>
+          <a:p>
+            <a:pPr marL="0" indent="0">
+              <a:buNone/>
+            </a:pPr>
+            <a:r>
+              <a:rPr lang="en-GB" dirty="0">
+                <a:latin typeface="Courier New" panose="02070309020205020404" pitchFamily="49" charset="0"/>
+                <a:cs typeface="Courier New" panose="02070309020205020404" pitchFamily="49" charset="0"/>
+              </a:rPr>
+              <a:t>}</a:t>
+            </a:r>
+          </a:p>
+          <a:p>
+            <a:pPr marL="0" indent="0">
+              <a:buNone/>
+            </a:pPr>
+            <a:endParaRPr lang="en-GB" dirty="0">
+              <a:latin typeface="Courier New" panose="02070309020205020404" pitchFamily="49" charset="0"/>
+              <a:cs typeface="Courier New" panose="02070309020205020404" pitchFamily="49" charset="0"/>
+            </a:endParaRPr>
+          </a:p>
+          <a:p>
+            <a:pPr marL="0" indent="0">
+              <a:buNone/>
+            </a:pPr>
+            <a:r>
+              <a:rPr lang="en-GB" dirty="0" err="1" smtClean="0">
+                <a:latin typeface="Courier New" panose="02070309020205020404" pitchFamily="49" charset="0"/>
+                <a:cs typeface="Courier New" panose="02070309020205020404" pitchFamily="49" charset="0"/>
+              </a:rPr>
+              <a:t>x.sayHello</a:t>
+            </a:r>
+            <a:r>
+              <a:rPr lang="en-GB" dirty="0">
+                <a:latin typeface="Courier New" panose="02070309020205020404" pitchFamily="49" charset="0"/>
+                <a:cs typeface="Courier New" panose="02070309020205020404" pitchFamily="49" charset="0"/>
+              </a:rPr>
+              <a:t>();</a:t>
+            </a:r>
+          </a:p>
+          <a:p>
+            <a:endParaRPr lang="en-GB" dirty="0"/>
+          </a:p>
+        </p:txBody>
+      </p:sp>
+    </p:spTree>
+    <p:extLst>
+      <p:ext uri="{BB962C8B-B14F-4D97-AF65-F5344CB8AC3E}">
+        <p14:creationId xmlns:p14="http://schemas.microsoft.com/office/powerpoint/2010/main" val="1250045650"/>
+      </p:ext>
+    </p:extLst>
+  </p:cSld>
+  <p:clrMapOvr>
+    <a:masterClrMapping/>
+  </p:clrMapOvr>
+  <p:timing>
+    <p:tnLst>
+      <p:par>
+        <p:cTn id="1" dur="indefinite" restart="never" nodeType="tmRoot"/>
+      </p:par>
+    </p:tnLst>
+  </p:timing>
+</p:sld>
+</file>
+
+<file path=ppt/slides/slide21.xml><?xml version="1.0" encoding="utf-8"?>
+<p:sld xmlns:a="http://schemas.openxmlformats.org/drawingml/2006/main" xmlns:r="http://schemas.openxmlformats.org/officeDocument/2006/relationships" xmlns:p="http://schemas.openxmlformats.org/presentationml/2006/main">
+  <p:cSld>
+    <p:spTree>
+      <p:nvGrpSpPr>
+        <p:cNvPr id="1" name=""/>
+        <p:cNvGrpSpPr/>
+        <p:nvPr/>
+      </p:nvGrpSpPr>
+      <p:grpSpPr>
+        <a:xfrm>
+          <a:off x="0" y="0"/>
+          <a:ext cx="0" cy="0"/>
+          <a:chOff x="0" y="0"/>
+          <a:chExt cx="0" cy="0"/>
+        </a:xfrm>
+      </p:grpSpPr>
+      <p:sp>
+        <p:nvSpPr>
+          <p:cNvPr id="2" name="Title 1"/>
+          <p:cNvSpPr>
+            <a:spLocks noGrp="1"/>
+          </p:cNvSpPr>
+          <p:nvPr>
+            <p:ph type="title"/>
+          </p:nvPr>
+        </p:nvSpPr>
+        <p:spPr/>
+        <p:txBody>
+          <a:bodyPr/>
+          <a:lstStyle/>
+          <a:p>
+            <a:r>
+              <a:rPr lang="sr-Latn-RS" dirty="0" smtClean="0"/>
+              <a:t>Opseg vidljivosti varijabli</a:t>
+            </a:r>
+            <a:endParaRPr lang="en-GB" dirty="0"/>
+          </a:p>
+        </p:txBody>
+      </p:sp>
+      <p:sp>
+        <p:nvSpPr>
+          <p:cNvPr id="3" name="Content Placeholder 2"/>
+          <p:cNvSpPr>
+            <a:spLocks noGrp="1"/>
+          </p:cNvSpPr>
+          <p:nvPr>
+            <p:ph idx="1"/>
+          </p:nvPr>
+        </p:nvSpPr>
+        <p:spPr/>
+        <p:txBody>
+          <a:bodyPr>
+            <a:normAutofit lnSpcReduction="10000"/>
+          </a:bodyPr>
+          <a:lstStyle/>
+          <a:p>
+            <a:r>
+              <a:rPr lang="sr-Latn-RS" dirty="0" smtClean="0"/>
+              <a:t>Deo programskog koda u kom je varijabla dostupna</a:t>
+            </a:r>
+          </a:p>
+          <a:p>
+            <a:r>
+              <a:rPr lang="sr-Latn-RS" dirty="0" smtClean="0"/>
+              <a:t>Većina programskih jezika sa sintaksom izvedenom iz C ima blokovski opseg</a:t>
+            </a:r>
+          </a:p>
+          <a:p>
+            <a:pPr lvl="1"/>
+            <a:r>
+              <a:rPr lang="sr-Latn-RS" dirty="0" smtClean="0"/>
+              <a:t>Varijabla je dostupna u bloku u kom je definisana</a:t>
+            </a:r>
+          </a:p>
+          <a:p>
+            <a:r>
+              <a:rPr lang="sr-Latn-RS" dirty="0" smtClean="0"/>
+              <a:t>JavaScript ima </a:t>
+            </a:r>
+            <a:r>
+              <a:rPr lang="sr-Latn-RS" b="1" dirty="0" smtClean="0"/>
+              <a:t>funkcijski opseg vidljivosti varijabli</a:t>
+            </a:r>
+            <a:endParaRPr lang="sr-Latn-RS" dirty="0" smtClean="0"/>
+          </a:p>
+          <a:p>
+            <a:pPr lvl="1"/>
+            <a:r>
+              <a:rPr lang="sr-Latn-RS" dirty="0" smtClean="0"/>
+              <a:t>Varijable i parametri su dostupni u </a:t>
+            </a:r>
+            <a:r>
+              <a:rPr lang="sr-Latn-RS" b="1" dirty="0" smtClean="0"/>
+              <a:t>čitavom telu funkcije </a:t>
+            </a:r>
+            <a:r>
+              <a:rPr lang="sr-Latn-RS" dirty="0" smtClean="0"/>
+              <a:t>u kojoj su definisani</a:t>
+            </a:r>
+          </a:p>
+        </p:txBody>
+      </p:sp>
+    </p:spTree>
+    <p:extLst>
+      <p:ext uri="{BB962C8B-B14F-4D97-AF65-F5344CB8AC3E}">
+        <p14:creationId xmlns:p14="http://schemas.microsoft.com/office/powerpoint/2010/main" val="1344489527"/>
+      </p:ext>
+    </p:extLst>
+  </p:cSld>
+  <p:clrMapOvr>
+    <a:masterClrMapping/>
+  </p:clrMapOvr>
+  <p:timing>
+    <p:tnLst>
+      <p:par>
+        <p:cTn id="1" dur="indefinite" restart="never" nodeType="tmRoot"/>
+      </p:par>
+    </p:tnLst>
+  </p:timing>
+</p:sld>
+</file>
+
+<file path=ppt/slides/slide22.xml><?xml version="1.0" encoding="utf-8"?>
+<p:sld xmlns:a="http://schemas.openxmlformats.org/drawingml/2006/main" xmlns:r="http://schemas.openxmlformats.org/officeDocument/2006/relationships" xmlns:p="http://schemas.openxmlformats.org/presentationml/2006/main">
+  <p:cSld>
+    <p:spTree>
+      <p:nvGrpSpPr>
+        <p:cNvPr id="1" name=""/>
+        <p:cNvGrpSpPr/>
+        <p:nvPr/>
+      </p:nvGrpSpPr>
+      <p:grpSpPr>
+        <a:xfrm>
+          <a:off x="0" y="0"/>
+          <a:ext cx="0" cy="0"/>
+          <a:chOff x="0" y="0"/>
+          <a:chExt cx="0" cy="0"/>
+        </a:xfrm>
+      </p:grpSpPr>
+      <p:sp>
+        <p:nvSpPr>
+          <p:cNvPr id="2" name="Title 1"/>
+          <p:cNvSpPr>
+            <a:spLocks noGrp="1"/>
+          </p:cNvSpPr>
+          <p:nvPr>
+            <p:ph type="title"/>
+          </p:nvPr>
+        </p:nvSpPr>
+        <p:spPr/>
+        <p:txBody>
+          <a:bodyPr/>
+          <a:lstStyle/>
+          <a:p>
+            <a:r>
+              <a:rPr lang="sr-Latn-RS" dirty="0" smtClean="0"/>
+              <a:t>Opseg vidljivosti varijabli</a:t>
+            </a:r>
+            <a:endParaRPr lang="en-GB" dirty="0"/>
+          </a:p>
+        </p:txBody>
+      </p:sp>
+      <p:sp>
+        <p:nvSpPr>
+          <p:cNvPr id="3" name="Content Placeholder 2"/>
+          <p:cNvSpPr>
+            <a:spLocks noGrp="1"/>
+          </p:cNvSpPr>
+          <p:nvPr>
+            <p:ph idx="1"/>
+          </p:nvPr>
+        </p:nvSpPr>
+        <p:spPr/>
+        <p:txBody>
+          <a:bodyPr>
+            <a:normAutofit fontScale="40000" lnSpcReduction="20000"/>
+          </a:bodyPr>
+          <a:lstStyle/>
+          <a:p>
+            <a:r>
+              <a:rPr lang="sr-Latn-RS" sz="5100" dirty="0" smtClean="0"/>
+              <a:t>Ukoliko varijablu koristimo u funkciji pre nego što je deklarišemo, varijabla ima vrednost </a:t>
+            </a:r>
+            <a:r>
+              <a:rPr lang="sr-Latn-RS" sz="5100" dirty="0" smtClean="0">
+                <a:latin typeface="Courier New" panose="02070309020205020404" pitchFamily="49" charset="0"/>
+                <a:cs typeface="Courier New" panose="02070309020205020404" pitchFamily="49" charset="0"/>
+              </a:rPr>
+              <a:t>undefine</a:t>
+            </a:r>
+          </a:p>
+          <a:p>
+            <a:pPr marL="0" indent="0">
+              <a:buNone/>
+            </a:pPr>
+            <a:endParaRPr lang="sr-Latn-RS" sz="5100" dirty="0" smtClean="0">
+              <a:latin typeface="Courier New" panose="02070309020205020404" pitchFamily="49" charset="0"/>
+              <a:cs typeface="Courier New" panose="02070309020205020404" pitchFamily="49" charset="0"/>
+            </a:endParaRPr>
+          </a:p>
+          <a:p>
+            <a:pPr marL="0" indent="0">
+              <a:buNone/>
+            </a:pPr>
+            <a:r>
+              <a:rPr lang="sr-Latn-RS" dirty="0">
+                <a:latin typeface="Courier New" panose="02070309020205020404" pitchFamily="49" charset="0"/>
+                <a:cs typeface="Courier New" panose="02070309020205020404" pitchFamily="49" charset="0"/>
+              </a:rPr>
+              <a:t>var f = function () {</a:t>
+            </a:r>
+          </a:p>
+          <a:p>
+            <a:pPr marL="0" indent="0">
+              <a:buNone/>
+            </a:pPr>
+            <a:r>
+              <a:rPr lang="sr-Latn-RS" dirty="0" smtClean="0">
+                <a:latin typeface="Courier New" panose="02070309020205020404" pitchFamily="49" charset="0"/>
+                <a:cs typeface="Courier New" panose="02070309020205020404" pitchFamily="49" charset="0"/>
+              </a:rPr>
+              <a:t>  ...	</a:t>
+            </a:r>
+          </a:p>
+          <a:p>
+            <a:pPr marL="0" indent="0">
+              <a:buNone/>
+            </a:pPr>
+            <a:r>
+              <a:rPr lang="sr-Latn-RS" dirty="0" smtClean="0">
+                <a:latin typeface="Courier New" panose="02070309020205020404" pitchFamily="49" charset="0"/>
+                <a:cs typeface="Courier New" panose="02070309020205020404" pitchFamily="49" charset="0"/>
+              </a:rPr>
+              <a:t>  var </a:t>
+            </a:r>
+            <a:r>
+              <a:rPr lang="sr-Latn-RS" dirty="0">
+                <a:latin typeface="Courier New" panose="02070309020205020404" pitchFamily="49" charset="0"/>
+                <a:cs typeface="Courier New" panose="02070309020205020404" pitchFamily="49" charset="0"/>
+              </a:rPr>
+              <a:t>x;</a:t>
+            </a:r>
+          </a:p>
+          <a:p>
+            <a:pPr marL="0" indent="0">
+              <a:buNone/>
+            </a:pPr>
+            <a:r>
+              <a:rPr lang="sr-Latn-RS" dirty="0" smtClean="0">
+                <a:latin typeface="Courier New" panose="02070309020205020404" pitchFamily="49" charset="0"/>
+                <a:cs typeface="Courier New" panose="02070309020205020404" pitchFamily="49" charset="0"/>
+              </a:rPr>
+              <a:t>  ...</a:t>
+            </a:r>
+          </a:p>
+          <a:p>
+            <a:pPr marL="0" indent="0">
+              <a:buNone/>
+            </a:pPr>
+            <a:r>
+              <a:rPr lang="sr-Latn-RS" dirty="0">
+                <a:latin typeface="Courier New" panose="02070309020205020404" pitchFamily="49" charset="0"/>
+                <a:cs typeface="Courier New" panose="02070309020205020404" pitchFamily="49" charset="0"/>
+              </a:rPr>
+              <a:t> </a:t>
+            </a:r>
+            <a:r>
+              <a:rPr lang="sr-Latn-RS" dirty="0" smtClean="0">
+                <a:latin typeface="Courier New" panose="02070309020205020404" pitchFamily="49" charset="0"/>
+                <a:cs typeface="Courier New" panose="02070309020205020404" pitchFamily="49" charset="0"/>
+              </a:rPr>
+              <a:t> x </a:t>
+            </a:r>
+            <a:r>
+              <a:rPr lang="sr-Latn-RS" dirty="0">
+                <a:latin typeface="Courier New" panose="02070309020205020404" pitchFamily="49" charset="0"/>
+                <a:cs typeface="Courier New" panose="02070309020205020404" pitchFamily="49" charset="0"/>
+              </a:rPr>
+              <a:t>= 5;</a:t>
+            </a:r>
+          </a:p>
+          <a:p>
+            <a:pPr marL="0" indent="0">
+              <a:buNone/>
+            </a:pPr>
+            <a:r>
+              <a:rPr lang="sr-Latn-RS" dirty="0" smtClean="0">
+                <a:latin typeface="Courier New" panose="02070309020205020404" pitchFamily="49" charset="0"/>
+                <a:cs typeface="Courier New" panose="02070309020205020404" pitchFamily="49" charset="0"/>
+              </a:rPr>
+              <a:t>};</a:t>
+            </a:r>
+          </a:p>
+          <a:p>
+            <a:pPr marL="0" indent="0">
+              <a:buNone/>
+            </a:pPr>
+            <a:endParaRPr lang="sr-Latn-RS" dirty="0" smtClean="0">
+              <a:latin typeface="Courier New" panose="02070309020205020404" pitchFamily="49" charset="0"/>
+              <a:cs typeface="Courier New" panose="02070309020205020404" pitchFamily="49" charset="0"/>
+            </a:endParaRPr>
+          </a:p>
+          <a:p>
+            <a:r>
+              <a:rPr lang="sr-Latn-RS" sz="5100" dirty="0"/>
+              <a:t>Isto što </a:t>
+            </a:r>
+            <a:r>
+              <a:rPr lang="sr-Latn-RS" sz="5100" dirty="0" smtClean="0"/>
+              <a:t>i:</a:t>
+            </a:r>
+          </a:p>
+          <a:p>
+            <a:pPr marL="0" indent="0">
+              <a:buNone/>
+            </a:pPr>
+            <a:endParaRPr lang="sr-Latn-RS" dirty="0"/>
+          </a:p>
+          <a:p>
+            <a:pPr marL="0" indent="0">
+              <a:buNone/>
+            </a:pPr>
+            <a:r>
+              <a:rPr lang="sr-Latn-RS" dirty="0" smtClean="0">
+                <a:latin typeface="Courier New" panose="02070309020205020404" pitchFamily="49" charset="0"/>
+                <a:cs typeface="Courier New" panose="02070309020205020404" pitchFamily="49" charset="0"/>
+              </a:rPr>
+              <a:t>var </a:t>
+            </a:r>
+            <a:r>
+              <a:rPr lang="sr-Latn-RS" dirty="0">
+                <a:latin typeface="Courier New" panose="02070309020205020404" pitchFamily="49" charset="0"/>
+                <a:cs typeface="Courier New" panose="02070309020205020404" pitchFamily="49" charset="0"/>
+              </a:rPr>
+              <a:t>f1 = function () {</a:t>
+            </a:r>
+          </a:p>
+          <a:p>
+            <a:pPr marL="0" indent="0">
+              <a:buNone/>
+            </a:pPr>
+            <a:r>
+              <a:rPr lang="sr-Latn-RS" dirty="0">
+                <a:latin typeface="Courier New" panose="02070309020205020404" pitchFamily="49" charset="0"/>
+                <a:cs typeface="Courier New" panose="02070309020205020404" pitchFamily="49" charset="0"/>
+              </a:rPr>
+              <a:t>  var x = undefined;</a:t>
+            </a:r>
+          </a:p>
+          <a:p>
+            <a:pPr marL="0" indent="0">
+              <a:buNone/>
+            </a:pPr>
+            <a:r>
+              <a:rPr lang="sr-Latn-RS" dirty="0">
+                <a:latin typeface="Courier New" panose="02070309020205020404" pitchFamily="49" charset="0"/>
+                <a:cs typeface="Courier New" panose="02070309020205020404" pitchFamily="49" charset="0"/>
+              </a:rPr>
+              <a:t> </a:t>
+            </a:r>
+            <a:r>
+              <a:rPr lang="sr-Latn-RS" dirty="0" smtClean="0">
+                <a:latin typeface="Courier New" panose="02070309020205020404" pitchFamily="49" charset="0"/>
+                <a:cs typeface="Courier New" panose="02070309020205020404" pitchFamily="49" charset="0"/>
+              </a:rPr>
+              <a:t> ...</a:t>
+            </a:r>
+          </a:p>
+          <a:p>
+            <a:pPr marL="0" indent="0">
+              <a:buNone/>
+            </a:pPr>
+            <a:r>
+              <a:rPr lang="sr-Latn-RS" dirty="0" smtClean="0">
+                <a:latin typeface="Courier New" panose="02070309020205020404" pitchFamily="49" charset="0"/>
+                <a:cs typeface="Courier New" panose="02070309020205020404" pitchFamily="49" charset="0"/>
+              </a:rPr>
+              <a:t>  x </a:t>
+            </a:r>
+            <a:r>
+              <a:rPr lang="sr-Latn-RS" dirty="0">
+                <a:latin typeface="Courier New" panose="02070309020205020404" pitchFamily="49" charset="0"/>
+                <a:cs typeface="Courier New" panose="02070309020205020404" pitchFamily="49" charset="0"/>
+              </a:rPr>
+              <a:t>= 5;</a:t>
+            </a:r>
+          </a:p>
+          <a:p>
+            <a:pPr marL="0" indent="0">
+              <a:buNone/>
+            </a:pPr>
+            <a:r>
+              <a:rPr lang="sr-Latn-RS" dirty="0" smtClean="0">
+                <a:latin typeface="Courier New" panose="02070309020205020404" pitchFamily="49" charset="0"/>
+                <a:cs typeface="Courier New" panose="02070309020205020404" pitchFamily="49" charset="0"/>
+              </a:rPr>
+              <a:t>};</a:t>
+            </a:r>
+          </a:p>
+          <a:p>
+            <a:pPr marL="0" indent="0">
+              <a:buNone/>
+            </a:pPr>
+            <a:endParaRPr lang="sr-Latn-RS" dirty="0">
+              <a:latin typeface="Courier New" panose="02070309020205020404" pitchFamily="49" charset="0"/>
+              <a:cs typeface="Courier New" panose="02070309020205020404" pitchFamily="49" charset="0"/>
+            </a:endParaRPr>
+          </a:p>
+          <a:p>
+            <a:r>
+              <a:rPr lang="sr-Latn-RS" sz="5100" dirty="0" smtClean="0">
+                <a:cs typeface="Courier New" panose="02070309020205020404" pitchFamily="49" charset="0"/>
+              </a:rPr>
+              <a:t>Zgodno je varijable definisati na samom početku funkcije</a:t>
+            </a:r>
+            <a:endParaRPr lang="sr-Latn-RS" dirty="0" smtClean="0">
+              <a:cs typeface="Courier New" panose="02070309020205020404" pitchFamily="49" charset="0"/>
+            </a:endParaRPr>
+          </a:p>
+          <a:p>
+            <a:pPr marL="0" indent="0">
+              <a:buNone/>
+            </a:pPr>
+            <a:endParaRPr lang="sr-Latn-RS" sz="3600" dirty="0"/>
+          </a:p>
+          <a:p>
+            <a:pPr marL="0" indent="0">
+              <a:buNone/>
+            </a:pPr>
+            <a:endParaRPr lang="sr-Latn-RS" dirty="0">
+              <a:latin typeface="Courier New" panose="02070309020205020404" pitchFamily="49" charset="0"/>
+              <a:cs typeface="Courier New" panose="02070309020205020404" pitchFamily="49" charset="0"/>
+            </a:endParaRPr>
+          </a:p>
+          <a:p>
+            <a:endParaRPr lang="sr-Latn-RS" dirty="0" smtClean="0">
+              <a:latin typeface="Courier New" panose="02070309020205020404" pitchFamily="49" charset="0"/>
+              <a:cs typeface="Courier New" panose="02070309020205020404" pitchFamily="49" charset="0"/>
+            </a:endParaRPr>
+          </a:p>
+          <a:p>
+            <a:endParaRPr lang="sr-Latn-RS" dirty="0" smtClean="0"/>
+          </a:p>
+          <a:p>
+            <a:endParaRPr lang="en-GB" dirty="0"/>
+          </a:p>
+        </p:txBody>
+      </p:sp>
+    </p:spTree>
+    <p:extLst>
+      <p:ext uri="{BB962C8B-B14F-4D97-AF65-F5344CB8AC3E}">
+        <p14:creationId xmlns:p14="http://schemas.microsoft.com/office/powerpoint/2010/main" val="1904618981"/>
+      </p:ext>
+    </p:extLst>
+  </p:cSld>
+  <p:clrMapOvr>
+    <a:masterClrMapping/>
+  </p:clrMapOvr>
+  <p:timing>
+    <p:tnLst>
+      <p:par>
+        <p:cTn id="1" dur="indefinite" restart="never" nodeType="tmRoot"/>
+      </p:par>
+    </p:tnLst>
+  </p:timing>
+</p:sld>
+</file>
+
+<file path=ppt/slides/slide23.xml><?xml version="1.0" encoding="utf-8"?>
+<p:sld xmlns:a="http://schemas.openxmlformats.org/drawingml/2006/main" xmlns:r="http://schemas.openxmlformats.org/officeDocument/2006/relationships" xmlns:p="http://schemas.openxmlformats.org/presentationml/2006/main">
+  <p:cSld>
+    <p:spTree>
+      <p:nvGrpSpPr>
+        <p:cNvPr id="1" name=""/>
+        <p:cNvGrpSpPr/>
+        <p:nvPr/>
+      </p:nvGrpSpPr>
+      <p:grpSpPr>
+        <a:xfrm>
+          <a:off x="0" y="0"/>
+          <a:ext cx="0" cy="0"/>
+          <a:chOff x="0" y="0"/>
+          <a:chExt cx="0" cy="0"/>
+        </a:xfrm>
+      </p:grpSpPr>
+      <p:sp>
+        <p:nvSpPr>
+          <p:cNvPr id="2" name="Title 1"/>
+          <p:cNvSpPr>
+            <a:spLocks noGrp="1"/>
+          </p:cNvSpPr>
+          <p:nvPr>
+            <p:ph type="title"/>
+          </p:nvPr>
+        </p:nvSpPr>
+        <p:spPr/>
+        <p:txBody>
+          <a:bodyPr/>
+          <a:lstStyle/>
+          <a:p>
+            <a:r>
+              <a:rPr lang="sr-Latn-RS" dirty="0" smtClean="0"/>
+              <a:t>IIFE</a:t>
+            </a:r>
+            <a:endParaRPr lang="en-GB" dirty="0"/>
+          </a:p>
+        </p:txBody>
+      </p:sp>
+      <p:sp>
+        <p:nvSpPr>
+          <p:cNvPr id="3" name="Content Placeholder 2"/>
+          <p:cNvSpPr>
+            <a:spLocks noGrp="1"/>
+          </p:cNvSpPr>
+          <p:nvPr>
+            <p:ph idx="1"/>
+          </p:nvPr>
+        </p:nvSpPr>
+        <p:spPr/>
+        <p:txBody>
+          <a:bodyPr>
+            <a:normAutofit lnSpcReduction="10000"/>
+          </a:bodyPr>
+          <a:lstStyle/>
+          <a:p>
+            <a:r>
+              <a:rPr lang="en-GB" b="1" dirty="0" smtClean="0"/>
+              <a:t>Immediately-Invoked </a:t>
+            </a:r>
+            <a:r>
+              <a:rPr lang="en-GB" b="1" dirty="0"/>
+              <a:t>Function </a:t>
+            </a:r>
+            <a:r>
+              <a:rPr lang="en-GB" b="1" dirty="0" smtClean="0"/>
+              <a:t>Expression</a:t>
+            </a:r>
+            <a:endParaRPr lang="sr-Latn-RS" b="1" dirty="0" smtClean="0"/>
+          </a:p>
+          <a:p>
+            <a:r>
+              <a:rPr lang="sr-Latn-RS" dirty="0" smtClean="0"/>
+              <a:t>Moguće je funkciju pozvati neposredno nakon što je definisana</a:t>
+            </a:r>
+          </a:p>
+          <a:p>
+            <a:pPr marL="0" indent="0">
+              <a:buNone/>
+            </a:pPr>
+            <a:endParaRPr lang="sr-Latn-RS" dirty="0" smtClean="0"/>
+          </a:p>
+          <a:p>
+            <a:pPr marL="800100" lvl="2" indent="0">
+              <a:buNone/>
+            </a:pPr>
+            <a:r>
+              <a:rPr lang="en-GB" dirty="0">
+                <a:latin typeface="Courier New" panose="02070309020205020404" pitchFamily="49" charset="0"/>
+                <a:cs typeface="Courier New" panose="02070309020205020404" pitchFamily="49" charset="0"/>
+              </a:rPr>
+              <a:t>(function () {</a:t>
+            </a:r>
+          </a:p>
+          <a:p>
+            <a:pPr marL="800100" lvl="2" indent="0">
+              <a:buNone/>
+            </a:pPr>
+            <a:r>
+              <a:rPr lang="en-GB" dirty="0">
+                <a:latin typeface="Courier New" panose="02070309020205020404" pitchFamily="49" charset="0"/>
+                <a:cs typeface="Courier New" panose="02070309020205020404" pitchFamily="49" charset="0"/>
+              </a:rPr>
+              <a:t>  console.log('hello from an IIFE!');</a:t>
+            </a:r>
+          </a:p>
+          <a:p>
+            <a:pPr marL="800100" lvl="2" indent="0">
+              <a:buNone/>
+            </a:pPr>
+            <a:r>
+              <a:rPr lang="en-GB" dirty="0" smtClean="0">
+                <a:latin typeface="Courier New" panose="02070309020205020404" pitchFamily="49" charset="0"/>
+                <a:cs typeface="Courier New" panose="02070309020205020404" pitchFamily="49" charset="0"/>
+              </a:rPr>
+              <a:t>}</a:t>
+            </a:r>
+            <a:r>
+              <a:rPr lang="en-GB" b="1" dirty="0" smtClean="0">
+                <a:latin typeface="Courier New" panose="02070309020205020404" pitchFamily="49" charset="0"/>
+                <a:cs typeface="Courier New" panose="02070309020205020404" pitchFamily="49" charset="0"/>
+              </a:rPr>
+              <a:t>()</a:t>
+            </a:r>
+            <a:r>
+              <a:rPr lang="en-GB" dirty="0" smtClean="0">
+                <a:latin typeface="Courier New" panose="02070309020205020404" pitchFamily="49" charset="0"/>
+                <a:cs typeface="Courier New" panose="02070309020205020404" pitchFamily="49" charset="0"/>
+              </a:rPr>
+              <a:t>)</a:t>
+            </a:r>
+            <a:r>
+              <a:rPr lang="sr-Latn-RS" dirty="0" smtClean="0">
+                <a:latin typeface="Courier New" panose="02070309020205020404" pitchFamily="49" charset="0"/>
+                <a:cs typeface="Courier New" panose="02070309020205020404" pitchFamily="49" charset="0"/>
+              </a:rPr>
+              <a:t>;</a:t>
+            </a:r>
+          </a:p>
+          <a:p>
+            <a:pPr marL="0" indent="0">
+              <a:buNone/>
+            </a:pPr>
+            <a:r>
+              <a:rPr lang="sr-Latn-RS" dirty="0">
+                <a:latin typeface="Courier New" panose="02070309020205020404" pitchFamily="49" charset="0"/>
+                <a:cs typeface="Courier New" panose="02070309020205020404" pitchFamily="49" charset="0"/>
+              </a:rPr>
+              <a:t>	</a:t>
+            </a:r>
+            <a:endParaRPr lang="sr-Latn-RS" dirty="0" smtClean="0">
+              <a:cs typeface="Courier New" panose="02070309020205020404" pitchFamily="49" charset="0"/>
+            </a:endParaRPr>
+          </a:p>
+          <a:p>
+            <a:r>
+              <a:rPr lang="sr-Latn-RS" dirty="0" smtClean="0">
+                <a:cs typeface="Courier New" panose="02070309020205020404" pitchFamily="49" charset="0"/>
+              </a:rPr>
+              <a:t>Veoma korišćen patern</a:t>
+            </a:r>
+          </a:p>
+        </p:txBody>
+      </p:sp>
+    </p:spTree>
+    <p:extLst>
+      <p:ext uri="{BB962C8B-B14F-4D97-AF65-F5344CB8AC3E}">
+        <p14:creationId xmlns:p14="http://schemas.microsoft.com/office/powerpoint/2010/main" val="2791159720"/>
+      </p:ext>
+    </p:extLst>
+  </p:cSld>
+  <p:clrMapOvr>
+    <a:masterClrMapping/>
+  </p:clrMapOvr>
+  <p:timing>
+    <p:tnLst>
+      <p:par>
+        <p:cTn id="1" dur="indefinite" restart="never" nodeType="tmRoot"/>
+      </p:par>
+    </p:tnLst>
+  </p:timing>
+</p:sld>
+</file>
+
+<file path=ppt/slides/slide24.xml><?xml version="1.0" encoding="utf-8"?>
+<p:sld xmlns:a="http://schemas.openxmlformats.org/drawingml/2006/main" xmlns:r="http://schemas.openxmlformats.org/officeDocument/2006/relationships" xmlns:p="http://schemas.openxmlformats.org/presentationml/2006/main">
+  <p:cSld>
+    <p:spTree>
+      <p:nvGrpSpPr>
+        <p:cNvPr id="1" name=""/>
+        <p:cNvGrpSpPr/>
+        <p:nvPr/>
+      </p:nvGrpSpPr>
+      <p:grpSpPr>
+        <a:xfrm>
+          <a:off x="0" y="0"/>
+          <a:ext cx="0" cy="0"/>
+          <a:chOff x="0" y="0"/>
+          <a:chExt cx="0" cy="0"/>
+        </a:xfrm>
+      </p:grpSpPr>
+      <p:sp>
+        <p:nvSpPr>
+          <p:cNvPr id="2" name="Title 1"/>
+          <p:cNvSpPr>
+            <a:spLocks noGrp="1"/>
+          </p:cNvSpPr>
+          <p:nvPr>
+            <p:ph type="title"/>
+          </p:nvPr>
+        </p:nvSpPr>
+        <p:spPr/>
+        <p:txBody>
+          <a:bodyPr/>
+          <a:lstStyle/>
+          <a:p>
+            <a:r>
+              <a:rPr lang="sr-Latn-RS" dirty="0"/>
+              <a:t>Closure</a:t>
+            </a:r>
+            <a:endParaRPr lang="en-GB" dirty="0"/>
+          </a:p>
+        </p:txBody>
+      </p:sp>
+      <p:sp>
+        <p:nvSpPr>
+          <p:cNvPr id="3" name="Content Placeholder 2"/>
+          <p:cNvSpPr>
+            <a:spLocks noGrp="1"/>
+          </p:cNvSpPr>
+          <p:nvPr>
+            <p:ph idx="1"/>
+          </p:nvPr>
+        </p:nvSpPr>
+        <p:spPr/>
+        <p:txBody>
+          <a:bodyPr/>
+          <a:lstStyle/>
+          <a:p>
+            <a:r>
+              <a:rPr lang="sr-Latn-RS" dirty="0" smtClean="0"/>
+              <a:t>Unutrašnja funkcija ima pristup varijablama i parametrima spoljašnje funkcije, osim parametara </a:t>
+            </a:r>
+            <a:r>
+              <a:rPr lang="sr-Latn-RS" dirty="0" smtClean="0">
+                <a:latin typeface="Courier New" panose="02070309020205020404" pitchFamily="49" charset="0"/>
+                <a:cs typeface="Courier New" panose="02070309020205020404" pitchFamily="49" charset="0"/>
+              </a:rPr>
+              <a:t>this</a:t>
+            </a:r>
+            <a:r>
+              <a:rPr lang="sr-Latn-RS" dirty="0" smtClean="0"/>
+              <a:t> i </a:t>
+            </a:r>
+            <a:r>
+              <a:rPr lang="sr-Latn-RS" dirty="0" smtClean="0">
+                <a:latin typeface="Courier New" panose="02070309020205020404" pitchFamily="49" charset="0"/>
+                <a:cs typeface="Courier New" panose="02070309020205020404" pitchFamily="49" charset="0"/>
+              </a:rPr>
+              <a:t>arguments</a:t>
+            </a:r>
+          </a:p>
+          <a:p>
+            <a:pPr lvl="1"/>
+            <a:r>
+              <a:rPr lang="sr-Latn-RS" dirty="0" smtClean="0">
+                <a:cs typeface="Courier New" panose="02070309020205020404" pitchFamily="49" charset="0"/>
+              </a:rPr>
+              <a:t>Čak i kada je spoljašnja funkcija prestala da se izvršava</a:t>
+            </a:r>
+          </a:p>
+          <a:p>
+            <a:r>
+              <a:rPr lang="sr-Latn-RS" b="1" dirty="0" smtClean="0">
+                <a:cs typeface="Courier New" panose="02070309020205020404" pitchFamily="49" charset="0"/>
+              </a:rPr>
+              <a:t>Funkcija ima pristup kontekstu u kom je kreirana</a:t>
+            </a:r>
+          </a:p>
+          <a:p>
+            <a:pPr marL="0" indent="0">
+              <a:buNone/>
+            </a:pPr>
+            <a:endParaRPr lang="en-GB" dirty="0">
+              <a:cs typeface="Courier New" panose="02070309020205020404" pitchFamily="49" charset="0"/>
+            </a:endParaRPr>
+          </a:p>
+        </p:txBody>
+      </p:sp>
+    </p:spTree>
+    <p:extLst>
+      <p:ext uri="{BB962C8B-B14F-4D97-AF65-F5344CB8AC3E}">
+        <p14:creationId xmlns:p14="http://schemas.microsoft.com/office/powerpoint/2010/main" val="1890651269"/>
+      </p:ext>
+    </p:extLst>
+  </p:cSld>
+  <p:clrMapOvr>
+    <a:masterClrMapping/>
+  </p:clrMapOvr>
+  <p:timing>
+    <p:tnLst>
+      <p:par>
+        <p:cTn id="1" dur="indefinite" restart="never" nodeType="tmRoot"/>
+      </p:par>
+    </p:tnLst>
+  </p:timing>
+</p:sld>
+</file>
+
+<file path=ppt/slides/slide25.xml><?xml version="1.0" encoding="utf-8"?>
+<p:sld xmlns:a="http://schemas.openxmlformats.org/drawingml/2006/main" xmlns:r="http://schemas.openxmlformats.org/officeDocument/2006/relationships" xmlns:p="http://schemas.openxmlformats.org/presentationml/2006/main">
+  <p:cSld>
+    <p:spTree>
+      <p:nvGrpSpPr>
+        <p:cNvPr id="1" name=""/>
+        <p:cNvGrpSpPr/>
+        <p:nvPr/>
+      </p:nvGrpSpPr>
+      <p:grpSpPr>
+        <a:xfrm>
+          <a:off x="0" y="0"/>
+          <a:ext cx="0" cy="0"/>
+          <a:chOff x="0" y="0"/>
+          <a:chExt cx="0" cy="0"/>
+        </a:xfrm>
+      </p:grpSpPr>
+      <p:sp>
+        <p:nvSpPr>
+          <p:cNvPr id="2" name="Title 1"/>
+          <p:cNvSpPr>
+            <a:spLocks noGrp="1"/>
+          </p:cNvSpPr>
+          <p:nvPr>
+            <p:ph type="title"/>
+          </p:nvPr>
+        </p:nvSpPr>
+        <p:spPr/>
+        <p:txBody>
+          <a:bodyPr/>
+          <a:lstStyle/>
+          <a:p>
+            <a:r>
+              <a:rPr lang="sr-Latn-RS" dirty="0" smtClean="0"/>
+              <a:t>Closure i „privatna“ svojstva</a:t>
+            </a:r>
+            <a:endParaRPr lang="en-GB" dirty="0"/>
+          </a:p>
+        </p:txBody>
+      </p:sp>
+      <p:sp>
+        <p:nvSpPr>
+          <p:cNvPr id="3" name="Content Placeholder 2"/>
+          <p:cNvSpPr>
+            <a:spLocks noGrp="1"/>
+          </p:cNvSpPr>
+          <p:nvPr>
+            <p:ph idx="1"/>
+          </p:nvPr>
+        </p:nvSpPr>
+        <p:spPr/>
+        <p:txBody>
+          <a:bodyPr>
+            <a:noAutofit/>
+          </a:bodyPr>
+          <a:lstStyle/>
+          <a:p>
+            <a:pPr marL="0" indent="0">
+              <a:buNone/>
+            </a:pPr>
+            <a:r>
+              <a:rPr lang="en-GB" sz="1800" dirty="0" err="1" smtClean="0">
+                <a:latin typeface="Courier New" panose="02070309020205020404" pitchFamily="49" charset="0"/>
+                <a:cs typeface="Courier New" panose="02070309020205020404" pitchFamily="49" charset="0"/>
+              </a:rPr>
+              <a:t>var</a:t>
+            </a:r>
+            <a:r>
+              <a:rPr lang="en-GB" sz="1800" dirty="0" smtClean="0">
+                <a:latin typeface="Courier New" panose="02070309020205020404" pitchFamily="49" charset="0"/>
+                <a:cs typeface="Courier New" panose="02070309020205020404" pitchFamily="49" charset="0"/>
+              </a:rPr>
+              <a:t> </a:t>
+            </a:r>
+            <a:r>
+              <a:rPr lang="en-GB" sz="1800" dirty="0" err="1">
+                <a:latin typeface="Courier New" panose="02070309020205020404" pitchFamily="49" charset="0"/>
+                <a:cs typeface="Courier New" panose="02070309020205020404" pitchFamily="49" charset="0"/>
+              </a:rPr>
+              <a:t>myObject</a:t>
+            </a:r>
+            <a:r>
+              <a:rPr lang="en-GB" sz="1800" dirty="0">
+                <a:latin typeface="Courier New" panose="02070309020205020404" pitchFamily="49" charset="0"/>
+                <a:cs typeface="Courier New" panose="02070309020205020404" pitchFamily="49" charset="0"/>
+              </a:rPr>
+              <a:t> = </a:t>
+            </a:r>
+            <a:r>
+              <a:rPr lang="en-GB" sz="1800" b="1" dirty="0">
+                <a:latin typeface="Courier New" panose="02070309020205020404" pitchFamily="49" charset="0"/>
+                <a:cs typeface="Courier New" panose="02070309020205020404" pitchFamily="49" charset="0"/>
+              </a:rPr>
+              <a:t>(</a:t>
+            </a:r>
+            <a:r>
+              <a:rPr lang="en-GB" sz="1800" dirty="0">
+                <a:latin typeface="Courier New" panose="02070309020205020404" pitchFamily="49" charset="0"/>
+                <a:cs typeface="Courier New" panose="02070309020205020404" pitchFamily="49" charset="0"/>
+              </a:rPr>
+              <a:t>function() {</a:t>
+            </a:r>
+          </a:p>
+          <a:p>
+            <a:pPr marL="0" indent="0">
+              <a:buNone/>
+            </a:pPr>
+            <a:r>
+              <a:rPr lang="sr-Latn-RS" sz="1800" dirty="0" smtClean="0">
+                <a:latin typeface="Courier New" panose="02070309020205020404" pitchFamily="49" charset="0"/>
+                <a:cs typeface="Courier New" panose="02070309020205020404" pitchFamily="49" charset="0"/>
+              </a:rPr>
+              <a:t>  </a:t>
+            </a:r>
+            <a:r>
+              <a:rPr lang="en-GB" sz="1800" b="1" dirty="0" err="1" smtClean="0">
+                <a:latin typeface="Courier New" panose="02070309020205020404" pitchFamily="49" charset="0"/>
+                <a:cs typeface="Courier New" panose="02070309020205020404" pitchFamily="49" charset="0"/>
+              </a:rPr>
+              <a:t>var</a:t>
+            </a:r>
+            <a:r>
+              <a:rPr lang="en-GB" sz="1800" b="1" dirty="0" smtClean="0">
+                <a:latin typeface="Courier New" panose="02070309020205020404" pitchFamily="49" charset="0"/>
+                <a:cs typeface="Courier New" panose="02070309020205020404" pitchFamily="49" charset="0"/>
+              </a:rPr>
+              <a:t> </a:t>
+            </a:r>
+            <a:r>
+              <a:rPr lang="en-GB" sz="1800" b="1" dirty="0">
+                <a:latin typeface="Courier New" panose="02070309020205020404" pitchFamily="49" charset="0"/>
+                <a:cs typeface="Courier New" panose="02070309020205020404" pitchFamily="49" charset="0"/>
+              </a:rPr>
+              <a:t>value = 0;</a:t>
+            </a:r>
+          </a:p>
+          <a:p>
+            <a:pPr marL="0" indent="0">
+              <a:buNone/>
+            </a:pPr>
+            <a:r>
+              <a:rPr lang="sr-Latn-RS" sz="1800" dirty="0" smtClean="0">
+                <a:latin typeface="Courier New" panose="02070309020205020404" pitchFamily="49" charset="0"/>
+                <a:cs typeface="Courier New" panose="02070309020205020404" pitchFamily="49" charset="0"/>
+              </a:rPr>
+              <a:t>  </a:t>
+            </a:r>
+            <a:r>
+              <a:rPr lang="en-GB" sz="1800" dirty="0" smtClean="0">
+                <a:latin typeface="Courier New" panose="02070309020205020404" pitchFamily="49" charset="0"/>
+                <a:cs typeface="Courier New" panose="02070309020205020404" pitchFamily="49" charset="0"/>
+              </a:rPr>
+              <a:t>return </a:t>
+            </a:r>
+            <a:r>
+              <a:rPr lang="en-GB" sz="1800" dirty="0">
+                <a:latin typeface="Courier New" panose="02070309020205020404" pitchFamily="49" charset="0"/>
+                <a:cs typeface="Courier New" panose="02070309020205020404" pitchFamily="49" charset="0"/>
+              </a:rPr>
+              <a:t>{</a:t>
+            </a:r>
+          </a:p>
+          <a:p>
+            <a:pPr marL="0" indent="0">
+              <a:buNone/>
+            </a:pPr>
+            <a:r>
+              <a:rPr lang="sr-Latn-RS" sz="1800" dirty="0" smtClean="0">
+                <a:latin typeface="Courier New" panose="02070309020205020404" pitchFamily="49" charset="0"/>
+                <a:cs typeface="Courier New" panose="02070309020205020404" pitchFamily="49" charset="0"/>
+              </a:rPr>
+              <a:t>    </a:t>
+            </a:r>
+            <a:r>
+              <a:rPr lang="en-GB" sz="1800" dirty="0" smtClean="0">
+                <a:latin typeface="Courier New" panose="02070309020205020404" pitchFamily="49" charset="0"/>
+                <a:cs typeface="Courier New" panose="02070309020205020404" pitchFamily="49" charset="0"/>
+              </a:rPr>
+              <a:t>increment</a:t>
+            </a:r>
+            <a:r>
+              <a:rPr lang="en-GB" sz="1800" dirty="0">
+                <a:latin typeface="Courier New" panose="02070309020205020404" pitchFamily="49" charset="0"/>
+                <a:cs typeface="Courier New" panose="02070309020205020404" pitchFamily="49" charset="0"/>
+              </a:rPr>
+              <a:t>: function(</a:t>
+            </a:r>
+            <a:r>
+              <a:rPr lang="en-GB" sz="1800" dirty="0" err="1">
+                <a:latin typeface="Courier New" panose="02070309020205020404" pitchFamily="49" charset="0"/>
+                <a:cs typeface="Courier New" panose="02070309020205020404" pitchFamily="49" charset="0"/>
+              </a:rPr>
+              <a:t>inc</a:t>
+            </a:r>
+            <a:r>
+              <a:rPr lang="en-GB" sz="1800" dirty="0">
+                <a:latin typeface="Courier New" panose="02070309020205020404" pitchFamily="49" charset="0"/>
+                <a:cs typeface="Courier New" panose="02070309020205020404" pitchFamily="49" charset="0"/>
+              </a:rPr>
+              <a:t>) </a:t>
+            </a:r>
+            <a:r>
+              <a:rPr lang="en-GB" sz="1800" dirty="0" smtClean="0">
+                <a:latin typeface="Courier New" panose="02070309020205020404" pitchFamily="49" charset="0"/>
+                <a:cs typeface="Courier New" panose="02070309020205020404" pitchFamily="49" charset="0"/>
+              </a:rPr>
+              <a:t>{</a:t>
+            </a:r>
+            <a:endParaRPr lang="en-GB" sz="1800" dirty="0">
+              <a:latin typeface="Courier New" panose="02070309020205020404" pitchFamily="49" charset="0"/>
+              <a:cs typeface="Courier New" panose="02070309020205020404" pitchFamily="49" charset="0"/>
+            </a:endParaRPr>
+          </a:p>
+          <a:p>
+            <a:pPr marL="0" indent="0">
+              <a:buNone/>
+            </a:pPr>
+            <a:r>
+              <a:rPr lang="en-GB" sz="1800" dirty="0">
+                <a:latin typeface="Courier New" panose="02070309020205020404" pitchFamily="49" charset="0"/>
+                <a:cs typeface="Courier New" panose="02070309020205020404" pitchFamily="49" charset="0"/>
+              </a:rPr>
+              <a:t>      </a:t>
+            </a:r>
+            <a:r>
+              <a:rPr lang="sr-Latn-RS" sz="1800" dirty="0" smtClean="0">
+                <a:latin typeface="Courier New" panose="02070309020205020404" pitchFamily="49" charset="0"/>
+                <a:cs typeface="Courier New" panose="02070309020205020404" pitchFamily="49" charset="0"/>
+              </a:rPr>
+              <a:t>  </a:t>
+            </a:r>
+            <a:r>
+              <a:rPr lang="en-GB" sz="1800" dirty="0" smtClean="0">
+                <a:latin typeface="Courier New" panose="02070309020205020404" pitchFamily="49" charset="0"/>
+                <a:cs typeface="Courier New" panose="02070309020205020404" pitchFamily="49" charset="0"/>
+              </a:rPr>
+              <a:t>value </a:t>
+            </a:r>
+            <a:r>
+              <a:rPr lang="en-GB" sz="1800" dirty="0">
+                <a:latin typeface="Courier New" panose="02070309020205020404" pitchFamily="49" charset="0"/>
+                <a:cs typeface="Courier New" panose="02070309020205020404" pitchFamily="49" charset="0"/>
+              </a:rPr>
+              <a:t>+= </a:t>
+            </a:r>
+            <a:r>
+              <a:rPr lang="en-GB" sz="1800" dirty="0" err="1">
+                <a:latin typeface="Courier New" panose="02070309020205020404" pitchFamily="49" charset="0"/>
+                <a:cs typeface="Courier New" panose="02070309020205020404" pitchFamily="49" charset="0"/>
+              </a:rPr>
+              <a:t>typeof</a:t>
+            </a:r>
+            <a:r>
+              <a:rPr lang="en-GB" sz="1800" dirty="0">
+                <a:latin typeface="Courier New" panose="02070309020205020404" pitchFamily="49" charset="0"/>
+                <a:cs typeface="Courier New" panose="02070309020205020404" pitchFamily="49" charset="0"/>
+              </a:rPr>
+              <a:t> </a:t>
+            </a:r>
+            <a:r>
+              <a:rPr lang="en-GB" sz="1800" dirty="0" err="1">
+                <a:latin typeface="Courier New" panose="02070309020205020404" pitchFamily="49" charset="0"/>
+                <a:cs typeface="Courier New" panose="02070309020205020404" pitchFamily="49" charset="0"/>
+              </a:rPr>
+              <a:t>inc</a:t>
+            </a:r>
+            <a:r>
+              <a:rPr lang="en-GB" sz="1800" dirty="0">
+                <a:latin typeface="Courier New" panose="02070309020205020404" pitchFamily="49" charset="0"/>
+                <a:cs typeface="Courier New" panose="02070309020205020404" pitchFamily="49" charset="0"/>
+              </a:rPr>
+              <a:t> === 'number' ? </a:t>
+            </a:r>
+            <a:r>
+              <a:rPr lang="en-GB" sz="1800" dirty="0" err="1">
+                <a:latin typeface="Courier New" panose="02070309020205020404" pitchFamily="49" charset="0"/>
+                <a:cs typeface="Courier New" panose="02070309020205020404" pitchFamily="49" charset="0"/>
+              </a:rPr>
+              <a:t>inc</a:t>
+            </a:r>
+            <a:r>
+              <a:rPr lang="en-GB" sz="1800" dirty="0">
+                <a:latin typeface="Courier New" panose="02070309020205020404" pitchFamily="49" charset="0"/>
+                <a:cs typeface="Courier New" panose="02070309020205020404" pitchFamily="49" charset="0"/>
+              </a:rPr>
+              <a:t> : 1;</a:t>
+            </a:r>
+          </a:p>
+          <a:p>
+            <a:pPr marL="0" indent="0">
+              <a:buNone/>
+            </a:pPr>
+            <a:r>
+              <a:rPr lang="sr-Latn-RS" sz="1800" dirty="0">
+                <a:latin typeface="Courier New" panose="02070309020205020404" pitchFamily="49" charset="0"/>
+                <a:cs typeface="Courier New" panose="02070309020205020404" pitchFamily="49" charset="0"/>
+              </a:rPr>
+              <a:t> </a:t>
+            </a:r>
+            <a:r>
+              <a:rPr lang="sr-Latn-RS" sz="1800" dirty="0" smtClean="0">
+                <a:latin typeface="Courier New" panose="02070309020205020404" pitchFamily="49" charset="0"/>
+                <a:cs typeface="Courier New" panose="02070309020205020404" pitchFamily="49" charset="0"/>
+              </a:rPr>
+              <a:t>     </a:t>
+            </a:r>
+            <a:r>
+              <a:rPr lang="en-GB" sz="1800" dirty="0" smtClean="0">
+                <a:latin typeface="Courier New" panose="02070309020205020404" pitchFamily="49" charset="0"/>
+                <a:cs typeface="Courier New" panose="02070309020205020404" pitchFamily="49" charset="0"/>
+              </a:rPr>
+              <a:t>}, </a:t>
+            </a:r>
+            <a:endParaRPr lang="sr-Latn-RS" sz="1800" dirty="0" smtClean="0">
+              <a:latin typeface="Courier New" panose="02070309020205020404" pitchFamily="49" charset="0"/>
+              <a:cs typeface="Courier New" panose="02070309020205020404" pitchFamily="49" charset="0"/>
+            </a:endParaRPr>
+          </a:p>
+          <a:p>
+            <a:pPr marL="0" indent="0">
+              <a:buNone/>
+            </a:pPr>
+            <a:r>
+              <a:rPr lang="sr-Latn-RS" sz="1800" dirty="0" smtClean="0">
+                <a:latin typeface="Courier New" panose="02070309020205020404" pitchFamily="49" charset="0"/>
+                <a:cs typeface="Courier New" panose="02070309020205020404" pitchFamily="49" charset="0"/>
+              </a:rPr>
+              <a:t>    </a:t>
+            </a:r>
+            <a:r>
+              <a:rPr lang="en-GB" sz="1800" dirty="0" err="1" smtClean="0">
+                <a:latin typeface="Courier New" panose="02070309020205020404" pitchFamily="49" charset="0"/>
+                <a:cs typeface="Courier New" panose="02070309020205020404" pitchFamily="49" charset="0"/>
+              </a:rPr>
+              <a:t>getValue</a:t>
+            </a:r>
+            <a:r>
+              <a:rPr lang="en-GB" sz="1800" dirty="0">
+                <a:latin typeface="Courier New" panose="02070309020205020404" pitchFamily="49" charset="0"/>
+                <a:cs typeface="Courier New" panose="02070309020205020404" pitchFamily="49" charset="0"/>
+              </a:rPr>
+              <a:t>: function() </a:t>
+            </a:r>
+            <a:r>
+              <a:rPr lang="en-GB" sz="1800" dirty="0" smtClean="0">
+                <a:latin typeface="Courier New" panose="02070309020205020404" pitchFamily="49" charset="0"/>
+                <a:cs typeface="Courier New" panose="02070309020205020404" pitchFamily="49" charset="0"/>
+              </a:rPr>
+              <a:t>{</a:t>
+            </a:r>
+            <a:endParaRPr lang="sr-Latn-RS" sz="1800" dirty="0" smtClean="0">
+              <a:latin typeface="Courier New" panose="02070309020205020404" pitchFamily="49" charset="0"/>
+              <a:cs typeface="Courier New" panose="02070309020205020404" pitchFamily="49" charset="0"/>
+            </a:endParaRPr>
+          </a:p>
+          <a:p>
+            <a:pPr marL="0" indent="0">
+              <a:buNone/>
+            </a:pPr>
+            <a:r>
+              <a:rPr lang="en-GB" sz="1800" dirty="0" smtClean="0">
+                <a:latin typeface="Courier New" panose="02070309020205020404" pitchFamily="49" charset="0"/>
+                <a:cs typeface="Courier New" panose="02070309020205020404" pitchFamily="49" charset="0"/>
+              </a:rPr>
+              <a:t>      </a:t>
+            </a:r>
+            <a:r>
+              <a:rPr lang="en-GB" sz="1800" dirty="0">
+                <a:latin typeface="Courier New" panose="02070309020205020404" pitchFamily="49" charset="0"/>
+                <a:cs typeface="Courier New" panose="02070309020205020404" pitchFamily="49" charset="0"/>
+              </a:rPr>
+              <a:t>return value</a:t>
+            </a:r>
+            <a:r>
+              <a:rPr lang="en-GB" sz="1800" dirty="0" smtClean="0">
+                <a:latin typeface="Courier New" panose="02070309020205020404" pitchFamily="49" charset="0"/>
+                <a:cs typeface="Courier New" panose="02070309020205020404" pitchFamily="49" charset="0"/>
+              </a:rPr>
+              <a:t>;</a:t>
+            </a:r>
+            <a:endParaRPr lang="sr-Latn-RS" sz="1800" dirty="0" smtClean="0">
+              <a:latin typeface="Courier New" panose="02070309020205020404" pitchFamily="49" charset="0"/>
+              <a:cs typeface="Courier New" panose="02070309020205020404" pitchFamily="49" charset="0"/>
+            </a:endParaRPr>
+          </a:p>
+          <a:p>
+            <a:pPr marL="0" indent="0">
+              <a:buNone/>
+            </a:pPr>
+            <a:r>
+              <a:rPr lang="en-GB" sz="1800" dirty="0" smtClean="0">
+                <a:latin typeface="Courier New" panose="02070309020205020404" pitchFamily="49" charset="0"/>
+                <a:cs typeface="Courier New" panose="02070309020205020404" pitchFamily="49" charset="0"/>
+              </a:rPr>
+              <a:t>    }</a:t>
+            </a:r>
+            <a:endParaRPr lang="sr-Latn-RS" sz="1800" dirty="0" smtClean="0">
+              <a:latin typeface="Courier New" panose="02070309020205020404" pitchFamily="49" charset="0"/>
+              <a:cs typeface="Courier New" panose="02070309020205020404" pitchFamily="49" charset="0"/>
+            </a:endParaRPr>
+          </a:p>
+          <a:p>
+            <a:pPr marL="0" indent="0">
+              <a:buNone/>
+            </a:pPr>
+            <a:r>
+              <a:rPr lang="en-GB" sz="1800" dirty="0" smtClean="0">
+                <a:latin typeface="Courier New" panose="02070309020205020404" pitchFamily="49" charset="0"/>
+                <a:cs typeface="Courier New" panose="02070309020205020404" pitchFamily="49" charset="0"/>
+              </a:rPr>
+              <a:t>  };</a:t>
+            </a:r>
+            <a:endParaRPr lang="sr-Latn-RS" sz="1800" dirty="0" smtClean="0">
+              <a:latin typeface="Courier New" panose="02070309020205020404" pitchFamily="49" charset="0"/>
+              <a:cs typeface="Courier New" panose="02070309020205020404" pitchFamily="49" charset="0"/>
+            </a:endParaRPr>
+          </a:p>
+          <a:p>
+            <a:pPr marL="0" indent="0">
+              <a:buNone/>
+            </a:pPr>
+            <a:r>
+              <a:rPr lang="en-GB" sz="1800" dirty="0" smtClean="0">
+                <a:latin typeface="Courier New" panose="02070309020205020404" pitchFamily="49" charset="0"/>
+                <a:cs typeface="Courier New" panose="02070309020205020404" pitchFamily="49" charset="0"/>
+              </a:rPr>
+              <a:t>}()</a:t>
+            </a:r>
+            <a:r>
+              <a:rPr lang="en-GB" sz="1800" b="1" dirty="0" smtClean="0">
+                <a:latin typeface="Courier New" panose="02070309020205020404" pitchFamily="49" charset="0"/>
+                <a:cs typeface="Courier New" panose="02070309020205020404" pitchFamily="49" charset="0"/>
+              </a:rPr>
+              <a:t>)</a:t>
+            </a:r>
+            <a:r>
+              <a:rPr lang="en-GB" sz="1800" dirty="0" smtClean="0">
+                <a:latin typeface="Courier New" panose="02070309020205020404" pitchFamily="49" charset="0"/>
+                <a:cs typeface="Courier New" panose="02070309020205020404" pitchFamily="49" charset="0"/>
+              </a:rPr>
+              <a:t>;</a:t>
+            </a:r>
+            <a:endParaRPr lang="en-GB" sz="1800" dirty="0">
+              <a:latin typeface="Courier New" panose="02070309020205020404" pitchFamily="49" charset="0"/>
+              <a:cs typeface="Courier New" panose="02070309020205020404" pitchFamily="49" charset="0"/>
+            </a:endParaRPr>
+          </a:p>
+          <a:p>
+            <a:pPr marL="0" indent="0">
+              <a:buNone/>
+            </a:pPr>
+            <a:r>
+              <a:rPr lang="en-GB" sz="1800" dirty="0" err="1">
+                <a:latin typeface="Courier New" panose="02070309020205020404" pitchFamily="49" charset="0"/>
+                <a:cs typeface="Courier New" panose="02070309020205020404" pitchFamily="49" charset="0"/>
+              </a:rPr>
+              <a:t>myObject.increment</a:t>
+            </a:r>
+            <a:r>
+              <a:rPr lang="en-GB" sz="1800" dirty="0">
+                <a:latin typeface="Courier New" panose="02070309020205020404" pitchFamily="49" charset="0"/>
+                <a:cs typeface="Courier New" panose="02070309020205020404" pitchFamily="49" charset="0"/>
+              </a:rPr>
+              <a:t>();</a:t>
+            </a:r>
+          </a:p>
+          <a:p>
+            <a:pPr marL="0" indent="0">
+              <a:buNone/>
+            </a:pPr>
+            <a:r>
+              <a:rPr lang="en-GB" sz="1800" dirty="0" smtClean="0">
+                <a:latin typeface="Courier New" panose="02070309020205020404" pitchFamily="49" charset="0"/>
+                <a:cs typeface="Courier New" panose="02070309020205020404" pitchFamily="49" charset="0"/>
+              </a:rPr>
+              <a:t>console.log(</a:t>
+            </a:r>
+            <a:r>
+              <a:rPr lang="en-GB" sz="1800" dirty="0" err="1" smtClean="0">
+                <a:latin typeface="Courier New" panose="02070309020205020404" pitchFamily="49" charset="0"/>
+                <a:cs typeface="Courier New" panose="02070309020205020404" pitchFamily="49" charset="0"/>
+              </a:rPr>
+              <a:t>myObject.value</a:t>
+            </a:r>
+            <a:r>
+              <a:rPr lang="en-GB" sz="1800" dirty="0">
+                <a:latin typeface="Courier New" panose="02070309020205020404" pitchFamily="49" charset="0"/>
+                <a:cs typeface="Courier New" panose="02070309020205020404" pitchFamily="49" charset="0"/>
+              </a:rPr>
+              <a:t>);//undefined</a:t>
+            </a:r>
+          </a:p>
+          <a:p>
+            <a:pPr marL="0" indent="0">
+              <a:buNone/>
+            </a:pPr>
+            <a:r>
+              <a:rPr lang="en-GB" sz="1800" dirty="0" smtClean="0">
+                <a:latin typeface="Courier New" panose="02070309020205020404" pitchFamily="49" charset="0"/>
+                <a:cs typeface="Courier New" panose="02070309020205020404" pitchFamily="49" charset="0"/>
+              </a:rPr>
+              <a:t>console.log(</a:t>
+            </a:r>
+            <a:r>
+              <a:rPr lang="en-GB" sz="1800" dirty="0" err="1" smtClean="0">
+                <a:latin typeface="Courier New" panose="02070309020205020404" pitchFamily="49" charset="0"/>
+                <a:cs typeface="Courier New" panose="02070309020205020404" pitchFamily="49" charset="0"/>
+              </a:rPr>
+              <a:t>myObject.getValue</a:t>
+            </a:r>
+            <a:r>
+              <a:rPr lang="en-GB" sz="1800" dirty="0">
+                <a:latin typeface="Courier New" panose="02070309020205020404" pitchFamily="49" charset="0"/>
+                <a:cs typeface="Courier New" panose="02070309020205020404" pitchFamily="49" charset="0"/>
+              </a:rPr>
+              <a:t>());</a:t>
+            </a:r>
+          </a:p>
+          <a:p>
+            <a:pPr marL="0" indent="0">
+              <a:buNone/>
+            </a:pPr>
+            <a:endParaRPr lang="en-GB" sz="1800" dirty="0">
+              <a:latin typeface="Courier New" panose="02070309020205020404" pitchFamily="49" charset="0"/>
+              <a:cs typeface="Courier New" panose="02070309020205020404" pitchFamily="49" charset="0"/>
+            </a:endParaRPr>
+          </a:p>
+        </p:txBody>
+      </p:sp>
+    </p:spTree>
+    <p:extLst>
+      <p:ext uri="{BB962C8B-B14F-4D97-AF65-F5344CB8AC3E}">
+        <p14:creationId xmlns:p14="http://schemas.microsoft.com/office/powerpoint/2010/main" val="1989241385"/>
+      </p:ext>
+    </p:extLst>
+  </p:cSld>
+  <p:clrMapOvr>
+    <a:masterClrMapping/>
+  </p:clrMapOvr>
+  <p:timing>
+    <p:tnLst>
+      <p:par>
+        <p:cTn id="1" dur="indefinite" restart="never" nodeType="tmRoot"/>
+      </p:par>
+    </p:tnLst>
+  </p:timing>
+</p:sld>
+</file>
+
+<file path=ppt/slides/slide26.xml><?xml version="1.0" encoding="utf-8"?>
+<p:sld xmlns:a="http://schemas.openxmlformats.org/drawingml/2006/main" xmlns:r="http://schemas.openxmlformats.org/officeDocument/2006/relationships" xmlns:p="http://schemas.openxmlformats.org/presentationml/2006/main">
+  <p:cSld>
+    <p:spTree>
+      <p:nvGrpSpPr>
+        <p:cNvPr id="1" name=""/>
+        <p:cNvGrpSpPr/>
+        <p:nvPr/>
+      </p:nvGrpSpPr>
+      <p:grpSpPr>
+        <a:xfrm>
+          <a:off x="0" y="0"/>
+          <a:ext cx="0" cy="0"/>
+          <a:chOff x="0" y="0"/>
+          <a:chExt cx="0" cy="0"/>
+        </a:xfrm>
+      </p:grpSpPr>
+      <p:sp>
+        <p:nvSpPr>
+          <p:cNvPr id="2" name="Title 1"/>
+          <p:cNvSpPr>
+            <a:spLocks noGrp="1"/>
+          </p:cNvSpPr>
+          <p:nvPr>
+            <p:ph type="title"/>
+          </p:nvPr>
+        </p:nvSpPr>
+        <p:spPr/>
+        <p:txBody>
+          <a:bodyPr/>
+          <a:lstStyle/>
+          <a:p>
+            <a:r>
+              <a:rPr lang="sr-Latn-RS" dirty="0" smtClean="0"/>
+              <a:t>Opseg vidljivosti varijabli</a:t>
+            </a:r>
+            <a:endParaRPr lang="en-GB" dirty="0"/>
+          </a:p>
+        </p:txBody>
+      </p:sp>
+      <p:sp>
+        <p:nvSpPr>
+          <p:cNvPr id="3" name="Content Placeholder 2"/>
+          <p:cNvSpPr>
+            <a:spLocks noGrp="1"/>
+          </p:cNvSpPr>
+          <p:nvPr>
+            <p:ph idx="1"/>
+          </p:nvPr>
+        </p:nvSpPr>
+        <p:spPr/>
+        <p:txBody>
+          <a:bodyPr>
+            <a:normAutofit fontScale="85000" lnSpcReduction="10000"/>
+          </a:bodyPr>
+          <a:lstStyle/>
+          <a:p>
+            <a:r>
+              <a:rPr lang="sr-Latn-RS" dirty="0" smtClean="0"/>
+              <a:t>Ukoliko je varijabla deklarisana(</a:t>
+            </a:r>
+            <a:r>
+              <a:rPr lang="sr-Latn-RS" dirty="0" smtClean="0">
+                <a:latin typeface="Courier New" panose="02070309020205020404" pitchFamily="49" charset="0"/>
+                <a:cs typeface="Courier New" panose="02070309020205020404" pitchFamily="49" charset="0"/>
+              </a:rPr>
+              <a:t>var x</a:t>
+            </a:r>
+            <a:r>
+              <a:rPr lang="sr-Latn-RS" dirty="0" smtClean="0"/>
+              <a:t>) u funkciji, koristimo tu varijablu</a:t>
+            </a:r>
+          </a:p>
+          <a:p>
+            <a:r>
+              <a:rPr lang="sr-Latn-RS" dirty="0" smtClean="0"/>
+              <a:t>Ukoliko nije, tražimo je u spoljašnjoj funkciji</a:t>
+            </a:r>
+          </a:p>
+          <a:p>
+            <a:r>
+              <a:rPr lang="sr-Latn-RS" dirty="0" smtClean="0"/>
+              <a:t>Ukoliko nije defnisana ni u spoljašnjoj funkcijei, tražimo je u spoljašnjoj funkciji za spoljašnju funkciju</a:t>
+            </a:r>
+          </a:p>
+          <a:p>
+            <a:r>
+              <a:rPr lang="sr-Latn-RS" dirty="0" smtClean="0"/>
+              <a:t>...</a:t>
+            </a:r>
+          </a:p>
+          <a:p>
+            <a:r>
+              <a:rPr lang="sr-Latn-RS" b="1" dirty="0" smtClean="0"/>
+              <a:t>Sve dok ne dođemo do globalnog opsega!</a:t>
+            </a:r>
+          </a:p>
+          <a:p>
+            <a:r>
+              <a:rPr lang="sr-Latn-RS" dirty="0" smtClean="0"/>
+              <a:t>Ukoliko zaboravimo da deklarišemo varijablu, ili ćemo pristupiti </a:t>
+            </a:r>
+            <a:r>
+              <a:rPr lang="sr-Latn-RS" b="1" dirty="0" smtClean="0"/>
+              <a:t>varijabli koja se isto zove u spoljašnjoj funkciji</a:t>
+            </a:r>
+            <a:r>
+              <a:rPr lang="sr-Latn-RS" dirty="0" smtClean="0"/>
+              <a:t> ili ćemo </a:t>
+            </a:r>
+            <a:r>
+              <a:rPr lang="sr-Latn-RS" b="1" dirty="0" smtClean="0"/>
+              <a:t>napraviti globalnu varijablu</a:t>
+            </a:r>
+            <a:r>
+              <a:rPr lang="sr-Latn-RS" dirty="0" smtClean="0"/>
+              <a:t>.</a:t>
+            </a:r>
+            <a:endParaRPr lang="en-GB" dirty="0"/>
+          </a:p>
+        </p:txBody>
+      </p:sp>
+    </p:spTree>
+    <p:extLst>
+      <p:ext uri="{BB962C8B-B14F-4D97-AF65-F5344CB8AC3E}">
+        <p14:creationId xmlns:p14="http://schemas.microsoft.com/office/powerpoint/2010/main" val="2458896932"/>
+      </p:ext>
+    </p:extLst>
+  </p:cSld>
+  <p:clrMapOvr>
+    <a:masterClrMapping/>
+  </p:clrMapOvr>
+  <p:timing>
+    <p:tnLst>
+      <p:par>
+        <p:cTn id="1" dur="indefinite" restart="never" nodeType="tmRoot"/>
+      </p:par>
+    </p:tnLst>
+  </p:timing>
+</p:sld>
+</file>
+
+<file path=ppt/slides/slide27.xml><?xml version="1.0" encoding="utf-8"?>
+<p:sld xmlns:a="http://schemas.openxmlformats.org/drawingml/2006/main" xmlns:r="http://schemas.openxmlformats.org/officeDocument/2006/relationships" xmlns:p="http://schemas.openxmlformats.org/presentationml/2006/main">
+  <p:cSld>
+    <p:spTree>
+      <p:nvGrpSpPr>
+        <p:cNvPr id="1" name=""/>
+        <p:cNvGrpSpPr/>
+        <p:nvPr/>
+      </p:nvGrpSpPr>
+      <p:grpSpPr>
+        <a:xfrm>
+          <a:off x="0" y="0"/>
+          <a:ext cx="0" cy="0"/>
+          <a:chOff x="0" y="0"/>
+          <a:chExt cx="0" cy="0"/>
+        </a:xfrm>
+      </p:grpSpPr>
+      <p:sp>
+        <p:nvSpPr>
+          <p:cNvPr id="2" name="Title 1"/>
+          <p:cNvSpPr>
+            <a:spLocks noGrp="1"/>
+          </p:cNvSpPr>
+          <p:nvPr>
+            <p:ph type="title"/>
+          </p:nvPr>
+        </p:nvSpPr>
+        <p:spPr/>
+        <p:txBody>
+          <a:bodyPr/>
+          <a:lstStyle/>
+          <a:p>
+            <a:r>
+              <a:rPr lang="sr-Latn-RS" dirty="0" smtClean="0"/>
+              <a:t>Callback</a:t>
+            </a:r>
+            <a:endParaRPr lang="en-GB" dirty="0"/>
+          </a:p>
+        </p:txBody>
+      </p:sp>
+      <p:sp>
+        <p:nvSpPr>
+          <p:cNvPr id="3" name="Content Placeholder 2"/>
+          <p:cNvSpPr>
+            <a:spLocks noGrp="1"/>
+          </p:cNvSpPr>
+          <p:nvPr>
+            <p:ph idx="1"/>
+          </p:nvPr>
+        </p:nvSpPr>
+        <p:spPr/>
+        <p:txBody>
+          <a:bodyPr>
+            <a:normAutofit fontScale="55000" lnSpcReduction="20000"/>
+          </a:bodyPr>
+          <a:lstStyle/>
+          <a:p>
+            <a:r>
+              <a:rPr lang="sr-Latn-RS" sz="4500" dirty="0">
+                <a:cs typeface="Courier New" panose="02070309020205020404" pitchFamily="49" charset="0"/>
+              </a:rPr>
+              <a:t>Izvršni kod koji se kao argument prosleđuje drugom izvršnom kodu</a:t>
+            </a:r>
+          </a:p>
+          <a:p>
+            <a:r>
+              <a:rPr lang="sr-Latn-RS" sz="4500" dirty="0">
+                <a:cs typeface="Courier New" panose="02070309020205020404" pitchFamily="49" charset="0"/>
+              </a:rPr>
+              <a:t>Funkcija kao argument funkcije</a:t>
+            </a:r>
+          </a:p>
+          <a:p>
+            <a:endParaRPr lang="sr-Latn-RS" dirty="0" smtClean="0">
+              <a:cs typeface="Courier New" panose="02070309020205020404" pitchFamily="49" charset="0"/>
+            </a:endParaRPr>
+          </a:p>
+          <a:p>
+            <a:pPr marL="0" indent="0">
+              <a:buNone/>
+            </a:pPr>
+            <a:r>
+              <a:rPr lang="en-GB" dirty="0">
+                <a:latin typeface="Courier New" panose="02070309020205020404" pitchFamily="49" charset="0"/>
+                <a:cs typeface="Courier New" panose="02070309020205020404" pitchFamily="49" charset="0"/>
+              </a:rPr>
+              <a:t>function </a:t>
+            </a:r>
+            <a:r>
+              <a:rPr lang="en-GB" dirty="0" err="1">
+                <a:latin typeface="Courier New" panose="02070309020205020404" pitchFamily="49" charset="0"/>
+                <a:cs typeface="Courier New" panose="02070309020205020404" pitchFamily="49" charset="0"/>
+              </a:rPr>
+              <a:t>mySandwich</a:t>
+            </a:r>
+            <a:r>
+              <a:rPr lang="en-GB" dirty="0">
+                <a:latin typeface="Courier New" panose="02070309020205020404" pitchFamily="49" charset="0"/>
+                <a:cs typeface="Courier New" panose="02070309020205020404" pitchFamily="49" charset="0"/>
+              </a:rPr>
+              <a:t>(param1, param2, </a:t>
+            </a:r>
+            <a:r>
+              <a:rPr lang="en-GB" b="1" dirty="0" err="1">
+                <a:latin typeface="Courier New" panose="02070309020205020404" pitchFamily="49" charset="0"/>
+                <a:cs typeface="Courier New" panose="02070309020205020404" pitchFamily="49" charset="0"/>
+              </a:rPr>
+              <a:t>callback</a:t>
+            </a:r>
+            <a:r>
+              <a:rPr lang="en-GB" dirty="0">
+                <a:latin typeface="Courier New" panose="02070309020205020404" pitchFamily="49" charset="0"/>
+                <a:cs typeface="Courier New" panose="02070309020205020404" pitchFamily="49" charset="0"/>
+              </a:rPr>
+              <a:t>) {</a:t>
+            </a:r>
+          </a:p>
+          <a:p>
+            <a:pPr marL="0" indent="0">
+              <a:buNone/>
+            </a:pPr>
+            <a:r>
+              <a:rPr lang="sr-Latn-RS" dirty="0" smtClean="0">
+                <a:latin typeface="Courier New" panose="02070309020205020404" pitchFamily="49" charset="0"/>
+                <a:cs typeface="Courier New" panose="02070309020205020404" pitchFamily="49" charset="0"/>
+              </a:rPr>
+              <a:t>  </a:t>
+            </a:r>
+            <a:r>
+              <a:rPr lang="en-GB" dirty="0" smtClean="0">
+                <a:latin typeface="Courier New" panose="02070309020205020404" pitchFamily="49" charset="0"/>
+                <a:cs typeface="Courier New" panose="02070309020205020404" pitchFamily="49" charset="0"/>
+              </a:rPr>
+              <a:t>alert</a:t>
+            </a:r>
+            <a:r>
+              <a:rPr lang="en-GB" dirty="0">
+                <a:latin typeface="Courier New" panose="02070309020205020404" pitchFamily="49" charset="0"/>
+                <a:cs typeface="Courier New" panose="02070309020205020404" pitchFamily="49" charset="0"/>
+              </a:rPr>
+              <a:t>('Started eating my sandwich.\n\</a:t>
+            </a:r>
+            <a:r>
+              <a:rPr lang="en-GB" dirty="0" err="1">
+                <a:latin typeface="Courier New" panose="02070309020205020404" pitchFamily="49" charset="0"/>
+                <a:cs typeface="Courier New" panose="02070309020205020404" pitchFamily="49" charset="0"/>
+              </a:rPr>
+              <a:t>nIt</a:t>
+            </a:r>
+            <a:r>
+              <a:rPr lang="en-GB" dirty="0">
+                <a:latin typeface="Courier New" panose="02070309020205020404" pitchFamily="49" charset="0"/>
+                <a:cs typeface="Courier New" panose="02070309020205020404" pitchFamily="49" charset="0"/>
+              </a:rPr>
+              <a:t> has: ' + param1 + ', ' + param2);</a:t>
+            </a:r>
+          </a:p>
+          <a:p>
+            <a:pPr marL="0" indent="0">
+              <a:buNone/>
+            </a:pPr>
+            <a:r>
+              <a:rPr lang="en-GB" dirty="0">
+                <a:latin typeface="Courier New" panose="02070309020205020404" pitchFamily="49" charset="0"/>
+                <a:cs typeface="Courier New" panose="02070309020205020404" pitchFamily="49" charset="0"/>
+              </a:rPr>
+              <a:t>    </a:t>
+            </a:r>
+            <a:r>
+              <a:rPr lang="en-GB" b="1" dirty="0" err="1">
+                <a:latin typeface="Courier New" panose="02070309020205020404" pitchFamily="49" charset="0"/>
+                <a:cs typeface="Courier New" panose="02070309020205020404" pitchFamily="49" charset="0"/>
+              </a:rPr>
+              <a:t>callback</a:t>
+            </a:r>
+            <a:r>
+              <a:rPr lang="en-GB" b="1" dirty="0">
+                <a:latin typeface="Courier New" panose="02070309020205020404" pitchFamily="49" charset="0"/>
+                <a:cs typeface="Courier New" panose="02070309020205020404" pitchFamily="49" charset="0"/>
+              </a:rPr>
+              <a:t>()</a:t>
+            </a:r>
+            <a:r>
+              <a:rPr lang="en-GB" dirty="0">
+                <a:latin typeface="Courier New" panose="02070309020205020404" pitchFamily="49" charset="0"/>
+                <a:cs typeface="Courier New" panose="02070309020205020404" pitchFamily="49" charset="0"/>
+              </a:rPr>
+              <a:t>;</a:t>
+            </a:r>
+          </a:p>
+          <a:p>
+            <a:pPr marL="0" indent="0">
+              <a:buNone/>
+            </a:pPr>
+            <a:r>
+              <a:rPr lang="en-GB" dirty="0">
+                <a:latin typeface="Courier New" panose="02070309020205020404" pitchFamily="49" charset="0"/>
+                <a:cs typeface="Courier New" panose="02070309020205020404" pitchFamily="49" charset="0"/>
+              </a:rPr>
+              <a:t>}</a:t>
+            </a:r>
+          </a:p>
+          <a:p>
+            <a:pPr marL="0" indent="0">
+              <a:buNone/>
+            </a:pPr>
+            <a:endParaRPr lang="en-GB" dirty="0">
+              <a:latin typeface="Courier New" panose="02070309020205020404" pitchFamily="49" charset="0"/>
+              <a:cs typeface="Courier New" panose="02070309020205020404" pitchFamily="49" charset="0"/>
+            </a:endParaRPr>
+          </a:p>
+          <a:p>
+            <a:pPr marL="0" indent="0">
+              <a:buNone/>
+            </a:pPr>
+            <a:r>
+              <a:rPr lang="en-GB" dirty="0" err="1">
+                <a:latin typeface="Courier New" panose="02070309020205020404" pitchFamily="49" charset="0"/>
+                <a:cs typeface="Courier New" panose="02070309020205020404" pitchFamily="49" charset="0"/>
+              </a:rPr>
+              <a:t>mySandwich</a:t>
+            </a:r>
+            <a:r>
+              <a:rPr lang="en-GB" dirty="0">
+                <a:latin typeface="Courier New" panose="02070309020205020404" pitchFamily="49" charset="0"/>
+                <a:cs typeface="Courier New" panose="02070309020205020404" pitchFamily="49" charset="0"/>
+              </a:rPr>
+              <a:t>('ham', 'cheese', </a:t>
+            </a:r>
+            <a:r>
+              <a:rPr lang="en-GB" b="1" dirty="0">
+                <a:latin typeface="Courier New" panose="02070309020205020404" pitchFamily="49" charset="0"/>
+                <a:cs typeface="Courier New" panose="02070309020205020404" pitchFamily="49" charset="0"/>
+              </a:rPr>
+              <a:t>function() {</a:t>
+            </a:r>
+          </a:p>
+          <a:p>
+            <a:pPr marL="0" indent="0">
+              <a:buNone/>
+            </a:pPr>
+            <a:r>
+              <a:rPr lang="en-GB" b="1" dirty="0">
+                <a:latin typeface="Courier New" panose="02070309020205020404" pitchFamily="49" charset="0"/>
+                <a:cs typeface="Courier New" panose="02070309020205020404" pitchFamily="49" charset="0"/>
+              </a:rPr>
+              <a:t>    alert('Finished eating my sandwich.');</a:t>
+            </a:r>
+          </a:p>
+          <a:p>
+            <a:pPr marL="0" indent="0">
+              <a:buNone/>
+            </a:pPr>
+            <a:r>
+              <a:rPr lang="en-GB" b="1" dirty="0" smtClean="0">
+                <a:latin typeface="Courier New" panose="02070309020205020404" pitchFamily="49" charset="0"/>
+                <a:cs typeface="Courier New" panose="02070309020205020404" pitchFamily="49" charset="0"/>
+              </a:rPr>
+              <a:t>}</a:t>
+            </a:r>
+            <a:r>
+              <a:rPr lang="en-GB" dirty="0" smtClean="0">
+                <a:latin typeface="Courier New" panose="02070309020205020404" pitchFamily="49" charset="0"/>
+                <a:cs typeface="Courier New" panose="02070309020205020404" pitchFamily="49" charset="0"/>
+              </a:rPr>
+              <a:t>);</a:t>
+            </a:r>
+            <a:endParaRPr lang="sr-Latn-RS" dirty="0" smtClean="0">
+              <a:latin typeface="Courier New" panose="02070309020205020404" pitchFamily="49" charset="0"/>
+              <a:cs typeface="Courier New" panose="02070309020205020404" pitchFamily="49" charset="0"/>
+            </a:endParaRPr>
+          </a:p>
+          <a:p>
+            <a:pPr marL="0" indent="0">
+              <a:buNone/>
+            </a:pPr>
+            <a:endParaRPr lang="sr-Latn-RS" dirty="0">
+              <a:latin typeface="Courier New" panose="02070309020205020404" pitchFamily="49" charset="0"/>
+              <a:cs typeface="Courier New" panose="02070309020205020404" pitchFamily="49" charset="0"/>
+            </a:endParaRPr>
+          </a:p>
+          <a:p>
+            <a:r>
+              <a:rPr lang="sr-Latn-RS" sz="4500" dirty="0" smtClean="0">
+                <a:cs typeface="Courier New" panose="02070309020205020404" pitchFamily="49" charset="0"/>
+              </a:rPr>
+              <a:t>Često korišćen šablon u JavaScript-u (jQuery)</a:t>
+            </a:r>
+            <a:endParaRPr lang="en-GB" dirty="0">
+              <a:cs typeface="Courier New" panose="02070309020205020404" pitchFamily="49" charset="0"/>
+            </a:endParaRPr>
+          </a:p>
+          <a:p>
+            <a:endParaRPr lang="en-GB" dirty="0"/>
+          </a:p>
+        </p:txBody>
+      </p:sp>
+    </p:spTree>
+    <p:extLst>
+      <p:ext uri="{BB962C8B-B14F-4D97-AF65-F5344CB8AC3E}">
+        <p14:creationId xmlns:p14="http://schemas.microsoft.com/office/powerpoint/2010/main" val="2949739595"/>
+      </p:ext>
+    </p:extLst>
+  </p:cSld>
+  <p:clrMapOvr>
+    <a:masterClrMapping/>
+  </p:clrMapOvr>
+  <p:timing>
+    <p:tnLst>
+      <p:par>
+        <p:cTn id="1" dur="indefinite" restart="never" nodeType="tmRoot"/>
+      </p:par>
+    </p:tnLst>
+  </p:timing>
+</p:sld>
+</file>
+
+<file path=ppt/slides/slide28.xml><?xml version="1.0" encoding="utf-8"?>
+<p:sld xmlns:a="http://schemas.openxmlformats.org/drawingml/2006/main" xmlns:r="http://schemas.openxmlformats.org/officeDocument/2006/relationships" xmlns:p="http://schemas.openxmlformats.org/presentationml/2006/main">
+  <p:cSld>
+    <p:spTree>
+      <p:nvGrpSpPr>
+        <p:cNvPr id="1" name=""/>
+        <p:cNvGrpSpPr/>
+        <p:nvPr/>
+      </p:nvGrpSpPr>
+      <p:grpSpPr>
+        <a:xfrm>
+          <a:off x="0" y="0"/>
+          <a:ext cx="0" cy="0"/>
+          <a:chOff x="0" y="0"/>
+          <a:chExt cx="0" cy="0"/>
+        </a:xfrm>
+      </p:grpSpPr>
+      <p:sp>
+        <p:nvSpPr>
+          <p:cNvPr id="2" name="Title 1"/>
+          <p:cNvSpPr>
+            <a:spLocks noGrp="1"/>
+          </p:cNvSpPr>
+          <p:nvPr>
+            <p:ph type="title"/>
+          </p:nvPr>
+        </p:nvSpPr>
+        <p:spPr/>
+        <p:txBody>
+          <a:bodyPr/>
+          <a:lstStyle/>
+          <a:p>
+            <a:r>
+              <a:rPr lang="sr-Latn-RS" dirty="0" smtClean="0"/>
+              <a:t>Moduli</a:t>
+            </a:r>
+            <a:endParaRPr lang="en-GB" dirty="0"/>
+          </a:p>
+        </p:txBody>
+      </p:sp>
+      <p:sp>
+        <p:nvSpPr>
+          <p:cNvPr id="3" name="Content Placeholder 2"/>
+          <p:cNvSpPr>
+            <a:spLocks noGrp="1"/>
+          </p:cNvSpPr>
+          <p:nvPr>
+            <p:ph idx="1"/>
+          </p:nvPr>
+        </p:nvSpPr>
+        <p:spPr/>
+        <p:txBody>
+          <a:bodyPr>
+            <a:normAutofit fontScale="92500" lnSpcReduction="10000"/>
+          </a:bodyPr>
+          <a:lstStyle/>
+          <a:p>
+            <a:r>
+              <a:rPr lang="sr-Latn-RS" dirty="0" smtClean="0"/>
+              <a:t>Objekt koji ima interfejs ali skriva implementaciju</a:t>
+            </a:r>
+          </a:p>
+          <a:p>
+            <a:r>
+              <a:rPr lang="sr-Latn-RS" dirty="0" smtClean="0"/>
+              <a:t>U JavaScriptu se implementira pomoću funkcija i closure</a:t>
+            </a:r>
+          </a:p>
+          <a:p>
+            <a:pPr lvl="1"/>
+            <a:r>
+              <a:rPr lang="sr-Latn-RS" dirty="0" smtClean="0"/>
+              <a:t>Funkcija koja: </a:t>
+            </a:r>
+          </a:p>
+          <a:p>
+            <a:pPr lvl="2"/>
+            <a:r>
+              <a:rPr lang="sr-Latn-RS" dirty="0"/>
+              <a:t>D</a:t>
+            </a:r>
+            <a:r>
+              <a:rPr lang="sr-Latn-RS" dirty="0" smtClean="0"/>
+              <a:t>efiniše privatne varijable i funkcije</a:t>
+            </a:r>
+          </a:p>
+          <a:p>
+            <a:pPr lvl="2"/>
+            <a:r>
+              <a:rPr lang="sr-Latn-RS" dirty="0" smtClean="0"/>
+              <a:t>Definiše privilegovane funkcije koje kroz closure imaju pristup privatnim funkcijama i varijablama</a:t>
+            </a:r>
+          </a:p>
+          <a:p>
+            <a:pPr lvl="2"/>
+            <a:r>
+              <a:rPr lang="sr-Latn-RS" dirty="0" smtClean="0"/>
+              <a:t>Vraća objekat koji ima privilegovane funkcije</a:t>
+            </a:r>
+          </a:p>
+          <a:p>
+            <a:r>
+              <a:rPr lang="sr-Latn-RS" dirty="0" smtClean="0"/>
+              <a:t>Značajno smanjuje potrebu za globalnim varijablama</a:t>
+            </a:r>
+            <a:endParaRPr lang="en-GB" dirty="0"/>
+          </a:p>
+        </p:txBody>
+      </p:sp>
+    </p:spTree>
+    <p:extLst>
+      <p:ext uri="{BB962C8B-B14F-4D97-AF65-F5344CB8AC3E}">
+        <p14:creationId xmlns:p14="http://schemas.microsoft.com/office/powerpoint/2010/main" val="535342700"/>
+      </p:ext>
+    </p:extLst>
+  </p:cSld>
+  <p:clrMapOvr>
+    <a:masterClrMapping/>
+  </p:clrMapOvr>
+  <p:timing>
+    <p:tnLst>
+      <p:par>
+        <p:cTn id="1" dur="indefinite" restart="never" nodeType="tmRoot"/>
+      </p:par>
+    </p:tnLst>
+  </p:timing>
+</p:sld>
+</file>
+
+<file path=ppt/slides/slide29.xml><?xml version="1.0" encoding="utf-8"?>
+<p:sld xmlns:a="http://schemas.openxmlformats.org/drawingml/2006/main" xmlns:r="http://schemas.openxmlformats.org/officeDocument/2006/relationships" xmlns:p="http://schemas.openxmlformats.org/presentationml/2006/main">
+  <p:cSld>
+    <p:spTree>
+      <p:nvGrpSpPr>
+        <p:cNvPr id="1" name=""/>
+        <p:cNvGrpSpPr/>
+        <p:nvPr/>
+      </p:nvGrpSpPr>
+      <p:grpSpPr>
+        <a:xfrm>
+          <a:off x="0" y="0"/>
+          <a:ext cx="0" cy="0"/>
+          <a:chOff x="0" y="0"/>
+          <a:chExt cx="0" cy="0"/>
+        </a:xfrm>
+      </p:grpSpPr>
+      <p:sp>
+        <p:nvSpPr>
+          <p:cNvPr id="2" name="Title 1"/>
+          <p:cNvSpPr>
+            <a:spLocks noGrp="1"/>
+          </p:cNvSpPr>
+          <p:nvPr>
+            <p:ph type="title"/>
+          </p:nvPr>
+        </p:nvSpPr>
+        <p:spPr/>
+        <p:txBody>
+          <a:bodyPr/>
+          <a:lstStyle/>
+          <a:p>
+            <a:r>
+              <a:rPr lang="sr-Latn-RS" dirty="0" smtClean="0"/>
+              <a:t>Moduli</a:t>
+            </a:r>
+            <a:endParaRPr lang="en-GB" dirty="0"/>
+          </a:p>
+        </p:txBody>
+      </p:sp>
+      <p:sp>
+        <p:nvSpPr>
+          <p:cNvPr id="3" name="Content Placeholder 2"/>
+          <p:cNvSpPr>
+            <a:spLocks noGrp="1"/>
+          </p:cNvSpPr>
+          <p:nvPr>
+            <p:ph idx="1"/>
+          </p:nvPr>
+        </p:nvSpPr>
+        <p:spPr/>
+        <p:txBody>
+          <a:bodyPr>
+            <a:normAutofit fontScale="77500" lnSpcReduction="20000"/>
+          </a:bodyPr>
+          <a:lstStyle/>
+          <a:p>
+            <a:pPr marL="0" indent="0">
+              <a:buNone/>
+            </a:pPr>
+            <a:r>
+              <a:rPr lang="en-GB" dirty="0" err="1">
+                <a:latin typeface="Courier New" panose="02070309020205020404" pitchFamily="49" charset="0"/>
+                <a:cs typeface="Courier New" panose="02070309020205020404" pitchFamily="49" charset="0"/>
+              </a:rPr>
+              <a:t>var</a:t>
+            </a:r>
+            <a:r>
+              <a:rPr lang="en-GB" dirty="0">
+                <a:latin typeface="Courier New" panose="02070309020205020404" pitchFamily="49" charset="0"/>
+                <a:cs typeface="Courier New" panose="02070309020205020404" pitchFamily="49" charset="0"/>
+              </a:rPr>
+              <a:t> </a:t>
+            </a:r>
+            <a:r>
+              <a:rPr lang="en-GB" dirty="0" err="1">
+                <a:latin typeface="Courier New" panose="02070309020205020404" pitchFamily="49" charset="0"/>
+                <a:cs typeface="Courier New" panose="02070309020205020404" pitchFamily="49" charset="0"/>
+              </a:rPr>
+              <a:t>counterMaker</a:t>
+            </a:r>
+            <a:r>
+              <a:rPr lang="en-GB" dirty="0">
+                <a:latin typeface="Courier New" panose="02070309020205020404" pitchFamily="49" charset="0"/>
+                <a:cs typeface="Courier New" panose="02070309020205020404" pitchFamily="49" charset="0"/>
+              </a:rPr>
+              <a:t> = function () {</a:t>
+            </a:r>
+          </a:p>
+          <a:p>
+            <a:pPr marL="0" indent="0">
+              <a:buNone/>
+            </a:pPr>
+            <a:r>
+              <a:rPr lang="sr-Latn-RS" dirty="0" smtClean="0">
+                <a:latin typeface="Courier New" panose="02070309020205020404" pitchFamily="49" charset="0"/>
+                <a:cs typeface="Courier New" panose="02070309020205020404" pitchFamily="49" charset="0"/>
+              </a:rPr>
+              <a:t>  </a:t>
+            </a:r>
+            <a:r>
+              <a:rPr lang="en-GB" dirty="0" err="1" smtClean="0">
+                <a:latin typeface="Courier New" panose="02070309020205020404" pitchFamily="49" charset="0"/>
+                <a:cs typeface="Courier New" panose="02070309020205020404" pitchFamily="49" charset="0"/>
+              </a:rPr>
+              <a:t>var</a:t>
+            </a:r>
+            <a:r>
+              <a:rPr lang="en-GB" dirty="0" smtClean="0">
+                <a:latin typeface="Courier New" panose="02070309020205020404" pitchFamily="49" charset="0"/>
+                <a:cs typeface="Courier New" panose="02070309020205020404" pitchFamily="49" charset="0"/>
+              </a:rPr>
+              <a:t> </a:t>
+            </a:r>
+            <a:r>
+              <a:rPr lang="en-GB" dirty="0">
+                <a:latin typeface="Courier New" panose="02070309020205020404" pitchFamily="49" charset="0"/>
+                <a:cs typeface="Courier New" panose="02070309020205020404" pitchFamily="49" charset="0"/>
+              </a:rPr>
+              <a:t>current = 0;</a:t>
+            </a:r>
+          </a:p>
+          <a:p>
+            <a:pPr marL="0" indent="0">
+              <a:buNone/>
+            </a:pPr>
+            <a:r>
+              <a:rPr lang="en-GB" dirty="0">
+                <a:latin typeface="Courier New" panose="02070309020205020404" pitchFamily="49" charset="0"/>
+                <a:cs typeface="Courier New" panose="02070309020205020404" pitchFamily="49" charset="0"/>
+              </a:rPr>
+              <a:t>  return{</a:t>
+            </a:r>
+          </a:p>
+          <a:p>
+            <a:pPr marL="0" indent="0">
+              <a:buNone/>
+            </a:pPr>
+            <a:r>
+              <a:rPr lang="sr-Latn-RS" dirty="0" smtClean="0">
+                <a:latin typeface="Courier New" panose="02070309020205020404" pitchFamily="49" charset="0"/>
+                <a:cs typeface="Courier New" panose="02070309020205020404" pitchFamily="49" charset="0"/>
+              </a:rPr>
+              <a:t>      </a:t>
+            </a:r>
+            <a:r>
+              <a:rPr lang="en-GB" dirty="0" err="1" smtClean="0">
+                <a:latin typeface="Courier New" panose="02070309020205020404" pitchFamily="49" charset="0"/>
+                <a:cs typeface="Courier New" panose="02070309020205020404" pitchFamily="49" charset="0"/>
+              </a:rPr>
+              <a:t>getCounter</a:t>
+            </a:r>
+            <a:r>
+              <a:rPr lang="en-GB" dirty="0" smtClean="0">
+                <a:latin typeface="Courier New" panose="02070309020205020404" pitchFamily="49" charset="0"/>
+                <a:cs typeface="Courier New" panose="02070309020205020404" pitchFamily="49" charset="0"/>
+              </a:rPr>
+              <a:t> </a:t>
+            </a:r>
+            <a:r>
+              <a:rPr lang="en-GB" dirty="0">
+                <a:latin typeface="Courier New" panose="02070309020205020404" pitchFamily="49" charset="0"/>
+                <a:cs typeface="Courier New" panose="02070309020205020404" pitchFamily="49" charset="0"/>
+              </a:rPr>
+              <a:t>: function () {</a:t>
+            </a:r>
+          </a:p>
+          <a:p>
+            <a:pPr marL="0" indent="0">
+              <a:buNone/>
+            </a:pPr>
+            <a:r>
+              <a:rPr lang="en-GB" dirty="0">
+                <a:latin typeface="Courier New" panose="02070309020205020404" pitchFamily="49" charset="0"/>
+                <a:cs typeface="Courier New" panose="02070309020205020404" pitchFamily="49" charset="0"/>
+              </a:rPr>
+              <a:t>      current += 1;</a:t>
+            </a:r>
+          </a:p>
+          <a:p>
+            <a:pPr marL="0" indent="0">
+              <a:buNone/>
+            </a:pPr>
+            <a:r>
+              <a:rPr lang="en-GB" dirty="0">
+                <a:latin typeface="Courier New" panose="02070309020205020404" pitchFamily="49" charset="0"/>
+                <a:cs typeface="Courier New" panose="02070309020205020404" pitchFamily="49" charset="0"/>
+              </a:rPr>
+              <a:t>      return current;</a:t>
+            </a:r>
+          </a:p>
+          <a:p>
+            <a:pPr marL="0" indent="0">
+              <a:buNone/>
+            </a:pPr>
+            <a:r>
+              <a:rPr lang="en-GB" dirty="0">
+                <a:latin typeface="Courier New" panose="02070309020205020404" pitchFamily="49" charset="0"/>
+                <a:cs typeface="Courier New" panose="02070309020205020404" pitchFamily="49" charset="0"/>
+              </a:rPr>
+              <a:t>    }</a:t>
+            </a:r>
+          </a:p>
+          <a:p>
+            <a:pPr marL="0" indent="0">
+              <a:buNone/>
+            </a:pPr>
+            <a:r>
+              <a:rPr lang="en-GB" dirty="0">
+                <a:latin typeface="Courier New" panose="02070309020205020404" pitchFamily="49" charset="0"/>
+                <a:cs typeface="Courier New" panose="02070309020205020404" pitchFamily="49" charset="0"/>
+              </a:rPr>
+              <a:t>  };</a:t>
+            </a:r>
+          </a:p>
+          <a:p>
+            <a:pPr marL="0" indent="0">
+              <a:buNone/>
+            </a:pPr>
+            <a:r>
+              <a:rPr lang="en-GB" dirty="0">
+                <a:latin typeface="Courier New" panose="02070309020205020404" pitchFamily="49" charset="0"/>
+                <a:cs typeface="Courier New" panose="02070309020205020404" pitchFamily="49" charset="0"/>
+              </a:rPr>
+              <a:t>};</a:t>
+            </a:r>
+          </a:p>
+          <a:p>
+            <a:pPr marL="0" indent="0">
+              <a:buNone/>
+            </a:pPr>
+            <a:endParaRPr lang="en-GB" dirty="0">
+              <a:latin typeface="Courier New" panose="02070309020205020404" pitchFamily="49" charset="0"/>
+              <a:cs typeface="Courier New" panose="02070309020205020404" pitchFamily="49" charset="0"/>
+            </a:endParaRPr>
+          </a:p>
+          <a:p>
+            <a:pPr marL="0" indent="0">
+              <a:buNone/>
+            </a:pPr>
+            <a:r>
+              <a:rPr lang="en-GB" dirty="0" err="1">
+                <a:latin typeface="Courier New" panose="02070309020205020404" pitchFamily="49" charset="0"/>
+                <a:cs typeface="Courier New" panose="02070309020205020404" pitchFamily="49" charset="0"/>
+              </a:rPr>
+              <a:t>var</a:t>
+            </a:r>
+            <a:r>
+              <a:rPr lang="en-GB" dirty="0">
+                <a:latin typeface="Courier New" panose="02070309020205020404" pitchFamily="49" charset="0"/>
+                <a:cs typeface="Courier New" panose="02070309020205020404" pitchFamily="49" charset="0"/>
+              </a:rPr>
+              <a:t> counter = </a:t>
+            </a:r>
+            <a:r>
+              <a:rPr lang="en-GB" dirty="0" err="1">
+                <a:latin typeface="Courier New" panose="02070309020205020404" pitchFamily="49" charset="0"/>
+                <a:cs typeface="Courier New" panose="02070309020205020404" pitchFamily="49" charset="0"/>
+              </a:rPr>
+              <a:t>counterMaker</a:t>
+            </a:r>
+            <a:r>
+              <a:rPr lang="en-GB" dirty="0">
+                <a:latin typeface="Courier New" panose="02070309020205020404" pitchFamily="49" charset="0"/>
+                <a:cs typeface="Courier New" panose="02070309020205020404" pitchFamily="49" charset="0"/>
+              </a:rPr>
+              <a:t>();</a:t>
+            </a:r>
+          </a:p>
+          <a:p>
+            <a:endParaRPr lang="en-GB" dirty="0"/>
+          </a:p>
+        </p:txBody>
+      </p:sp>
+    </p:spTree>
+    <p:extLst>
+      <p:ext uri="{BB962C8B-B14F-4D97-AF65-F5344CB8AC3E}">
+        <p14:creationId xmlns:p14="http://schemas.microsoft.com/office/powerpoint/2010/main" val="634738779"/>
       </p:ext>
     </p:extLst>
   </p:cSld>
@@ -4658,8 +8450,8 @@
           <a:lstStyle/>
           <a:p>
             <a:r>
-              <a:rPr lang="en-GB" dirty="0" err="1" smtClean="0"/>
-              <a:t>Objekti</a:t>
+              <a:rPr lang="sr-Latn-RS" dirty="0" smtClean="0"/>
+              <a:t>Funkcijski literali</a:t>
             </a:r>
             <a:endParaRPr lang="en-GB" dirty="0"/>
           </a:p>
@@ -4677,78 +8469,213 @@
         </p:nvSpPr>
         <p:spPr/>
         <p:txBody>
-          <a:bodyPr/>
+          <a:bodyPr>
+            <a:normAutofit fontScale="92500" lnSpcReduction="20000"/>
+          </a:bodyPr>
           <a:lstStyle/>
           <a:p>
             <a:r>
-              <a:rPr lang="en-GB" dirty="0" err="1" smtClean="0"/>
-              <a:t>Mutabilne</a:t>
-            </a:r>
-            <a:r>
-              <a:rPr lang="en-GB" dirty="0" smtClean="0"/>
+              <a:rPr lang="sr-Latn-RS" dirty="0" smtClean="0"/>
+              <a:t>Funkcije mogu da se kreiraju kao funkcijski literali</a:t>
+            </a:r>
+          </a:p>
+          <a:p>
+            <a:pPr marL="800100" lvl="2" indent="0">
+              <a:buNone/>
+            </a:pPr>
+            <a:r>
+              <a:rPr lang="en-GB" dirty="0" err="1">
+                <a:latin typeface="Courier New" panose="02070309020205020404" pitchFamily="49" charset="0"/>
+                <a:cs typeface="Courier New" panose="02070309020205020404" pitchFamily="49" charset="0"/>
+              </a:rPr>
+              <a:t>var</a:t>
+            </a:r>
+            <a:r>
+              <a:rPr lang="en-GB" dirty="0">
+                <a:latin typeface="Courier New" panose="02070309020205020404" pitchFamily="49" charset="0"/>
+                <a:cs typeface="Courier New" panose="02070309020205020404" pitchFamily="49" charset="0"/>
+              </a:rPr>
               <a:t> </a:t>
             </a:r>
             <a:r>
-              <a:rPr lang="en-GB" dirty="0" err="1" smtClean="0"/>
-              <a:t>kolekcije</a:t>
-            </a:r>
-            <a:r>
-              <a:rPr lang="en-GB" dirty="0" smtClean="0"/>
+              <a:rPr lang="sr-Latn-RS" dirty="0" smtClean="0">
+                <a:latin typeface="Courier New" panose="02070309020205020404" pitchFamily="49" charset="0"/>
+                <a:cs typeface="Courier New" panose="02070309020205020404" pitchFamily="49" charset="0"/>
+              </a:rPr>
+              <a:t>subtract</a:t>
+            </a:r>
+            <a:r>
+              <a:rPr lang="en-GB" dirty="0" smtClean="0">
+                <a:latin typeface="Courier New" panose="02070309020205020404" pitchFamily="49" charset="0"/>
+                <a:cs typeface="Courier New" panose="02070309020205020404" pitchFamily="49" charset="0"/>
+              </a:rPr>
               <a:t> </a:t>
             </a:r>
             <a:r>
-              <a:rPr lang="en-GB" dirty="0" err="1" smtClean="0"/>
-              <a:t>parova</a:t>
-            </a:r>
-            <a:r>
-              <a:rPr lang="en-GB" dirty="0" smtClean="0"/>
+              <a:rPr lang="en-GB" dirty="0">
+                <a:latin typeface="Courier New" panose="02070309020205020404" pitchFamily="49" charset="0"/>
+                <a:cs typeface="Courier New" panose="02070309020205020404" pitchFamily="49" charset="0"/>
+              </a:rPr>
+              <a:t>= function (a, b) {</a:t>
+            </a:r>
+          </a:p>
+          <a:p>
+            <a:pPr marL="800100" lvl="2" indent="0">
+              <a:buNone/>
+            </a:pPr>
+            <a:r>
+              <a:rPr lang="sr-Latn-RS" dirty="0" smtClean="0">
+                <a:latin typeface="Courier New" panose="02070309020205020404" pitchFamily="49" charset="0"/>
+                <a:cs typeface="Courier New" panose="02070309020205020404" pitchFamily="49" charset="0"/>
+              </a:rPr>
+              <a:t>	 </a:t>
+            </a:r>
+            <a:r>
+              <a:rPr lang="en-GB" dirty="0" smtClean="0">
+                <a:latin typeface="Courier New" panose="02070309020205020404" pitchFamily="49" charset="0"/>
+                <a:cs typeface="Courier New" panose="02070309020205020404" pitchFamily="49" charset="0"/>
+              </a:rPr>
+              <a:t>return </a:t>
+            </a:r>
+            <a:r>
+              <a:rPr lang="en-GB" dirty="0">
+                <a:latin typeface="Courier New" panose="02070309020205020404" pitchFamily="49" charset="0"/>
+                <a:cs typeface="Courier New" panose="02070309020205020404" pitchFamily="49" charset="0"/>
+              </a:rPr>
+              <a:t>a </a:t>
+            </a:r>
+            <a:r>
+              <a:rPr lang="sr-Latn-RS" dirty="0" smtClean="0">
+                <a:latin typeface="Courier New" panose="02070309020205020404" pitchFamily="49" charset="0"/>
+                <a:cs typeface="Courier New" panose="02070309020205020404" pitchFamily="49" charset="0"/>
+              </a:rPr>
+              <a:t>-</a:t>
+            </a:r>
+            <a:r>
+              <a:rPr lang="en-GB" dirty="0" smtClean="0">
+                <a:latin typeface="Courier New" panose="02070309020205020404" pitchFamily="49" charset="0"/>
+                <a:cs typeface="Courier New" panose="02070309020205020404" pitchFamily="49" charset="0"/>
+              </a:rPr>
               <a:t> </a:t>
             </a:r>
             <a:r>
-              <a:rPr lang="sr-Latn-RS" dirty="0" smtClean="0"/>
-              <a:t>svojstvo-vrednosti:</a:t>
+              <a:rPr lang="en-GB" dirty="0">
+                <a:latin typeface="Courier New" panose="02070309020205020404" pitchFamily="49" charset="0"/>
+                <a:cs typeface="Courier New" panose="02070309020205020404" pitchFamily="49" charset="0"/>
+              </a:rPr>
+              <a:t>b;</a:t>
+            </a:r>
+          </a:p>
+          <a:p>
+            <a:pPr marL="800100" lvl="2" indent="0">
+              <a:buNone/>
+            </a:pPr>
+            <a:r>
+              <a:rPr lang="en-GB" dirty="0" smtClean="0">
+                <a:latin typeface="Courier New" panose="02070309020205020404" pitchFamily="49" charset="0"/>
+                <a:cs typeface="Courier New" panose="02070309020205020404" pitchFamily="49" charset="0"/>
+              </a:rPr>
+              <a:t>};</a:t>
+            </a:r>
+            <a:endParaRPr lang="sr-Latn-RS" dirty="0">
+              <a:latin typeface="Courier New" panose="02070309020205020404" pitchFamily="49" charset="0"/>
+              <a:cs typeface="Courier New" panose="02070309020205020404" pitchFamily="49" charset="0"/>
+            </a:endParaRPr>
+          </a:p>
+          <a:p>
+            <a:r>
+              <a:rPr lang="sr-Latn-RS" dirty="0" smtClean="0">
+                <a:cs typeface="Courier New" panose="02070309020205020404" pitchFamily="49" charset="0"/>
+              </a:rPr>
+              <a:t>Sastoje se od</a:t>
             </a:r>
           </a:p>
           <a:p>
             <a:pPr lvl="1"/>
             <a:r>
-              <a:rPr lang="sr-Latn-RS" dirty="0" smtClean="0"/>
-              <a:t>nizovi</a:t>
+              <a:rPr lang="sr-Latn-RS" dirty="0" smtClean="0">
+                <a:cs typeface="Courier New" panose="02070309020205020404" pitchFamily="49" charset="0"/>
+              </a:rPr>
+              <a:t>Ključne reči </a:t>
+            </a:r>
+            <a:r>
+              <a:rPr lang="sr-Latn-RS" b="1" dirty="0" smtClean="0">
+                <a:latin typeface="Courier New" panose="02070309020205020404" pitchFamily="49" charset="0"/>
+                <a:cs typeface="Courier New" panose="02070309020205020404" pitchFamily="49" charset="0"/>
+              </a:rPr>
+              <a:t>function</a:t>
             </a:r>
           </a:p>
           <a:p>
             <a:pPr lvl="1"/>
             <a:r>
-              <a:rPr lang="sr-Latn-RS" dirty="0" smtClean="0"/>
+              <a:rPr lang="sr-Latn-RS" b="1" dirty="0">
+                <a:cs typeface="Courier New" panose="02070309020205020404" pitchFamily="49" charset="0"/>
+              </a:rPr>
+              <a:t>Naziva </a:t>
+            </a:r>
+            <a:r>
+              <a:rPr lang="sr-Latn-RS" b="1" dirty="0" smtClean="0">
+                <a:cs typeface="Courier New" panose="02070309020205020404" pitchFamily="49" charset="0"/>
+              </a:rPr>
               <a:t>funkcije</a:t>
             </a:r>
+            <a:r>
+              <a:rPr lang="sr-Latn-RS" dirty="0" smtClean="0">
+                <a:cs typeface="Courier New" panose="02070309020205020404" pitchFamily="49" charset="0"/>
+              </a:rPr>
+              <a:t> koji je opcioni (nismo ga naveli, naša funkcija je </a:t>
+            </a:r>
+            <a:r>
+              <a:rPr lang="sr-Latn-RS" i="1" dirty="0" smtClean="0">
+                <a:cs typeface="Courier New" panose="02070309020205020404" pitchFamily="49" charset="0"/>
+              </a:rPr>
+              <a:t>anonimna</a:t>
+            </a:r>
+            <a:r>
+              <a:rPr lang="sr-Latn-RS" dirty="0" smtClean="0">
+                <a:cs typeface="Courier New" panose="02070309020205020404" pitchFamily="49" charset="0"/>
+              </a:rPr>
+              <a:t>)</a:t>
+            </a:r>
           </a:p>
           <a:p>
             <a:pPr lvl="1"/>
             <a:r>
-              <a:rPr lang="sr-Latn-RS" dirty="0" smtClean="0"/>
-              <a:t>regularni izrazi</a:t>
+              <a:rPr lang="sr-Latn-RS" b="1" dirty="0" smtClean="0">
+                <a:cs typeface="Courier New" panose="02070309020205020404" pitchFamily="49" charset="0"/>
+              </a:rPr>
+              <a:t>Parametara funkcije</a:t>
+            </a:r>
+            <a:r>
+              <a:rPr lang="sr-Latn-RS" dirty="0" smtClean="0">
+                <a:cs typeface="Courier New" panose="02070309020205020404" pitchFamily="49" charset="0"/>
+              </a:rPr>
+              <a:t> – nazivi se koriste za definisanje varijabli u funkciji koje se inicijalizuju vrednostima parametara</a:t>
             </a:r>
           </a:p>
           <a:p>
             <a:pPr lvl="1"/>
             <a:r>
-              <a:rPr lang="sr-Latn-RS" dirty="0" smtClean="0"/>
-              <a:t>objekti </a:t>
-            </a:r>
-          </a:p>
-          <a:p>
-            <a:r>
-              <a:rPr lang="sr-Latn-RS" dirty="0" smtClean="0"/>
-              <a:t>Nazivi svojstava: stringovi</a:t>
-            </a:r>
-          </a:p>
-          <a:p>
-            <a:r>
-              <a:rPr lang="sr-Latn-RS" dirty="0" smtClean="0"/>
-              <a:t>Vrednosti svojstava: bilo šta osim undefined</a:t>
-            </a:r>
-            <a:endParaRPr lang="en-GB" dirty="0"/>
+              <a:rPr lang="sr-Latn-RS" b="1" dirty="0" smtClean="0">
+                <a:cs typeface="Courier New" panose="02070309020205020404" pitchFamily="49" charset="0"/>
+              </a:rPr>
+              <a:t>Tela funkcije</a:t>
+            </a:r>
+          </a:p>
+          <a:p>
+            <a:pPr marL="914400" lvl="2" indent="0">
+              <a:buNone/>
+            </a:pPr>
+            <a:endParaRPr lang="sr-Latn-RS" dirty="0" smtClean="0">
+              <a:cs typeface="Courier New" panose="02070309020205020404" pitchFamily="49" charset="0"/>
+            </a:endParaRPr>
+          </a:p>
+          <a:p>
+            <a:pPr lvl="1"/>
+            <a:endParaRPr lang="sr-Latn-RS" dirty="0">
+              <a:cs typeface="Courier New" panose="02070309020205020404" pitchFamily="49" charset="0"/>
+            </a:endParaRPr>
           </a:p>
         </p:txBody>
       </p:sp>
@@ -4756,6 +8683,1201 @@
     <p:extLst>
       <p:ext uri="{BB962C8B-B14F-4D97-AF65-F5344CB8AC3E}">
         <p14:creationId xmlns:p14="http://schemas.microsoft.com/office/powerpoint/2010/main" val="1887357251"/>
+      </p:ext>
+    </p:extLst>
+  </p:cSld>
+  <p:clrMapOvr>
+    <a:masterClrMapping/>
+  </p:clrMapOvr>
+  <p:timing>
+    <p:tnLst>
+      <p:par>
+        <p:cTn id="1" dur="indefinite" restart="never" nodeType="tmRoot"/>
+      </p:par>
+    </p:tnLst>
+  </p:timing>
+</p:sld>
+</file>
+
+<file path=ppt/slides/slide30.xml><?xml version="1.0" encoding="utf-8"?>
+<p:sld xmlns:a="http://schemas.openxmlformats.org/drawingml/2006/main" xmlns:r="http://schemas.openxmlformats.org/officeDocument/2006/relationships" xmlns:p="http://schemas.openxmlformats.org/presentationml/2006/main">
+  <p:cSld>
+    <p:spTree>
+      <p:nvGrpSpPr>
+        <p:cNvPr id="1" name=""/>
+        <p:cNvGrpSpPr/>
+        <p:nvPr/>
+      </p:nvGrpSpPr>
+      <p:grpSpPr>
+        <a:xfrm>
+          <a:off x="0" y="0"/>
+          <a:ext cx="0" cy="0"/>
+          <a:chOff x="0" y="0"/>
+          <a:chExt cx="0" cy="0"/>
+        </a:xfrm>
+      </p:grpSpPr>
+      <p:sp>
+        <p:nvSpPr>
+          <p:cNvPr id="2" name="Title 1"/>
+          <p:cNvSpPr>
+            <a:spLocks noGrp="1"/>
+          </p:cNvSpPr>
+          <p:nvPr>
+            <p:ph type="title"/>
+          </p:nvPr>
+        </p:nvSpPr>
+        <p:spPr/>
+        <p:txBody>
+          <a:bodyPr/>
+          <a:lstStyle/>
+          <a:p>
+            <a:r>
+              <a:rPr lang="sr-Latn-RS" dirty="0" smtClean="0"/>
+              <a:t>Kaskada</a:t>
+            </a:r>
+            <a:endParaRPr lang="en-GB" dirty="0"/>
+          </a:p>
+        </p:txBody>
+      </p:sp>
+      <p:sp>
+        <p:nvSpPr>
+          <p:cNvPr id="3" name="Content Placeholder 2"/>
+          <p:cNvSpPr>
+            <a:spLocks noGrp="1"/>
+          </p:cNvSpPr>
+          <p:nvPr>
+            <p:ph idx="1"/>
+          </p:nvPr>
+        </p:nvSpPr>
+        <p:spPr/>
+        <p:txBody>
+          <a:bodyPr/>
+          <a:lstStyle/>
+          <a:p>
+            <a:r>
+              <a:rPr lang="sr-Latn-RS" dirty="0" smtClean="0"/>
+              <a:t>Metoda često samo menja objekat</a:t>
+            </a:r>
+          </a:p>
+          <a:p>
+            <a:r>
+              <a:rPr lang="sr-Latn-RS" dirty="0" smtClean="0"/>
+              <a:t>Nema eksplicitni return</a:t>
+            </a:r>
+          </a:p>
+          <a:p>
+            <a:r>
+              <a:rPr lang="sr-Latn-RS" dirty="0" smtClean="0"/>
+              <a:t>Možemo da stavimo </a:t>
+            </a:r>
+            <a:r>
+              <a:rPr lang="sr-Latn-RS" dirty="0" smtClean="0">
+                <a:latin typeface="Courier New" panose="02070309020205020404" pitchFamily="49" charset="0"/>
+                <a:cs typeface="Courier New" panose="02070309020205020404" pitchFamily="49" charset="0"/>
+              </a:rPr>
+              <a:t>return this</a:t>
+            </a:r>
+          </a:p>
+          <a:p>
+            <a:r>
+              <a:rPr lang="sr-Latn-RS" dirty="0" smtClean="0"/>
+              <a:t>I da ulančamo pozive</a:t>
+            </a:r>
+            <a:endParaRPr lang="en-GB" dirty="0"/>
+          </a:p>
+        </p:txBody>
+      </p:sp>
+    </p:spTree>
+    <p:extLst>
+      <p:ext uri="{BB962C8B-B14F-4D97-AF65-F5344CB8AC3E}">
+        <p14:creationId xmlns:p14="http://schemas.microsoft.com/office/powerpoint/2010/main" val="2047851539"/>
+      </p:ext>
+    </p:extLst>
+  </p:cSld>
+  <p:clrMapOvr>
+    <a:masterClrMapping/>
+  </p:clrMapOvr>
+  <p:timing>
+    <p:tnLst>
+      <p:par>
+        <p:cTn id="1" dur="indefinite" restart="never" nodeType="tmRoot"/>
+      </p:par>
+    </p:tnLst>
+  </p:timing>
+</p:sld>
+</file>
+
+<file path=ppt/slides/slide31.xml><?xml version="1.0" encoding="utf-8"?>
+<p:sld xmlns:a="http://schemas.openxmlformats.org/drawingml/2006/main" xmlns:r="http://schemas.openxmlformats.org/officeDocument/2006/relationships" xmlns:p="http://schemas.openxmlformats.org/presentationml/2006/main">
+  <p:cSld>
+    <p:spTree>
+      <p:nvGrpSpPr>
+        <p:cNvPr id="1" name=""/>
+        <p:cNvGrpSpPr/>
+        <p:nvPr/>
+      </p:nvGrpSpPr>
+      <p:grpSpPr>
+        <a:xfrm>
+          <a:off x="0" y="0"/>
+          <a:ext cx="0" cy="0"/>
+          <a:chOff x="0" y="0"/>
+          <a:chExt cx="0" cy="0"/>
+        </a:xfrm>
+      </p:grpSpPr>
+      <p:sp>
+        <p:nvSpPr>
+          <p:cNvPr id="2" name="Title 1"/>
+          <p:cNvSpPr>
+            <a:spLocks noGrp="1"/>
+          </p:cNvSpPr>
+          <p:nvPr>
+            <p:ph type="title"/>
+          </p:nvPr>
+        </p:nvSpPr>
+        <p:spPr/>
+        <p:txBody>
+          <a:bodyPr/>
+          <a:lstStyle/>
+          <a:p>
+            <a:r>
+              <a:rPr lang="sr-Latn-RS" dirty="0" smtClean="0"/>
+              <a:t>Kaskada</a:t>
+            </a:r>
+            <a:endParaRPr lang="en-GB" dirty="0"/>
+          </a:p>
+        </p:txBody>
+      </p:sp>
+      <p:sp>
+        <p:nvSpPr>
+          <p:cNvPr id="3" name="Content Placeholder 2"/>
+          <p:cNvSpPr>
+            <a:spLocks noGrp="1"/>
+          </p:cNvSpPr>
+          <p:nvPr>
+            <p:ph idx="1"/>
+          </p:nvPr>
+        </p:nvSpPr>
+        <p:spPr/>
+        <p:txBody>
+          <a:bodyPr>
+            <a:normAutofit fontScale="70000" lnSpcReduction="20000"/>
+          </a:bodyPr>
+          <a:lstStyle/>
+          <a:p>
+            <a:pPr marL="0" indent="0">
+              <a:buNone/>
+            </a:pPr>
+            <a:r>
+              <a:rPr lang="en-GB" dirty="0" err="1">
+                <a:latin typeface="Courier New" panose="02070309020205020404" pitchFamily="49" charset="0"/>
+                <a:cs typeface="Courier New" panose="02070309020205020404" pitchFamily="49" charset="0"/>
+              </a:rPr>
+              <a:t>var</a:t>
+            </a:r>
+            <a:r>
+              <a:rPr lang="en-GB" dirty="0">
+                <a:latin typeface="Courier New" panose="02070309020205020404" pitchFamily="49" charset="0"/>
+                <a:cs typeface="Courier New" panose="02070309020205020404" pitchFamily="49" charset="0"/>
+              </a:rPr>
+              <a:t> calculator = {</a:t>
+            </a:r>
+          </a:p>
+          <a:p>
+            <a:pPr marL="0" indent="0">
+              <a:buNone/>
+            </a:pPr>
+            <a:r>
+              <a:rPr lang="en-GB" dirty="0">
+                <a:latin typeface="Courier New" panose="02070309020205020404" pitchFamily="49" charset="0"/>
+                <a:cs typeface="Courier New" panose="02070309020205020404" pitchFamily="49" charset="0"/>
+              </a:rPr>
+              <a:t>  value: 0,</a:t>
+            </a:r>
+          </a:p>
+          <a:p>
+            <a:pPr marL="0" indent="0">
+              <a:buNone/>
+            </a:pPr>
+            <a:r>
+              <a:rPr lang="en-GB" dirty="0">
+                <a:latin typeface="Courier New" panose="02070309020205020404" pitchFamily="49" charset="0"/>
+                <a:cs typeface="Courier New" panose="02070309020205020404" pitchFamily="49" charset="0"/>
+              </a:rPr>
+              <a:t>  add: function (x) {</a:t>
+            </a:r>
+          </a:p>
+          <a:p>
+            <a:pPr marL="0" indent="0">
+              <a:buNone/>
+            </a:pPr>
+            <a:r>
+              <a:rPr lang="en-GB" dirty="0">
+                <a:latin typeface="Courier New" panose="02070309020205020404" pitchFamily="49" charset="0"/>
+                <a:cs typeface="Courier New" panose="02070309020205020404" pitchFamily="49" charset="0"/>
+              </a:rPr>
+              <a:t>    </a:t>
+            </a:r>
+            <a:r>
+              <a:rPr lang="en-GB" dirty="0" err="1">
+                <a:latin typeface="Courier New" panose="02070309020205020404" pitchFamily="49" charset="0"/>
+                <a:cs typeface="Courier New" panose="02070309020205020404" pitchFamily="49" charset="0"/>
+              </a:rPr>
+              <a:t>this.value</a:t>
+            </a:r>
+            <a:r>
+              <a:rPr lang="en-GB" dirty="0">
+                <a:latin typeface="Courier New" panose="02070309020205020404" pitchFamily="49" charset="0"/>
+                <a:cs typeface="Courier New" panose="02070309020205020404" pitchFamily="49" charset="0"/>
+              </a:rPr>
+              <a:t> += x;</a:t>
+            </a:r>
+          </a:p>
+          <a:p>
+            <a:pPr marL="0" indent="0">
+              <a:buNone/>
+            </a:pPr>
+            <a:r>
+              <a:rPr lang="en-GB" dirty="0">
+                <a:latin typeface="Courier New" panose="02070309020205020404" pitchFamily="49" charset="0"/>
+                <a:cs typeface="Courier New" panose="02070309020205020404" pitchFamily="49" charset="0"/>
+              </a:rPr>
+              <a:t>    return this;</a:t>
+            </a:r>
+          </a:p>
+          <a:p>
+            <a:pPr marL="0" indent="0">
+              <a:buNone/>
+            </a:pPr>
+            <a:r>
+              <a:rPr lang="en-GB" dirty="0">
+                <a:latin typeface="Courier New" panose="02070309020205020404" pitchFamily="49" charset="0"/>
+                <a:cs typeface="Courier New" panose="02070309020205020404" pitchFamily="49" charset="0"/>
+              </a:rPr>
+              <a:t>  },</a:t>
+            </a:r>
+          </a:p>
+          <a:p>
+            <a:pPr marL="0" indent="0">
+              <a:buNone/>
+            </a:pPr>
+            <a:r>
+              <a:rPr lang="en-GB" dirty="0">
+                <a:latin typeface="Courier New" panose="02070309020205020404" pitchFamily="49" charset="0"/>
+                <a:cs typeface="Courier New" panose="02070309020205020404" pitchFamily="49" charset="0"/>
+              </a:rPr>
+              <a:t>  subtract: function (x) {</a:t>
+            </a:r>
+          </a:p>
+          <a:p>
+            <a:pPr marL="0" indent="0">
+              <a:buNone/>
+            </a:pPr>
+            <a:r>
+              <a:rPr lang="en-GB" dirty="0">
+                <a:latin typeface="Courier New" panose="02070309020205020404" pitchFamily="49" charset="0"/>
+                <a:cs typeface="Courier New" panose="02070309020205020404" pitchFamily="49" charset="0"/>
+              </a:rPr>
+              <a:t>    </a:t>
+            </a:r>
+            <a:r>
+              <a:rPr lang="en-GB" dirty="0" err="1">
+                <a:latin typeface="Courier New" panose="02070309020205020404" pitchFamily="49" charset="0"/>
+                <a:cs typeface="Courier New" panose="02070309020205020404" pitchFamily="49" charset="0"/>
+              </a:rPr>
+              <a:t>this.value</a:t>
+            </a:r>
+            <a:r>
+              <a:rPr lang="en-GB" dirty="0">
+                <a:latin typeface="Courier New" panose="02070309020205020404" pitchFamily="49" charset="0"/>
+                <a:cs typeface="Courier New" panose="02070309020205020404" pitchFamily="49" charset="0"/>
+              </a:rPr>
+              <a:t> -= x;</a:t>
+            </a:r>
+          </a:p>
+          <a:p>
+            <a:pPr marL="0" indent="0">
+              <a:buNone/>
+            </a:pPr>
+            <a:r>
+              <a:rPr lang="en-GB" dirty="0">
+                <a:latin typeface="Courier New" panose="02070309020205020404" pitchFamily="49" charset="0"/>
+                <a:cs typeface="Courier New" panose="02070309020205020404" pitchFamily="49" charset="0"/>
+              </a:rPr>
+              <a:t>    return this;</a:t>
+            </a:r>
+          </a:p>
+          <a:p>
+            <a:pPr marL="0" indent="0">
+              <a:buNone/>
+            </a:pPr>
+            <a:r>
+              <a:rPr lang="en-GB" dirty="0">
+                <a:latin typeface="Courier New" panose="02070309020205020404" pitchFamily="49" charset="0"/>
+                <a:cs typeface="Courier New" panose="02070309020205020404" pitchFamily="49" charset="0"/>
+              </a:rPr>
+              <a:t>  }</a:t>
+            </a:r>
+          </a:p>
+          <a:p>
+            <a:pPr marL="0" indent="0">
+              <a:buNone/>
+            </a:pPr>
+            <a:r>
+              <a:rPr lang="en-GB" dirty="0">
+                <a:latin typeface="Courier New" panose="02070309020205020404" pitchFamily="49" charset="0"/>
+                <a:cs typeface="Courier New" panose="02070309020205020404" pitchFamily="49" charset="0"/>
+              </a:rPr>
+              <a:t>};</a:t>
+            </a:r>
+          </a:p>
+          <a:p>
+            <a:pPr marL="0" indent="0">
+              <a:buNone/>
+            </a:pPr>
+            <a:endParaRPr lang="en-GB" dirty="0">
+              <a:latin typeface="Courier New" panose="02070309020205020404" pitchFamily="49" charset="0"/>
+              <a:cs typeface="Courier New" panose="02070309020205020404" pitchFamily="49" charset="0"/>
+            </a:endParaRPr>
+          </a:p>
+          <a:p>
+            <a:pPr marL="0" indent="0">
+              <a:buNone/>
+            </a:pPr>
+            <a:r>
+              <a:rPr lang="en-GB" dirty="0" err="1">
+                <a:latin typeface="Courier New" panose="02070309020205020404" pitchFamily="49" charset="0"/>
+                <a:cs typeface="Courier New" panose="02070309020205020404" pitchFamily="49" charset="0"/>
+              </a:rPr>
+              <a:t>calculator.add</a:t>
+            </a:r>
+            <a:r>
+              <a:rPr lang="en-GB" dirty="0">
+                <a:latin typeface="Courier New" panose="02070309020205020404" pitchFamily="49" charset="0"/>
+                <a:cs typeface="Courier New" panose="02070309020205020404" pitchFamily="49" charset="0"/>
+              </a:rPr>
+              <a:t>(5).add(7).subtract(10);</a:t>
+            </a:r>
+          </a:p>
+          <a:p>
+            <a:pPr marL="0" indent="0">
+              <a:buNone/>
+            </a:pPr>
+            <a:endParaRPr lang="en-GB" dirty="0">
+              <a:latin typeface="Courier New" panose="02070309020205020404" pitchFamily="49" charset="0"/>
+              <a:cs typeface="Courier New" panose="02070309020205020404" pitchFamily="49" charset="0"/>
+            </a:endParaRPr>
+          </a:p>
+        </p:txBody>
+      </p:sp>
+    </p:spTree>
+    <p:extLst>
+      <p:ext uri="{BB962C8B-B14F-4D97-AF65-F5344CB8AC3E}">
+        <p14:creationId xmlns:p14="http://schemas.microsoft.com/office/powerpoint/2010/main" val="288423026"/>
+      </p:ext>
+    </p:extLst>
+  </p:cSld>
+  <p:clrMapOvr>
+    <a:masterClrMapping/>
+  </p:clrMapOvr>
+  <p:timing>
+    <p:tnLst>
+      <p:par>
+        <p:cTn id="1" dur="indefinite" restart="never" nodeType="tmRoot"/>
+      </p:par>
+    </p:tnLst>
+  </p:timing>
+</p:sld>
+</file>
+
+<file path=ppt/slides/slide32.xml><?xml version="1.0" encoding="utf-8"?>
+<p:sld xmlns:a="http://schemas.openxmlformats.org/drawingml/2006/main" xmlns:r="http://schemas.openxmlformats.org/officeDocument/2006/relationships" xmlns:p="http://schemas.openxmlformats.org/presentationml/2006/main">
+  <p:cSld>
+    <p:spTree>
+      <p:nvGrpSpPr>
+        <p:cNvPr id="1" name=""/>
+        <p:cNvGrpSpPr/>
+        <p:nvPr/>
+      </p:nvGrpSpPr>
+      <p:grpSpPr>
+        <a:xfrm>
+          <a:off x="0" y="0"/>
+          <a:ext cx="0" cy="0"/>
+          <a:chOff x="0" y="0"/>
+          <a:chExt cx="0" cy="0"/>
+        </a:xfrm>
+      </p:grpSpPr>
+      <p:sp>
+        <p:nvSpPr>
+          <p:cNvPr id="2" name="Title 1"/>
+          <p:cNvSpPr>
+            <a:spLocks noGrp="1"/>
+          </p:cNvSpPr>
+          <p:nvPr>
+            <p:ph type="title"/>
+          </p:nvPr>
+        </p:nvSpPr>
+        <p:spPr/>
+        <p:txBody>
+          <a:bodyPr/>
+          <a:lstStyle/>
+          <a:p>
+            <a:r>
+              <a:rPr lang="sr-Latn-RS" dirty="0" smtClean="0"/>
+              <a:t>Memoizacija</a:t>
+            </a:r>
+            <a:endParaRPr lang="en-GB" dirty="0"/>
+          </a:p>
+        </p:txBody>
+      </p:sp>
+      <p:sp>
+        <p:nvSpPr>
+          <p:cNvPr id="3" name="Content Placeholder 2"/>
+          <p:cNvSpPr>
+            <a:spLocks noGrp="1"/>
+          </p:cNvSpPr>
+          <p:nvPr>
+            <p:ph idx="1"/>
+          </p:nvPr>
+        </p:nvSpPr>
+        <p:spPr/>
+        <p:txBody>
+          <a:bodyPr/>
+          <a:lstStyle/>
+          <a:p>
+            <a:r>
+              <a:rPr lang="sr-Latn-RS" dirty="0" smtClean="0"/>
+              <a:t>Funkcija može da čuva svoje ranije vrednosti da bi pojednostavili računanje</a:t>
+            </a:r>
+          </a:p>
+          <a:p>
+            <a:r>
+              <a:rPr lang="sr-Latn-RS" dirty="0" smtClean="0"/>
+              <a:t>Na primer, kada računamo Fibonačijeve brojeve, možemo da sačuvamo ranije vrednosti da bismo izbegli nepotrebno rekurzivno ponovno računanje</a:t>
+            </a:r>
+          </a:p>
+          <a:p>
+            <a:r>
+              <a:rPr lang="sr-Latn-RS" b="1" dirty="0" smtClean="0"/>
+              <a:t>Keširanje povratnih vrednosti determinističke funkcije</a:t>
+            </a:r>
+          </a:p>
+          <a:p>
+            <a:endParaRPr lang="en-GB" dirty="0"/>
+          </a:p>
+        </p:txBody>
+      </p:sp>
+    </p:spTree>
+    <p:extLst>
+      <p:ext uri="{BB962C8B-B14F-4D97-AF65-F5344CB8AC3E}">
+        <p14:creationId xmlns:p14="http://schemas.microsoft.com/office/powerpoint/2010/main" val="3344149023"/>
+      </p:ext>
+    </p:extLst>
+  </p:cSld>
+  <p:clrMapOvr>
+    <a:masterClrMapping/>
+  </p:clrMapOvr>
+  <p:timing>
+    <p:tnLst>
+      <p:par>
+        <p:cTn id="1" dur="indefinite" restart="never" nodeType="tmRoot"/>
+      </p:par>
+    </p:tnLst>
+  </p:timing>
+</p:sld>
+</file>
+
+<file path=ppt/slides/slide33.xml><?xml version="1.0" encoding="utf-8"?>
+<p:sld xmlns:a="http://schemas.openxmlformats.org/drawingml/2006/main" xmlns:r="http://schemas.openxmlformats.org/officeDocument/2006/relationships" xmlns:p="http://schemas.openxmlformats.org/presentationml/2006/main">
+  <p:cSld>
+    <p:spTree>
+      <p:nvGrpSpPr>
+        <p:cNvPr id="1" name=""/>
+        <p:cNvGrpSpPr/>
+        <p:nvPr/>
+      </p:nvGrpSpPr>
+      <p:grpSpPr>
+        <a:xfrm>
+          <a:off x="0" y="0"/>
+          <a:ext cx="0" cy="0"/>
+          <a:chOff x="0" y="0"/>
+          <a:chExt cx="0" cy="0"/>
+        </a:xfrm>
+      </p:grpSpPr>
+      <p:sp>
+        <p:nvSpPr>
+          <p:cNvPr id="2" name="Title 1"/>
+          <p:cNvSpPr>
+            <a:spLocks noGrp="1"/>
+          </p:cNvSpPr>
+          <p:nvPr>
+            <p:ph type="title"/>
+          </p:nvPr>
+        </p:nvSpPr>
+        <p:spPr/>
+        <p:txBody>
+          <a:bodyPr>
+            <a:normAutofit fontScale="90000"/>
+          </a:bodyPr>
+          <a:lstStyle/>
+          <a:p>
+            <a:r>
+              <a:rPr lang="sr-Latn-RS" dirty="0" smtClean="0"/>
+              <a:t>Fibonačijevi brojevi bez memoizacije</a:t>
+            </a:r>
+            <a:endParaRPr lang="en-GB" dirty="0"/>
+          </a:p>
+        </p:txBody>
+      </p:sp>
+      <p:sp>
+        <p:nvSpPr>
+          <p:cNvPr id="3" name="Content Placeholder 2"/>
+          <p:cNvSpPr>
+            <a:spLocks noGrp="1"/>
+          </p:cNvSpPr>
+          <p:nvPr>
+            <p:ph idx="1"/>
+          </p:nvPr>
+        </p:nvSpPr>
+        <p:spPr/>
+        <p:txBody>
+          <a:bodyPr>
+            <a:normAutofit/>
+          </a:bodyPr>
+          <a:lstStyle/>
+          <a:p>
+            <a:pPr marL="0" indent="0">
+              <a:buNone/>
+            </a:pPr>
+            <a:r>
+              <a:rPr lang="en-GB" sz="2400" dirty="0" err="1">
+                <a:latin typeface="Courier New" panose="02070309020205020404" pitchFamily="49" charset="0"/>
+                <a:cs typeface="Courier New" panose="02070309020205020404" pitchFamily="49" charset="0"/>
+              </a:rPr>
+              <a:t>var</a:t>
+            </a:r>
+            <a:r>
+              <a:rPr lang="en-GB" sz="2400" dirty="0">
+                <a:latin typeface="Courier New" panose="02070309020205020404" pitchFamily="49" charset="0"/>
+                <a:cs typeface="Courier New" panose="02070309020205020404" pitchFamily="49" charset="0"/>
+              </a:rPr>
+              <a:t> </a:t>
+            </a:r>
+            <a:r>
+              <a:rPr lang="en-GB" sz="2400" dirty="0" err="1">
+                <a:latin typeface="Courier New" panose="02070309020205020404" pitchFamily="49" charset="0"/>
+                <a:cs typeface="Courier New" panose="02070309020205020404" pitchFamily="49" charset="0"/>
+              </a:rPr>
+              <a:t>fibonacci</a:t>
+            </a:r>
+            <a:r>
+              <a:rPr lang="en-GB" sz="2400" dirty="0">
+                <a:latin typeface="Courier New" panose="02070309020205020404" pitchFamily="49" charset="0"/>
+                <a:cs typeface="Courier New" panose="02070309020205020404" pitchFamily="49" charset="0"/>
+              </a:rPr>
+              <a:t> = function (n) {</a:t>
+            </a:r>
+          </a:p>
+          <a:p>
+            <a:pPr marL="0" indent="0">
+              <a:buNone/>
+            </a:pPr>
+            <a:r>
+              <a:rPr lang="sr-Latn-RS" sz="2400" dirty="0" smtClean="0">
+                <a:latin typeface="Courier New" panose="02070309020205020404" pitchFamily="49" charset="0"/>
+                <a:cs typeface="Courier New" panose="02070309020205020404" pitchFamily="49" charset="0"/>
+              </a:rPr>
+              <a:t>  </a:t>
+            </a:r>
+            <a:r>
+              <a:rPr lang="pt-BR" sz="2400" dirty="0" smtClean="0">
+                <a:latin typeface="Courier New" panose="02070309020205020404" pitchFamily="49" charset="0"/>
+                <a:cs typeface="Courier New" panose="02070309020205020404" pitchFamily="49" charset="0"/>
+              </a:rPr>
+              <a:t>return </a:t>
+            </a:r>
+            <a:r>
+              <a:rPr lang="pt-BR" sz="2400" dirty="0">
+                <a:latin typeface="Courier New" panose="02070309020205020404" pitchFamily="49" charset="0"/>
+                <a:cs typeface="Courier New" panose="02070309020205020404" pitchFamily="49" charset="0"/>
+              </a:rPr>
+              <a:t>n &lt; 2 ? n : </a:t>
+            </a:r>
+            <a:r>
+              <a:rPr lang="pt-BR" sz="2400" b="1" dirty="0">
+                <a:latin typeface="Courier New" panose="02070309020205020404" pitchFamily="49" charset="0"/>
+                <a:cs typeface="Courier New" panose="02070309020205020404" pitchFamily="49" charset="0"/>
+              </a:rPr>
+              <a:t>fibonacci(n - 1)</a:t>
+            </a:r>
+            <a:r>
+              <a:rPr lang="pt-BR" sz="2400" dirty="0">
+                <a:latin typeface="Courier New" panose="02070309020205020404" pitchFamily="49" charset="0"/>
+                <a:cs typeface="Courier New" panose="02070309020205020404" pitchFamily="49" charset="0"/>
+              </a:rPr>
+              <a:t> + </a:t>
+            </a:r>
+            <a:r>
+              <a:rPr lang="pt-BR" sz="2400" b="1" dirty="0">
+                <a:latin typeface="Courier New" panose="02070309020205020404" pitchFamily="49" charset="0"/>
+                <a:cs typeface="Courier New" panose="02070309020205020404" pitchFamily="49" charset="0"/>
+              </a:rPr>
+              <a:t>fibonacci(n - 2)</a:t>
+            </a:r>
+            <a:r>
+              <a:rPr lang="pt-BR" sz="2400" dirty="0">
+                <a:latin typeface="Courier New" panose="02070309020205020404" pitchFamily="49" charset="0"/>
+                <a:cs typeface="Courier New" panose="02070309020205020404" pitchFamily="49" charset="0"/>
+              </a:rPr>
+              <a:t>;</a:t>
+            </a:r>
+          </a:p>
+          <a:p>
+            <a:pPr marL="0" indent="0">
+              <a:buNone/>
+            </a:pPr>
+            <a:r>
+              <a:rPr lang="en-GB" sz="2400" dirty="0" smtClean="0">
+                <a:latin typeface="Courier New" panose="02070309020205020404" pitchFamily="49" charset="0"/>
+                <a:cs typeface="Courier New" panose="02070309020205020404" pitchFamily="49" charset="0"/>
+              </a:rPr>
+              <a:t>};</a:t>
+            </a:r>
+            <a:endParaRPr lang="sr-Latn-RS" sz="2400" dirty="0" smtClean="0">
+              <a:latin typeface="Courier New" panose="02070309020205020404" pitchFamily="49" charset="0"/>
+              <a:cs typeface="Courier New" panose="02070309020205020404" pitchFamily="49" charset="0"/>
+            </a:endParaRPr>
+          </a:p>
+          <a:p>
+            <a:pPr marL="0" indent="0">
+              <a:buNone/>
+            </a:pPr>
+            <a:endParaRPr lang="sr-Latn-RS" sz="2400" dirty="0">
+              <a:latin typeface="Courier New" panose="02070309020205020404" pitchFamily="49" charset="0"/>
+              <a:cs typeface="Courier New" panose="02070309020205020404" pitchFamily="49" charset="0"/>
+            </a:endParaRPr>
+          </a:p>
+          <a:p>
+            <a:r>
+              <a:rPr lang="sr-Latn-RS" sz="2400" dirty="0" smtClean="0">
+                <a:cs typeface="Courier New" panose="02070309020205020404" pitchFamily="49" charset="0"/>
+              </a:rPr>
+              <a:t>Za svaki ranije izračunat broj ponovo se ulazi u rekurzivno računanje</a:t>
+            </a:r>
+          </a:p>
+          <a:p>
+            <a:r>
+              <a:rPr lang="sr-Latn-RS" sz="2400" dirty="0" smtClean="0">
+                <a:cs typeface="Courier New" panose="02070309020205020404" pitchFamily="49" charset="0"/>
+              </a:rPr>
+              <a:t>Neefikasno</a:t>
+            </a:r>
+          </a:p>
+          <a:p>
+            <a:pPr marL="0" indent="0">
+              <a:buNone/>
+            </a:pPr>
+            <a:endParaRPr lang="sr-Latn-RS" sz="2400" dirty="0">
+              <a:latin typeface="Courier New" panose="02070309020205020404" pitchFamily="49" charset="0"/>
+              <a:cs typeface="Courier New" panose="02070309020205020404" pitchFamily="49" charset="0"/>
+            </a:endParaRPr>
+          </a:p>
+          <a:p>
+            <a:pPr marL="0" indent="0">
+              <a:buNone/>
+            </a:pPr>
+            <a:endParaRPr lang="en-GB" sz="2400" dirty="0">
+              <a:latin typeface="Courier New" panose="02070309020205020404" pitchFamily="49" charset="0"/>
+              <a:cs typeface="Courier New" panose="02070309020205020404" pitchFamily="49" charset="0"/>
+            </a:endParaRPr>
+          </a:p>
+        </p:txBody>
+      </p:sp>
+    </p:spTree>
+    <p:extLst>
+      <p:ext uri="{BB962C8B-B14F-4D97-AF65-F5344CB8AC3E}">
+        <p14:creationId xmlns:p14="http://schemas.microsoft.com/office/powerpoint/2010/main" val="1071376765"/>
+      </p:ext>
+    </p:extLst>
+  </p:cSld>
+  <p:clrMapOvr>
+    <a:masterClrMapping/>
+  </p:clrMapOvr>
+  <p:timing>
+    <p:tnLst>
+      <p:par>
+        <p:cTn id="1" dur="indefinite" restart="never" nodeType="tmRoot"/>
+      </p:par>
+    </p:tnLst>
+  </p:timing>
+</p:sld>
+</file>
+
+<file path=ppt/slides/slide34.xml><?xml version="1.0" encoding="utf-8"?>
+<p:sld xmlns:a="http://schemas.openxmlformats.org/drawingml/2006/main" xmlns:r="http://schemas.openxmlformats.org/officeDocument/2006/relationships" xmlns:p="http://schemas.openxmlformats.org/presentationml/2006/main">
+  <p:cSld>
+    <p:spTree>
+      <p:nvGrpSpPr>
+        <p:cNvPr id="1" name=""/>
+        <p:cNvGrpSpPr/>
+        <p:nvPr/>
+      </p:nvGrpSpPr>
+      <p:grpSpPr>
+        <a:xfrm>
+          <a:off x="0" y="0"/>
+          <a:ext cx="0" cy="0"/>
+          <a:chOff x="0" y="0"/>
+          <a:chExt cx="0" cy="0"/>
+        </a:xfrm>
+      </p:grpSpPr>
+      <p:sp>
+        <p:nvSpPr>
+          <p:cNvPr id="2" name="Title 1"/>
+          <p:cNvSpPr>
+            <a:spLocks noGrp="1"/>
+          </p:cNvSpPr>
+          <p:nvPr>
+            <p:ph type="title"/>
+          </p:nvPr>
+        </p:nvSpPr>
+        <p:spPr/>
+        <p:txBody>
+          <a:bodyPr>
+            <a:normAutofit fontScale="90000"/>
+          </a:bodyPr>
+          <a:lstStyle/>
+          <a:p>
+            <a:r>
+              <a:rPr lang="sr-Latn-RS" dirty="0" smtClean="0"/>
+              <a:t>Fibonačijevi brojevi sa memoizacijom</a:t>
+            </a:r>
+            <a:endParaRPr lang="en-GB" dirty="0"/>
+          </a:p>
+        </p:txBody>
+      </p:sp>
+      <p:sp>
+        <p:nvSpPr>
+          <p:cNvPr id="3" name="Content Placeholder 2"/>
+          <p:cNvSpPr>
+            <a:spLocks noGrp="1"/>
+          </p:cNvSpPr>
+          <p:nvPr>
+            <p:ph idx="1"/>
+          </p:nvPr>
+        </p:nvSpPr>
+        <p:spPr/>
+        <p:txBody>
+          <a:bodyPr>
+            <a:normAutofit fontScale="70000" lnSpcReduction="20000"/>
+          </a:bodyPr>
+          <a:lstStyle/>
+          <a:p>
+            <a:pPr marL="0" indent="0">
+              <a:buNone/>
+            </a:pPr>
+            <a:r>
+              <a:rPr lang="en-GB" dirty="0" err="1">
+                <a:latin typeface="Courier New" panose="02070309020205020404" pitchFamily="49" charset="0"/>
+                <a:cs typeface="Courier New" panose="02070309020205020404" pitchFamily="49" charset="0"/>
+              </a:rPr>
+              <a:t>var</a:t>
+            </a:r>
+            <a:r>
+              <a:rPr lang="en-GB" dirty="0">
+                <a:latin typeface="Courier New" panose="02070309020205020404" pitchFamily="49" charset="0"/>
+                <a:cs typeface="Courier New" panose="02070309020205020404" pitchFamily="49" charset="0"/>
+              </a:rPr>
+              <a:t> </a:t>
+            </a:r>
+            <a:r>
+              <a:rPr lang="en-GB" dirty="0" err="1">
+                <a:latin typeface="Courier New" panose="02070309020205020404" pitchFamily="49" charset="0"/>
+                <a:cs typeface="Courier New" panose="02070309020205020404" pitchFamily="49" charset="0"/>
+              </a:rPr>
+              <a:t>fibonacci</a:t>
+            </a:r>
+            <a:r>
+              <a:rPr lang="en-GB" dirty="0">
+                <a:latin typeface="Courier New" panose="02070309020205020404" pitchFamily="49" charset="0"/>
+                <a:cs typeface="Courier New" panose="02070309020205020404" pitchFamily="49" charset="0"/>
+              </a:rPr>
+              <a:t> = (function() </a:t>
+            </a:r>
+            <a:r>
+              <a:rPr lang="en-GB" dirty="0" smtClean="0">
+                <a:latin typeface="Courier New" panose="02070309020205020404" pitchFamily="49" charset="0"/>
+                <a:cs typeface="Courier New" panose="02070309020205020404" pitchFamily="49" charset="0"/>
+              </a:rPr>
+              <a:t>{</a:t>
+            </a:r>
+            <a:endParaRPr lang="sr-Latn-RS" dirty="0" smtClean="0">
+              <a:latin typeface="Courier New" panose="02070309020205020404" pitchFamily="49" charset="0"/>
+              <a:cs typeface="Courier New" panose="02070309020205020404" pitchFamily="49" charset="0"/>
+            </a:endParaRPr>
+          </a:p>
+          <a:p>
+            <a:pPr marL="0" indent="0">
+              <a:buNone/>
+            </a:pPr>
+            <a:r>
+              <a:rPr lang="sr-Latn-RS" b="1" dirty="0" smtClean="0">
+                <a:latin typeface="Courier New" panose="02070309020205020404" pitchFamily="49" charset="0"/>
+                <a:cs typeface="Courier New" panose="02070309020205020404" pitchFamily="49" charset="0"/>
+              </a:rPr>
+              <a:t>  </a:t>
+            </a:r>
+            <a:r>
+              <a:rPr lang="en-GB" b="1" dirty="0" err="1" smtClean="0">
+                <a:latin typeface="Courier New" panose="02070309020205020404" pitchFamily="49" charset="0"/>
+                <a:cs typeface="Courier New" panose="02070309020205020404" pitchFamily="49" charset="0"/>
+              </a:rPr>
+              <a:t>var</a:t>
+            </a:r>
+            <a:r>
+              <a:rPr lang="en-GB" b="1" dirty="0" smtClean="0">
+                <a:latin typeface="Courier New" panose="02070309020205020404" pitchFamily="49" charset="0"/>
+                <a:cs typeface="Courier New" panose="02070309020205020404" pitchFamily="49" charset="0"/>
+              </a:rPr>
+              <a:t> </a:t>
+            </a:r>
+            <a:r>
+              <a:rPr lang="en-GB" b="1" dirty="0">
+                <a:latin typeface="Courier New" panose="02070309020205020404" pitchFamily="49" charset="0"/>
+                <a:cs typeface="Courier New" panose="02070309020205020404" pitchFamily="49" charset="0"/>
+              </a:rPr>
+              <a:t>memo = [0, 1];  </a:t>
+            </a:r>
+            <a:endParaRPr lang="sr-Latn-RS" b="1" dirty="0" smtClean="0">
+              <a:latin typeface="Courier New" panose="02070309020205020404" pitchFamily="49" charset="0"/>
+              <a:cs typeface="Courier New" panose="02070309020205020404" pitchFamily="49" charset="0"/>
+            </a:endParaRPr>
+          </a:p>
+          <a:p>
+            <a:pPr marL="0" indent="0">
+              <a:buNone/>
+            </a:pPr>
+            <a:r>
+              <a:rPr lang="sr-Latn-RS" dirty="0" smtClean="0">
+                <a:latin typeface="Courier New" panose="02070309020205020404" pitchFamily="49" charset="0"/>
+                <a:cs typeface="Courier New" panose="02070309020205020404" pitchFamily="49" charset="0"/>
+              </a:rPr>
+              <a:t>  </a:t>
+            </a:r>
+            <a:r>
+              <a:rPr lang="en-GB" dirty="0" err="1" smtClean="0">
+                <a:latin typeface="Courier New" panose="02070309020205020404" pitchFamily="49" charset="0"/>
+                <a:cs typeface="Courier New" panose="02070309020205020404" pitchFamily="49" charset="0"/>
+              </a:rPr>
+              <a:t>var</a:t>
+            </a:r>
+            <a:r>
+              <a:rPr lang="en-GB" dirty="0" smtClean="0">
+                <a:latin typeface="Courier New" panose="02070309020205020404" pitchFamily="49" charset="0"/>
+                <a:cs typeface="Courier New" panose="02070309020205020404" pitchFamily="49" charset="0"/>
+              </a:rPr>
+              <a:t> </a:t>
+            </a:r>
+            <a:r>
+              <a:rPr lang="en-GB" dirty="0">
+                <a:latin typeface="Courier New" panose="02070309020205020404" pitchFamily="49" charset="0"/>
+                <a:cs typeface="Courier New" panose="02070309020205020404" pitchFamily="49" charset="0"/>
+              </a:rPr>
+              <a:t>fib = function(n) </a:t>
+            </a:r>
+            <a:r>
+              <a:rPr lang="en-GB" dirty="0" smtClean="0">
+                <a:latin typeface="Courier New" panose="02070309020205020404" pitchFamily="49" charset="0"/>
+                <a:cs typeface="Courier New" panose="02070309020205020404" pitchFamily="49" charset="0"/>
+              </a:rPr>
+              <a:t>{</a:t>
+            </a:r>
+            <a:endParaRPr lang="sr-Latn-RS" dirty="0" smtClean="0">
+              <a:latin typeface="Courier New" panose="02070309020205020404" pitchFamily="49" charset="0"/>
+              <a:cs typeface="Courier New" panose="02070309020205020404" pitchFamily="49" charset="0"/>
+            </a:endParaRPr>
+          </a:p>
+          <a:p>
+            <a:pPr marL="0" indent="0">
+              <a:buNone/>
+            </a:pPr>
+            <a:r>
+              <a:rPr lang="sr-Latn-RS" b="1" dirty="0" smtClean="0">
+                <a:latin typeface="Courier New" panose="02070309020205020404" pitchFamily="49" charset="0"/>
+                <a:cs typeface="Courier New" panose="02070309020205020404" pitchFamily="49" charset="0"/>
+              </a:rPr>
+              <a:t>    </a:t>
+            </a:r>
+            <a:r>
+              <a:rPr lang="en-GB" b="1" dirty="0" err="1" smtClean="0">
+                <a:latin typeface="Courier New" panose="02070309020205020404" pitchFamily="49" charset="0"/>
+                <a:cs typeface="Courier New" panose="02070309020205020404" pitchFamily="49" charset="0"/>
+              </a:rPr>
+              <a:t>var</a:t>
+            </a:r>
+            <a:r>
+              <a:rPr lang="en-GB" b="1" dirty="0" smtClean="0">
+                <a:latin typeface="Courier New" panose="02070309020205020404" pitchFamily="49" charset="0"/>
+                <a:cs typeface="Courier New" panose="02070309020205020404" pitchFamily="49" charset="0"/>
+              </a:rPr>
+              <a:t> </a:t>
+            </a:r>
+            <a:r>
+              <a:rPr lang="en-GB" b="1" dirty="0">
+                <a:latin typeface="Courier New" panose="02070309020205020404" pitchFamily="49" charset="0"/>
+                <a:cs typeface="Courier New" panose="02070309020205020404" pitchFamily="49" charset="0"/>
+              </a:rPr>
+              <a:t>result = memo[n]; </a:t>
+            </a:r>
+            <a:endParaRPr lang="sr-Latn-RS" b="1" dirty="0" smtClean="0">
+              <a:latin typeface="Courier New" panose="02070309020205020404" pitchFamily="49" charset="0"/>
+              <a:cs typeface="Courier New" panose="02070309020205020404" pitchFamily="49" charset="0"/>
+            </a:endParaRPr>
+          </a:p>
+          <a:p>
+            <a:pPr marL="0" indent="0">
+              <a:buNone/>
+            </a:pPr>
+            <a:r>
+              <a:rPr lang="sr-Latn-RS" dirty="0" smtClean="0">
+                <a:latin typeface="Courier New" panose="02070309020205020404" pitchFamily="49" charset="0"/>
+                <a:cs typeface="Courier New" panose="02070309020205020404" pitchFamily="49" charset="0"/>
+              </a:rPr>
+              <a:t>    </a:t>
+            </a:r>
+            <a:r>
+              <a:rPr lang="en-GB" dirty="0" smtClean="0">
+                <a:latin typeface="Courier New" panose="02070309020205020404" pitchFamily="49" charset="0"/>
+                <a:cs typeface="Courier New" panose="02070309020205020404" pitchFamily="49" charset="0"/>
+              </a:rPr>
+              <a:t>if </a:t>
+            </a:r>
+            <a:r>
+              <a:rPr lang="en-GB" dirty="0">
+                <a:latin typeface="Courier New" panose="02070309020205020404" pitchFamily="49" charset="0"/>
+                <a:cs typeface="Courier New" panose="02070309020205020404" pitchFamily="49" charset="0"/>
+              </a:rPr>
+              <a:t>(</a:t>
+            </a:r>
+            <a:r>
+              <a:rPr lang="en-GB" b="1" dirty="0" err="1">
+                <a:latin typeface="Courier New" panose="02070309020205020404" pitchFamily="49" charset="0"/>
+                <a:cs typeface="Courier New" panose="02070309020205020404" pitchFamily="49" charset="0"/>
+              </a:rPr>
+              <a:t>typeof</a:t>
+            </a:r>
+            <a:r>
+              <a:rPr lang="en-GB" b="1" dirty="0">
+                <a:latin typeface="Courier New" panose="02070309020205020404" pitchFamily="49" charset="0"/>
+                <a:cs typeface="Courier New" panose="02070309020205020404" pitchFamily="49" charset="0"/>
+              </a:rPr>
+              <a:t> result !== 'number'</a:t>
+            </a:r>
+            <a:r>
+              <a:rPr lang="en-GB" dirty="0">
+                <a:latin typeface="Courier New" panose="02070309020205020404" pitchFamily="49" charset="0"/>
+                <a:cs typeface="Courier New" panose="02070309020205020404" pitchFamily="49" charset="0"/>
+              </a:rPr>
+              <a:t>) {     </a:t>
+            </a:r>
+            <a:endParaRPr lang="sr-Latn-RS" dirty="0" smtClean="0">
+              <a:latin typeface="Courier New" panose="02070309020205020404" pitchFamily="49" charset="0"/>
+              <a:cs typeface="Courier New" panose="02070309020205020404" pitchFamily="49" charset="0"/>
+            </a:endParaRPr>
+          </a:p>
+          <a:p>
+            <a:pPr marL="0" indent="0">
+              <a:buNone/>
+            </a:pPr>
+            <a:r>
+              <a:rPr lang="sr-Latn-RS" dirty="0" smtClean="0">
+                <a:latin typeface="Courier New" panose="02070309020205020404" pitchFamily="49" charset="0"/>
+                <a:cs typeface="Courier New" panose="02070309020205020404" pitchFamily="49" charset="0"/>
+              </a:rPr>
+              <a:t>     </a:t>
+            </a:r>
+            <a:r>
+              <a:rPr lang="en-GB" dirty="0" smtClean="0">
+                <a:latin typeface="Courier New" panose="02070309020205020404" pitchFamily="49" charset="0"/>
+                <a:cs typeface="Courier New" panose="02070309020205020404" pitchFamily="49" charset="0"/>
+              </a:rPr>
+              <a:t> </a:t>
+            </a:r>
+            <a:r>
+              <a:rPr lang="en-GB" dirty="0">
+                <a:latin typeface="Courier New" panose="02070309020205020404" pitchFamily="49" charset="0"/>
+                <a:cs typeface="Courier New" panose="02070309020205020404" pitchFamily="49" charset="0"/>
+              </a:rPr>
+              <a:t>result = fib(n - 1) + fib(n - 2); </a:t>
+            </a:r>
+            <a:endParaRPr lang="sr-Latn-RS" dirty="0" smtClean="0">
+              <a:latin typeface="Courier New" panose="02070309020205020404" pitchFamily="49" charset="0"/>
+              <a:cs typeface="Courier New" panose="02070309020205020404" pitchFamily="49" charset="0"/>
+            </a:endParaRPr>
+          </a:p>
+          <a:p>
+            <a:pPr marL="0" indent="0">
+              <a:buNone/>
+            </a:pPr>
+            <a:r>
+              <a:rPr lang="sr-Latn-RS" b="1" dirty="0" smtClean="0">
+                <a:latin typeface="Courier New" panose="02070309020205020404" pitchFamily="49" charset="0"/>
+                <a:cs typeface="Courier New" panose="02070309020205020404" pitchFamily="49" charset="0"/>
+              </a:rPr>
+              <a:t>      </a:t>
+            </a:r>
+            <a:r>
+              <a:rPr lang="en-GB" b="1" dirty="0" smtClean="0">
+                <a:latin typeface="Courier New" panose="02070309020205020404" pitchFamily="49" charset="0"/>
+                <a:cs typeface="Courier New" panose="02070309020205020404" pitchFamily="49" charset="0"/>
+              </a:rPr>
+              <a:t>memo[n</a:t>
+            </a:r>
+            <a:r>
+              <a:rPr lang="en-GB" b="1" dirty="0">
+                <a:latin typeface="Courier New" panose="02070309020205020404" pitchFamily="49" charset="0"/>
+                <a:cs typeface="Courier New" panose="02070309020205020404" pitchFamily="49" charset="0"/>
+              </a:rPr>
+              <a:t>] = result;    </a:t>
+            </a:r>
+            <a:endParaRPr lang="sr-Latn-RS" b="1" dirty="0" smtClean="0">
+              <a:latin typeface="Courier New" panose="02070309020205020404" pitchFamily="49" charset="0"/>
+              <a:cs typeface="Courier New" panose="02070309020205020404" pitchFamily="49" charset="0"/>
+            </a:endParaRPr>
+          </a:p>
+          <a:p>
+            <a:pPr marL="0" indent="0">
+              <a:buNone/>
+            </a:pPr>
+            <a:r>
+              <a:rPr lang="sr-Latn-RS" dirty="0" smtClean="0">
+                <a:latin typeface="Courier New" panose="02070309020205020404" pitchFamily="49" charset="0"/>
+                <a:cs typeface="Courier New" panose="02070309020205020404" pitchFamily="49" charset="0"/>
+              </a:rPr>
+              <a:t>    </a:t>
+            </a:r>
+            <a:r>
+              <a:rPr lang="en-GB" dirty="0" smtClean="0">
+                <a:latin typeface="Courier New" panose="02070309020205020404" pitchFamily="49" charset="0"/>
+                <a:cs typeface="Courier New" panose="02070309020205020404" pitchFamily="49" charset="0"/>
+              </a:rPr>
+              <a:t>}    </a:t>
+            </a:r>
+            <a:endParaRPr lang="sr-Latn-RS" dirty="0" smtClean="0">
+              <a:latin typeface="Courier New" panose="02070309020205020404" pitchFamily="49" charset="0"/>
+              <a:cs typeface="Courier New" panose="02070309020205020404" pitchFamily="49" charset="0"/>
+            </a:endParaRPr>
+          </a:p>
+          <a:p>
+            <a:pPr marL="0" indent="0">
+              <a:buNone/>
+            </a:pPr>
+            <a:r>
+              <a:rPr lang="sr-Latn-RS" dirty="0" smtClean="0">
+                <a:latin typeface="Courier New" panose="02070309020205020404" pitchFamily="49" charset="0"/>
+                <a:cs typeface="Courier New" panose="02070309020205020404" pitchFamily="49" charset="0"/>
+              </a:rPr>
+              <a:t>    </a:t>
+            </a:r>
+            <a:r>
+              <a:rPr lang="en-GB" dirty="0" smtClean="0">
+                <a:latin typeface="Courier New" panose="02070309020205020404" pitchFamily="49" charset="0"/>
+                <a:cs typeface="Courier New" panose="02070309020205020404" pitchFamily="49" charset="0"/>
+              </a:rPr>
+              <a:t>return </a:t>
+            </a:r>
+            <a:r>
+              <a:rPr lang="en-GB" dirty="0">
+                <a:latin typeface="Courier New" panose="02070309020205020404" pitchFamily="49" charset="0"/>
+                <a:cs typeface="Courier New" panose="02070309020205020404" pitchFamily="49" charset="0"/>
+              </a:rPr>
+              <a:t>result;  </a:t>
+            </a:r>
+            <a:endParaRPr lang="sr-Latn-RS" dirty="0" smtClean="0">
+              <a:latin typeface="Courier New" panose="02070309020205020404" pitchFamily="49" charset="0"/>
+              <a:cs typeface="Courier New" panose="02070309020205020404" pitchFamily="49" charset="0"/>
+            </a:endParaRPr>
+          </a:p>
+          <a:p>
+            <a:pPr marL="0" indent="0">
+              <a:buNone/>
+            </a:pPr>
+            <a:r>
+              <a:rPr lang="sr-Latn-RS" dirty="0" smtClean="0">
+                <a:latin typeface="Courier New" panose="02070309020205020404" pitchFamily="49" charset="0"/>
+                <a:cs typeface="Courier New" panose="02070309020205020404" pitchFamily="49" charset="0"/>
+              </a:rPr>
+              <a:t>  </a:t>
+            </a:r>
+            <a:r>
+              <a:rPr lang="en-GB" dirty="0" smtClean="0">
+                <a:latin typeface="Courier New" panose="02070309020205020404" pitchFamily="49" charset="0"/>
+                <a:cs typeface="Courier New" panose="02070309020205020404" pitchFamily="49" charset="0"/>
+              </a:rPr>
+              <a:t>};  </a:t>
+            </a:r>
+            <a:endParaRPr lang="sr-Latn-RS" dirty="0" smtClean="0">
+              <a:latin typeface="Courier New" panose="02070309020205020404" pitchFamily="49" charset="0"/>
+              <a:cs typeface="Courier New" panose="02070309020205020404" pitchFamily="49" charset="0"/>
+            </a:endParaRPr>
+          </a:p>
+          <a:p>
+            <a:pPr marL="0" indent="0">
+              <a:buNone/>
+            </a:pPr>
+            <a:r>
+              <a:rPr lang="sr-Latn-RS" dirty="0" smtClean="0">
+                <a:latin typeface="Courier New" panose="02070309020205020404" pitchFamily="49" charset="0"/>
+                <a:cs typeface="Courier New" panose="02070309020205020404" pitchFamily="49" charset="0"/>
+              </a:rPr>
+              <a:t>  </a:t>
+            </a:r>
+            <a:r>
+              <a:rPr lang="en-GB" dirty="0" smtClean="0">
+                <a:latin typeface="Courier New" panose="02070309020205020404" pitchFamily="49" charset="0"/>
+                <a:cs typeface="Courier New" panose="02070309020205020404" pitchFamily="49" charset="0"/>
+              </a:rPr>
+              <a:t>return </a:t>
+            </a:r>
+            <a:r>
+              <a:rPr lang="en-GB" dirty="0">
+                <a:latin typeface="Courier New" panose="02070309020205020404" pitchFamily="49" charset="0"/>
+                <a:cs typeface="Courier New" panose="02070309020205020404" pitchFamily="49" charset="0"/>
+              </a:rPr>
+              <a:t>fib</a:t>
+            </a:r>
+            <a:r>
+              <a:rPr lang="en-GB" dirty="0" smtClean="0">
+                <a:latin typeface="Courier New" panose="02070309020205020404" pitchFamily="49" charset="0"/>
+                <a:cs typeface="Courier New" panose="02070309020205020404" pitchFamily="49" charset="0"/>
+              </a:rPr>
+              <a:t>;</a:t>
+            </a:r>
+            <a:endParaRPr lang="sr-Latn-RS" dirty="0" smtClean="0">
+              <a:latin typeface="Courier New" panose="02070309020205020404" pitchFamily="49" charset="0"/>
+              <a:cs typeface="Courier New" panose="02070309020205020404" pitchFamily="49" charset="0"/>
+            </a:endParaRPr>
+          </a:p>
+          <a:p>
+            <a:pPr marL="0" indent="0">
+              <a:buNone/>
+            </a:pPr>
+            <a:r>
+              <a:rPr lang="en-GB" dirty="0" smtClean="0">
+                <a:latin typeface="Courier New" panose="02070309020205020404" pitchFamily="49" charset="0"/>
+                <a:cs typeface="Courier New" panose="02070309020205020404" pitchFamily="49" charset="0"/>
+              </a:rPr>
+              <a:t>}());</a:t>
+            </a:r>
+            <a:endParaRPr lang="en-GB" dirty="0">
+              <a:latin typeface="Courier New" panose="02070309020205020404" pitchFamily="49" charset="0"/>
+              <a:cs typeface="Courier New" panose="02070309020205020404" pitchFamily="49" charset="0"/>
+            </a:endParaRPr>
+          </a:p>
+        </p:txBody>
+      </p:sp>
+    </p:spTree>
+    <p:extLst>
+      <p:ext uri="{BB962C8B-B14F-4D97-AF65-F5344CB8AC3E}">
+        <p14:creationId xmlns:p14="http://schemas.microsoft.com/office/powerpoint/2010/main" val="4004334112"/>
       </p:ext>
     </p:extLst>
   </p:cSld>
@@ -4806,7 +9928,7 @@
           <a:p>
             <a:r>
               <a:rPr lang="sr-Latn-RS" dirty="0" smtClean="0"/>
-              <a:t>Objektni literali</a:t>
+              <a:t>Closure</a:t>
             </a:r>
             <a:endParaRPr lang="en-GB" dirty="0"/>
           </a:p>
@@ -4825,371 +9947,107 @@
         <p:spPr/>
         <p:txBody>
           <a:bodyPr>
-            <a:normAutofit fontScale="70000" lnSpcReduction="20000"/>
+            <a:normAutofit fontScale="85000" lnSpcReduction="10000"/>
           </a:bodyPr>
           <a:lstStyle/>
           <a:p>
             <a:r>
-              <a:rPr lang="sr-Latn-RS" dirty="0" smtClean="0"/>
-              <a:t>Zadavanje objekata navođenjem svojstava i vrednosti:</a:t>
-            </a:r>
-          </a:p>
-          <a:p>
-            <a:pPr marL="0" indent="0">
-              <a:buNone/>
-            </a:pPr>
-            <a:endParaRPr lang="sr-Latn-RS" dirty="0"/>
-          </a:p>
-          <a:p>
-            <a:pPr marL="0" indent="0">
-              <a:buNone/>
-            </a:pPr>
-            <a:r>
-              <a:rPr lang="en-GB" dirty="0" err="1">
-                <a:latin typeface="Courier New" panose="02070309020205020404" pitchFamily="49" charset="0"/>
-                <a:cs typeface="Courier New" panose="02070309020205020404" pitchFamily="49" charset="0"/>
-              </a:rPr>
-              <a:t>var</a:t>
-            </a:r>
-            <a:r>
-              <a:rPr lang="en-GB" dirty="0">
-                <a:latin typeface="Courier New" panose="02070309020205020404" pitchFamily="49" charset="0"/>
-                <a:cs typeface="Courier New" panose="02070309020205020404" pitchFamily="49" charset="0"/>
-              </a:rPr>
-              <a:t> </a:t>
-            </a:r>
-            <a:r>
-              <a:rPr lang="en-GB" dirty="0" err="1">
-                <a:latin typeface="Courier New" panose="02070309020205020404" pitchFamily="49" charset="0"/>
-                <a:cs typeface="Courier New" panose="02070309020205020404" pitchFamily="49" charset="0"/>
-              </a:rPr>
-              <a:t>peraPeric</a:t>
-            </a:r>
-            <a:r>
-              <a:rPr lang="en-GB" dirty="0">
-                <a:latin typeface="Courier New" panose="02070309020205020404" pitchFamily="49" charset="0"/>
-                <a:cs typeface="Courier New" panose="02070309020205020404" pitchFamily="49" charset="0"/>
-              </a:rPr>
-              <a:t> = {</a:t>
-            </a:r>
-          </a:p>
-          <a:p>
-            <a:pPr marL="0" indent="0">
-              <a:buNone/>
-            </a:pPr>
-            <a:r>
-              <a:rPr lang="en-GB" dirty="0">
-                <a:latin typeface="Courier New" panose="02070309020205020404" pitchFamily="49" charset="0"/>
-                <a:cs typeface="Courier New" panose="02070309020205020404" pitchFamily="49" charset="0"/>
-              </a:rPr>
-              <a:t>  "</a:t>
-            </a:r>
-            <a:r>
-              <a:rPr lang="en-GB" dirty="0" err="1">
-                <a:latin typeface="Courier New" panose="02070309020205020404" pitchFamily="49" charset="0"/>
-                <a:cs typeface="Courier New" panose="02070309020205020404" pitchFamily="49" charset="0"/>
-              </a:rPr>
-              <a:t>ime</a:t>
-            </a:r>
-            <a:r>
-              <a:rPr lang="en-GB" dirty="0">
-                <a:latin typeface="Courier New" panose="02070309020205020404" pitchFamily="49" charset="0"/>
-                <a:cs typeface="Courier New" panose="02070309020205020404" pitchFamily="49" charset="0"/>
-              </a:rPr>
-              <a:t>": "</a:t>
-            </a:r>
-            <a:r>
-              <a:rPr lang="en-GB" dirty="0" err="1">
-                <a:latin typeface="Courier New" panose="02070309020205020404" pitchFamily="49" charset="0"/>
-                <a:cs typeface="Courier New" panose="02070309020205020404" pitchFamily="49" charset="0"/>
-              </a:rPr>
-              <a:t>Pera</a:t>
-            </a:r>
-            <a:r>
-              <a:rPr lang="en-GB" dirty="0">
-                <a:latin typeface="Courier New" panose="02070309020205020404" pitchFamily="49" charset="0"/>
-                <a:cs typeface="Courier New" panose="02070309020205020404" pitchFamily="49" charset="0"/>
-              </a:rPr>
-              <a:t>",</a:t>
-            </a:r>
-          </a:p>
-          <a:p>
-            <a:pPr marL="0" indent="0">
-              <a:buNone/>
-            </a:pPr>
-            <a:r>
-              <a:rPr lang="en-GB" dirty="0">
-                <a:latin typeface="Courier New" panose="02070309020205020404" pitchFamily="49" charset="0"/>
-                <a:cs typeface="Courier New" panose="02070309020205020404" pitchFamily="49" charset="0"/>
-              </a:rPr>
-              <a:t>  "</a:t>
-            </a:r>
-            <a:r>
-              <a:rPr lang="en-GB" dirty="0" err="1">
-                <a:latin typeface="Courier New" panose="02070309020205020404" pitchFamily="49" charset="0"/>
-                <a:cs typeface="Courier New" panose="02070309020205020404" pitchFamily="49" charset="0"/>
-              </a:rPr>
-              <a:t>prezime</a:t>
-            </a:r>
-            <a:r>
-              <a:rPr lang="en-GB" dirty="0">
-                <a:latin typeface="Courier New" panose="02070309020205020404" pitchFamily="49" charset="0"/>
-                <a:cs typeface="Courier New" panose="02070309020205020404" pitchFamily="49" charset="0"/>
-              </a:rPr>
-              <a:t>": "</a:t>
-            </a:r>
-            <a:r>
-              <a:rPr lang="en-GB" dirty="0" err="1">
-                <a:latin typeface="Courier New" panose="02070309020205020404" pitchFamily="49" charset="0"/>
-                <a:cs typeface="Courier New" panose="02070309020205020404" pitchFamily="49" charset="0"/>
-              </a:rPr>
-              <a:t>Peric</a:t>
-            </a:r>
-            <a:r>
-              <a:rPr lang="en-GB" dirty="0">
-                <a:latin typeface="Courier New" panose="02070309020205020404" pitchFamily="49" charset="0"/>
-                <a:cs typeface="Courier New" panose="02070309020205020404" pitchFamily="49" charset="0"/>
-              </a:rPr>
-              <a:t>",</a:t>
-            </a:r>
-          </a:p>
-          <a:p>
-            <a:pPr marL="0" indent="0">
-              <a:buNone/>
-            </a:pPr>
-            <a:r>
-              <a:rPr lang="en-GB" dirty="0">
-                <a:latin typeface="Courier New" panose="02070309020205020404" pitchFamily="49" charset="0"/>
-                <a:cs typeface="Courier New" panose="02070309020205020404" pitchFamily="49" charset="0"/>
-              </a:rPr>
-              <a:t>  "</a:t>
-            </a:r>
-            <a:r>
-              <a:rPr lang="en-GB" dirty="0" err="1">
-                <a:latin typeface="Courier New" panose="02070309020205020404" pitchFamily="49" charset="0"/>
-                <a:cs typeface="Courier New" panose="02070309020205020404" pitchFamily="49" charset="0"/>
-              </a:rPr>
-              <a:t>godina</a:t>
-            </a:r>
-            <a:r>
-              <a:rPr lang="en-GB" dirty="0">
-                <a:latin typeface="Courier New" panose="02070309020205020404" pitchFamily="49" charset="0"/>
-                <a:cs typeface="Courier New" panose="02070309020205020404" pitchFamily="49" charset="0"/>
-              </a:rPr>
-              <a:t> </a:t>
-            </a:r>
-            <a:r>
-              <a:rPr lang="en-GB" dirty="0" err="1">
-                <a:latin typeface="Courier New" panose="02070309020205020404" pitchFamily="49" charset="0"/>
-                <a:cs typeface="Courier New" panose="02070309020205020404" pitchFamily="49" charset="0"/>
-              </a:rPr>
-              <a:t>studija</a:t>
-            </a:r>
-            <a:r>
-              <a:rPr lang="en-GB" dirty="0">
-                <a:latin typeface="Courier New" panose="02070309020205020404" pitchFamily="49" charset="0"/>
-                <a:cs typeface="Courier New" panose="02070309020205020404" pitchFamily="49" charset="0"/>
-              </a:rPr>
-              <a:t>": 3,</a:t>
-            </a:r>
-          </a:p>
-          <a:p>
-            <a:pPr marL="0" indent="0">
-              <a:buNone/>
-            </a:pPr>
-            <a:r>
-              <a:rPr lang="en-GB" dirty="0">
-                <a:latin typeface="Courier New" panose="02070309020205020404" pitchFamily="49" charset="0"/>
-                <a:cs typeface="Courier New" panose="02070309020205020404" pitchFamily="49" charset="0"/>
-              </a:rPr>
-              <a:t>  "</a:t>
-            </a:r>
-            <a:r>
-              <a:rPr lang="en-GB" dirty="0" err="1">
-                <a:latin typeface="Courier New" panose="02070309020205020404" pitchFamily="49" charset="0"/>
-                <a:cs typeface="Courier New" panose="02070309020205020404" pitchFamily="49" charset="0"/>
-              </a:rPr>
-              <a:t>polozeni</a:t>
-            </a:r>
-            <a:r>
-              <a:rPr lang="en-GB" dirty="0">
-                <a:latin typeface="Courier New" panose="02070309020205020404" pitchFamily="49" charset="0"/>
-                <a:cs typeface="Courier New" panose="02070309020205020404" pitchFamily="49" charset="0"/>
-              </a:rPr>
-              <a:t> </a:t>
-            </a:r>
-            <a:r>
-              <a:rPr lang="en-GB" dirty="0" err="1">
-                <a:latin typeface="Courier New" panose="02070309020205020404" pitchFamily="49" charset="0"/>
-                <a:cs typeface="Courier New" panose="02070309020205020404" pitchFamily="49" charset="0"/>
-              </a:rPr>
-              <a:t>ispiti</a:t>
-            </a:r>
-            <a:r>
-              <a:rPr lang="en-GB" dirty="0">
-                <a:latin typeface="Courier New" panose="02070309020205020404" pitchFamily="49" charset="0"/>
-                <a:cs typeface="Courier New" panose="02070309020205020404" pitchFamily="49" charset="0"/>
-              </a:rPr>
-              <a:t>": [{</a:t>
-            </a:r>
-          </a:p>
-          <a:p>
-            <a:pPr marL="0" indent="0">
-              <a:buNone/>
-            </a:pPr>
-            <a:r>
-              <a:rPr lang="en-GB" dirty="0">
-                <a:latin typeface="Courier New" panose="02070309020205020404" pitchFamily="49" charset="0"/>
-                <a:cs typeface="Courier New" panose="02070309020205020404" pitchFamily="49" charset="0"/>
-              </a:rPr>
-              <a:t>    "</a:t>
-            </a:r>
-            <a:r>
-              <a:rPr lang="en-GB" dirty="0" err="1">
-                <a:latin typeface="Courier New" panose="02070309020205020404" pitchFamily="49" charset="0"/>
-                <a:cs typeface="Courier New" panose="02070309020205020404" pitchFamily="49" charset="0"/>
-              </a:rPr>
-              <a:t>naziv</a:t>
-            </a:r>
-            <a:r>
-              <a:rPr lang="en-GB" dirty="0">
-                <a:latin typeface="Courier New" panose="02070309020205020404" pitchFamily="49" charset="0"/>
-                <a:cs typeface="Courier New" panose="02070309020205020404" pitchFamily="49" charset="0"/>
-              </a:rPr>
-              <a:t>": "Web </a:t>
-            </a:r>
-            <a:r>
-              <a:rPr lang="en-GB" dirty="0" err="1">
-                <a:latin typeface="Courier New" panose="02070309020205020404" pitchFamily="49" charset="0"/>
-                <a:cs typeface="Courier New" panose="02070309020205020404" pitchFamily="49" charset="0"/>
-              </a:rPr>
-              <a:t>programiranje</a:t>
-            </a:r>
-            <a:r>
-              <a:rPr lang="en-GB" dirty="0">
-                <a:latin typeface="Courier New" panose="02070309020205020404" pitchFamily="49" charset="0"/>
-                <a:cs typeface="Courier New" panose="02070309020205020404" pitchFamily="49" charset="0"/>
-              </a:rPr>
-              <a:t>",</a:t>
-            </a:r>
-          </a:p>
-          <a:p>
-            <a:pPr marL="0" indent="0">
-              <a:buNone/>
-            </a:pPr>
-            <a:r>
-              <a:rPr lang="en-GB" dirty="0">
-                <a:latin typeface="Courier New" panose="02070309020205020404" pitchFamily="49" charset="0"/>
-                <a:cs typeface="Courier New" panose="02070309020205020404" pitchFamily="49" charset="0"/>
-              </a:rPr>
-              <a:t>    "</a:t>
-            </a:r>
-            <a:r>
-              <a:rPr lang="en-GB" dirty="0" err="1">
-                <a:latin typeface="Courier New" panose="02070309020205020404" pitchFamily="49" charset="0"/>
-                <a:cs typeface="Courier New" panose="02070309020205020404" pitchFamily="49" charset="0"/>
-              </a:rPr>
-              <a:t>ocena</a:t>
-            </a:r>
-            <a:r>
-              <a:rPr lang="en-GB" dirty="0">
-                <a:latin typeface="Courier New" panose="02070309020205020404" pitchFamily="49" charset="0"/>
-                <a:cs typeface="Courier New" panose="02070309020205020404" pitchFamily="49" charset="0"/>
-              </a:rPr>
-              <a:t>": 9  }, {</a:t>
-            </a:r>
-          </a:p>
-          <a:p>
-            <a:pPr marL="0" indent="0">
-              <a:buNone/>
-            </a:pPr>
-            <a:r>
-              <a:rPr lang="en-GB" dirty="0">
-                <a:latin typeface="Courier New" panose="02070309020205020404" pitchFamily="49" charset="0"/>
-                <a:cs typeface="Courier New" panose="02070309020205020404" pitchFamily="49" charset="0"/>
-              </a:rPr>
-              <a:t>    "</a:t>
-            </a:r>
-            <a:r>
-              <a:rPr lang="en-GB" dirty="0" err="1">
-                <a:latin typeface="Courier New" panose="02070309020205020404" pitchFamily="49" charset="0"/>
-                <a:cs typeface="Courier New" panose="02070309020205020404" pitchFamily="49" charset="0"/>
-              </a:rPr>
-              <a:t>naziv</a:t>
-            </a:r>
-            <a:r>
-              <a:rPr lang="en-GB" dirty="0">
-                <a:latin typeface="Courier New" panose="02070309020205020404" pitchFamily="49" charset="0"/>
-                <a:cs typeface="Courier New" panose="02070309020205020404" pitchFamily="49" charset="0"/>
-              </a:rPr>
-              <a:t>": "</a:t>
-            </a:r>
-            <a:r>
-              <a:rPr lang="en-GB" dirty="0" err="1">
-                <a:latin typeface="Courier New" panose="02070309020205020404" pitchFamily="49" charset="0"/>
-                <a:cs typeface="Courier New" panose="02070309020205020404" pitchFamily="49" charset="0"/>
-              </a:rPr>
-              <a:t>Arhitektura</a:t>
-            </a:r>
-            <a:r>
-              <a:rPr lang="en-GB" dirty="0">
-                <a:latin typeface="Courier New" panose="02070309020205020404" pitchFamily="49" charset="0"/>
-                <a:cs typeface="Courier New" panose="02070309020205020404" pitchFamily="49" charset="0"/>
-              </a:rPr>
-              <a:t> </a:t>
-            </a:r>
-            <a:r>
-              <a:rPr lang="en-GB" dirty="0" err="1">
-                <a:latin typeface="Courier New" panose="02070309020205020404" pitchFamily="49" charset="0"/>
-                <a:cs typeface="Courier New" panose="02070309020205020404" pitchFamily="49" charset="0"/>
-              </a:rPr>
-              <a:t>racunara</a:t>
-            </a:r>
-            <a:r>
-              <a:rPr lang="en-GB" dirty="0">
-                <a:latin typeface="Courier New" panose="02070309020205020404" pitchFamily="49" charset="0"/>
-                <a:cs typeface="Courier New" panose="02070309020205020404" pitchFamily="49" charset="0"/>
-              </a:rPr>
-              <a:t>",</a:t>
-            </a:r>
-          </a:p>
-          <a:p>
-            <a:pPr marL="0" indent="0">
-              <a:buNone/>
-            </a:pPr>
-            <a:r>
-              <a:rPr lang="en-GB" dirty="0">
-                <a:latin typeface="Courier New" panose="02070309020205020404" pitchFamily="49" charset="0"/>
-                <a:cs typeface="Courier New" panose="02070309020205020404" pitchFamily="49" charset="0"/>
-              </a:rPr>
-              <a:t>    "</a:t>
-            </a:r>
-            <a:r>
-              <a:rPr lang="en-GB" dirty="0" err="1">
-                <a:latin typeface="Courier New" panose="02070309020205020404" pitchFamily="49" charset="0"/>
-                <a:cs typeface="Courier New" panose="02070309020205020404" pitchFamily="49" charset="0"/>
-              </a:rPr>
-              <a:t>ocena</a:t>
-            </a:r>
-            <a:r>
-              <a:rPr lang="en-GB" dirty="0">
-                <a:latin typeface="Courier New" panose="02070309020205020404" pitchFamily="49" charset="0"/>
-                <a:cs typeface="Courier New" panose="02070309020205020404" pitchFamily="49" charset="0"/>
-              </a:rPr>
-              <a:t>": 10</a:t>
-            </a:r>
-          </a:p>
-          <a:p>
-            <a:pPr marL="0" indent="0">
-              <a:buNone/>
-            </a:pPr>
-            <a:r>
-              <a:rPr lang="en-GB" dirty="0">
-                <a:latin typeface="Courier New" panose="02070309020205020404" pitchFamily="49" charset="0"/>
-                <a:cs typeface="Courier New" panose="02070309020205020404" pitchFamily="49" charset="0"/>
-              </a:rPr>
-              <a:t>  }]};</a:t>
-            </a:r>
+              <a:rPr lang="sr-Latn-RS" dirty="0">
+                <a:cs typeface="Courier New" panose="02070309020205020404" pitchFamily="49" charset="0"/>
+              </a:rPr>
+              <a:t>Funkcijski literal može da se nađe svugde gde može da bude izraz</a:t>
+            </a:r>
+          </a:p>
+          <a:p>
+            <a:r>
+              <a:rPr lang="sr-Latn-RS" dirty="0">
+                <a:cs typeface="Courier New" panose="02070309020205020404" pitchFamily="49" charset="0"/>
+              </a:rPr>
+              <a:t>Funkcija može da se definiše unutar druge funkcije – unutrašnja funkcija</a:t>
+            </a:r>
+          </a:p>
+          <a:p>
+            <a:pPr lvl="1"/>
+            <a:r>
+              <a:rPr lang="sr-Latn-RS" dirty="0">
+                <a:cs typeface="Courier New" panose="02070309020205020404" pitchFamily="49" charset="0"/>
+              </a:rPr>
+              <a:t>Unutrašnja funkcija ima </a:t>
+            </a:r>
+            <a:r>
+              <a:rPr lang="sr-Latn-RS" dirty="0" smtClean="0">
+                <a:cs typeface="Courier New" panose="02070309020205020404" pitchFamily="49" charset="0"/>
+              </a:rPr>
+              <a:t>pristup:</a:t>
+            </a:r>
+            <a:endParaRPr lang="sr-Latn-RS" dirty="0">
+              <a:cs typeface="Courier New" panose="02070309020205020404" pitchFamily="49" charset="0"/>
+            </a:endParaRPr>
+          </a:p>
+          <a:p>
+            <a:pPr lvl="2"/>
+            <a:r>
+              <a:rPr lang="sr-Latn-RS" dirty="0">
+                <a:cs typeface="Courier New" panose="02070309020205020404" pitchFamily="49" charset="0"/>
+              </a:rPr>
+              <a:t>Svojim parametrima i varijablama</a:t>
+            </a:r>
+          </a:p>
+          <a:p>
+            <a:pPr lvl="2"/>
+            <a:r>
+              <a:rPr lang="sr-Latn-RS" dirty="0">
+                <a:cs typeface="Courier New" panose="02070309020205020404" pitchFamily="49" charset="0"/>
+              </a:rPr>
+              <a:t>Parametrima i varijablama svoje spoljašnje funkcije, čak i kada je spoljašnja funkcija prestala sa izvršavanjem</a:t>
+            </a:r>
+          </a:p>
+          <a:p>
+            <a:pPr lvl="2"/>
+            <a:r>
+              <a:rPr lang="sr-Latn-RS" dirty="0">
+                <a:cs typeface="Courier New" panose="02070309020205020404" pitchFamily="49" charset="0"/>
+              </a:rPr>
+              <a:t>Zatvaranje (closure) - </a:t>
+            </a:r>
+            <a:r>
+              <a:rPr lang="sr-Latn-RS" b="1" dirty="0">
+                <a:cs typeface="Courier New" panose="02070309020205020404" pitchFamily="49" charset="0"/>
+              </a:rPr>
+              <a:t>Funkcijski objekat kreiran u funkcijskom literalu može ima pristup svom spoljašnjem </a:t>
+            </a:r>
+            <a:r>
+              <a:rPr lang="sr-Latn-RS" b="1" dirty="0" smtClean="0">
+                <a:cs typeface="Courier New" panose="02070309020205020404" pitchFamily="49" charset="0"/>
+              </a:rPr>
+              <a:t>kontekstu</a:t>
+            </a:r>
+          </a:p>
+          <a:p>
+            <a:pPr lvl="2"/>
+            <a:r>
+              <a:rPr lang="sr-Latn-RS" dirty="0" smtClean="0">
+                <a:cs typeface="Courier New" panose="02070309020205020404" pitchFamily="49" charset="0"/>
+              </a:rPr>
+              <a:t>Veoma moćan alat u </a:t>
+            </a:r>
+            <a:r>
+              <a:rPr lang="sr-Latn-RS" dirty="0" smtClean="0">
+                <a:cs typeface="Courier New" panose="02070309020205020404" pitchFamily="49" charset="0"/>
+              </a:rPr>
+              <a:t>JavaScript-u</a:t>
+            </a:r>
+          </a:p>
+          <a:p>
+            <a:r>
+              <a:rPr lang="sr-Latn-RS" dirty="0" smtClean="0">
+                <a:cs typeface="Courier New" panose="02070309020205020404" pitchFamily="49" charset="0"/>
+              </a:rPr>
+              <a:t>Više o ovome kasnije</a:t>
+            </a:r>
+            <a:endParaRPr lang="sr-Latn-RS" dirty="0">
+              <a:cs typeface="Courier New" panose="02070309020205020404" pitchFamily="49" charset="0"/>
+            </a:endParaRPr>
           </a:p>
         </p:txBody>
       </p:sp>
@@ -5247,7 +10105,7 @@
           <a:p>
             <a:r>
               <a:rPr lang="sr-Latn-RS" dirty="0" smtClean="0"/>
-              <a:t>Pristup vrednostima svojstava</a:t>
+              <a:t>Pozivi funkcija</a:t>
             </a:r>
             <a:endParaRPr lang="en-GB" dirty="0"/>
           </a:p>
@@ -5271,133 +10129,54 @@
           <a:lstStyle/>
           <a:p>
             <a:r>
-              <a:rPr lang="sr-Latn-RS" dirty="0" smtClean="0"/>
-              <a:t>[] - notacija</a:t>
-            </a:r>
-          </a:p>
-          <a:p>
-            <a:r>
-              <a:rPr lang="sr-Latn-RS" dirty="0" smtClean="0"/>
-              <a:t>. – notacija</a:t>
-            </a:r>
-          </a:p>
-          <a:p>
-            <a:pPr marL="0" indent="0">
-              <a:buNone/>
-            </a:pPr>
-            <a:r>
               <a:rPr lang="sr-Latn-RS" dirty="0" smtClean="0">
-                <a:latin typeface="Courier New" panose="02070309020205020404" pitchFamily="49" charset="0"/>
-                <a:cs typeface="Courier New" panose="02070309020205020404" pitchFamily="49" charset="0"/>
-              </a:rPr>
-              <a:t>&gt;&gt;&gt;</a:t>
-            </a:r>
-            <a:r>
-              <a:rPr lang="en-GB" dirty="0" err="1" smtClean="0">
-                <a:latin typeface="Courier New" panose="02070309020205020404" pitchFamily="49" charset="0"/>
-                <a:cs typeface="Courier New" panose="02070309020205020404" pitchFamily="49" charset="0"/>
-              </a:rPr>
-              <a:t>peraPeric.ime</a:t>
-            </a:r>
+                <a:cs typeface="Courier New" panose="02070309020205020404" pitchFamily="49" charset="0"/>
+              </a:rPr>
+              <a:t>Prilikom poziva funkcije prosleđuju se argumenti</a:t>
+            </a:r>
+          </a:p>
+          <a:p>
+            <a:r>
+              <a:rPr lang="sr-Latn-RS" dirty="0" smtClean="0">
+                <a:cs typeface="Courier New" panose="02070309020205020404" pitchFamily="49" charset="0"/>
+              </a:rPr>
+              <a:t>Ukoliko se broj argumenata i parametara funkcije ne poklopi ne izaziva se izuzetak</a:t>
+            </a:r>
+          </a:p>
+          <a:p>
+            <a:pPr lvl="1"/>
+            <a:r>
+              <a:rPr lang="sr-Latn-RS" dirty="0" smtClean="0">
+                <a:cs typeface="Courier New" panose="02070309020205020404" pitchFamily="49" charset="0"/>
+              </a:rPr>
+              <a:t>Ukoliko ima više argumenata nego parametara, „višak“ argumenata se ignoriše u funkciji</a:t>
+            </a:r>
+          </a:p>
+          <a:p>
+            <a:pPr lvl="1"/>
+            <a:r>
+              <a:rPr lang="sr-Latn-RS" dirty="0" smtClean="0">
+                <a:cs typeface="Courier New" panose="02070309020205020404" pitchFamily="49" charset="0"/>
+              </a:rPr>
+              <a:t>Ukoliko ima manje argumenata nego parametara, parametri bez prosleđenih argumenata se inicijalizuju na </a:t>
+            </a:r>
+            <a:r>
+              <a:rPr lang="sr-Latn-RS" dirty="0" smtClean="0">
+                <a:latin typeface="Courier New" panose="02070309020205020404" pitchFamily="49" charset="0"/>
+                <a:cs typeface="Courier New" panose="02070309020205020404" pitchFamily="49" charset="0"/>
+              </a:rPr>
+              <a:t>undefined</a:t>
+            </a:r>
+          </a:p>
+          <a:p>
+            <a:pPr lvl="1"/>
             <a:endParaRPr lang="sr-Latn-RS" dirty="0" smtClean="0">
-              <a:latin typeface="Courier New" panose="02070309020205020404" pitchFamily="49" charset="0"/>
               <a:cs typeface="Courier New" panose="02070309020205020404" pitchFamily="49" charset="0"/>
             </a:endParaRPr>
           </a:p>
           <a:p>
-            <a:pPr marL="0" indent="0">
-              <a:buNone/>
-            </a:pPr>
-            <a:r>
-              <a:rPr lang="en-GB" dirty="0" smtClean="0">
-                <a:latin typeface="Courier New" panose="02070309020205020404" pitchFamily="49" charset="0"/>
-                <a:cs typeface="Courier New" panose="02070309020205020404" pitchFamily="49" charset="0"/>
-              </a:rPr>
-              <a:t>"</a:t>
-            </a:r>
-            <a:r>
-              <a:rPr lang="en-GB" dirty="0" err="1" smtClean="0">
-                <a:latin typeface="Courier New" panose="02070309020205020404" pitchFamily="49" charset="0"/>
-                <a:cs typeface="Courier New" panose="02070309020205020404" pitchFamily="49" charset="0"/>
-              </a:rPr>
-              <a:t>Pera</a:t>
-            </a:r>
-            <a:r>
-              <a:rPr lang="en-GB" dirty="0" smtClean="0">
-                <a:latin typeface="Courier New" panose="02070309020205020404" pitchFamily="49" charset="0"/>
-                <a:cs typeface="Courier New" panose="02070309020205020404" pitchFamily="49" charset="0"/>
-              </a:rPr>
-              <a:t>"</a:t>
-            </a:r>
+            <a:pPr lvl="1"/>
             <a:endParaRPr lang="sr-Latn-RS" dirty="0" smtClean="0">
-              <a:latin typeface="Courier New" panose="02070309020205020404" pitchFamily="49" charset="0"/>
-              <a:cs typeface="Courier New" panose="02070309020205020404" pitchFamily="49" charset="0"/>
-            </a:endParaRPr>
-          </a:p>
-          <a:p>
-            <a:pPr marL="0" indent="0">
-              <a:buNone/>
-            </a:pPr>
-            <a:r>
-              <a:rPr lang="sr-Latn-RS" dirty="0" smtClean="0">
-                <a:latin typeface="Courier New" panose="02070309020205020404" pitchFamily="49" charset="0"/>
-                <a:cs typeface="Courier New" panose="02070309020205020404" pitchFamily="49" charset="0"/>
-              </a:rPr>
-              <a:t>&gt;&gt;&gt;</a:t>
-            </a:r>
-            <a:r>
-              <a:rPr lang="it-IT" dirty="0" smtClean="0">
-                <a:latin typeface="Courier New" panose="02070309020205020404" pitchFamily="49" charset="0"/>
-                <a:cs typeface="Courier New" panose="02070309020205020404" pitchFamily="49" charset="0"/>
-              </a:rPr>
-              <a:t>peraPeric</a:t>
-            </a:r>
-            <a:r>
-              <a:rPr lang="it-IT" dirty="0">
-                <a:latin typeface="Courier New" panose="02070309020205020404" pitchFamily="49" charset="0"/>
-                <a:cs typeface="Courier New" panose="02070309020205020404" pitchFamily="49" charset="0"/>
-              </a:rPr>
-              <a:t>["polozeni ispiti"][0].</a:t>
-            </a:r>
-            <a:r>
-              <a:rPr lang="it-IT" dirty="0" smtClean="0">
-                <a:latin typeface="Courier New" panose="02070309020205020404" pitchFamily="49" charset="0"/>
-                <a:cs typeface="Courier New" panose="02070309020205020404" pitchFamily="49" charset="0"/>
-              </a:rPr>
-              <a:t>naziv</a:t>
-            </a:r>
-            <a:endParaRPr lang="sr-Latn-RS" dirty="0" smtClean="0">
-              <a:latin typeface="Courier New" panose="02070309020205020404" pitchFamily="49" charset="0"/>
-              <a:cs typeface="Courier New" panose="02070309020205020404" pitchFamily="49" charset="0"/>
-            </a:endParaRPr>
-          </a:p>
-          <a:p>
-            <a:pPr marL="0" indent="0">
-              <a:buNone/>
-            </a:pPr>
-            <a:r>
-              <a:rPr lang="it-IT" dirty="0" smtClean="0">
-                <a:latin typeface="Courier New" panose="02070309020205020404" pitchFamily="49" charset="0"/>
-                <a:cs typeface="Courier New" panose="02070309020205020404" pitchFamily="49" charset="0"/>
-              </a:rPr>
-              <a:t>"</a:t>
-            </a:r>
-            <a:r>
-              <a:rPr lang="it-IT" dirty="0">
-                <a:latin typeface="Courier New" panose="02070309020205020404" pitchFamily="49" charset="0"/>
-                <a:cs typeface="Courier New" panose="02070309020205020404" pitchFamily="49" charset="0"/>
-              </a:rPr>
-              <a:t>Web </a:t>
-            </a:r>
-            <a:r>
-              <a:rPr lang="it-IT" dirty="0" smtClean="0">
-                <a:latin typeface="Courier New" panose="02070309020205020404" pitchFamily="49" charset="0"/>
-                <a:cs typeface="Courier New" panose="02070309020205020404" pitchFamily="49" charset="0"/>
-              </a:rPr>
-              <a:t>programiranje"</a:t>
-            </a:r>
-            <a:endParaRPr lang="sr-Latn-RS" dirty="0" smtClean="0">
-              <a:latin typeface="Courier New" panose="02070309020205020404" pitchFamily="49" charset="0"/>
               <a:cs typeface="Courier New" panose="02070309020205020404" pitchFamily="49" charset="0"/>
             </a:endParaRPr>
           </a:p>
@@ -5406,7 +10185,7 @@
     </p:spTree>
     <p:extLst>
       <p:ext uri="{BB962C8B-B14F-4D97-AF65-F5344CB8AC3E}">
-        <p14:creationId xmlns:p14="http://schemas.microsoft.com/office/powerpoint/2010/main" val="4007200873"/>
+        <p14:creationId xmlns:p14="http://schemas.microsoft.com/office/powerpoint/2010/main" val="1633573295"/>
       </p:ext>
     </p:extLst>
   </p:cSld>
@@ -5456,8 +10235,8 @@
           <a:lstStyle/>
           <a:p>
             <a:r>
-              <a:rPr lang="sr-Latn-RS" dirty="0"/>
-              <a:t>Pristup vrednostima svojstava</a:t>
+              <a:rPr lang="sr-Latn-RS" dirty="0" smtClean="0"/>
+              <a:t>Pozivi funkcija</a:t>
             </a:r>
             <a:endParaRPr lang="en-GB" dirty="0"/>
           </a:p>
@@ -5480,145 +10259,136 @@
           </a:bodyPr>
           <a:lstStyle/>
           <a:p>
-            <a:pPr marL="0" indent="0">
-              <a:buNone/>
-            </a:pPr>
+            <a:r>
+              <a:rPr lang="sr-Latn-RS" dirty="0" smtClean="0">
+                <a:cs typeface="Courier New" panose="02070309020205020404" pitchFamily="49" charset="0"/>
+              </a:rPr>
+              <a:t>Prilikom poziva funkcije, pored prosleđenih parametara, funkcija dobija i dva dodatna</a:t>
+            </a:r>
+          </a:p>
+          <a:p>
+            <a:pPr lvl="1"/>
             <a:r>
               <a:rPr lang="sr-Latn-RS" dirty="0">
                 <a:latin typeface="Courier New" panose="02070309020205020404" pitchFamily="49" charset="0"/>
                 <a:cs typeface="Courier New" panose="02070309020205020404" pitchFamily="49" charset="0"/>
               </a:rPr>
-              <a:t>&gt;&gt;&gt;peraPeric.brojIndeksa</a:t>
-            </a:r>
-          </a:p>
-          <a:p>
-            <a:pPr marL="0" indent="0">
-              <a:buNone/>
-            </a:pPr>
-            <a:r>
-              <a:rPr lang="sr-Latn-RS" dirty="0">
-                <a:latin typeface="Courier New" panose="02070309020205020404" pitchFamily="49" charset="0"/>
-                <a:cs typeface="Courier New" panose="02070309020205020404" pitchFamily="49" charset="0"/>
-              </a:rPr>
-              <a:t>undefined</a:t>
-            </a:r>
-          </a:p>
-          <a:p>
-            <a:pPr marL="0" indent="0">
-              <a:buNone/>
-            </a:pPr>
-            <a:r>
-              <a:rPr lang="sr-Latn-RS" dirty="0">
-                <a:cs typeface="Courier New" panose="02070309020205020404" pitchFamily="49" charset="0"/>
-              </a:rPr>
-              <a:t>Ukoliko pokušamo da pristupimo vrednosti za koju nije definisan atribut, dobijam undefined</a:t>
-            </a:r>
-            <a:endParaRPr lang="en-GB" dirty="0">
+              <a:t>a</a:t>
+            </a:r>
+            <a:r>
+              <a:rPr lang="sr-Latn-RS" dirty="0" smtClean="0">
+                <a:latin typeface="Courier New" panose="02070309020205020404" pitchFamily="49" charset="0"/>
+                <a:cs typeface="Courier New" panose="02070309020205020404" pitchFamily="49" charset="0"/>
+              </a:rPr>
+              <a:t>rguments</a:t>
+            </a:r>
+          </a:p>
+          <a:p>
+            <a:pPr lvl="1"/>
+            <a:r>
+              <a:rPr lang="sr-Latn-RS" dirty="0" smtClean="0">
+                <a:latin typeface="Courier New" panose="02070309020205020404" pitchFamily="49" charset="0"/>
+                <a:cs typeface="Courier New" panose="02070309020205020404" pitchFamily="49" charset="0"/>
+              </a:rPr>
+              <a:t>this</a:t>
+            </a:r>
+          </a:p>
+          <a:p>
+            <a:r>
+              <a:rPr lang="sr-Latn-RS" dirty="0" smtClean="0">
+                <a:cs typeface="Courier New" panose="02070309020205020404" pitchFamily="49" charset="0"/>
+              </a:rPr>
+              <a:t>Vrednost parametra </a:t>
+            </a:r>
+            <a:r>
+              <a:rPr lang="sr-Latn-RS" dirty="0" smtClean="0">
+                <a:latin typeface="Courier New" panose="02070309020205020404" pitchFamily="49" charset="0"/>
+                <a:cs typeface="Courier New" panose="02070309020205020404" pitchFamily="49" charset="0"/>
+              </a:rPr>
+              <a:t>this</a:t>
+            </a:r>
+            <a:r>
+              <a:rPr lang="sr-Latn-RS" dirty="0" smtClean="0">
+                <a:cs typeface="Courier New" panose="02070309020205020404" pitchFamily="49" charset="0"/>
+              </a:rPr>
+              <a:t> zavisi od paterna poziva funkcije</a:t>
+            </a:r>
+          </a:p>
+          <a:p>
+            <a:r>
+              <a:rPr lang="sr-Latn-RS" dirty="0" smtClean="0">
+                <a:cs typeface="Courier New" panose="02070309020205020404" pitchFamily="49" charset="0"/>
+              </a:rPr>
+              <a:t>Funkcija može da se pozove kao:</a:t>
+            </a:r>
+          </a:p>
+          <a:p>
+            <a:pPr lvl="1"/>
+            <a:r>
+              <a:rPr lang="sr-Latn-RS" dirty="0" smtClean="0">
+                <a:cs typeface="Courier New" panose="02070309020205020404" pitchFamily="49" charset="0"/>
+              </a:rPr>
+              <a:t>Metoda</a:t>
+            </a:r>
+          </a:p>
+          <a:p>
+            <a:pPr lvl="1"/>
+            <a:r>
+              <a:rPr lang="sr-Latn-RS" dirty="0" smtClean="0">
+                <a:cs typeface="Courier New" panose="02070309020205020404" pitchFamily="49" charset="0"/>
+              </a:rPr>
+              <a:t>Funkcija</a:t>
+            </a:r>
+          </a:p>
+          <a:p>
+            <a:pPr lvl="1"/>
+            <a:r>
+              <a:rPr lang="sr-Latn-RS" dirty="0" smtClean="0">
+                <a:cs typeface="Courier New" panose="02070309020205020404" pitchFamily="49" charset="0"/>
+              </a:rPr>
+              <a:t>Konstruktor</a:t>
+            </a:r>
+          </a:p>
+          <a:p>
+            <a:pPr lvl="1"/>
+            <a:r>
+              <a:rPr lang="sr-Latn-RS" dirty="0" smtClean="0">
+                <a:cs typeface="Courier New" panose="02070309020205020404" pitchFamily="49" charset="0"/>
+              </a:rPr>
+              <a:t>Pomoću </a:t>
+            </a:r>
+            <a:r>
+              <a:rPr lang="sr-Latn-RS" dirty="0" smtClean="0">
+                <a:latin typeface="Courier New" panose="02070309020205020404" pitchFamily="49" charset="0"/>
+                <a:cs typeface="Courier New" panose="02070309020205020404" pitchFamily="49" charset="0"/>
+              </a:rPr>
+              <a:t>apply</a:t>
+            </a:r>
+            <a:r>
+              <a:rPr lang="sr-Latn-RS" dirty="0" smtClean="0">
+                <a:cs typeface="Courier New" panose="02070309020205020404" pitchFamily="49" charset="0"/>
+              </a:rPr>
+              <a:t> funkcije</a:t>
+            </a:r>
+          </a:p>
+          <a:p>
+            <a:pPr lvl="1"/>
+            <a:endParaRPr lang="sr-Latn-RS" dirty="0" smtClean="0">
               <a:cs typeface="Courier New" panose="02070309020205020404" pitchFamily="49" charset="0"/>
             </a:endParaRPr>
           </a:p>
           <a:p>
-            <a:pPr marL="0" indent="0">
-              <a:buNone/>
-            </a:pPr>
-            <a:r>
-              <a:rPr lang="sr-Latn-RS" dirty="0" smtClean="0">
-                <a:latin typeface="Courier New" panose="02070309020205020404" pitchFamily="49" charset="0"/>
-                <a:cs typeface="Courier New" panose="02070309020205020404" pitchFamily="49" charset="0"/>
-              </a:rPr>
-              <a:t>&gt;&gt;&gt;</a:t>
-            </a:r>
-            <a:r>
-              <a:rPr lang="en-GB" dirty="0" err="1" smtClean="0">
-                <a:latin typeface="Courier New" panose="02070309020205020404" pitchFamily="49" charset="0"/>
-                <a:cs typeface="Courier New" panose="02070309020205020404" pitchFamily="49" charset="0"/>
-              </a:rPr>
-              <a:t>peraPeric.brojIndeksa.master</a:t>
-            </a:r>
+            <a:pPr lvl="1"/>
             <a:endParaRPr lang="sr-Latn-RS" dirty="0" smtClean="0">
-              <a:latin typeface="Courier New" panose="02070309020205020404" pitchFamily="49" charset="0"/>
               <a:cs typeface="Courier New" panose="02070309020205020404" pitchFamily="49" charset="0"/>
             </a:endParaRPr>
-          </a:p>
-          <a:p>
-            <a:pPr marL="0" indent="0">
-              <a:buNone/>
-            </a:pPr>
-            <a:r>
-              <a:rPr lang="en-GB" dirty="0" smtClean="0">
-                <a:latin typeface="Courier New" panose="02070309020205020404" pitchFamily="49" charset="0"/>
-                <a:cs typeface="Courier New" panose="02070309020205020404" pitchFamily="49" charset="0"/>
-              </a:rPr>
-              <a:t>VM324:2 </a:t>
-            </a:r>
-            <a:r>
-              <a:rPr lang="en-GB" dirty="0">
-                <a:latin typeface="Courier New" panose="02070309020205020404" pitchFamily="49" charset="0"/>
-                <a:cs typeface="Courier New" panose="02070309020205020404" pitchFamily="49" charset="0"/>
-              </a:rPr>
-              <a:t>Uncaught </a:t>
-            </a:r>
-            <a:r>
-              <a:rPr lang="en-GB" dirty="0" err="1">
-                <a:latin typeface="Courier New" panose="02070309020205020404" pitchFamily="49" charset="0"/>
-                <a:cs typeface="Courier New" panose="02070309020205020404" pitchFamily="49" charset="0"/>
-              </a:rPr>
-              <a:t>TypeError</a:t>
-            </a:r>
-            <a:r>
-              <a:rPr lang="en-GB" dirty="0">
-                <a:latin typeface="Courier New" panose="02070309020205020404" pitchFamily="49" charset="0"/>
-                <a:cs typeface="Courier New" panose="02070309020205020404" pitchFamily="49" charset="0"/>
-              </a:rPr>
-              <a:t>: Cannot read property 'master' of undefined</a:t>
-            </a:r>
-            <a:r>
-              <a:rPr lang="en-GB" dirty="0" smtClean="0">
-                <a:latin typeface="Courier New" panose="02070309020205020404" pitchFamily="49" charset="0"/>
-                <a:cs typeface="Courier New" panose="02070309020205020404" pitchFamily="49" charset="0"/>
-              </a:rPr>
-              <a:t>(…)</a:t>
-            </a:r>
-            <a:endParaRPr lang="sr-Latn-RS" dirty="0" smtClean="0">
-              <a:latin typeface="Courier New" panose="02070309020205020404" pitchFamily="49" charset="0"/>
-              <a:cs typeface="Courier New" panose="02070309020205020404" pitchFamily="49" charset="0"/>
-            </a:endParaRPr>
-          </a:p>
-          <a:p>
-            <a:pPr marL="0" indent="0">
-              <a:buNone/>
-            </a:pPr>
-            <a:r>
-              <a:rPr lang="sr-Latn-RS" dirty="0" smtClean="0">
-                <a:cs typeface="Courier New" panose="02070309020205020404" pitchFamily="49" charset="0"/>
-              </a:rPr>
-              <a:t>Ukoliko </a:t>
-            </a:r>
-            <a:r>
-              <a:rPr lang="sr-Latn-RS" dirty="0">
-                <a:cs typeface="Courier New" panose="02070309020205020404" pitchFamily="49" charset="0"/>
-              </a:rPr>
-              <a:t>pokušamo da pristupimo </a:t>
-            </a:r>
-            <a:r>
-              <a:rPr lang="sr-Latn-RS" dirty="0" smtClean="0">
-                <a:cs typeface="Courier New" panose="02070309020205020404" pitchFamily="49" charset="0"/>
-              </a:rPr>
-              <a:t>atributu undefined, izaziva se TypeError izuzetak</a:t>
-            </a:r>
-            <a:endParaRPr lang="en-GB" dirty="0">
-              <a:cs typeface="Courier New" panose="02070309020205020404" pitchFamily="49" charset="0"/>
-            </a:endParaRPr>
-          </a:p>
-          <a:p>
-            <a:endParaRPr lang="en-GB" dirty="0"/>
           </a:p>
         </p:txBody>
       </p:sp>
     </p:spTree>
     <p:extLst>
       <p:ext uri="{BB962C8B-B14F-4D97-AF65-F5344CB8AC3E}">
-        <p14:creationId xmlns:p14="http://schemas.microsoft.com/office/powerpoint/2010/main" val="652773718"/>
+        <p14:creationId xmlns:p14="http://schemas.microsoft.com/office/powerpoint/2010/main" val="4007200873"/>
       </p:ext>
     </p:extLst>
   </p:cSld>
@@ -5664,61 +10434,47 @@
         </p:nvSpPr>
         <p:spPr/>
         <p:txBody>
+          <a:bodyPr/>
+          <a:lstStyle/>
+          <a:p>
+            <a:r>
+              <a:rPr lang="sr-Latn-RS" dirty="0" smtClean="0"/>
+              <a:t>Metode</a:t>
+            </a:r>
+            <a:endParaRPr lang="en-GB" dirty="0"/>
+          </a:p>
+        </p:txBody>
+      </p:sp>
+      <p:sp>
+        <p:nvSpPr>
+          <p:cNvPr id="3" name="Content Placeholder 2"/>
+          <p:cNvSpPr>
+            <a:spLocks noGrp="1"/>
+          </p:cNvSpPr>
+          <p:nvPr>
+            <p:ph idx="1"/>
+          </p:nvPr>
+        </p:nvSpPr>
+        <p:spPr/>
+        <p:txBody>
           <a:bodyPr>
-            <a:normAutofit/>
+            <a:normAutofit fontScale="85000" lnSpcReduction="10000"/>
           </a:bodyPr>
           <a:lstStyle/>
           <a:p>
             <a:r>
               <a:rPr lang="sr-Latn-RS" dirty="0" smtClean="0"/>
-              <a:t>Izmena vrednosti svojstava</a:t>
-            </a:r>
-            <a:endParaRPr lang="en-GB" dirty="0"/>
-          </a:p>
-        </p:txBody>
-      </p:sp>
-      <p:sp>
-        <p:nvSpPr>
-          <p:cNvPr id="3" name="Content Placeholder 2"/>
-          <p:cNvSpPr>
-            <a:spLocks noGrp="1"/>
-          </p:cNvSpPr>
-          <p:nvPr>
-            <p:ph idx="1"/>
-          </p:nvPr>
-        </p:nvSpPr>
-        <p:spPr/>
-        <p:txBody>
-          <a:bodyPr/>
-          <a:lstStyle/>
+              <a:t>Funkcije koje su vrednosti svojstava objekata</a:t>
+            </a:r>
+          </a:p>
           <a:p>
             <a:r>
               <a:rPr lang="sr-Latn-RS" dirty="0" smtClean="0"/>
-              <a:t>Dodela vrednosti svojstvu</a:t>
-            </a:r>
-          </a:p>
-          <a:p>
-            <a:pPr lvl="1"/>
-            <a:r>
-              <a:rPr lang="sr-Latn-RS" dirty="0" smtClean="0"/>
-              <a:t>Ukoliko svojstvo ne postoji, dodaće se</a:t>
-            </a:r>
-          </a:p>
-          <a:p>
-            <a:pPr lvl="1"/>
-            <a:r>
-              <a:rPr lang="sr-Latn-RS" dirty="0" smtClean="0"/>
-              <a:t>Ukoliko svojstvo postoji, postaviće se nova vrednost</a:t>
-            </a:r>
-          </a:p>
-          <a:p>
-            <a:pPr marL="457200" lvl="1" indent="0">
-              <a:buNone/>
-            </a:pPr>
-            <a:endParaRPr lang="sr-Latn-RS" dirty="0" smtClean="0"/>
-          </a:p>
-          <a:p>
-            <a:pPr marL="0" indent="0">
+              <a:t>Prilikom poziva funkcije vrednost parametra this je objekat nad kojim je funkcija pozvana</a:t>
+            </a:r>
+          </a:p>
+          <a:p>
+            <a:pPr marL="800100" lvl="2" indent="0">
               <a:buNone/>
             </a:pPr>
             <a:r>
@@ -5726,50 +10482,266 @@
                 <a:latin typeface="Courier New" panose="02070309020205020404" pitchFamily="49" charset="0"/>
                 <a:cs typeface="Courier New" panose="02070309020205020404" pitchFamily="49" charset="0"/>
               </a:rPr>
-              <a:t>peraPeric</a:t>
-            </a:r>
-            <a:r>
-              <a:rPr lang="en-GB" dirty="0">
-                <a:latin typeface="Courier New" panose="02070309020205020404" pitchFamily="49" charset="0"/>
-                <a:cs typeface="Courier New" panose="02070309020205020404" pitchFamily="49" charset="0"/>
-              </a:rPr>
-              <a:t>["</a:t>
+              <a:t>var</a:t>
+            </a:r>
+            <a:r>
+              <a:rPr lang="en-GB" dirty="0">
+                <a:latin typeface="Courier New" panose="02070309020205020404" pitchFamily="49" charset="0"/>
+                <a:cs typeface="Courier New" panose="02070309020205020404" pitchFamily="49" charset="0"/>
+              </a:rPr>
+              <a:t> </a:t>
             </a:r>
             <a:r>
               <a:rPr lang="en-GB" dirty="0" err="1">
                 <a:latin typeface="Courier New" panose="02070309020205020404" pitchFamily="49" charset="0"/>
                 <a:cs typeface="Courier New" panose="02070309020205020404" pitchFamily="49" charset="0"/>
               </a:rPr>
-              <a:t>godina</a:t>
-            </a:r>
-            <a:r>
-              <a:rPr lang="en-GB" dirty="0">
+              <a:t>myObject</a:t>
+            </a:r>
+            <a:r>
+              <a:rPr lang="en-GB" dirty="0">
+                <a:latin typeface="Courier New" panose="02070309020205020404" pitchFamily="49" charset="0"/>
+                <a:cs typeface="Courier New" panose="02070309020205020404" pitchFamily="49" charset="0"/>
+              </a:rPr>
+              <a:t> = {</a:t>
+            </a:r>
+          </a:p>
+          <a:p>
+            <a:pPr marL="800100" lvl="2" indent="0">
+              <a:buNone/>
+            </a:pPr>
+            <a:r>
+              <a:rPr lang="sr-Latn-RS" dirty="0" smtClean="0">
+                <a:latin typeface="Courier New" panose="02070309020205020404" pitchFamily="49" charset="0"/>
+                <a:cs typeface="Courier New" panose="02070309020205020404" pitchFamily="49" charset="0"/>
+              </a:rPr>
+              <a:t>  </a:t>
+            </a:r>
+            <a:r>
+              <a:rPr lang="en-GB" dirty="0" smtClean="0">
+                <a:latin typeface="Courier New" panose="02070309020205020404" pitchFamily="49" charset="0"/>
+                <a:cs typeface="Courier New" panose="02070309020205020404" pitchFamily="49" charset="0"/>
+              </a:rPr>
+              <a:t>value</a:t>
+            </a:r>
+            <a:r>
+              <a:rPr lang="en-GB" dirty="0">
+                <a:latin typeface="Courier New" panose="02070309020205020404" pitchFamily="49" charset="0"/>
+                <a:cs typeface="Courier New" panose="02070309020205020404" pitchFamily="49" charset="0"/>
+              </a:rPr>
+              <a:t>: 0,</a:t>
+            </a:r>
+          </a:p>
+          <a:p>
+            <a:pPr marL="800100" lvl="2" indent="0">
+              <a:buNone/>
+            </a:pPr>
+            <a:r>
+              <a:rPr lang="sr-Latn-RS" dirty="0" smtClean="0">
+                <a:latin typeface="Courier New" panose="02070309020205020404" pitchFamily="49" charset="0"/>
+                <a:cs typeface="Courier New" panose="02070309020205020404" pitchFamily="49" charset="0"/>
+              </a:rPr>
+              <a:t>  </a:t>
+            </a:r>
+            <a:r>
+              <a:rPr lang="en-GB" dirty="0" smtClean="0">
+                <a:latin typeface="Courier New" panose="02070309020205020404" pitchFamily="49" charset="0"/>
+                <a:cs typeface="Courier New" panose="02070309020205020404" pitchFamily="49" charset="0"/>
+              </a:rPr>
+              <a:t>increment</a:t>
+            </a:r>
+            <a:r>
+              <a:rPr lang="en-GB" dirty="0">
+                <a:latin typeface="Courier New" panose="02070309020205020404" pitchFamily="49" charset="0"/>
+                <a:cs typeface="Courier New" panose="02070309020205020404" pitchFamily="49" charset="0"/>
+              </a:rPr>
+              <a:t>: function </a:t>
+            </a:r>
+            <a:r>
+              <a:rPr lang="en-GB" dirty="0" smtClean="0">
+                <a:latin typeface="Courier New" panose="02070309020205020404" pitchFamily="49" charset="0"/>
+                <a:cs typeface="Courier New" panose="02070309020205020404" pitchFamily="49" charset="0"/>
+              </a:rPr>
+              <a:t>() </a:t>
+            </a:r>
+            <a:r>
+              <a:rPr lang="en-GB" dirty="0">
+                <a:latin typeface="Courier New" panose="02070309020205020404" pitchFamily="49" charset="0"/>
+                <a:cs typeface="Courier New" panose="02070309020205020404" pitchFamily="49" charset="0"/>
+              </a:rPr>
+              <a:t>{</a:t>
+            </a:r>
+          </a:p>
+          <a:p>
+            <a:pPr marL="800100" lvl="2" indent="0">
+              <a:buNone/>
+            </a:pPr>
+            <a:r>
+              <a:rPr lang="sr-Latn-RS" dirty="0" smtClean="0">
+                <a:latin typeface="Courier New" panose="02070309020205020404" pitchFamily="49" charset="0"/>
+                <a:cs typeface="Courier New" panose="02070309020205020404" pitchFamily="49" charset="0"/>
+              </a:rPr>
+              <a:t>    </a:t>
+            </a:r>
+            <a:r>
+              <a:rPr lang="en-GB" dirty="0" err="1" smtClean="0">
+                <a:latin typeface="Courier New" panose="02070309020205020404" pitchFamily="49" charset="0"/>
+                <a:cs typeface="Courier New" panose="02070309020205020404" pitchFamily="49" charset="0"/>
+              </a:rPr>
+              <a:t>this.value</a:t>
+            </a:r>
+            <a:r>
+              <a:rPr lang="en-GB" dirty="0" smtClean="0">
                 <a:latin typeface="Courier New" panose="02070309020205020404" pitchFamily="49" charset="0"/>
                 <a:cs typeface="Courier New" panose="02070309020205020404" pitchFamily="49" charset="0"/>
               </a:rPr>
               <a:t> </a:t>
             </a:r>
             <a:r>
+              <a:rPr lang="en-GB" dirty="0">
+                <a:latin typeface="Courier New" panose="02070309020205020404" pitchFamily="49" charset="0"/>
+                <a:cs typeface="Courier New" panose="02070309020205020404" pitchFamily="49" charset="0"/>
+              </a:rPr>
+              <a:t>+= </a:t>
+            </a:r>
+            <a:r>
+              <a:rPr lang="en-GB" dirty="0" smtClean="0">
+                <a:latin typeface="Courier New" panose="02070309020205020404" pitchFamily="49" charset="0"/>
+                <a:cs typeface="Courier New" panose="02070309020205020404" pitchFamily="49" charset="0"/>
+              </a:rPr>
+              <a:t>1</a:t>
+            </a:r>
+            <a:r>
+              <a:rPr lang="en-GB" dirty="0">
+                <a:latin typeface="Courier New" panose="02070309020205020404" pitchFamily="49" charset="0"/>
+                <a:cs typeface="Courier New" panose="02070309020205020404" pitchFamily="49" charset="0"/>
+              </a:rPr>
+              <a:t>;</a:t>
+            </a:r>
+          </a:p>
+          <a:p>
+            <a:pPr marL="800100" lvl="2" indent="0">
+              <a:buNone/>
+            </a:pPr>
+            <a:r>
+              <a:rPr lang="sr-Latn-RS" dirty="0" smtClean="0">
+                <a:latin typeface="Courier New" panose="02070309020205020404" pitchFamily="49" charset="0"/>
+                <a:cs typeface="Courier New" panose="02070309020205020404" pitchFamily="49" charset="0"/>
+              </a:rPr>
+              <a:t>  </a:t>
+            </a:r>
+            <a:r>
+              <a:rPr lang="en-GB" dirty="0" smtClean="0">
+                <a:latin typeface="Courier New" panose="02070309020205020404" pitchFamily="49" charset="0"/>
+                <a:cs typeface="Courier New" panose="02070309020205020404" pitchFamily="49" charset="0"/>
+              </a:rPr>
+              <a:t>}</a:t>
+            </a:r>
+            <a:endParaRPr lang="en-GB" dirty="0">
+              <a:latin typeface="Courier New" panose="02070309020205020404" pitchFamily="49" charset="0"/>
+              <a:cs typeface="Courier New" panose="02070309020205020404" pitchFamily="49" charset="0"/>
+            </a:endParaRPr>
+          </a:p>
+          <a:p>
+            <a:pPr marL="800100" lvl="2" indent="0">
+              <a:buNone/>
+            </a:pPr>
+            <a:r>
+              <a:rPr lang="en-GB" dirty="0">
+                <a:latin typeface="Courier New" panose="02070309020205020404" pitchFamily="49" charset="0"/>
+                <a:cs typeface="Courier New" panose="02070309020205020404" pitchFamily="49" charset="0"/>
+              </a:rPr>
+              <a:t>};</a:t>
+            </a:r>
+          </a:p>
+          <a:p>
+            <a:pPr marL="800100" lvl="2" indent="0">
+              <a:buNone/>
+            </a:pPr>
+            <a:r>
               <a:rPr lang="en-GB" dirty="0" err="1">
                 <a:latin typeface="Courier New" panose="02070309020205020404" pitchFamily="49" charset="0"/>
                 <a:cs typeface="Courier New" panose="02070309020205020404" pitchFamily="49" charset="0"/>
               </a:rPr>
-              <a:t>studija</a:t>
-            </a:r>
-            <a:r>
-              <a:rPr lang="en-GB" dirty="0">
-                <a:latin typeface="Courier New" panose="02070309020205020404" pitchFamily="49" charset="0"/>
-                <a:cs typeface="Courier New" panose="02070309020205020404" pitchFamily="49" charset="0"/>
-              </a:rPr>
-              <a:t>"]=4</a:t>
-            </a:r>
+              <a:t>myObject.increment</a:t>
+            </a:r>
+            <a:r>
+              <a:rPr lang="en-GB" dirty="0">
+                <a:latin typeface="Courier New" panose="02070309020205020404" pitchFamily="49" charset="0"/>
+                <a:cs typeface="Courier New" panose="02070309020205020404" pitchFamily="49" charset="0"/>
+              </a:rPr>
+              <a:t>( );</a:t>
+            </a:r>
+          </a:p>
+          <a:p>
+            <a:pPr marL="800100" lvl="2" indent="0">
+              <a:buNone/>
+            </a:pPr>
+            <a:r>
+              <a:rPr lang="sr-Latn-RS" dirty="0" smtClean="0">
+                <a:latin typeface="Courier New" panose="02070309020205020404" pitchFamily="49" charset="0"/>
+                <a:cs typeface="Courier New" panose="02070309020205020404" pitchFamily="49" charset="0"/>
+              </a:rPr>
+              <a:t>Console.log</a:t>
+            </a:r>
+            <a:r>
+              <a:rPr lang="en-GB" dirty="0" smtClean="0">
+                <a:latin typeface="Courier New" panose="02070309020205020404" pitchFamily="49" charset="0"/>
+                <a:cs typeface="Courier New" panose="02070309020205020404" pitchFamily="49" charset="0"/>
+              </a:rPr>
+              <a:t>(</a:t>
+            </a:r>
+            <a:r>
+              <a:rPr lang="en-GB" dirty="0" err="1" smtClean="0">
+                <a:latin typeface="Courier New" panose="02070309020205020404" pitchFamily="49" charset="0"/>
+                <a:cs typeface="Courier New" panose="02070309020205020404" pitchFamily="49" charset="0"/>
+              </a:rPr>
+              <a:t>myObject.value</a:t>
+            </a:r>
+            <a:r>
+              <a:rPr lang="en-GB" dirty="0" smtClean="0">
+                <a:latin typeface="Courier New" panose="02070309020205020404" pitchFamily="49" charset="0"/>
+                <a:cs typeface="Courier New" panose="02070309020205020404" pitchFamily="49" charset="0"/>
+              </a:rPr>
+              <a:t>);</a:t>
+            </a:r>
+            <a:r>
+              <a:rPr lang="sr-Latn-RS" dirty="0" smtClean="0">
+                <a:latin typeface="Courier New" panose="02070309020205020404" pitchFamily="49" charset="0"/>
+                <a:cs typeface="Courier New" panose="02070309020205020404" pitchFamily="49" charset="0"/>
+              </a:rPr>
+              <a:t> // 1</a:t>
+            </a:r>
+          </a:p>
+          <a:p>
+            <a:r>
+              <a:rPr lang="sr-Latn-RS" dirty="0" smtClean="0">
+                <a:cs typeface="Courier New" panose="02070309020205020404" pitchFamily="49" charset="0"/>
+              </a:rPr>
+              <a:t>Ovako definisane funckije su </a:t>
+            </a:r>
+            <a:r>
+              <a:rPr lang="sr-Latn-RS" i="1" dirty="0" smtClean="0">
+                <a:cs typeface="Courier New" panose="02070309020205020404" pitchFamily="49" charset="0"/>
+              </a:rPr>
+              <a:t>javne metode</a:t>
+            </a:r>
+            <a:r>
+              <a:rPr lang="sr-Latn-RS" dirty="0" smtClean="0">
+                <a:cs typeface="Courier New" panose="02070309020205020404" pitchFamily="49" charset="0"/>
+              </a:rPr>
+              <a:t> objekta</a:t>
+            </a:r>
+            <a:endParaRPr lang="en-GB" dirty="0">
+              <a:cs typeface="Courier New" panose="02070309020205020404" pitchFamily="49" charset="0"/>
+            </a:endParaRPr>
           </a:p>
         </p:txBody>
       </p:sp>
     </p:spTree>
     <p:extLst>
       <p:ext uri="{BB962C8B-B14F-4D97-AF65-F5344CB8AC3E}">
-        <p14:creationId xmlns:p14="http://schemas.microsoft.com/office/powerpoint/2010/main" val="615891532"/>
+        <p14:creationId xmlns:p14="http://schemas.microsoft.com/office/powerpoint/2010/main" val="652773718"/>
       </p:ext>
     </p:extLst>
   </p:cSld>
@@ -5815,12 +10787,14 @@
         </p:nvSpPr>
         <p:spPr/>
         <p:txBody>
-          <a:bodyPr/>
+          <a:bodyPr>
+            <a:normAutofit/>
+          </a:bodyPr>
           <a:lstStyle/>
           <a:p>
             <a:r>
               <a:rPr lang="sr-Latn-RS" dirty="0" smtClean="0"/>
-              <a:t>Reference</a:t>
+              <a:t>Funkcije (u užem smislu reči)</a:t>
             </a:r>
             <a:endParaRPr lang="en-GB" dirty="0"/>
           </a:p>
@@ -5838,62 +10812,114 @@
         </p:nvSpPr>
         <p:spPr/>
         <p:txBody>
-          <a:bodyPr/>
+          <a:bodyPr>
+            <a:normAutofit fontScale="92500" lnSpcReduction="20000"/>
+          </a:bodyPr>
           <a:lstStyle/>
           <a:p>
             <a:r>
-              <a:rPr lang="sr-Latn-RS" dirty="0" smtClean="0"/>
-              <a:t>Objektima se </a:t>
-            </a:r>
-            <a:r>
-              <a:rPr lang="sr-Latn-RS" b="1" dirty="0" smtClean="0"/>
-              <a:t>uvek</a:t>
-            </a:r>
-            <a:r>
-              <a:rPr lang="sr-Latn-RS" dirty="0" smtClean="0"/>
-              <a:t> pristupa po referenci:</a:t>
-            </a:r>
-          </a:p>
-          <a:p>
-            <a:pPr marL="0" indent="0">
-              <a:buNone/>
-            </a:pPr>
-            <a:r>
-              <a:rPr lang="sr-Latn-RS" dirty="0">
-                <a:latin typeface="Courier New" panose="02070309020205020404" pitchFamily="49" charset="0"/>
-                <a:cs typeface="Courier New" panose="02070309020205020404" pitchFamily="49" charset="0"/>
-              </a:rPr>
-              <a:t>x = peraPeric["polozeni ispiti"];</a:t>
-            </a:r>
-          </a:p>
-          <a:p>
-            <a:pPr marL="0" indent="0">
-              <a:buNone/>
-            </a:pPr>
-            <a:r>
-              <a:rPr lang="sr-Latn-RS" dirty="0">
-                <a:latin typeface="Courier New" panose="02070309020205020404" pitchFamily="49" charset="0"/>
-                <a:cs typeface="Courier New" panose="02070309020205020404" pitchFamily="49" charset="0"/>
-              </a:rPr>
-              <a:t>x.push({"naziv":"Matematicka analiza 1", "ocena":8});</a:t>
-            </a:r>
-            <a:endParaRPr lang="sr-Latn-RS" dirty="0" smtClean="0">
-              <a:latin typeface="Courier New" panose="02070309020205020404" pitchFamily="49" charset="0"/>
+              <a:rPr lang="sr-Latn-RS" dirty="0" smtClean="0">
+                <a:cs typeface="Courier New" panose="02070309020205020404" pitchFamily="49" charset="0"/>
+              </a:rPr>
+              <a:t>Ako funkcija nije vrednost svojstva objekta, onda se poziva kao funkcija u užem smislu reči</a:t>
+            </a:r>
+          </a:p>
+          <a:p>
+            <a:pPr marL="0" indent="0">
+              <a:buNone/>
+            </a:pPr>
+            <a:r>
+              <a:rPr lang="sr-Latn-RS" dirty="0" smtClean="0">
+                <a:latin typeface="Courier New" panose="02070309020205020404" pitchFamily="49" charset="0"/>
+                <a:cs typeface="Courier New" panose="02070309020205020404" pitchFamily="49" charset="0"/>
+              </a:rPr>
+              <a:t>	var x = subtract(7,3)//4</a:t>
+            </a:r>
+          </a:p>
+          <a:p>
+            <a:r>
+              <a:rPr lang="sr-Latn-RS" dirty="0" smtClean="0">
+                <a:cs typeface="Courier New" panose="02070309020205020404" pitchFamily="49" charset="0"/>
+              </a:rPr>
+              <a:t>U ovom slučaju </a:t>
+            </a:r>
+            <a:r>
+              <a:rPr lang="sr-Latn-RS" dirty="0" smtClean="0">
+                <a:latin typeface="Courier New" panose="02070309020205020404" pitchFamily="49" charset="0"/>
+                <a:cs typeface="Courier New" panose="02070309020205020404" pitchFamily="49" charset="0"/>
+              </a:rPr>
+              <a:t>this</a:t>
+            </a:r>
+            <a:r>
+              <a:rPr lang="sr-Latn-RS" dirty="0" smtClean="0">
+                <a:cs typeface="Courier New" panose="02070309020205020404" pitchFamily="49" charset="0"/>
+              </a:rPr>
+              <a:t> je </a:t>
+            </a:r>
+            <a:r>
+              <a:rPr lang="sr-Latn-RS" b="1" dirty="0" smtClean="0">
+                <a:cs typeface="Courier New" panose="02070309020205020404" pitchFamily="49" charset="0"/>
+              </a:rPr>
+              <a:t>globalni objekat</a:t>
+            </a:r>
+            <a:r>
+              <a:rPr lang="sr-Latn-RS" dirty="0" smtClean="0">
+                <a:cs typeface="Courier New" panose="02070309020205020404" pitchFamily="49" charset="0"/>
+              </a:rPr>
+              <a:t>, bez obzira odakle je funkcija pozvana</a:t>
+            </a:r>
+          </a:p>
+          <a:p>
+            <a:r>
+              <a:rPr lang="sr-Latn-RS" dirty="0" smtClean="0">
+                <a:cs typeface="Courier New" panose="02070309020205020404" pitchFamily="49" charset="0"/>
+              </a:rPr>
+              <a:t>Bolje bi bilo da, ako je funkcija pozvana kao unitrašnja funkcija druge funkcije, </a:t>
+            </a:r>
+            <a:r>
+              <a:rPr lang="sr-Latn-RS" dirty="0" smtClean="0">
+                <a:latin typeface="Courier New" panose="02070309020205020404" pitchFamily="49" charset="0"/>
+                <a:cs typeface="Courier New" panose="02070309020205020404" pitchFamily="49" charset="0"/>
+              </a:rPr>
+              <a:t>this</a:t>
+            </a:r>
+            <a:r>
+              <a:rPr lang="sr-Latn-RS" dirty="0" smtClean="0">
+                <a:cs typeface="Courier New" panose="02070309020205020404" pitchFamily="49" charset="0"/>
+              </a:rPr>
+              <a:t> bude </a:t>
+            </a:r>
+            <a:r>
+              <a:rPr lang="sr-Latn-RS" dirty="0" smtClean="0">
+                <a:latin typeface="Courier New" panose="02070309020205020404" pitchFamily="49" charset="0"/>
+                <a:cs typeface="Courier New" panose="02070309020205020404" pitchFamily="49" charset="0"/>
+              </a:rPr>
+              <a:t>this</a:t>
+            </a:r>
+            <a:r>
+              <a:rPr lang="sr-Latn-RS" dirty="0" smtClean="0">
+                <a:cs typeface="Courier New" panose="02070309020205020404" pitchFamily="49" charset="0"/>
+              </a:rPr>
+              <a:t> spoljašnje funkcije</a:t>
+            </a:r>
+          </a:p>
+          <a:p>
+            <a:r>
+              <a:rPr lang="sr-Latn-RS" dirty="0" smtClean="0">
+                <a:cs typeface="Courier New" panose="02070309020205020404" pitchFamily="49" charset="0"/>
+              </a:rPr>
+              <a:t>Za definisanje helper funkcija moramo da koristimo colsure</a:t>
+            </a:r>
+            <a:endParaRPr lang="en-GB" dirty="0">
               <a:cs typeface="Courier New" panose="02070309020205020404" pitchFamily="49" charset="0"/>
             </a:endParaRPr>
-          </a:p>
-          <a:p>
-            <a:endParaRPr lang="sr-Latn-RS" dirty="0" smtClean="0"/>
-          </a:p>
-          <a:p>
-            <a:endParaRPr lang="en-GB" dirty="0"/>
           </a:p>
         </p:txBody>
       </p:sp>
     </p:spTree>
     <p:extLst>
       <p:ext uri="{BB962C8B-B14F-4D97-AF65-F5344CB8AC3E}">
-        <p14:creationId xmlns:p14="http://schemas.microsoft.com/office/powerpoint/2010/main" val="2126550096"/>
+        <p14:creationId xmlns:p14="http://schemas.microsoft.com/office/powerpoint/2010/main" val="615891532"/>
       </p:ext>
     </p:extLst>
   </p:cSld>
@@ -5944,7 +10970,7 @@
           <a:p>
             <a:r>
               <a:rPr lang="sr-Latn-RS" dirty="0" smtClean="0"/>
-              <a:t>Prototip</a:t>
+              <a:t>Helper funkcije i this objekat</a:t>
             </a:r>
             <a:endParaRPr lang="en-GB" dirty="0"/>
           </a:p>
@@ -5963,79 +10989,377 @@
         <p:spPr/>
         <p:txBody>
           <a:bodyPr>
-            <a:normAutofit fontScale="92500" lnSpcReduction="20000"/>
+            <a:normAutofit fontScale="77500" lnSpcReduction="20000"/>
           </a:bodyPr>
           <a:lstStyle/>
           <a:p>
-            <a:r>
-              <a:rPr lang="sr-Latn-RS" dirty="0" smtClean="0"/>
-              <a:t>JavaScript nema ugrađen mehanizam zadavanja klasa</a:t>
-            </a:r>
-          </a:p>
-          <a:p>
-            <a:r>
-              <a:rPr lang="sr-Latn-RS" dirty="0" smtClean="0"/>
-              <a:t>Jedan od mehanizama definisanja hijerarhije objekata je pomoću prototipova</a:t>
-            </a:r>
-          </a:p>
-          <a:p>
-            <a:r>
-              <a:rPr lang="sr-Latn-RS" dirty="0" smtClean="0"/>
-              <a:t>Svaki objekat ima prototip (</a:t>
-            </a:r>
-            <a:r>
-              <a:rPr lang="en-GB" dirty="0" smtClean="0"/>
-              <a:t>prototype</a:t>
-            </a:r>
-            <a:r>
-              <a:rPr lang="sr-Latn-RS" dirty="0" smtClean="0"/>
-              <a:t>)</a:t>
-            </a:r>
-          </a:p>
-          <a:p>
-            <a:r>
-              <a:rPr lang="sr-Latn-RS" dirty="0" smtClean="0"/>
-              <a:t>Svi objekti koji su kreirani kao objektni literali imaju kao prototip imaju </a:t>
+            <a:pPr marL="0" indent="0">
+              <a:buNone/>
+            </a:pPr>
+            <a:r>
+              <a:rPr lang="en-GB" dirty="0" err="1">
+                <a:latin typeface="Courier New" panose="02070309020205020404" pitchFamily="49" charset="0"/>
+                <a:cs typeface="Courier New" panose="02070309020205020404" pitchFamily="49" charset="0"/>
+              </a:rPr>
+              <a:t>v</a:t>
             </a:r>
             <a:r>
               <a:rPr lang="en-GB" dirty="0" err="1" smtClean="0">
                 <a:latin typeface="Courier New" panose="02070309020205020404" pitchFamily="49" charset="0"/>
                 <a:cs typeface="Courier New" panose="02070309020205020404" pitchFamily="49" charset="0"/>
               </a:rPr>
-              <a:t>Object.prototype</a:t>
-            </a:r>
-            <a:r>
-              <a:rPr lang="sr-Latn-RS" dirty="0" smtClean="0"/>
-              <a:t>, objekat koji je definisan u JavaScriptu</a:t>
-            </a:r>
-          </a:p>
-          <a:p>
-            <a:r>
-              <a:rPr lang="sr-Latn-RS" dirty="0" smtClean="0"/>
-              <a:t>Prilikom kreiranja novog objekta moguće je zadati njegov prototip</a:t>
-            </a:r>
-          </a:p>
-          <a:p>
-            <a:pPr lvl="1"/>
-            <a:r>
-              <a:rPr lang="sr-Latn-RS" dirty="0" smtClean="0"/>
-              <a:t>Object.create(prototipKreiranogObjekta);</a:t>
-            </a:r>
-            <a:endParaRPr lang="sr-Latn-RS" dirty="0"/>
-          </a:p>
-          <a:p>
-            <a:pPr lvl="1"/>
-            <a:endParaRPr lang="sr-Latn-RS" dirty="0" smtClean="0"/>
-          </a:p>
-          <a:p>
-            <a:endParaRPr lang="sr-Latn-RS" dirty="0" smtClean="0"/>
+              <a:t>ar</a:t>
+            </a:r>
+            <a:r>
+              <a:rPr lang="en-GB" dirty="0" smtClean="0">
+                <a:latin typeface="Courier New" panose="02070309020205020404" pitchFamily="49" charset="0"/>
+                <a:cs typeface="Courier New" panose="02070309020205020404" pitchFamily="49" charset="0"/>
+              </a:rPr>
+              <a:t> </a:t>
+            </a:r>
+            <a:r>
+              <a:rPr lang="en-GB" dirty="0" err="1" smtClean="0">
+                <a:latin typeface="Courier New" panose="02070309020205020404" pitchFamily="49" charset="0"/>
+                <a:cs typeface="Courier New" panose="02070309020205020404" pitchFamily="49" charset="0"/>
+              </a:rPr>
+              <a:t>myObject</a:t>
+            </a:r>
+            <a:r>
+              <a:rPr lang="en-GB" dirty="0" smtClean="0">
+                <a:latin typeface="Courier New" panose="02070309020205020404" pitchFamily="49" charset="0"/>
+                <a:cs typeface="Courier New" panose="02070309020205020404" pitchFamily="49" charset="0"/>
+              </a:rPr>
+              <a:t>={value:1};</a:t>
+            </a:r>
+          </a:p>
+          <a:p>
+            <a:pPr marL="0" indent="0">
+              <a:buNone/>
+            </a:pPr>
+            <a:r>
+              <a:rPr lang="en-GB" dirty="0" err="1" smtClean="0">
+                <a:latin typeface="Courier New" panose="02070309020205020404" pitchFamily="49" charset="0"/>
+                <a:cs typeface="Courier New" panose="02070309020205020404" pitchFamily="49" charset="0"/>
+              </a:rPr>
+              <a:t>myObject.double</a:t>
+            </a:r>
+            <a:r>
+              <a:rPr lang="en-GB" dirty="0" smtClean="0">
+                <a:latin typeface="Courier New" panose="02070309020205020404" pitchFamily="49" charset="0"/>
+                <a:cs typeface="Courier New" panose="02070309020205020404" pitchFamily="49" charset="0"/>
+              </a:rPr>
+              <a:t> </a:t>
+            </a:r>
+            <a:r>
+              <a:rPr lang="en-GB" dirty="0">
+                <a:latin typeface="Courier New" panose="02070309020205020404" pitchFamily="49" charset="0"/>
+                <a:cs typeface="Courier New" panose="02070309020205020404" pitchFamily="49" charset="0"/>
+              </a:rPr>
+              <a:t>= function ( ) {</a:t>
+            </a:r>
+          </a:p>
+          <a:p>
+            <a:pPr marL="0" indent="0">
+              <a:buNone/>
+            </a:pPr>
+            <a:r>
+              <a:rPr lang="sr-Latn-RS" dirty="0" smtClean="0">
+                <a:latin typeface="Courier New" panose="02070309020205020404" pitchFamily="49" charset="0"/>
+                <a:cs typeface="Courier New" panose="02070309020205020404" pitchFamily="49" charset="0"/>
+              </a:rPr>
+              <a:t>  </a:t>
+            </a:r>
+            <a:r>
+              <a:rPr lang="en-GB" b="1" dirty="0" err="1" smtClean="0">
+                <a:latin typeface="Courier New" panose="02070309020205020404" pitchFamily="49" charset="0"/>
+                <a:cs typeface="Courier New" panose="02070309020205020404" pitchFamily="49" charset="0"/>
+              </a:rPr>
+              <a:t>var</a:t>
+            </a:r>
+            <a:r>
+              <a:rPr lang="en-GB" b="1" dirty="0" smtClean="0">
+                <a:latin typeface="Courier New" panose="02070309020205020404" pitchFamily="49" charset="0"/>
+                <a:cs typeface="Courier New" panose="02070309020205020404" pitchFamily="49" charset="0"/>
+              </a:rPr>
+              <a:t> </a:t>
+            </a:r>
+            <a:r>
+              <a:rPr lang="en-GB" b="1" dirty="0">
+                <a:latin typeface="Courier New" panose="02070309020205020404" pitchFamily="49" charset="0"/>
+                <a:cs typeface="Courier New" panose="02070309020205020404" pitchFamily="49" charset="0"/>
+              </a:rPr>
+              <a:t>that = this;</a:t>
+            </a:r>
+            <a:r>
+              <a:rPr lang="en-GB" dirty="0">
+                <a:latin typeface="Courier New" panose="02070309020205020404" pitchFamily="49" charset="0"/>
+                <a:cs typeface="Courier New" panose="02070309020205020404" pitchFamily="49" charset="0"/>
+              </a:rPr>
+              <a:t> // </a:t>
+            </a:r>
+            <a:r>
+              <a:rPr lang="sr-Latn-RS" dirty="0" smtClean="0">
+                <a:latin typeface="Courier New" panose="02070309020205020404" pitchFamily="49" charset="0"/>
+                <a:cs typeface="Courier New" panose="02070309020205020404" pitchFamily="49" charset="0"/>
+              </a:rPr>
+              <a:t>closure</a:t>
+            </a:r>
+            <a:r>
+              <a:rPr lang="en-GB" dirty="0" smtClean="0">
+                <a:latin typeface="Courier New" panose="02070309020205020404" pitchFamily="49" charset="0"/>
+                <a:cs typeface="Courier New" panose="02070309020205020404" pitchFamily="49" charset="0"/>
+              </a:rPr>
+              <a:t>.</a:t>
+            </a:r>
+            <a:endParaRPr lang="en-GB" dirty="0">
+              <a:latin typeface="Courier New" panose="02070309020205020404" pitchFamily="49" charset="0"/>
+              <a:cs typeface="Courier New" panose="02070309020205020404" pitchFamily="49" charset="0"/>
+            </a:endParaRPr>
+          </a:p>
+          <a:p>
+            <a:pPr marL="0" indent="0">
+              <a:buNone/>
+            </a:pPr>
+            <a:r>
+              <a:rPr lang="sr-Latn-RS" dirty="0" smtClean="0">
+                <a:latin typeface="Courier New" panose="02070309020205020404" pitchFamily="49" charset="0"/>
+                <a:cs typeface="Courier New" panose="02070309020205020404" pitchFamily="49" charset="0"/>
+              </a:rPr>
+              <a:t>  </a:t>
+            </a:r>
+            <a:r>
+              <a:rPr lang="en-GB" dirty="0" err="1" smtClean="0">
+                <a:latin typeface="Courier New" panose="02070309020205020404" pitchFamily="49" charset="0"/>
+                <a:cs typeface="Courier New" panose="02070309020205020404" pitchFamily="49" charset="0"/>
+              </a:rPr>
+              <a:t>var</a:t>
+            </a:r>
+            <a:r>
+              <a:rPr lang="en-GB" dirty="0" smtClean="0">
+                <a:latin typeface="Courier New" panose="02070309020205020404" pitchFamily="49" charset="0"/>
+                <a:cs typeface="Courier New" panose="02070309020205020404" pitchFamily="49" charset="0"/>
+              </a:rPr>
+              <a:t> </a:t>
+            </a:r>
+            <a:r>
+              <a:rPr lang="en-GB" dirty="0">
+                <a:latin typeface="Courier New" panose="02070309020205020404" pitchFamily="49" charset="0"/>
+                <a:cs typeface="Courier New" panose="02070309020205020404" pitchFamily="49" charset="0"/>
+              </a:rPr>
+              <a:t>helper = function ( ) {</a:t>
+            </a:r>
+          </a:p>
+          <a:p>
+            <a:pPr marL="0" indent="0">
+              <a:buNone/>
+            </a:pPr>
+            <a:r>
+              <a:rPr lang="sr-Latn-RS" dirty="0" smtClean="0">
+                <a:latin typeface="Courier New" panose="02070309020205020404" pitchFamily="49" charset="0"/>
+                <a:cs typeface="Courier New" panose="02070309020205020404" pitchFamily="49" charset="0"/>
+              </a:rPr>
+              <a:t>  	</a:t>
+            </a:r>
+            <a:r>
+              <a:rPr lang="en-GB" b="1" dirty="0" err="1" smtClean="0">
+                <a:latin typeface="Courier New" panose="02070309020205020404" pitchFamily="49" charset="0"/>
+                <a:cs typeface="Courier New" panose="02070309020205020404" pitchFamily="49" charset="0"/>
+              </a:rPr>
+              <a:t>that.value</a:t>
+            </a:r>
+            <a:r>
+              <a:rPr lang="en-GB" dirty="0" smtClean="0">
+                <a:latin typeface="Courier New" panose="02070309020205020404" pitchFamily="49" charset="0"/>
+                <a:cs typeface="Courier New" panose="02070309020205020404" pitchFamily="49" charset="0"/>
+              </a:rPr>
+              <a:t> += </a:t>
+            </a:r>
+            <a:r>
+              <a:rPr lang="en-GB" b="1" dirty="0" err="1" smtClean="0">
+                <a:latin typeface="Courier New" panose="02070309020205020404" pitchFamily="49" charset="0"/>
+                <a:cs typeface="Courier New" panose="02070309020205020404" pitchFamily="49" charset="0"/>
+              </a:rPr>
+              <a:t>that.value</a:t>
+            </a:r>
+            <a:r>
+              <a:rPr lang="en-GB" dirty="0" smtClean="0">
+                <a:latin typeface="Courier New" panose="02070309020205020404" pitchFamily="49" charset="0"/>
+                <a:cs typeface="Courier New" panose="02070309020205020404" pitchFamily="49" charset="0"/>
+              </a:rPr>
+              <a:t>;</a:t>
+            </a:r>
+            <a:endParaRPr lang="en-GB" dirty="0">
+              <a:latin typeface="Courier New" panose="02070309020205020404" pitchFamily="49" charset="0"/>
+              <a:cs typeface="Courier New" panose="02070309020205020404" pitchFamily="49" charset="0"/>
+            </a:endParaRPr>
+          </a:p>
+          <a:p>
+            <a:pPr marL="0" indent="0">
+              <a:buNone/>
+            </a:pPr>
+            <a:r>
+              <a:rPr lang="sr-Latn-RS" dirty="0" smtClean="0">
+                <a:latin typeface="Courier New" panose="02070309020205020404" pitchFamily="49" charset="0"/>
+                <a:cs typeface="Courier New" panose="02070309020205020404" pitchFamily="49" charset="0"/>
+              </a:rPr>
+              <a:t>  </a:t>
+            </a:r>
+            <a:r>
+              <a:rPr lang="en-GB" dirty="0" smtClean="0">
+                <a:latin typeface="Courier New" panose="02070309020205020404" pitchFamily="49" charset="0"/>
+                <a:cs typeface="Courier New" panose="02070309020205020404" pitchFamily="49" charset="0"/>
+              </a:rPr>
+              <a:t>};</a:t>
+            </a:r>
+            <a:endParaRPr lang="en-GB" dirty="0">
+              <a:latin typeface="Courier New" panose="02070309020205020404" pitchFamily="49" charset="0"/>
+              <a:cs typeface="Courier New" panose="02070309020205020404" pitchFamily="49" charset="0"/>
+            </a:endParaRPr>
+          </a:p>
+          <a:p>
+            <a:pPr marL="0" indent="0">
+              <a:buNone/>
+            </a:pPr>
+            <a:r>
+              <a:rPr lang="sr-Latn-RS" dirty="0" smtClean="0">
+                <a:latin typeface="Courier New" panose="02070309020205020404" pitchFamily="49" charset="0"/>
+                <a:cs typeface="Courier New" panose="02070309020205020404" pitchFamily="49" charset="0"/>
+              </a:rPr>
+              <a:t>  </a:t>
+            </a:r>
+            <a:r>
+              <a:rPr lang="en-GB" dirty="0" smtClean="0">
+                <a:latin typeface="Courier New" panose="02070309020205020404" pitchFamily="49" charset="0"/>
+                <a:cs typeface="Courier New" panose="02070309020205020404" pitchFamily="49" charset="0"/>
+              </a:rPr>
+              <a:t>helper</a:t>
+            </a:r>
+            <a:r>
+              <a:rPr lang="en-GB" dirty="0">
+                <a:latin typeface="Courier New" panose="02070309020205020404" pitchFamily="49" charset="0"/>
+                <a:cs typeface="Courier New" panose="02070309020205020404" pitchFamily="49" charset="0"/>
+              </a:rPr>
+              <a:t>( ); // </a:t>
+            </a:r>
+            <a:r>
+              <a:rPr lang="sr-Latn-RS" dirty="0" smtClean="0">
+                <a:latin typeface="Courier New" panose="02070309020205020404" pitchFamily="49" charset="0"/>
+                <a:cs typeface="Courier New" panose="02070309020205020404" pitchFamily="49" charset="0"/>
+              </a:rPr>
+              <a:t>poziv helper funkcije</a:t>
+            </a:r>
+            <a:r>
+              <a:rPr lang="en-GB" dirty="0" smtClean="0">
+                <a:latin typeface="Courier New" panose="02070309020205020404" pitchFamily="49" charset="0"/>
+                <a:cs typeface="Courier New" panose="02070309020205020404" pitchFamily="49" charset="0"/>
+              </a:rPr>
+              <a:t>.</a:t>
+            </a:r>
+            <a:endParaRPr lang="en-GB" dirty="0">
+              <a:latin typeface="Courier New" panose="02070309020205020404" pitchFamily="49" charset="0"/>
+              <a:cs typeface="Courier New" panose="02070309020205020404" pitchFamily="49" charset="0"/>
+            </a:endParaRPr>
+          </a:p>
+          <a:p>
+            <a:pPr marL="0" indent="0">
+              <a:buNone/>
+            </a:pPr>
+            <a:r>
+              <a:rPr lang="en-GB" dirty="0">
+                <a:latin typeface="Courier New" panose="02070309020205020404" pitchFamily="49" charset="0"/>
+                <a:cs typeface="Courier New" panose="02070309020205020404" pitchFamily="49" charset="0"/>
+              </a:rPr>
+              <a:t>};</a:t>
+            </a:r>
+          </a:p>
+          <a:p>
+            <a:pPr marL="0" indent="0">
+              <a:buNone/>
+            </a:pPr>
+            <a:r>
+              <a:rPr lang="en-GB" dirty="0">
+                <a:latin typeface="Courier New" panose="02070309020205020404" pitchFamily="49" charset="0"/>
+                <a:cs typeface="Courier New" panose="02070309020205020404" pitchFamily="49" charset="0"/>
+              </a:rPr>
+              <a:t>// </a:t>
+            </a:r>
+            <a:r>
+              <a:rPr lang="sr-Latn-RS" dirty="0" smtClean="0">
+                <a:latin typeface="Courier New" panose="02070309020205020404" pitchFamily="49" charset="0"/>
+                <a:cs typeface="Courier New" panose="02070309020205020404" pitchFamily="49" charset="0"/>
+              </a:rPr>
+              <a:t>Poziv double metode</a:t>
+            </a:r>
+            <a:r>
+              <a:rPr lang="en-GB" dirty="0" smtClean="0">
+                <a:latin typeface="Courier New" panose="02070309020205020404" pitchFamily="49" charset="0"/>
+                <a:cs typeface="Courier New" panose="02070309020205020404" pitchFamily="49" charset="0"/>
+              </a:rPr>
+              <a:t>.</a:t>
+            </a:r>
+            <a:endParaRPr lang="en-GB" dirty="0">
+              <a:latin typeface="Courier New" panose="02070309020205020404" pitchFamily="49" charset="0"/>
+              <a:cs typeface="Courier New" panose="02070309020205020404" pitchFamily="49" charset="0"/>
+            </a:endParaRPr>
+          </a:p>
+          <a:p>
+            <a:pPr marL="0" indent="0">
+              <a:buNone/>
+            </a:pPr>
+            <a:r>
+              <a:rPr lang="en-GB" dirty="0" err="1">
+                <a:latin typeface="Courier New" panose="02070309020205020404" pitchFamily="49" charset="0"/>
+                <a:cs typeface="Courier New" panose="02070309020205020404" pitchFamily="49" charset="0"/>
+              </a:rPr>
+              <a:t>myObject.double</a:t>
+            </a:r>
+            <a:r>
+              <a:rPr lang="en-GB" dirty="0">
+                <a:latin typeface="Courier New" panose="02070309020205020404" pitchFamily="49" charset="0"/>
+                <a:cs typeface="Courier New" panose="02070309020205020404" pitchFamily="49" charset="0"/>
+              </a:rPr>
+              <a:t>( );</a:t>
+            </a:r>
+          </a:p>
+          <a:p>
+            <a:pPr marL="0" indent="0">
+              <a:buNone/>
+            </a:pPr>
+            <a:r>
+              <a:rPr lang="en-GB" dirty="0" err="1">
+                <a:latin typeface="Courier New" panose="02070309020205020404" pitchFamily="49" charset="0"/>
+                <a:cs typeface="Courier New" panose="02070309020205020404" pitchFamily="49" charset="0"/>
+              </a:rPr>
+              <a:t>document.writeln</a:t>
+            </a:r>
+            <a:r>
+              <a:rPr lang="en-GB" dirty="0">
+                <a:latin typeface="Courier New" panose="02070309020205020404" pitchFamily="49" charset="0"/>
+                <a:cs typeface="Courier New" panose="02070309020205020404" pitchFamily="49" charset="0"/>
+              </a:rPr>
+              <a:t>(</a:t>
+            </a:r>
+            <a:r>
+              <a:rPr lang="en-GB" dirty="0" err="1">
+                <a:latin typeface="Courier New" panose="02070309020205020404" pitchFamily="49" charset="0"/>
+                <a:cs typeface="Courier New" panose="02070309020205020404" pitchFamily="49" charset="0"/>
+              </a:rPr>
+              <a:t>myObject.value</a:t>
+            </a:r>
+            <a:r>
+              <a:rPr lang="en-GB" dirty="0">
+                <a:latin typeface="Courier New" panose="02070309020205020404" pitchFamily="49" charset="0"/>
+                <a:cs typeface="Courier New" panose="02070309020205020404" pitchFamily="49" charset="0"/>
+              </a:rPr>
+              <a:t>);</a:t>
+            </a:r>
           </a:p>
         </p:txBody>
       </p:sp>
     </p:spTree>
     <p:extLst>
       <p:ext uri="{BB962C8B-B14F-4D97-AF65-F5344CB8AC3E}">
-        <p14:creationId xmlns:p14="http://schemas.microsoft.com/office/powerpoint/2010/main" val="3515632785"/>
+        <p14:creationId xmlns:p14="http://schemas.microsoft.com/office/powerpoint/2010/main" val="955173732"/>
       </p:ext>
     </p:extLst>
   </p:cSld>
